--- a/pics/2019-09-04_natural_number_e/pics.pptx
+++ b/pics/2019-09-04_natural_number_e/pics.pptx
@@ -106,6 +106,11 @@
       </a:defRPr>
     </a:lvl9pPr>
   </p:defaultTextStyle>
+  <p:extLst>
+    <p:ext uri="{EFAFB233-063F-42B5-8137-9DF3F51BA10A}">
+      <p15:sldGuideLst xmlns:p15="http://schemas.microsoft.com/office/powerpoint/2012/main"/>
+    </p:ext>
+  </p:extLst>
 </p:presentation>
 </file>
 
@@ -3682,6 +3687,102 @@
           </a:p>
         </p:txBody>
       </p:sp>
+      <p:sp>
+        <p:nvSpPr>
+          <p:cNvPr id="3" name="원호 2">
+            <a:extLst>
+              <a:ext uri="{FF2B5EF4-FFF2-40B4-BE49-F238E27FC236}">
+                <a16:creationId xmlns:a16="http://schemas.microsoft.com/office/drawing/2014/main" id="{CBB2E81B-C0D5-4FB9-AB9F-2FDCCAC3BB8C}"/>
+              </a:ext>
+            </a:extLst>
+          </p:cNvPr>
+          <p:cNvSpPr/>
+          <p:nvPr/>
+        </p:nvSpPr>
+        <p:spPr>
+          <a:xfrm rot="10800000">
+            <a:off x="1766656" y="4852555"/>
+            <a:ext cx="5610688" cy="944046"/>
+          </a:xfrm>
+          <a:prstGeom prst="arc">
+            <a:avLst>
+              <a:gd name="adj1" fmla="val 10990092"/>
+              <a:gd name="adj2" fmla="val 21456843"/>
+            </a:avLst>
+          </a:prstGeom>
+          <a:ln w="57150">
+            <a:solidFill>
+              <a:schemeClr val="bg1">
+                <a:lumMod val="65000"/>
+              </a:schemeClr>
+            </a:solidFill>
+            <a:prstDash val="sysDash"/>
+            <a:headEnd type="triangle" w="med" len="med"/>
+            <a:tailEnd type="none" w="med" len="med"/>
+          </a:ln>
+        </p:spPr>
+        <p:style>
+          <a:lnRef idx="1">
+            <a:schemeClr val="accent1"/>
+          </a:lnRef>
+          <a:fillRef idx="0">
+            <a:schemeClr val="accent1"/>
+          </a:fillRef>
+          <a:effectRef idx="0">
+            <a:schemeClr val="accent1"/>
+          </a:effectRef>
+          <a:fontRef idx="minor">
+            <a:schemeClr val="tx1"/>
+          </a:fontRef>
+        </p:style>
+        <p:txBody>
+          <a:bodyPr rtlCol="0" anchor="ctr"/>
+          <a:lstStyle/>
+          <a:p>
+            <a:pPr algn="ctr"/>
+            <a:endParaRPr lang="ko-KR" altLang="en-US"/>
+          </a:p>
+        </p:txBody>
+      </p:sp>
+      <p:sp>
+        <p:nvSpPr>
+          <p:cNvPr id="4" name="TextBox 3">
+            <a:extLst>
+              <a:ext uri="{FF2B5EF4-FFF2-40B4-BE49-F238E27FC236}">
+                <a16:creationId xmlns:a16="http://schemas.microsoft.com/office/drawing/2014/main" id="{02A7F6F3-13DA-4C46-8CB9-91DC54CCF8E6}"/>
+              </a:ext>
+            </a:extLst>
+          </p:cNvPr>
+          <p:cNvSpPr txBox="1"/>
+          <p:nvPr/>
+        </p:nvSpPr>
+        <p:spPr>
+          <a:xfrm>
+            <a:off x="3964302" y="5894772"/>
+            <a:ext cx="1215397" cy="369332"/>
+          </a:xfrm>
+          <a:prstGeom prst="rect">
+            <a:avLst/>
+          </a:prstGeom>
+          <a:noFill/>
+        </p:spPr>
+        <p:txBody>
+          <a:bodyPr wrap="none" rtlCol="0">
+            <a:spAutoFit/>
+          </a:bodyPr>
+          <a:lstStyle/>
+          <a:p>
+            <a:r>
+              <a:rPr lang="en-US" altLang="ko-KR"/>
+              <a:t>100% </a:t>
+            </a:r>
+            <a:r>
+              <a:rPr lang="ko-KR" altLang="en-US" dirty="0"/>
+              <a:t>성장</a:t>
+            </a:r>
+          </a:p>
+        </p:txBody>
+      </p:sp>
     </p:spTree>
     <p:extLst>
       <p:ext uri="{BB962C8B-B14F-4D97-AF65-F5344CB8AC3E}">
@@ -3726,7 +3827,7 @@
         </p:nvCxnSpPr>
         <p:spPr>
           <a:xfrm>
-            <a:off x="1020932" y="5640576"/>
+            <a:off x="1020932" y="4703027"/>
             <a:ext cx="7279689" cy="0"/>
           </a:xfrm>
           <a:prstGeom prst="straightConnector1">
@@ -3768,7 +3869,7 @@
         </p:nvCxnSpPr>
         <p:spPr>
           <a:xfrm>
-            <a:off x="1473694" y="5400878"/>
+            <a:off x="1473694" y="4463329"/>
             <a:ext cx="0" cy="514905"/>
           </a:xfrm>
           <a:prstGeom prst="line">
@@ -3809,7 +3910,7 @@
         </p:nvSpPr>
         <p:spPr>
           <a:xfrm>
-            <a:off x="1145220" y="5915783"/>
+            <a:off x="1145220" y="4978234"/>
             <a:ext cx="646331" cy="369332"/>
           </a:xfrm>
           <a:prstGeom prst="rect">
@@ -3845,7 +3946,7 @@
         </p:nvSpPr>
         <p:spPr>
           <a:xfrm>
-            <a:off x="945345" y="4171745"/>
+            <a:off x="945345" y="3234196"/>
             <a:ext cx="1080000" cy="1080000"/>
           </a:xfrm>
           <a:prstGeom prst="ellipse">
@@ -3917,7 +4018,7 @@
         </p:nvCxnSpPr>
         <p:spPr>
           <a:xfrm>
-            <a:off x="7510509" y="5400878"/>
+            <a:off x="7510509" y="4463329"/>
             <a:ext cx="0" cy="514905"/>
           </a:xfrm>
           <a:prstGeom prst="line">
@@ -3958,7 +4059,7 @@
         </p:nvSpPr>
         <p:spPr>
           <a:xfrm>
-            <a:off x="7107442" y="5915783"/>
+            <a:off x="7107442" y="4978234"/>
             <a:ext cx="816249" cy="369332"/>
           </a:xfrm>
           <a:prstGeom prst="rect">
@@ -3998,7 +4099,7 @@
         </p:nvSpPr>
         <p:spPr>
           <a:xfrm>
-            <a:off x="6987469" y="4171745"/>
+            <a:off x="6987469" y="3234196"/>
             <a:ext cx="1080000" cy="1080000"/>
           </a:xfrm>
           <a:prstGeom prst="ellipse">
@@ -4070,7 +4171,7 @@
         </p:nvSpPr>
         <p:spPr>
           <a:xfrm>
-            <a:off x="7145869" y="3298392"/>
+            <a:off x="7145869" y="2360843"/>
             <a:ext cx="763200" cy="763200"/>
           </a:xfrm>
           <a:prstGeom prst="ellipse">
@@ -4139,7 +4240,7 @@
         </p:nvSpPr>
         <p:spPr>
           <a:xfrm>
-            <a:off x="7145869" y="2421599"/>
+            <a:off x="7145869" y="1484050"/>
             <a:ext cx="763200" cy="763200"/>
           </a:xfrm>
           <a:prstGeom prst="ellipse">
@@ -4208,7 +4309,7 @@
         </p:nvSpPr>
         <p:spPr>
           <a:xfrm>
-            <a:off x="7257469" y="1774886"/>
+            <a:off x="7257469" y="837337"/>
             <a:ext cx="540000" cy="540000"/>
           </a:xfrm>
           <a:prstGeom prst="ellipse">
@@ -4277,7 +4378,7 @@
         </p:nvSpPr>
         <p:spPr>
           <a:xfrm>
-            <a:off x="7701181" y="1583221"/>
+            <a:off x="7701181" y="645672"/>
             <a:ext cx="914400" cy="461665"/>
           </a:xfrm>
           <a:prstGeom prst="rect">
@@ -4313,7 +4414,7 @@
         </p:nvSpPr>
         <p:spPr>
           <a:xfrm>
-            <a:off x="3966407" y="4171745"/>
+            <a:off x="3966407" y="3234196"/>
             <a:ext cx="1080000" cy="1080000"/>
           </a:xfrm>
           <a:prstGeom prst="ellipse">
@@ -4385,7 +4486,7 @@
         </p:nvSpPr>
         <p:spPr>
           <a:xfrm>
-            <a:off x="4124807" y="2421599"/>
+            <a:off x="4124807" y="1484050"/>
             <a:ext cx="763200" cy="763200"/>
           </a:xfrm>
           <a:prstGeom prst="ellipse">
@@ -4454,7 +4555,7 @@
         </p:nvCxnSpPr>
         <p:spPr>
           <a:xfrm>
-            <a:off x="4501350" y="5400878"/>
+            <a:off x="4501350" y="4463329"/>
             <a:ext cx="0" cy="514905"/>
           </a:xfrm>
           <a:prstGeom prst="line">
@@ -4495,7 +4596,7 @@
         </p:nvSpPr>
         <p:spPr>
           <a:xfrm>
-            <a:off x="3982867" y="5915783"/>
+            <a:off x="3982867" y="4978234"/>
             <a:ext cx="1047082" cy="369332"/>
           </a:xfrm>
           <a:prstGeom prst="rect">
@@ -4538,7 +4639,7 @@
         </p:nvCxnSpPr>
         <p:spPr>
           <a:xfrm>
-            <a:off x="2025345" y="4711745"/>
+            <a:off x="2025345" y="3774196"/>
             <a:ext cx="1941062" cy="0"/>
           </a:xfrm>
           <a:prstGeom prst="straightConnector1">
@@ -4585,7 +4686,7 @@
         </p:nvCxnSpPr>
         <p:spPr>
           <a:xfrm flipV="1">
-            <a:off x="2025345" y="2803199"/>
+            <a:off x="2025345" y="1865650"/>
             <a:ext cx="2099462" cy="1908546"/>
           </a:xfrm>
           <a:prstGeom prst="straightConnector1">
@@ -4632,7 +4733,7 @@
         </p:nvCxnSpPr>
         <p:spPr>
           <a:xfrm>
-            <a:off x="5046407" y="4711745"/>
+            <a:off x="5046407" y="3774196"/>
             <a:ext cx="1941062" cy="0"/>
           </a:xfrm>
           <a:prstGeom prst="straightConnector1">
@@ -4679,7 +4780,7 @@
         </p:nvCxnSpPr>
         <p:spPr>
           <a:xfrm flipV="1">
-            <a:off x="5046407" y="3679992"/>
+            <a:off x="5046407" y="2742443"/>
             <a:ext cx="2099462" cy="1031753"/>
           </a:xfrm>
           <a:prstGeom prst="straightConnector1">
@@ -4726,7 +4827,7 @@
         </p:nvCxnSpPr>
         <p:spPr>
           <a:xfrm>
-            <a:off x="4888007" y="2803199"/>
+            <a:off x="4888007" y="1865650"/>
             <a:ext cx="2257862" cy="0"/>
           </a:xfrm>
           <a:prstGeom prst="straightConnector1">
@@ -4773,7 +4874,7 @@
         </p:nvCxnSpPr>
         <p:spPr>
           <a:xfrm flipV="1">
-            <a:off x="4888007" y="2044886"/>
+            <a:off x="4888007" y="1107337"/>
             <a:ext cx="2369462" cy="758313"/>
           </a:xfrm>
           <a:prstGeom prst="straightConnector1">
@@ -4816,7 +4917,7 @@
         </p:nvSpPr>
         <p:spPr>
           <a:xfrm>
-            <a:off x="1143617" y="6188451"/>
+            <a:off x="1143617" y="5250902"/>
             <a:ext cx="647934" cy="461665"/>
           </a:xfrm>
           <a:prstGeom prst="rect">
@@ -4856,7 +4957,7 @@
         </p:nvSpPr>
         <p:spPr>
           <a:xfrm>
-            <a:off x="4052617" y="6188451"/>
+            <a:off x="4052617" y="5250902"/>
             <a:ext cx="885179" cy="461665"/>
           </a:xfrm>
           <a:prstGeom prst="rect">
@@ -4896,7 +4997,7 @@
         </p:nvSpPr>
         <p:spPr>
           <a:xfrm>
-            <a:off x="6985736" y="6188451"/>
+            <a:off x="6985736" y="5250902"/>
             <a:ext cx="1040670" cy="461665"/>
           </a:xfrm>
           <a:prstGeom prst="rect">
@@ -4918,6 +5019,198 @@
             <a:r>
               <a:rPr lang="ko-KR" altLang="en-US" sz="2400" b="1" dirty="0"/>
               <a:t>원</a:t>
+            </a:r>
+          </a:p>
+        </p:txBody>
+      </p:sp>
+      <p:sp>
+        <p:nvSpPr>
+          <p:cNvPr id="26" name="원호 25">
+            <a:extLst>
+              <a:ext uri="{FF2B5EF4-FFF2-40B4-BE49-F238E27FC236}">
+                <a16:creationId xmlns:a16="http://schemas.microsoft.com/office/drawing/2014/main" id="{5A10DD1E-9569-43F8-9EA2-D5D65FB8F9F0}"/>
+              </a:ext>
+            </a:extLst>
+          </p:cNvPr>
+          <p:cNvSpPr/>
+          <p:nvPr/>
+        </p:nvSpPr>
+        <p:spPr>
+          <a:xfrm rot="10800000">
+            <a:off x="1394039" y="5142741"/>
+            <a:ext cx="3107311" cy="944046"/>
+          </a:xfrm>
+          <a:prstGeom prst="arc">
+            <a:avLst>
+              <a:gd name="adj1" fmla="val 10990092"/>
+              <a:gd name="adj2" fmla="val 21456843"/>
+            </a:avLst>
+          </a:prstGeom>
+          <a:ln w="28575">
+            <a:solidFill>
+              <a:schemeClr val="bg1">
+                <a:lumMod val="65000"/>
+              </a:schemeClr>
+            </a:solidFill>
+            <a:prstDash val="sysDash"/>
+            <a:headEnd type="triangle" w="med" len="med"/>
+            <a:tailEnd type="none" w="med" len="med"/>
+          </a:ln>
+        </p:spPr>
+        <p:style>
+          <a:lnRef idx="1">
+            <a:schemeClr val="accent1"/>
+          </a:lnRef>
+          <a:fillRef idx="0">
+            <a:schemeClr val="accent1"/>
+          </a:fillRef>
+          <a:effectRef idx="0">
+            <a:schemeClr val="accent1"/>
+          </a:effectRef>
+          <a:fontRef idx="minor">
+            <a:schemeClr val="tx1"/>
+          </a:fontRef>
+        </p:style>
+        <p:txBody>
+          <a:bodyPr rtlCol="0" anchor="ctr"/>
+          <a:lstStyle/>
+          <a:p>
+            <a:pPr algn="ctr"/>
+            <a:endParaRPr lang="ko-KR" altLang="en-US"/>
+          </a:p>
+        </p:txBody>
+      </p:sp>
+      <p:sp>
+        <p:nvSpPr>
+          <p:cNvPr id="27" name="TextBox 26">
+            <a:extLst>
+              <a:ext uri="{FF2B5EF4-FFF2-40B4-BE49-F238E27FC236}">
+                <a16:creationId xmlns:a16="http://schemas.microsoft.com/office/drawing/2014/main" id="{EC76B7D6-B58D-4653-B990-BF4424F82032}"/>
+              </a:ext>
+            </a:extLst>
+          </p:cNvPr>
+          <p:cNvSpPr txBox="1"/>
+          <p:nvPr/>
+        </p:nvSpPr>
+        <p:spPr>
+          <a:xfrm>
+            <a:off x="2434477" y="6086788"/>
+            <a:ext cx="1098378" cy="369332"/>
+          </a:xfrm>
+          <a:prstGeom prst="rect">
+            <a:avLst/>
+          </a:prstGeom>
+          <a:noFill/>
+        </p:spPr>
+        <p:txBody>
+          <a:bodyPr wrap="none" rtlCol="0">
+            <a:spAutoFit/>
+          </a:bodyPr>
+          <a:lstStyle/>
+          <a:p>
+            <a:r>
+              <a:rPr lang="en-US" altLang="ko-KR"/>
+              <a:t>50% </a:t>
+            </a:r>
+            <a:r>
+              <a:rPr lang="ko-KR" altLang="en-US" dirty="0"/>
+              <a:t>성장</a:t>
+            </a:r>
+          </a:p>
+        </p:txBody>
+      </p:sp>
+      <p:sp>
+        <p:nvSpPr>
+          <p:cNvPr id="28" name="원호 27">
+            <a:extLst>
+              <a:ext uri="{FF2B5EF4-FFF2-40B4-BE49-F238E27FC236}">
+                <a16:creationId xmlns:a16="http://schemas.microsoft.com/office/drawing/2014/main" id="{A5D88A65-9367-486A-8AE7-A761CCA2294D}"/>
+              </a:ext>
+            </a:extLst>
+          </p:cNvPr>
+          <p:cNvSpPr/>
+          <p:nvPr/>
+        </p:nvSpPr>
+        <p:spPr>
+          <a:xfrm rot="10800000">
+            <a:off x="4545611" y="5142741"/>
+            <a:ext cx="3107311" cy="944046"/>
+          </a:xfrm>
+          <a:prstGeom prst="arc">
+            <a:avLst>
+              <a:gd name="adj1" fmla="val 10990092"/>
+              <a:gd name="adj2" fmla="val 21456843"/>
+            </a:avLst>
+          </a:prstGeom>
+          <a:ln w="28575">
+            <a:solidFill>
+              <a:schemeClr val="bg1">
+                <a:lumMod val="65000"/>
+              </a:schemeClr>
+            </a:solidFill>
+            <a:prstDash val="sysDash"/>
+            <a:headEnd type="triangle" w="med" len="med"/>
+            <a:tailEnd type="none" w="med" len="med"/>
+          </a:ln>
+        </p:spPr>
+        <p:style>
+          <a:lnRef idx="1">
+            <a:schemeClr val="accent1"/>
+          </a:lnRef>
+          <a:fillRef idx="0">
+            <a:schemeClr val="accent1"/>
+          </a:fillRef>
+          <a:effectRef idx="0">
+            <a:schemeClr val="accent1"/>
+          </a:effectRef>
+          <a:fontRef idx="minor">
+            <a:schemeClr val="tx1"/>
+          </a:fontRef>
+        </p:style>
+        <p:txBody>
+          <a:bodyPr rtlCol="0" anchor="ctr"/>
+          <a:lstStyle/>
+          <a:p>
+            <a:pPr algn="ctr"/>
+            <a:endParaRPr lang="ko-KR" altLang="en-US"/>
+          </a:p>
+        </p:txBody>
+      </p:sp>
+      <p:sp>
+        <p:nvSpPr>
+          <p:cNvPr id="29" name="TextBox 28">
+            <a:extLst>
+              <a:ext uri="{FF2B5EF4-FFF2-40B4-BE49-F238E27FC236}">
+                <a16:creationId xmlns:a16="http://schemas.microsoft.com/office/drawing/2014/main" id="{7DC6D3A9-47BC-4359-8BAD-2AFDCD29BD5B}"/>
+              </a:ext>
+            </a:extLst>
+          </p:cNvPr>
+          <p:cNvSpPr txBox="1"/>
+          <p:nvPr/>
+        </p:nvSpPr>
+        <p:spPr>
+          <a:xfrm>
+            <a:off x="5586049" y="6086788"/>
+            <a:ext cx="1098378" cy="369332"/>
+          </a:xfrm>
+          <a:prstGeom prst="rect">
+            <a:avLst/>
+          </a:prstGeom>
+          <a:noFill/>
+        </p:spPr>
+        <p:txBody>
+          <a:bodyPr wrap="none" rtlCol="0">
+            <a:spAutoFit/>
+          </a:bodyPr>
+          <a:lstStyle/>
+          <a:p>
+            <a:r>
+              <a:rPr lang="en-US" altLang="ko-KR"/>
+              <a:t>50% </a:t>
+            </a:r>
+            <a:r>
+              <a:rPr lang="ko-KR" altLang="en-US" dirty="0"/>
+              <a:t>성장</a:t>
             </a:r>
           </a:p>
         </p:txBody>
@@ -4952,2541 +5245,2913 @@
           <a:chExt cx="0" cy="0"/>
         </a:xfrm>
       </p:grpSpPr>
-      <p:cxnSp>
-        <p:nvCxnSpPr>
-          <p:cNvPr id="5" name="직선 화살표 연결선 4">
+      <p:grpSp>
+        <p:nvGrpSpPr>
+          <p:cNvPr id="2" name="그룹 1">
             <a:extLst>
               <a:ext uri="{FF2B5EF4-FFF2-40B4-BE49-F238E27FC236}">
-                <a16:creationId xmlns:a16="http://schemas.microsoft.com/office/drawing/2014/main" id="{3048DF74-5E5E-4CB8-86FF-80D42183DF68}"/>
+                <a16:creationId xmlns:a16="http://schemas.microsoft.com/office/drawing/2014/main" id="{24E53B73-DF1A-42C3-8E9B-10BC4F4CDA32}"/>
               </a:ext>
             </a:extLst>
           </p:cNvPr>
-          <p:cNvCxnSpPr/>
+          <p:cNvGrpSpPr/>
           <p:nvPr/>
-        </p:nvCxnSpPr>
-        <p:spPr>
+        </p:nvGrpSpPr>
+        <p:grpSpPr>
           <a:xfrm>
-            <a:off x="1075885" y="5509305"/>
-            <a:ext cx="7065594" cy="0"/>
+            <a:off x="1308272" y="226153"/>
+            <a:ext cx="6527456" cy="5851695"/>
+            <a:chOff x="1002521" y="226153"/>
+            <a:chExt cx="7138958" cy="6399891"/>
           </a:xfrm>
-          <a:prstGeom prst="straightConnector1">
-            <a:avLst/>
-          </a:prstGeom>
-          <a:ln w="57150">
+        </p:grpSpPr>
+        <p:cxnSp>
+          <p:nvCxnSpPr>
+            <p:cNvPr id="5" name="직선 화살표 연결선 4">
+              <a:extLst>
+                <a:ext uri="{FF2B5EF4-FFF2-40B4-BE49-F238E27FC236}">
+                  <a16:creationId xmlns:a16="http://schemas.microsoft.com/office/drawing/2014/main" id="{3048DF74-5E5E-4CB8-86FF-80D42183DF68}"/>
+                </a:ext>
+              </a:extLst>
+            </p:cNvPr>
+            <p:cNvCxnSpPr/>
+            <p:nvPr/>
+          </p:nvCxnSpPr>
+          <p:spPr>
+            <a:xfrm>
+              <a:off x="1075885" y="5509305"/>
+              <a:ext cx="7065594" cy="0"/>
+            </a:xfrm>
+            <a:prstGeom prst="straightConnector1">
+              <a:avLst/>
+            </a:prstGeom>
+            <a:ln w="57150">
+              <a:solidFill>
+                <a:schemeClr val="tx1"/>
+              </a:solidFill>
+              <a:tailEnd type="triangle"/>
+            </a:ln>
+          </p:spPr>
+          <p:style>
+            <a:lnRef idx="1">
+              <a:schemeClr val="accent1"/>
+            </a:lnRef>
+            <a:fillRef idx="0">
+              <a:schemeClr val="accent1"/>
+            </a:fillRef>
+            <a:effectRef idx="0">
+              <a:schemeClr val="accent1"/>
+            </a:effectRef>
+            <a:fontRef idx="minor">
+              <a:schemeClr val="tx1"/>
+            </a:fontRef>
+          </p:style>
+        </p:cxnSp>
+        <p:cxnSp>
+          <p:nvCxnSpPr>
+            <p:cNvPr id="7" name="직선 연결선 6">
+              <a:extLst>
+                <a:ext uri="{FF2B5EF4-FFF2-40B4-BE49-F238E27FC236}">
+                  <a16:creationId xmlns:a16="http://schemas.microsoft.com/office/drawing/2014/main" id="{AF1934DE-E570-4214-9B15-4FA9BCADD148}"/>
+                </a:ext>
+              </a:extLst>
+            </p:cNvPr>
+            <p:cNvCxnSpPr/>
+            <p:nvPr/>
+          </p:nvCxnSpPr>
+          <p:spPr>
+            <a:xfrm>
+              <a:off x="1515331" y="5281240"/>
+              <a:ext cx="0" cy="489914"/>
+            </a:xfrm>
+            <a:prstGeom prst="line">
+              <a:avLst/>
+            </a:prstGeom>
+            <a:ln w="19050">
+              <a:solidFill>
+                <a:schemeClr val="tx1"/>
+              </a:solidFill>
+            </a:ln>
+          </p:spPr>
+          <p:style>
+            <a:lnRef idx="1">
+              <a:schemeClr val="accent1"/>
+            </a:lnRef>
+            <a:fillRef idx="0">
+              <a:schemeClr val="accent1"/>
+            </a:fillRef>
+            <a:effectRef idx="0">
+              <a:schemeClr val="accent1"/>
+            </a:effectRef>
+            <a:fontRef idx="minor">
+              <a:schemeClr val="tx1"/>
+            </a:fontRef>
+          </p:style>
+        </p:cxnSp>
+        <p:sp>
+          <p:nvSpPr>
+            <p:cNvPr id="9" name="TextBox 8">
+              <a:extLst>
+                <a:ext uri="{FF2B5EF4-FFF2-40B4-BE49-F238E27FC236}">
+                  <a16:creationId xmlns:a16="http://schemas.microsoft.com/office/drawing/2014/main" id="{26C6BEE3-45C9-48D2-8CBC-780F4116447E}"/>
+                </a:ext>
+              </a:extLst>
+            </p:cNvPr>
+            <p:cNvSpPr txBox="1"/>
+            <p:nvPr/>
+          </p:nvSpPr>
+          <p:spPr>
+            <a:xfrm>
+              <a:off x="1212661" y="5771155"/>
+              <a:ext cx="595035" cy="338554"/>
+            </a:xfrm>
+            <a:prstGeom prst="rect">
+              <a:avLst/>
+            </a:prstGeom>
+            <a:noFill/>
+          </p:spPr>
+          <p:txBody>
+            <a:bodyPr wrap="none" rtlCol="0">
+              <a:spAutoFit/>
+            </a:bodyPr>
+            <a:lstStyle/>
+            <a:p>
+              <a:pPr algn="ctr"/>
+              <a:r>
+                <a:rPr lang="ko-KR" altLang="en-US" sz="1400"/>
+                <a:t>현재</a:t>
+              </a:r>
+            </a:p>
+          </p:txBody>
+        </p:sp>
+        <p:sp>
+          <p:nvSpPr>
+            <p:cNvPr id="11" name="타원 10">
+              <a:extLst>
+                <a:ext uri="{FF2B5EF4-FFF2-40B4-BE49-F238E27FC236}">
+                  <a16:creationId xmlns:a16="http://schemas.microsoft.com/office/drawing/2014/main" id="{2A127D0C-EC26-4CE3-9068-6F2B3AD119BB}"/>
+                </a:ext>
+              </a:extLst>
+            </p:cNvPr>
+            <p:cNvSpPr/>
+            <p:nvPr/>
+          </p:nvSpPr>
+          <p:spPr>
+            <a:xfrm>
+              <a:off x="1002521" y="4111762"/>
+              <a:ext cx="1048237" cy="1027583"/>
+            </a:xfrm>
+            <a:prstGeom prst="ellipse">
+              <a:avLst/>
+            </a:prstGeom>
             <a:solidFill>
+              <a:schemeClr val="accent1">
+                <a:lumMod val="20000"/>
+                <a:lumOff val="80000"/>
+              </a:schemeClr>
+            </a:solidFill>
+            <a:ln w="28575">
+              <a:solidFill>
+                <a:schemeClr val="tx1"/>
+              </a:solidFill>
+            </a:ln>
+          </p:spPr>
+          <p:style>
+            <a:lnRef idx="2">
+              <a:schemeClr val="accent1">
+                <a:shade val="50000"/>
+              </a:schemeClr>
+            </a:lnRef>
+            <a:fillRef idx="1">
+              <a:schemeClr val="accent1"/>
+            </a:fillRef>
+            <a:effectRef idx="0">
+              <a:schemeClr val="accent1"/>
+            </a:effectRef>
+            <a:fontRef idx="minor">
+              <a:schemeClr val="lt1"/>
+            </a:fontRef>
+          </p:style>
+          <p:txBody>
+            <a:bodyPr rtlCol="0" anchor="ctr"/>
+            <a:lstStyle/>
+            <a:p>
+              <a:pPr algn="ctr"/>
+              <a:r>
+                <a:rPr lang="en-US" altLang="ko-KR" sz="2000" dirty="0">
+                  <a:solidFill>
+                    <a:schemeClr val="tx1"/>
+                  </a:solidFill>
+                </a:rPr>
+                <a:t>1</a:t>
+              </a:r>
+              <a:r>
+                <a:rPr lang="ko-KR" altLang="en-US" sz="2000" dirty="0">
+                  <a:solidFill>
+                    <a:schemeClr val="tx1"/>
+                  </a:solidFill>
+                </a:rPr>
+                <a:t>원</a:t>
+              </a:r>
+            </a:p>
+          </p:txBody>
+        </p:sp>
+        <p:cxnSp>
+          <p:nvCxnSpPr>
+            <p:cNvPr id="8" name="직선 연결선 7">
+              <a:extLst>
+                <a:ext uri="{FF2B5EF4-FFF2-40B4-BE49-F238E27FC236}">
+                  <a16:creationId xmlns:a16="http://schemas.microsoft.com/office/drawing/2014/main" id="{A064F863-9824-4F7E-BC19-817AD5FCA1EC}"/>
+                </a:ext>
+              </a:extLst>
+            </p:cNvPr>
+            <p:cNvCxnSpPr/>
+            <p:nvPr/>
+          </p:nvCxnSpPr>
+          <p:spPr>
+            <a:xfrm>
+              <a:off x="7374604" y="5281240"/>
+              <a:ext cx="0" cy="489914"/>
+            </a:xfrm>
+            <a:prstGeom prst="line">
+              <a:avLst/>
+            </a:prstGeom>
+            <a:ln w="19050">
+              <a:solidFill>
+                <a:schemeClr val="tx1"/>
+              </a:solidFill>
+            </a:ln>
+          </p:spPr>
+          <p:style>
+            <a:lnRef idx="1">
+              <a:schemeClr val="accent1"/>
+            </a:lnRef>
+            <a:fillRef idx="0">
+              <a:schemeClr val="accent1"/>
+            </a:fillRef>
+            <a:effectRef idx="0">
+              <a:schemeClr val="accent1"/>
+            </a:effectRef>
+            <a:fontRef idx="minor">
               <a:schemeClr val="tx1"/>
+            </a:fontRef>
+          </p:style>
+        </p:cxnSp>
+        <p:sp>
+          <p:nvSpPr>
+            <p:cNvPr id="10" name="TextBox 9">
+              <a:extLst>
+                <a:ext uri="{FF2B5EF4-FFF2-40B4-BE49-F238E27FC236}">
+                  <a16:creationId xmlns:a16="http://schemas.microsoft.com/office/drawing/2014/main" id="{4E9EF6EA-FFF8-40EF-93DB-618165D68796}"/>
+                </a:ext>
+              </a:extLst>
+            </p:cNvPr>
+            <p:cNvSpPr txBox="1"/>
+            <p:nvPr/>
+          </p:nvSpPr>
+          <p:spPr>
+            <a:xfrm>
+              <a:off x="7006654" y="5771155"/>
+              <a:ext cx="745717" cy="338554"/>
+            </a:xfrm>
+            <a:prstGeom prst="rect">
+              <a:avLst/>
+            </a:prstGeom>
+            <a:noFill/>
+          </p:spPr>
+          <p:txBody>
+            <a:bodyPr wrap="none" rtlCol="0">
+              <a:spAutoFit/>
+            </a:bodyPr>
+            <a:lstStyle/>
+            <a:p>
+              <a:pPr algn="ctr"/>
+              <a:r>
+                <a:rPr lang="en-US" altLang="ko-KR" sz="1400" dirty="0"/>
+                <a:t>1</a:t>
+              </a:r>
+              <a:r>
+                <a:rPr lang="ko-KR" altLang="en-US" sz="1400" dirty="0"/>
+                <a:t>년 뒤</a:t>
+              </a:r>
+            </a:p>
+          </p:txBody>
+        </p:sp>
+        <p:sp>
+          <p:nvSpPr>
+            <p:cNvPr id="12" name="타원 11">
+              <a:extLst>
+                <a:ext uri="{FF2B5EF4-FFF2-40B4-BE49-F238E27FC236}">
+                  <a16:creationId xmlns:a16="http://schemas.microsoft.com/office/drawing/2014/main" id="{CE33B9DA-EB3B-4332-BE24-7BAF31F9546E}"/>
+                </a:ext>
+              </a:extLst>
+            </p:cNvPr>
+            <p:cNvSpPr/>
+            <p:nvPr/>
+          </p:nvSpPr>
+          <p:spPr>
+            <a:xfrm>
+              <a:off x="6866947" y="4111762"/>
+              <a:ext cx="1048237" cy="1027583"/>
+            </a:xfrm>
+            <a:prstGeom prst="ellipse">
+              <a:avLst/>
+            </a:prstGeom>
+            <a:solidFill>
+              <a:schemeClr val="accent1">
+                <a:lumMod val="20000"/>
+                <a:lumOff val="80000"/>
+              </a:schemeClr>
             </a:solidFill>
-            <a:tailEnd type="triangle"/>
-          </a:ln>
-        </p:spPr>
-        <p:style>
-          <a:lnRef idx="1">
-            <a:schemeClr val="accent1"/>
-          </a:lnRef>
-          <a:fillRef idx="0">
-            <a:schemeClr val="accent1"/>
-          </a:fillRef>
-          <a:effectRef idx="0">
-            <a:schemeClr val="accent1"/>
-          </a:effectRef>
-          <a:fontRef idx="minor">
-            <a:schemeClr val="tx1"/>
-          </a:fontRef>
-        </p:style>
-      </p:cxnSp>
-      <p:cxnSp>
-        <p:nvCxnSpPr>
-          <p:cNvPr id="7" name="직선 연결선 6">
+            <a:ln w="28575">
+              <a:solidFill>
+                <a:schemeClr val="tx1"/>
+              </a:solidFill>
+            </a:ln>
+          </p:spPr>
+          <p:style>
+            <a:lnRef idx="2">
+              <a:schemeClr val="accent1">
+                <a:shade val="50000"/>
+              </a:schemeClr>
+            </a:lnRef>
+            <a:fillRef idx="1">
+              <a:schemeClr val="accent1"/>
+            </a:fillRef>
+            <a:effectRef idx="0">
+              <a:schemeClr val="accent1"/>
+            </a:effectRef>
+            <a:fontRef idx="minor">
+              <a:schemeClr val="lt1"/>
+            </a:fontRef>
+          </p:style>
+          <p:txBody>
+            <a:bodyPr rtlCol="0" anchor="ctr"/>
+            <a:lstStyle/>
+            <a:p>
+              <a:pPr algn="ctr"/>
+              <a:r>
+                <a:rPr lang="en-US" altLang="ko-KR" sz="2000" dirty="0">
+                  <a:solidFill>
+                    <a:schemeClr val="tx1"/>
+                  </a:solidFill>
+                </a:rPr>
+                <a:t>1</a:t>
+              </a:r>
+              <a:r>
+                <a:rPr lang="ko-KR" altLang="en-US" sz="2000" dirty="0">
+                  <a:solidFill>
+                    <a:schemeClr val="tx1"/>
+                  </a:solidFill>
+                </a:rPr>
+                <a:t>원</a:t>
+              </a:r>
+            </a:p>
+          </p:txBody>
+        </p:sp>
+        <p:sp>
+          <p:nvSpPr>
+            <p:cNvPr id="13" name="타원 12">
+              <a:extLst>
+                <a:ext uri="{FF2B5EF4-FFF2-40B4-BE49-F238E27FC236}">
+                  <a16:creationId xmlns:a16="http://schemas.microsoft.com/office/drawing/2014/main" id="{6EE1F3B5-CFEE-43DC-820C-44C5297DF226}"/>
+                </a:ext>
+              </a:extLst>
+            </p:cNvPr>
+            <p:cNvSpPr/>
+            <p:nvPr/>
+          </p:nvSpPr>
+          <p:spPr>
+            <a:xfrm>
+              <a:off x="5235344" y="2853716"/>
+              <a:ext cx="401824" cy="393907"/>
+            </a:xfrm>
+            <a:prstGeom prst="ellipse">
+              <a:avLst/>
+            </a:prstGeom>
+            <a:solidFill>
+              <a:schemeClr val="accent1">
+                <a:lumMod val="20000"/>
+                <a:lumOff val="80000"/>
+              </a:schemeClr>
+            </a:solidFill>
+            <a:ln w="28575">
+              <a:solidFill>
+                <a:schemeClr val="tx1"/>
+              </a:solidFill>
+            </a:ln>
+          </p:spPr>
+          <p:style>
+            <a:lnRef idx="2">
+              <a:schemeClr val="accent1">
+                <a:shade val="50000"/>
+              </a:schemeClr>
+            </a:lnRef>
+            <a:fillRef idx="1">
+              <a:schemeClr val="accent1"/>
+            </a:fillRef>
+            <a:effectRef idx="0">
+              <a:schemeClr val="accent1"/>
+            </a:effectRef>
+            <a:fontRef idx="minor">
+              <a:schemeClr val="lt1"/>
+            </a:fontRef>
+          </p:style>
+          <p:txBody>
+            <a:bodyPr rtlCol="0" anchor="ctr"/>
+            <a:lstStyle/>
+            <a:p>
+              <a:pPr algn="ctr"/>
+              <a:endParaRPr lang="ko-KR" altLang="en-US" sz="1600" dirty="0">
+                <a:solidFill>
+                  <a:schemeClr val="tx1"/>
+                </a:solidFill>
+              </a:endParaRPr>
+            </a:p>
+          </p:txBody>
+        </p:sp>
+        <p:sp>
+          <p:nvSpPr>
+            <p:cNvPr id="21" name="타원 20">
+              <a:extLst>
+                <a:ext uri="{FF2B5EF4-FFF2-40B4-BE49-F238E27FC236}">
+                  <a16:creationId xmlns:a16="http://schemas.microsoft.com/office/drawing/2014/main" id="{092D3612-DC5E-4C36-9D13-0353C9060E14}"/>
+                </a:ext>
+              </a:extLst>
+            </p:cNvPr>
+            <p:cNvSpPr/>
+            <p:nvPr/>
+          </p:nvSpPr>
+          <p:spPr>
+            <a:xfrm>
+              <a:off x="5235344" y="1739247"/>
+              <a:ext cx="401824" cy="393907"/>
+            </a:xfrm>
+            <a:prstGeom prst="ellipse">
+              <a:avLst/>
+            </a:prstGeom>
+            <a:solidFill>
+              <a:schemeClr val="accent1">
+                <a:lumMod val="20000"/>
+                <a:lumOff val="80000"/>
+              </a:schemeClr>
+            </a:solidFill>
+            <a:ln w="28575">
+              <a:solidFill>
+                <a:schemeClr val="tx1"/>
+              </a:solidFill>
+            </a:ln>
+          </p:spPr>
+          <p:style>
+            <a:lnRef idx="2">
+              <a:schemeClr val="accent1">
+                <a:shade val="50000"/>
+              </a:schemeClr>
+            </a:lnRef>
+            <a:fillRef idx="1">
+              <a:schemeClr val="accent1"/>
+            </a:fillRef>
+            <a:effectRef idx="0">
+              <a:schemeClr val="accent1"/>
+            </a:effectRef>
+            <a:fontRef idx="minor">
+              <a:schemeClr val="lt1"/>
+            </a:fontRef>
+          </p:style>
+          <p:txBody>
+            <a:bodyPr rtlCol="0" anchor="ctr"/>
+            <a:lstStyle/>
+            <a:p>
+              <a:pPr algn="ctr"/>
+              <a:endParaRPr lang="ko-KR" altLang="en-US" sz="1600" dirty="0">
+                <a:solidFill>
+                  <a:schemeClr val="tx1"/>
+                </a:solidFill>
+              </a:endParaRPr>
+            </a:p>
+          </p:txBody>
+        </p:sp>
+        <p:sp>
+          <p:nvSpPr>
+            <p:cNvPr id="22" name="타원 21">
+              <a:extLst>
+                <a:ext uri="{FF2B5EF4-FFF2-40B4-BE49-F238E27FC236}">
+                  <a16:creationId xmlns:a16="http://schemas.microsoft.com/office/drawing/2014/main" id="{614726C9-1BC5-43C7-B04D-3F847854E625}"/>
+                </a:ext>
+              </a:extLst>
+            </p:cNvPr>
+            <p:cNvSpPr/>
+            <p:nvPr/>
+          </p:nvSpPr>
+          <p:spPr>
+            <a:xfrm>
+              <a:off x="5313962" y="784196"/>
+              <a:ext cx="244589" cy="239769"/>
+            </a:xfrm>
+            <a:prstGeom prst="ellipse">
+              <a:avLst/>
+            </a:prstGeom>
+            <a:solidFill>
+              <a:schemeClr val="accent1">
+                <a:lumMod val="20000"/>
+                <a:lumOff val="80000"/>
+              </a:schemeClr>
+            </a:solidFill>
+            <a:ln w="28575">
+              <a:solidFill>
+                <a:schemeClr val="tx1"/>
+              </a:solidFill>
+            </a:ln>
+          </p:spPr>
+          <p:style>
+            <a:lnRef idx="2">
+              <a:schemeClr val="accent1">
+                <a:shade val="50000"/>
+              </a:schemeClr>
+            </a:lnRef>
+            <a:fillRef idx="1">
+              <a:schemeClr val="accent1"/>
+            </a:fillRef>
+            <a:effectRef idx="0">
+              <a:schemeClr val="accent1"/>
+            </a:effectRef>
+            <a:fontRef idx="minor">
+              <a:schemeClr val="lt1"/>
+            </a:fontRef>
+          </p:style>
+          <p:txBody>
+            <a:bodyPr rtlCol="0" anchor="ctr"/>
+            <a:lstStyle/>
+            <a:p>
+              <a:pPr algn="ctr"/>
+              <a:endParaRPr lang="ko-KR" altLang="en-US" sz="1050" dirty="0">
+                <a:solidFill>
+                  <a:schemeClr val="tx1"/>
+                </a:solidFill>
+              </a:endParaRPr>
+            </a:p>
+          </p:txBody>
+        </p:sp>
+        <p:sp>
+          <p:nvSpPr>
+            <p:cNvPr id="14" name="타원 13">
+              <a:extLst>
+                <a:ext uri="{FF2B5EF4-FFF2-40B4-BE49-F238E27FC236}">
+                  <a16:creationId xmlns:a16="http://schemas.microsoft.com/office/drawing/2014/main" id="{D5AE3287-1A33-4CA0-A988-68ABF63144AA}"/>
+                </a:ext>
+              </a:extLst>
+            </p:cNvPr>
+            <p:cNvSpPr/>
+            <p:nvPr/>
+          </p:nvSpPr>
+          <p:spPr>
+            <a:xfrm>
+              <a:off x="2957329" y="4111762"/>
+              <a:ext cx="1048237" cy="1027583"/>
+            </a:xfrm>
+            <a:prstGeom prst="ellipse">
+              <a:avLst/>
+            </a:prstGeom>
+            <a:solidFill>
+              <a:schemeClr val="accent1">
+                <a:lumMod val="20000"/>
+                <a:lumOff val="80000"/>
+              </a:schemeClr>
+            </a:solidFill>
+            <a:ln w="28575">
+              <a:solidFill>
+                <a:schemeClr val="tx1"/>
+              </a:solidFill>
+            </a:ln>
+          </p:spPr>
+          <p:style>
+            <a:lnRef idx="2">
+              <a:schemeClr val="accent1">
+                <a:shade val="50000"/>
+              </a:schemeClr>
+            </a:lnRef>
+            <a:fillRef idx="1">
+              <a:schemeClr val="accent1"/>
+            </a:fillRef>
+            <a:effectRef idx="0">
+              <a:schemeClr val="accent1"/>
+            </a:effectRef>
+            <a:fontRef idx="minor">
+              <a:schemeClr val="lt1"/>
+            </a:fontRef>
+          </p:style>
+          <p:txBody>
+            <a:bodyPr rtlCol="0" anchor="ctr"/>
+            <a:lstStyle/>
+            <a:p>
+              <a:pPr algn="ctr"/>
+              <a:r>
+                <a:rPr lang="en-US" altLang="ko-KR" sz="2000" dirty="0">
+                  <a:solidFill>
+                    <a:schemeClr val="tx1"/>
+                  </a:solidFill>
+                </a:rPr>
+                <a:t>1</a:t>
+              </a:r>
+              <a:r>
+                <a:rPr lang="ko-KR" altLang="en-US" sz="2000" dirty="0">
+                  <a:solidFill>
+                    <a:schemeClr val="tx1"/>
+                  </a:solidFill>
+                </a:rPr>
+                <a:t>원</a:t>
+              </a:r>
+            </a:p>
+          </p:txBody>
+        </p:sp>
+        <p:sp>
+          <p:nvSpPr>
+            <p:cNvPr id="17" name="타원 16">
+              <a:extLst>
+                <a:ext uri="{FF2B5EF4-FFF2-40B4-BE49-F238E27FC236}">
+                  <a16:creationId xmlns:a16="http://schemas.microsoft.com/office/drawing/2014/main" id="{64D0CB17-0D43-409B-96FF-698980383B1E}"/>
+                </a:ext>
+              </a:extLst>
+            </p:cNvPr>
+            <p:cNvSpPr/>
+            <p:nvPr/>
+          </p:nvSpPr>
+          <p:spPr>
+            <a:xfrm>
+              <a:off x="3280536" y="1739247"/>
+              <a:ext cx="401824" cy="393907"/>
+            </a:xfrm>
+            <a:prstGeom prst="ellipse">
+              <a:avLst/>
+            </a:prstGeom>
+            <a:solidFill>
+              <a:schemeClr val="accent1">
+                <a:lumMod val="20000"/>
+                <a:lumOff val="80000"/>
+              </a:schemeClr>
+            </a:solidFill>
+            <a:ln w="28575">
+              <a:solidFill>
+                <a:schemeClr val="tx1"/>
+              </a:solidFill>
+            </a:ln>
+          </p:spPr>
+          <p:style>
+            <a:lnRef idx="2">
+              <a:schemeClr val="accent1">
+                <a:shade val="50000"/>
+              </a:schemeClr>
+            </a:lnRef>
+            <a:fillRef idx="1">
+              <a:schemeClr val="accent1"/>
+            </a:fillRef>
+            <a:effectRef idx="0">
+              <a:schemeClr val="accent1"/>
+            </a:effectRef>
+            <a:fontRef idx="minor">
+              <a:schemeClr val="lt1"/>
+            </a:fontRef>
+          </p:style>
+          <p:txBody>
+            <a:bodyPr rtlCol="0" anchor="ctr"/>
+            <a:lstStyle/>
+            <a:p>
+              <a:pPr algn="ctr"/>
+              <a:endParaRPr lang="ko-KR" altLang="en-US" sz="600" dirty="0">
+                <a:solidFill>
+                  <a:schemeClr val="tx1"/>
+                </a:solidFill>
+              </a:endParaRPr>
+            </a:p>
+          </p:txBody>
+        </p:sp>
+        <p:cxnSp>
+          <p:nvCxnSpPr>
+            <p:cNvPr id="24" name="직선 연결선 23">
+              <a:extLst>
+                <a:ext uri="{FF2B5EF4-FFF2-40B4-BE49-F238E27FC236}">
+                  <a16:creationId xmlns:a16="http://schemas.microsoft.com/office/drawing/2014/main" id="{88879257-1E9C-4CF9-909B-3C89954AB66E}"/>
+                </a:ext>
+              </a:extLst>
+            </p:cNvPr>
+            <p:cNvCxnSpPr/>
+            <p:nvPr/>
+          </p:nvCxnSpPr>
+          <p:spPr>
+            <a:xfrm>
+              <a:off x="3476540" y="5281240"/>
+              <a:ext cx="0" cy="489914"/>
+            </a:xfrm>
+            <a:prstGeom prst="line">
+              <a:avLst/>
+            </a:prstGeom>
+            <a:ln w="19050">
+              <a:solidFill>
+                <a:schemeClr val="tx1"/>
+              </a:solidFill>
+            </a:ln>
+          </p:spPr>
+          <p:style>
+            <a:lnRef idx="1">
+              <a:schemeClr val="accent1"/>
+            </a:lnRef>
+            <a:fillRef idx="0">
+              <a:schemeClr val="accent1"/>
+            </a:fillRef>
+            <a:effectRef idx="0">
+              <a:schemeClr val="accent1"/>
+            </a:effectRef>
+            <a:fontRef idx="minor">
+              <a:schemeClr val="tx1"/>
+            </a:fontRef>
+          </p:style>
+        </p:cxnSp>
+        <p:sp>
+          <p:nvSpPr>
+            <p:cNvPr id="25" name="TextBox 24">
+              <a:extLst>
+                <a:ext uri="{FF2B5EF4-FFF2-40B4-BE49-F238E27FC236}">
+                  <a16:creationId xmlns:a16="http://schemas.microsoft.com/office/drawing/2014/main" id="{06493C71-E8DA-408C-BFAD-FA488F3C0B55}"/>
+                </a:ext>
+              </a:extLst>
+            </p:cNvPr>
+            <p:cNvSpPr txBox="1"/>
+            <p:nvPr/>
+          </p:nvSpPr>
+          <p:spPr>
+            <a:xfrm>
+              <a:off x="3005998" y="5771155"/>
+              <a:ext cx="950902" cy="338554"/>
+            </a:xfrm>
+            <a:prstGeom prst="rect">
+              <a:avLst/>
+            </a:prstGeom>
+            <a:noFill/>
+          </p:spPr>
+          <p:txBody>
+            <a:bodyPr wrap="none" rtlCol="0">
+              <a:spAutoFit/>
+            </a:bodyPr>
+            <a:lstStyle/>
+            <a:p>
+              <a:pPr algn="ctr"/>
+              <a:r>
+                <a:rPr lang="en-US" altLang="ko-KR" sz="1400" dirty="0"/>
+                <a:t>4</a:t>
+              </a:r>
+              <a:r>
+                <a:rPr lang="ko-KR" altLang="en-US" sz="1400" dirty="0"/>
+                <a:t>개월 뒤</a:t>
+              </a:r>
+            </a:p>
+          </p:txBody>
+        </p:sp>
+        <p:sp>
+          <p:nvSpPr>
+            <p:cNvPr id="26" name="타원 25">
+              <a:extLst>
+                <a:ext uri="{FF2B5EF4-FFF2-40B4-BE49-F238E27FC236}">
+                  <a16:creationId xmlns:a16="http://schemas.microsoft.com/office/drawing/2014/main" id="{E7CE0826-8DFF-406A-B72E-5AB481ECA150}"/>
+                </a:ext>
+              </a:extLst>
+            </p:cNvPr>
+            <p:cNvSpPr/>
+            <p:nvPr/>
+          </p:nvSpPr>
+          <p:spPr>
+            <a:xfrm>
+              <a:off x="4912137" y="4111762"/>
+              <a:ext cx="1048237" cy="1027583"/>
+            </a:xfrm>
+            <a:prstGeom prst="ellipse">
+              <a:avLst/>
+            </a:prstGeom>
+            <a:solidFill>
+              <a:schemeClr val="accent1">
+                <a:lumMod val="20000"/>
+                <a:lumOff val="80000"/>
+              </a:schemeClr>
+            </a:solidFill>
+            <a:ln w="28575">
+              <a:solidFill>
+                <a:schemeClr val="tx1"/>
+              </a:solidFill>
+            </a:ln>
+          </p:spPr>
+          <p:style>
+            <a:lnRef idx="2">
+              <a:schemeClr val="accent1">
+                <a:shade val="50000"/>
+              </a:schemeClr>
+            </a:lnRef>
+            <a:fillRef idx="1">
+              <a:schemeClr val="accent1"/>
+            </a:fillRef>
+            <a:effectRef idx="0">
+              <a:schemeClr val="accent1"/>
+            </a:effectRef>
+            <a:fontRef idx="minor">
+              <a:schemeClr val="lt1"/>
+            </a:fontRef>
+          </p:style>
+          <p:txBody>
+            <a:bodyPr rtlCol="0" anchor="ctr"/>
+            <a:lstStyle/>
+            <a:p>
+              <a:pPr algn="ctr"/>
+              <a:r>
+                <a:rPr lang="en-US" altLang="ko-KR" sz="2000" dirty="0">
+                  <a:solidFill>
+                    <a:schemeClr val="tx1"/>
+                  </a:solidFill>
+                </a:rPr>
+                <a:t>1</a:t>
+              </a:r>
+              <a:r>
+                <a:rPr lang="ko-KR" altLang="en-US" sz="2000" dirty="0">
+                  <a:solidFill>
+                    <a:schemeClr val="tx1"/>
+                  </a:solidFill>
+                </a:rPr>
+                <a:t>원</a:t>
+              </a:r>
+            </a:p>
+          </p:txBody>
+        </p:sp>
+        <p:cxnSp>
+          <p:nvCxnSpPr>
+            <p:cNvPr id="28" name="직선 연결선 27">
+              <a:extLst>
+                <a:ext uri="{FF2B5EF4-FFF2-40B4-BE49-F238E27FC236}">
+                  <a16:creationId xmlns:a16="http://schemas.microsoft.com/office/drawing/2014/main" id="{9A6E630A-B055-4F15-9D8E-71575DF75526}"/>
+                </a:ext>
+              </a:extLst>
+            </p:cNvPr>
+            <p:cNvCxnSpPr/>
+            <p:nvPr/>
+          </p:nvCxnSpPr>
+          <p:spPr>
+            <a:xfrm>
+              <a:off x="5431348" y="5281240"/>
+              <a:ext cx="0" cy="489914"/>
+            </a:xfrm>
+            <a:prstGeom prst="line">
+              <a:avLst/>
+            </a:prstGeom>
+            <a:ln w="19050">
+              <a:solidFill>
+                <a:schemeClr val="tx1"/>
+              </a:solidFill>
+            </a:ln>
+          </p:spPr>
+          <p:style>
+            <a:lnRef idx="1">
+              <a:schemeClr val="accent1"/>
+            </a:lnRef>
+            <a:fillRef idx="0">
+              <a:schemeClr val="accent1"/>
+            </a:fillRef>
+            <a:effectRef idx="0">
+              <a:schemeClr val="accent1"/>
+            </a:effectRef>
+            <a:fontRef idx="minor">
+              <a:schemeClr val="tx1"/>
+            </a:fontRef>
+          </p:style>
+        </p:cxnSp>
+        <p:sp>
+          <p:nvSpPr>
+            <p:cNvPr id="29" name="TextBox 28">
+              <a:extLst>
+                <a:ext uri="{FF2B5EF4-FFF2-40B4-BE49-F238E27FC236}">
+                  <a16:creationId xmlns:a16="http://schemas.microsoft.com/office/drawing/2014/main" id="{C8C5C25F-D412-40E1-AE7E-770066AD61F6}"/>
+                </a:ext>
+              </a:extLst>
+            </p:cNvPr>
+            <p:cNvSpPr txBox="1"/>
+            <p:nvPr/>
+          </p:nvSpPr>
+          <p:spPr>
+            <a:xfrm>
+              <a:off x="4960806" y="5771155"/>
+              <a:ext cx="950902" cy="338554"/>
+            </a:xfrm>
+            <a:prstGeom prst="rect">
+              <a:avLst/>
+            </a:prstGeom>
+            <a:noFill/>
+          </p:spPr>
+          <p:txBody>
+            <a:bodyPr wrap="none" rtlCol="0">
+              <a:spAutoFit/>
+            </a:bodyPr>
+            <a:lstStyle/>
+            <a:p>
+              <a:pPr algn="ctr"/>
+              <a:r>
+                <a:rPr lang="en-US" altLang="ko-KR" sz="1400" dirty="0"/>
+                <a:t>8</a:t>
+              </a:r>
+              <a:r>
+                <a:rPr lang="ko-KR" altLang="en-US" sz="1400" dirty="0"/>
+                <a:t>개월 뒤</a:t>
+              </a:r>
+            </a:p>
+          </p:txBody>
+        </p:sp>
+        <p:sp>
+          <p:nvSpPr>
+            <p:cNvPr id="40" name="타원 39">
+              <a:extLst>
+                <a:ext uri="{FF2B5EF4-FFF2-40B4-BE49-F238E27FC236}">
+                  <a16:creationId xmlns:a16="http://schemas.microsoft.com/office/drawing/2014/main" id="{5C31660C-627A-41E7-B52D-57D8B94DE146}"/>
+                </a:ext>
+              </a:extLst>
+            </p:cNvPr>
+            <p:cNvSpPr/>
+            <p:nvPr/>
+          </p:nvSpPr>
+          <p:spPr>
+            <a:xfrm>
+              <a:off x="7190153" y="3480098"/>
+              <a:ext cx="401824" cy="393907"/>
+            </a:xfrm>
+            <a:prstGeom prst="ellipse">
+              <a:avLst/>
+            </a:prstGeom>
+            <a:solidFill>
+              <a:schemeClr val="accent1">
+                <a:lumMod val="20000"/>
+                <a:lumOff val="80000"/>
+              </a:schemeClr>
+            </a:solidFill>
+            <a:ln w="28575">
+              <a:solidFill>
+                <a:schemeClr val="tx1"/>
+              </a:solidFill>
+            </a:ln>
+          </p:spPr>
+          <p:style>
+            <a:lnRef idx="2">
+              <a:schemeClr val="accent1">
+                <a:shade val="50000"/>
+              </a:schemeClr>
+            </a:lnRef>
+            <a:fillRef idx="1">
+              <a:schemeClr val="accent1"/>
+            </a:fillRef>
+            <a:effectRef idx="0">
+              <a:schemeClr val="accent1"/>
+            </a:effectRef>
+            <a:fontRef idx="minor">
+              <a:schemeClr val="lt1"/>
+            </a:fontRef>
+          </p:style>
+          <p:txBody>
+            <a:bodyPr rtlCol="0" anchor="ctr"/>
+            <a:lstStyle/>
+            <a:p>
+              <a:pPr algn="ctr"/>
+              <a:endParaRPr lang="ko-KR" altLang="en-US" sz="1600" dirty="0">
+                <a:solidFill>
+                  <a:schemeClr val="tx1"/>
+                </a:solidFill>
+              </a:endParaRPr>
+            </a:p>
+          </p:txBody>
+        </p:sp>
+        <p:sp>
+          <p:nvSpPr>
+            <p:cNvPr id="41" name="타원 40">
+              <a:extLst>
+                <a:ext uri="{FF2B5EF4-FFF2-40B4-BE49-F238E27FC236}">
+                  <a16:creationId xmlns:a16="http://schemas.microsoft.com/office/drawing/2014/main" id="{E12B89BB-4323-413C-B235-A5043E575B8F}"/>
+                </a:ext>
+              </a:extLst>
+            </p:cNvPr>
+            <p:cNvSpPr/>
+            <p:nvPr/>
+          </p:nvSpPr>
+          <p:spPr>
+            <a:xfrm>
+              <a:off x="7190153" y="2853716"/>
+              <a:ext cx="401824" cy="393907"/>
+            </a:xfrm>
+            <a:prstGeom prst="ellipse">
+              <a:avLst/>
+            </a:prstGeom>
+            <a:solidFill>
+              <a:schemeClr val="accent1">
+                <a:lumMod val="20000"/>
+                <a:lumOff val="80000"/>
+              </a:schemeClr>
+            </a:solidFill>
+            <a:ln w="28575">
+              <a:solidFill>
+                <a:schemeClr val="tx1"/>
+              </a:solidFill>
+            </a:ln>
+          </p:spPr>
+          <p:style>
+            <a:lnRef idx="2">
+              <a:schemeClr val="accent1">
+                <a:shade val="50000"/>
+              </a:schemeClr>
+            </a:lnRef>
+            <a:fillRef idx="1">
+              <a:schemeClr val="accent1"/>
+            </a:fillRef>
+            <a:effectRef idx="0">
+              <a:schemeClr val="accent1"/>
+            </a:effectRef>
+            <a:fontRef idx="minor">
+              <a:schemeClr val="lt1"/>
+            </a:fontRef>
+          </p:style>
+          <p:txBody>
+            <a:bodyPr rtlCol="0" anchor="ctr"/>
+            <a:lstStyle/>
+            <a:p>
+              <a:pPr algn="ctr"/>
+              <a:endParaRPr lang="ko-KR" altLang="en-US" sz="1600" dirty="0">
+                <a:solidFill>
+                  <a:schemeClr val="tx1"/>
+                </a:solidFill>
+              </a:endParaRPr>
+            </a:p>
+          </p:txBody>
+        </p:sp>
+        <p:sp>
+          <p:nvSpPr>
+            <p:cNvPr id="43" name="타원 42">
+              <a:extLst>
+                <a:ext uri="{FF2B5EF4-FFF2-40B4-BE49-F238E27FC236}">
+                  <a16:creationId xmlns:a16="http://schemas.microsoft.com/office/drawing/2014/main" id="{69ADC968-8E1B-447B-BA4B-0F0A8A636EB0}"/>
+                </a:ext>
+              </a:extLst>
+            </p:cNvPr>
+            <p:cNvSpPr/>
+            <p:nvPr/>
+          </p:nvSpPr>
+          <p:spPr>
+            <a:xfrm>
+              <a:off x="7268771" y="2370910"/>
+              <a:ext cx="244589" cy="239769"/>
+            </a:xfrm>
+            <a:prstGeom prst="ellipse">
+              <a:avLst/>
+            </a:prstGeom>
+            <a:solidFill>
+              <a:schemeClr val="accent1">
+                <a:lumMod val="20000"/>
+                <a:lumOff val="80000"/>
+              </a:schemeClr>
+            </a:solidFill>
+            <a:ln w="28575">
+              <a:solidFill>
+                <a:schemeClr val="tx1"/>
+              </a:solidFill>
+            </a:ln>
+          </p:spPr>
+          <p:style>
+            <a:lnRef idx="2">
+              <a:schemeClr val="accent1">
+                <a:shade val="50000"/>
+              </a:schemeClr>
+            </a:lnRef>
+            <a:fillRef idx="1">
+              <a:schemeClr val="accent1"/>
+            </a:fillRef>
+            <a:effectRef idx="0">
+              <a:schemeClr val="accent1"/>
+            </a:effectRef>
+            <a:fontRef idx="minor">
+              <a:schemeClr val="lt1"/>
+            </a:fontRef>
+          </p:style>
+          <p:txBody>
+            <a:bodyPr rtlCol="0" anchor="ctr"/>
+            <a:lstStyle/>
+            <a:p>
+              <a:pPr algn="ctr"/>
+              <a:endParaRPr lang="ko-KR" altLang="en-US" sz="1050" dirty="0">
+                <a:solidFill>
+                  <a:schemeClr val="tx1"/>
+                </a:solidFill>
+              </a:endParaRPr>
+            </a:p>
+          </p:txBody>
+        </p:sp>
+        <p:sp>
+          <p:nvSpPr>
+            <p:cNvPr id="49" name="타원 48">
+              <a:extLst>
+                <a:ext uri="{FF2B5EF4-FFF2-40B4-BE49-F238E27FC236}">
+                  <a16:creationId xmlns:a16="http://schemas.microsoft.com/office/drawing/2014/main" id="{7CA51D93-76B8-4672-9CD6-FA34364B4528}"/>
+                </a:ext>
+              </a:extLst>
+            </p:cNvPr>
+            <p:cNvSpPr/>
+            <p:nvPr/>
+          </p:nvSpPr>
+          <p:spPr>
+            <a:xfrm>
+              <a:off x="7190153" y="1739247"/>
+              <a:ext cx="401824" cy="393907"/>
+            </a:xfrm>
+            <a:prstGeom prst="ellipse">
+              <a:avLst/>
+            </a:prstGeom>
+            <a:solidFill>
+              <a:schemeClr val="accent1">
+                <a:lumMod val="20000"/>
+                <a:lumOff val="80000"/>
+              </a:schemeClr>
+            </a:solidFill>
+            <a:ln w="28575">
+              <a:solidFill>
+                <a:schemeClr val="tx1"/>
+              </a:solidFill>
+            </a:ln>
+          </p:spPr>
+          <p:style>
+            <a:lnRef idx="2">
+              <a:schemeClr val="accent1">
+                <a:shade val="50000"/>
+              </a:schemeClr>
+            </a:lnRef>
+            <a:fillRef idx="1">
+              <a:schemeClr val="accent1"/>
+            </a:fillRef>
+            <a:effectRef idx="0">
+              <a:schemeClr val="accent1"/>
+            </a:effectRef>
+            <a:fontRef idx="minor">
+              <a:schemeClr val="lt1"/>
+            </a:fontRef>
+          </p:style>
+          <p:txBody>
+            <a:bodyPr rtlCol="0" anchor="ctr"/>
+            <a:lstStyle/>
+            <a:p>
+              <a:pPr algn="ctr"/>
+              <a:endParaRPr lang="ko-KR" altLang="en-US" sz="1050" dirty="0">
+                <a:solidFill>
+                  <a:schemeClr val="tx1"/>
+                </a:solidFill>
+              </a:endParaRPr>
+            </a:p>
+          </p:txBody>
+        </p:sp>
+        <p:sp>
+          <p:nvSpPr>
+            <p:cNvPr id="50" name="타원 49">
+              <a:extLst>
+                <a:ext uri="{FF2B5EF4-FFF2-40B4-BE49-F238E27FC236}">
+                  <a16:creationId xmlns:a16="http://schemas.microsoft.com/office/drawing/2014/main" id="{9C064D83-926E-48EC-A464-D06BAA262E34}"/>
+                </a:ext>
+              </a:extLst>
+            </p:cNvPr>
+            <p:cNvSpPr/>
+            <p:nvPr/>
+          </p:nvSpPr>
+          <p:spPr>
+            <a:xfrm>
+              <a:off x="7268771" y="1261722"/>
+              <a:ext cx="244589" cy="239769"/>
+            </a:xfrm>
+            <a:prstGeom prst="ellipse">
+              <a:avLst/>
+            </a:prstGeom>
+            <a:solidFill>
+              <a:schemeClr val="accent1">
+                <a:lumMod val="20000"/>
+                <a:lumOff val="80000"/>
+              </a:schemeClr>
+            </a:solidFill>
+            <a:ln w="28575">
+              <a:solidFill>
+                <a:schemeClr val="tx1"/>
+              </a:solidFill>
+            </a:ln>
+          </p:spPr>
+          <p:style>
+            <a:lnRef idx="2">
+              <a:schemeClr val="accent1">
+                <a:shade val="50000"/>
+              </a:schemeClr>
+            </a:lnRef>
+            <a:fillRef idx="1">
+              <a:schemeClr val="accent1"/>
+            </a:fillRef>
+            <a:effectRef idx="0">
+              <a:schemeClr val="accent1"/>
+            </a:effectRef>
+            <a:fontRef idx="minor">
+              <a:schemeClr val="lt1"/>
+            </a:fontRef>
+          </p:style>
+          <p:txBody>
+            <a:bodyPr rtlCol="0" anchor="ctr"/>
+            <a:lstStyle/>
+            <a:p>
+              <a:pPr algn="ctr"/>
+              <a:endParaRPr lang="ko-KR" altLang="en-US" sz="1050" dirty="0">
+                <a:solidFill>
+                  <a:schemeClr val="tx1"/>
+                </a:solidFill>
+              </a:endParaRPr>
+            </a:p>
+          </p:txBody>
+        </p:sp>
+        <p:sp>
+          <p:nvSpPr>
+            <p:cNvPr id="51" name="타원 50">
+              <a:extLst>
+                <a:ext uri="{FF2B5EF4-FFF2-40B4-BE49-F238E27FC236}">
+                  <a16:creationId xmlns:a16="http://schemas.microsoft.com/office/drawing/2014/main" id="{1E1D5BBB-207E-4426-8639-4C4DCA485669}"/>
+                </a:ext>
+              </a:extLst>
+            </p:cNvPr>
+            <p:cNvSpPr/>
+            <p:nvPr/>
+          </p:nvSpPr>
+          <p:spPr>
+            <a:xfrm>
+              <a:off x="7268771" y="784196"/>
+              <a:ext cx="244589" cy="239769"/>
+            </a:xfrm>
+            <a:prstGeom prst="ellipse">
+              <a:avLst/>
+            </a:prstGeom>
+            <a:solidFill>
+              <a:schemeClr val="accent1">
+                <a:lumMod val="20000"/>
+                <a:lumOff val="80000"/>
+              </a:schemeClr>
+            </a:solidFill>
+            <a:ln w="28575">
+              <a:solidFill>
+                <a:schemeClr val="tx1"/>
+              </a:solidFill>
+            </a:ln>
+          </p:spPr>
+          <p:style>
+            <a:lnRef idx="2">
+              <a:schemeClr val="accent1">
+                <a:shade val="50000"/>
+              </a:schemeClr>
+            </a:lnRef>
+            <a:fillRef idx="1">
+              <a:schemeClr val="accent1"/>
+            </a:fillRef>
+            <a:effectRef idx="0">
+              <a:schemeClr val="accent1"/>
+            </a:effectRef>
+            <a:fontRef idx="minor">
+              <a:schemeClr val="lt1"/>
+            </a:fontRef>
+          </p:style>
+          <p:txBody>
+            <a:bodyPr rtlCol="0" anchor="ctr"/>
+            <a:lstStyle/>
+            <a:p>
+              <a:pPr algn="ctr"/>
+              <a:endParaRPr lang="ko-KR" altLang="en-US" sz="1050" dirty="0">
+                <a:solidFill>
+                  <a:schemeClr val="tx1"/>
+                </a:solidFill>
+              </a:endParaRPr>
+            </a:p>
+          </p:txBody>
+        </p:sp>
+        <p:sp>
+          <p:nvSpPr>
+            <p:cNvPr id="52" name="타원 51">
+              <a:extLst>
+                <a:ext uri="{FF2B5EF4-FFF2-40B4-BE49-F238E27FC236}">
+                  <a16:creationId xmlns:a16="http://schemas.microsoft.com/office/drawing/2014/main" id="{A2945E18-D277-4C9C-AD44-8DC113115BB5}"/>
+                </a:ext>
+              </a:extLst>
+            </p:cNvPr>
+            <p:cNvSpPr/>
+            <p:nvPr/>
+          </p:nvSpPr>
+          <p:spPr>
+            <a:xfrm>
+              <a:off x="7356124" y="477935"/>
+              <a:ext cx="69882" cy="68506"/>
+            </a:xfrm>
+            <a:prstGeom prst="ellipse">
+              <a:avLst/>
+            </a:prstGeom>
+            <a:solidFill>
+              <a:schemeClr val="accent1">
+                <a:lumMod val="20000"/>
+                <a:lumOff val="80000"/>
+              </a:schemeClr>
+            </a:solidFill>
+            <a:ln w="28575">
+              <a:solidFill>
+                <a:schemeClr val="tx1"/>
+              </a:solidFill>
+            </a:ln>
+          </p:spPr>
+          <p:style>
+            <a:lnRef idx="2">
+              <a:schemeClr val="accent1">
+                <a:shade val="50000"/>
+              </a:schemeClr>
+            </a:lnRef>
+            <a:fillRef idx="1">
+              <a:schemeClr val="accent1"/>
+            </a:fillRef>
+            <a:effectRef idx="0">
+              <a:schemeClr val="accent1"/>
+            </a:effectRef>
+            <a:fontRef idx="minor">
+              <a:schemeClr val="lt1"/>
+            </a:fontRef>
+          </p:style>
+          <p:txBody>
+            <a:bodyPr rtlCol="0" anchor="ctr"/>
+            <a:lstStyle/>
+            <a:p>
+              <a:pPr algn="ctr"/>
+              <a:endParaRPr lang="ko-KR" altLang="en-US" sz="1050" dirty="0">
+                <a:solidFill>
+                  <a:schemeClr val="tx1"/>
+                </a:solidFill>
+              </a:endParaRPr>
+            </a:p>
+          </p:txBody>
+        </p:sp>
+        <p:cxnSp>
+          <p:nvCxnSpPr>
+            <p:cNvPr id="53" name="직선 화살표 연결선 52">
+              <a:extLst>
+                <a:ext uri="{FF2B5EF4-FFF2-40B4-BE49-F238E27FC236}">
+                  <a16:creationId xmlns:a16="http://schemas.microsoft.com/office/drawing/2014/main" id="{4513CA63-E87D-435C-AB53-66F3EC906B5F}"/>
+                </a:ext>
+              </a:extLst>
+            </p:cNvPr>
+            <p:cNvCxnSpPr>
+              <a:cxnSpLocks/>
+              <a:stCxn id="11" idx="6"/>
+              <a:endCxn id="17" idx="2"/>
+            </p:cNvCxnSpPr>
+            <p:nvPr/>
+          </p:nvCxnSpPr>
+          <p:spPr>
+            <a:xfrm flipV="1">
+              <a:off x="2050758" y="1936201"/>
+              <a:ext cx="1229777" cy="2689353"/>
+            </a:xfrm>
+            <a:prstGeom prst="straightConnector1">
+              <a:avLst/>
+            </a:prstGeom>
+            <a:ln w="12700">
+              <a:solidFill>
+                <a:schemeClr val="tx1"/>
+              </a:solidFill>
+              <a:prstDash val="dash"/>
+              <a:tailEnd type="triangle"/>
+            </a:ln>
+          </p:spPr>
+          <p:style>
+            <a:lnRef idx="1">
+              <a:schemeClr val="accent1"/>
+            </a:lnRef>
+            <a:fillRef idx="0">
+              <a:schemeClr val="accent1"/>
+            </a:fillRef>
+            <a:effectRef idx="0">
+              <a:schemeClr val="accent1"/>
+            </a:effectRef>
+            <a:fontRef idx="minor">
+              <a:schemeClr val="tx1"/>
+            </a:fontRef>
+          </p:style>
+        </p:cxnSp>
+        <p:cxnSp>
+          <p:nvCxnSpPr>
+            <p:cNvPr id="54" name="직선 화살표 연결선 53">
+              <a:extLst>
+                <a:ext uri="{FF2B5EF4-FFF2-40B4-BE49-F238E27FC236}">
+                  <a16:creationId xmlns:a16="http://schemas.microsoft.com/office/drawing/2014/main" id="{9BF6BBB7-074D-421B-BFDF-3CC52BD115F3}"/>
+                </a:ext>
+              </a:extLst>
+            </p:cNvPr>
+            <p:cNvCxnSpPr>
+              <a:cxnSpLocks/>
+              <a:stCxn id="11" idx="6"/>
+              <a:endCxn id="14" idx="2"/>
+            </p:cNvCxnSpPr>
+            <p:nvPr/>
+          </p:nvCxnSpPr>
+          <p:spPr>
+            <a:xfrm>
+              <a:off x="2050758" y="4625554"/>
+              <a:ext cx="906571" cy="0"/>
+            </a:xfrm>
+            <a:prstGeom prst="straightConnector1">
+              <a:avLst/>
+            </a:prstGeom>
+            <a:ln w="12700">
+              <a:solidFill>
+                <a:schemeClr val="tx1"/>
+              </a:solidFill>
+              <a:prstDash val="dash"/>
+              <a:tailEnd type="triangle"/>
+            </a:ln>
+          </p:spPr>
+          <p:style>
+            <a:lnRef idx="1">
+              <a:schemeClr val="accent1"/>
+            </a:lnRef>
+            <a:fillRef idx="0">
+              <a:schemeClr val="accent1"/>
+            </a:fillRef>
+            <a:effectRef idx="0">
+              <a:schemeClr val="accent1"/>
+            </a:effectRef>
+            <a:fontRef idx="minor">
+              <a:schemeClr val="tx1"/>
+            </a:fontRef>
+          </p:style>
+        </p:cxnSp>
+        <p:cxnSp>
+          <p:nvCxnSpPr>
+            <p:cNvPr id="55" name="직선 화살표 연결선 54">
+              <a:extLst>
+                <a:ext uri="{FF2B5EF4-FFF2-40B4-BE49-F238E27FC236}">
+                  <a16:creationId xmlns:a16="http://schemas.microsoft.com/office/drawing/2014/main" id="{3363F537-1898-4552-A65D-4B36CF140902}"/>
+                </a:ext>
+              </a:extLst>
+            </p:cNvPr>
+            <p:cNvCxnSpPr>
+              <a:cxnSpLocks/>
+              <a:stCxn id="14" idx="6"/>
+              <a:endCxn id="26" idx="2"/>
+            </p:cNvCxnSpPr>
+            <p:nvPr/>
+          </p:nvCxnSpPr>
+          <p:spPr>
+            <a:xfrm>
+              <a:off x="4005567" y="4625554"/>
+              <a:ext cx="906571" cy="0"/>
+            </a:xfrm>
+            <a:prstGeom prst="straightConnector1">
+              <a:avLst/>
+            </a:prstGeom>
+            <a:ln w="12700">
+              <a:solidFill>
+                <a:schemeClr val="tx1"/>
+              </a:solidFill>
+              <a:prstDash val="dash"/>
+              <a:tailEnd type="triangle"/>
+            </a:ln>
+          </p:spPr>
+          <p:style>
+            <a:lnRef idx="1">
+              <a:schemeClr val="accent1"/>
+            </a:lnRef>
+            <a:fillRef idx="0">
+              <a:schemeClr val="accent1"/>
+            </a:fillRef>
+            <a:effectRef idx="0">
+              <a:schemeClr val="accent1"/>
+            </a:effectRef>
+            <a:fontRef idx="minor">
+              <a:schemeClr val="tx1"/>
+            </a:fontRef>
+          </p:style>
+        </p:cxnSp>
+        <p:cxnSp>
+          <p:nvCxnSpPr>
+            <p:cNvPr id="58" name="직선 화살표 연결선 57">
+              <a:extLst>
+                <a:ext uri="{FF2B5EF4-FFF2-40B4-BE49-F238E27FC236}">
+                  <a16:creationId xmlns:a16="http://schemas.microsoft.com/office/drawing/2014/main" id="{E5DE8531-A6BE-48BC-A5F8-6DF361EAAC20}"/>
+                </a:ext>
+              </a:extLst>
+            </p:cNvPr>
+            <p:cNvCxnSpPr>
+              <a:cxnSpLocks/>
+              <a:stCxn id="14" idx="6"/>
+              <a:endCxn id="13" idx="2"/>
+            </p:cNvCxnSpPr>
+            <p:nvPr/>
+          </p:nvCxnSpPr>
+          <p:spPr>
+            <a:xfrm flipV="1">
+              <a:off x="4005567" y="3050670"/>
+              <a:ext cx="1229777" cy="1574884"/>
+            </a:xfrm>
+            <a:prstGeom prst="straightConnector1">
+              <a:avLst/>
+            </a:prstGeom>
+            <a:ln w="12700">
+              <a:solidFill>
+                <a:schemeClr val="tx1"/>
+              </a:solidFill>
+              <a:prstDash val="dash"/>
+              <a:tailEnd type="triangle"/>
+            </a:ln>
+          </p:spPr>
+          <p:style>
+            <a:lnRef idx="1">
+              <a:schemeClr val="accent1"/>
+            </a:lnRef>
+            <a:fillRef idx="0">
+              <a:schemeClr val="accent1"/>
+            </a:fillRef>
+            <a:effectRef idx="0">
+              <a:schemeClr val="accent1"/>
+            </a:effectRef>
+            <a:fontRef idx="minor">
+              <a:schemeClr val="tx1"/>
+            </a:fontRef>
+          </p:style>
+        </p:cxnSp>
+        <p:cxnSp>
+          <p:nvCxnSpPr>
+            <p:cNvPr id="61" name="직선 화살표 연결선 60">
+              <a:extLst>
+                <a:ext uri="{FF2B5EF4-FFF2-40B4-BE49-F238E27FC236}">
+                  <a16:creationId xmlns:a16="http://schemas.microsoft.com/office/drawing/2014/main" id="{9A0B5CAE-BD58-4F56-98E2-A8F1D5B293AD}"/>
+                </a:ext>
+              </a:extLst>
+            </p:cNvPr>
+            <p:cNvCxnSpPr>
+              <a:cxnSpLocks/>
+              <a:stCxn id="17" idx="6"/>
+              <a:endCxn id="21" idx="2"/>
+            </p:cNvCxnSpPr>
+            <p:nvPr/>
+          </p:nvCxnSpPr>
+          <p:spPr>
+            <a:xfrm>
+              <a:off x="3682360" y="1936201"/>
+              <a:ext cx="1552984" cy="0"/>
+            </a:xfrm>
+            <a:prstGeom prst="straightConnector1">
+              <a:avLst/>
+            </a:prstGeom>
+            <a:ln w="12700">
+              <a:solidFill>
+                <a:schemeClr val="tx1"/>
+              </a:solidFill>
+              <a:prstDash val="dash"/>
+              <a:tailEnd type="triangle"/>
+            </a:ln>
+          </p:spPr>
+          <p:style>
+            <a:lnRef idx="1">
+              <a:schemeClr val="accent1"/>
+            </a:lnRef>
+            <a:fillRef idx="0">
+              <a:schemeClr val="accent1"/>
+            </a:fillRef>
+            <a:effectRef idx="0">
+              <a:schemeClr val="accent1"/>
+            </a:effectRef>
+            <a:fontRef idx="minor">
+              <a:schemeClr val="tx1"/>
+            </a:fontRef>
+          </p:style>
+        </p:cxnSp>
+        <p:cxnSp>
+          <p:nvCxnSpPr>
+            <p:cNvPr id="68" name="직선 화살표 연결선 67">
+              <a:extLst>
+                <a:ext uri="{FF2B5EF4-FFF2-40B4-BE49-F238E27FC236}">
+                  <a16:creationId xmlns:a16="http://schemas.microsoft.com/office/drawing/2014/main" id="{C00BDD56-0349-45B6-8F96-900BC78C4667}"/>
+                </a:ext>
+              </a:extLst>
+            </p:cNvPr>
+            <p:cNvCxnSpPr>
+              <a:cxnSpLocks/>
+              <a:stCxn id="17" idx="6"/>
+              <a:endCxn id="22" idx="2"/>
+            </p:cNvCxnSpPr>
+            <p:nvPr/>
+          </p:nvCxnSpPr>
+          <p:spPr>
+            <a:xfrm flipV="1">
+              <a:off x="3682360" y="904081"/>
+              <a:ext cx="1631602" cy="1032120"/>
+            </a:xfrm>
+            <a:prstGeom prst="straightConnector1">
+              <a:avLst/>
+            </a:prstGeom>
+            <a:ln w="12700">
+              <a:solidFill>
+                <a:schemeClr val="tx1"/>
+              </a:solidFill>
+              <a:prstDash val="dash"/>
+              <a:tailEnd type="triangle"/>
+            </a:ln>
+          </p:spPr>
+          <p:style>
+            <a:lnRef idx="1">
+              <a:schemeClr val="accent1"/>
+            </a:lnRef>
+            <a:fillRef idx="0">
+              <a:schemeClr val="accent1"/>
+            </a:fillRef>
+            <a:effectRef idx="0">
+              <a:schemeClr val="accent1"/>
+            </a:effectRef>
+            <a:fontRef idx="minor">
+              <a:schemeClr val="tx1"/>
+            </a:fontRef>
+          </p:style>
+        </p:cxnSp>
+        <p:cxnSp>
+          <p:nvCxnSpPr>
+            <p:cNvPr id="71" name="직선 화살표 연결선 70">
+              <a:extLst>
+                <a:ext uri="{FF2B5EF4-FFF2-40B4-BE49-F238E27FC236}">
+                  <a16:creationId xmlns:a16="http://schemas.microsoft.com/office/drawing/2014/main" id="{2C1CF605-4CE4-4D8A-90F7-94DB0A56196E}"/>
+                </a:ext>
+              </a:extLst>
+            </p:cNvPr>
+            <p:cNvCxnSpPr>
+              <a:cxnSpLocks/>
+              <a:stCxn id="26" idx="6"/>
+              <a:endCxn id="12" idx="2"/>
+            </p:cNvCxnSpPr>
+            <p:nvPr/>
+          </p:nvCxnSpPr>
+          <p:spPr>
+            <a:xfrm>
+              <a:off x="5960375" y="4625554"/>
+              <a:ext cx="906572" cy="0"/>
+            </a:xfrm>
+            <a:prstGeom prst="straightConnector1">
+              <a:avLst/>
+            </a:prstGeom>
+            <a:ln w="12700">
+              <a:solidFill>
+                <a:schemeClr val="tx1"/>
+              </a:solidFill>
+              <a:prstDash val="dash"/>
+              <a:tailEnd type="triangle"/>
+            </a:ln>
+          </p:spPr>
+          <p:style>
+            <a:lnRef idx="1">
+              <a:schemeClr val="accent1"/>
+            </a:lnRef>
+            <a:fillRef idx="0">
+              <a:schemeClr val="accent1"/>
+            </a:fillRef>
+            <a:effectRef idx="0">
+              <a:schemeClr val="accent1"/>
+            </a:effectRef>
+            <a:fontRef idx="minor">
+              <a:schemeClr val="tx1"/>
+            </a:fontRef>
+          </p:style>
+        </p:cxnSp>
+        <p:cxnSp>
+          <p:nvCxnSpPr>
+            <p:cNvPr id="74" name="직선 화살표 연결선 73">
+              <a:extLst>
+                <a:ext uri="{FF2B5EF4-FFF2-40B4-BE49-F238E27FC236}">
+                  <a16:creationId xmlns:a16="http://schemas.microsoft.com/office/drawing/2014/main" id="{BC775339-14D9-49D3-83F1-5984340C9FB0}"/>
+                </a:ext>
+              </a:extLst>
+            </p:cNvPr>
+            <p:cNvCxnSpPr>
+              <a:cxnSpLocks/>
+              <a:stCxn id="26" idx="6"/>
+              <a:endCxn id="40" idx="2"/>
+            </p:cNvCxnSpPr>
+            <p:nvPr/>
+          </p:nvCxnSpPr>
+          <p:spPr>
+            <a:xfrm flipV="1">
+              <a:off x="5960375" y="3677052"/>
+              <a:ext cx="1229778" cy="948502"/>
+            </a:xfrm>
+            <a:prstGeom prst="straightConnector1">
+              <a:avLst/>
+            </a:prstGeom>
+            <a:ln w="12700">
+              <a:solidFill>
+                <a:schemeClr val="tx1"/>
+              </a:solidFill>
+              <a:prstDash val="dash"/>
+              <a:tailEnd type="triangle"/>
+            </a:ln>
+          </p:spPr>
+          <p:style>
+            <a:lnRef idx="1">
+              <a:schemeClr val="accent1"/>
+            </a:lnRef>
+            <a:fillRef idx="0">
+              <a:schemeClr val="accent1"/>
+            </a:fillRef>
+            <a:effectRef idx="0">
+              <a:schemeClr val="accent1"/>
+            </a:effectRef>
+            <a:fontRef idx="minor">
+              <a:schemeClr val="tx1"/>
+            </a:fontRef>
+          </p:style>
+        </p:cxnSp>
+        <p:cxnSp>
+          <p:nvCxnSpPr>
+            <p:cNvPr id="78" name="직선 화살표 연결선 77">
+              <a:extLst>
+                <a:ext uri="{FF2B5EF4-FFF2-40B4-BE49-F238E27FC236}">
+                  <a16:creationId xmlns:a16="http://schemas.microsoft.com/office/drawing/2014/main" id="{82FA6B00-AF2D-4A7D-B65E-9A4F21F2D45E}"/>
+                </a:ext>
+              </a:extLst>
+            </p:cNvPr>
+            <p:cNvCxnSpPr>
+              <a:cxnSpLocks/>
+              <a:stCxn id="13" idx="6"/>
+              <a:endCxn id="41" idx="2"/>
+            </p:cNvCxnSpPr>
+            <p:nvPr/>
+          </p:nvCxnSpPr>
+          <p:spPr>
+            <a:xfrm>
+              <a:off x="5637168" y="3050670"/>
+              <a:ext cx="1552985" cy="0"/>
+            </a:xfrm>
+            <a:prstGeom prst="straightConnector1">
+              <a:avLst/>
+            </a:prstGeom>
+            <a:ln w="12700">
+              <a:solidFill>
+                <a:schemeClr val="tx1"/>
+              </a:solidFill>
+              <a:prstDash val="dash"/>
+              <a:tailEnd type="triangle"/>
+            </a:ln>
+          </p:spPr>
+          <p:style>
+            <a:lnRef idx="1">
+              <a:schemeClr val="accent1"/>
+            </a:lnRef>
+            <a:fillRef idx="0">
+              <a:schemeClr val="accent1"/>
+            </a:fillRef>
+            <a:effectRef idx="0">
+              <a:schemeClr val="accent1"/>
+            </a:effectRef>
+            <a:fontRef idx="minor">
+              <a:schemeClr val="tx1"/>
+            </a:fontRef>
+          </p:style>
+        </p:cxnSp>
+        <p:cxnSp>
+          <p:nvCxnSpPr>
+            <p:cNvPr id="81" name="직선 화살표 연결선 80">
+              <a:extLst>
+                <a:ext uri="{FF2B5EF4-FFF2-40B4-BE49-F238E27FC236}">
+                  <a16:creationId xmlns:a16="http://schemas.microsoft.com/office/drawing/2014/main" id="{56348C18-7CCA-48DB-8A79-A43FFB592C2B}"/>
+                </a:ext>
+              </a:extLst>
+            </p:cNvPr>
+            <p:cNvCxnSpPr>
+              <a:cxnSpLocks/>
+              <a:stCxn id="13" idx="6"/>
+              <a:endCxn id="43" idx="2"/>
+            </p:cNvCxnSpPr>
+            <p:nvPr/>
+          </p:nvCxnSpPr>
+          <p:spPr>
+            <a:xfrm flipV="1">
+              <a:off x="5637168" y="2490795"/>
+              <a:ext cx="1631603" cy="559875"/>
+            </a:xfrm>
+            <a:prstGeom prst="straightConnector1">
+              <a:avLst/>
+            </a:prstGeom>
+            <a:ln w="12700">
+              <a:solidFill>
+                <a:schemeClr val="tx1"/>
+              </a:solidFill>
+              <a:prstDash val="dash"/>
+              <a:tailEnd type="triangle"/>
+            </a:ln>
+          </p:spPr>
+          <p:style>
+            <a:lnRef idx="1">
+              <a:schemeClr val="accent1"/>
+            </a:lnRef>
+            <a:fillRef idx="0">
+              <a:schemeClr val="accent1"/>
+            </a:fillRef>
+            <a:effectRef idx="0">
+              <a:schemeClr val="accent1"/>
+            </a:effectRef>
+            <a:fontRef idx="minor">
+              <a:schemeClr val="tx1"/>
+            </a:fontRef>
+          </p:style>
+        </p:cxnSp>
+        <p:cxnSp>
+          <p:nvCxnSpPr>
+            <p:cNvPr id="85" name="직선 화살표 연결선 84">
+              <a:extLst>
+                <a:ext uri="{FF2B5EF4-FFF2-40B4-BE49-F238E27FC236}">
+                  <a16:creationId xmlns:a16="http://schemas.microsoft.com/office/drawing/2014/main" id="{2CE05B15-1350-43AB-B277-E522A265359F}"/>
+                </a:ext>
+              </a:extLst>
+            </p:cNvPr>
+            <p:cNvCxnSpPr>
+              <a:cxnSpLocks/>
+              <a:stCxn id="21" idx="6"/>
+              <a:endCxn id="49" idx="2"/>
+            </p:cNvCxnSpPr>
+            <p:nvPr/>
+          </p:nvCxnSpPr>
+          <p:spPr>
+            <a:xfrm>
+              <a:off x="5637168" y="1936201"/>
+              <a:ext cx="1552985" cy="0"/>
+            </a:xfrm>
+            <a:prstGeom prst="straightConnector1">
+              <a:avLst/>
+            </a:prstGeom>
+            <a:ln w="12700">
+              <a:solidFill>
+                <a:schemeClr val="tx1"/>
+              </a:solidFill>
+              <a:prstDash val="dash"/>
+              <a:tailEnd type="triangle"/>
+            </a:ln>
+          </p:spPr>
+          <p:style>
+            <a:lnRef idx="1">
+              <a:schemeClr val="accent1"/>
+            </a:lnRef>
+            <a:fillRef idx="0">
+              <a:schemeClr val="accent1"/>
+            </a:fillRef>
+            <a:effectRef idx="0">
+              <a:schemeClr val="accent1"/>
+            </a:effectRef>
+            <a:fontRef idx="minor">
+              <a:schemeClr val="tx1"/>
+            </a:fontRef>
+          </p:style>
+        </p:cxnSp>
+        <p:cxnSp>
+          <p:nvCxnSpPr>
+            <p:cNvPr id="88" name="직선 화살표 연결선 87">
+              <a:extLst>
+                <a:ext uri="{FF2B5EF4-FFF2-40B4-BE49-F238E27FC236}">
+                  <a16:creationId xmlns:a16="http://schemas.microsoft.com/office/drawing/2014/main" id="{7BA61633-C151-4B26-B735-A07FCB4BBDD2}"/>
+                </a:ext>
+              </a:extLst>
+            </p:cNvPr>
+            <p:cNvCxnSpPr>
+              <a:cxnSpLocks/>
+              <a:stCxn id="21" idx="6"/>
+              <a:endCxn id="50" idx="2"/>
+            </p:cNvCxnSpPr>
+            <p:nvPr/>
+          </p:nvCxnSpPr>
+          <p:spPr>
+            <a:xfrm flipV="1">
+              <a:off x="5637168" y="1381606"/>
+              <a:ext cx="1631603" cy="554594"/>
+            </a:xfrm>
+            <a:prstGeom prst="straightConnector1">
+              <a:avLst/>
+            </a:prstGeom>
+            <a:ln w="12700">
+              <a:solidFill>
+                <a:schemeClr val="tx1"/>
+              </a:solidFill>
+              <a:prstDash val="dash"/>
+              <a:tailEnd type="triangle"/>
+            </a:ln>
+          </p:spPr>
+          <p:style>
+            <a:lnRef idx="1">
+              <a:schemeClr val="accent1"/>
+            </a:lnRef>
+            <a:fillRef idx="0">
+              <a:schemeClr val="accent1"/>
+            </a:fillRef>
+            <a:effectRef idx="0">
+              <a:schemeClr val="accent1"/>
+            </a:effectRef>
+            <a:fontRef idx="minor">
+              <a:schemeClr val="tx1"/>
+            </a:fontRef>
+          </p:style>
+        </p:cxnSp>
+        <p:cxnSp>
+          <p:nvCxnSpPr>
+            <p:cNvPr id="92" name="직선 화살표 연결선 91">
+              <a:extLst>
+                <a:ext uri="{FF2B5EF4-FFF2-40B4-BE49-F238E27FC236}">
+                  <a16:creationId xmlns:a16="http://schemas.microsoft.com/office/drawing/2014/main" id="{224A3D39-70E4-49D0-8776-703663A9A375}"/>
+                </a:ext>
+              </a:extLst>
+            </p:cNvPr>
+            <p:cNvCxnSpPr>
+              <a:cxnSpLocks/>
+              <a:stCxn id="22" idx="6"/>
+              <a:endCxn id="51" idx="2"/>
+            </p:cNvCxnSpPr>
+            <p:nvPr/>
+          </p:nvCxnSpPr>
+          <p:spPr>
+            <a:xfrm>
+              <a:off x="5558550" y="904081"/>
+              <a:ext cx="1710221" cy="0"/>
+            </a:xfrm>
+            <a:prstGeom prst="straightConnector1">
+              <a:avLst/>
+            </a:prstGeom>
+            <a:ln w="12700">
+              <a:solidFill>
+                <a:schemeClr val="tx1"/>
+              </a:solidFill>
+              <a:prstDash val="dash"/>
+              <a:tailEnd type="triangle"/>
+            </a:ln>
+          </p:spPr>
+          <p:style>
+            <a:lnRef idx="1">
+              <a:schemeClr val="accent1"/>
+            </a:lnRef>
+            <a:fillRef idx="0">
+              <a:schemeClr val="accent1"/>
+            </a:fillRef>
+            <a:effectRef idx="0">
+              <a:schemeClr val="accent1"/>
+            </a:effectRef>
+            <a:fontRef idx="minor">
+              <a:schemeClr val="tx1"/>
+            </a:fontRef>
+          </p:style>
+        </p:cxnSp>
+        <p:cxnSp>
+          <p:nvCxnSpPr>
+            <p:cNvPr id="95" name="직선 화살표 연결선 94">
+              <a:extLst>
+                <a:ext uri="{FF2B5EF4-FFF2-40B4-BE49-F238E27FC236}">
+                  <a16:creationId xmlns:a16="http://schemas.microsoft.com/office/drawing/2014/main" id="{270BED83-D7E8-488D-AA58-9510AA878464}"/>
+                </a:ext>
+              </a:extLst>
+            </p:cNvPr>
+            <p:cNvCxnSpPr>
+              <a:cxnSpLocks/>
+              <a:stCxn id="22" idx="6"/>
+              <a:endCxn id="52" idx="2"/>
+            </p:cNvCxnSpPr>
+            <p:nvPr/>
+          </p:nvCxnSpPr>
+          <p:spPr>
+            <a:xfrm flipV="1">
+              <a:off x="5558550" y="512187"/>
+              <a:ext cx="1797574" cy="391894"/>
+            </a:xfrm>
+            <a:prstGeom prst="straightConnector1">
+              <a:avLst/>
+            </a:prstGeom>
+            <a:ln w="12700">
+              <a:solidFill>
+                <a:schemeClr val="tx1"/>
+              </a:solidFill>
+              <a:prstDash val="dash"/>
+              <a:tailEnd type="triangle"/>
+            </a:ln>
+          </p:spPr>
+          <p:style>
+            <a:lnRef idx="1">
+              <a:schemeClr val="accent1"/>
+            </a:lnRef>
+            <a:fillRef idx="0">
+              <a:schemeClr val="accent1"/>
+            </a:fillRef>
+            <a:effectRef idx="0">
+              <a:schemeClr val="accent1"/>
+            </a:effectRef>
+            <a:fontRef idx="minor">
+              <a:schemeClr val="tx1"/>
+            </a:fontRef>
+          </p:style>
+        </p:cxnSp>
+        <p:sp>
+          <p:nvSpPr>
+            <p:cNvPr id="98" name="TextBox 97">
+              <a:extLst>
+                <a:ext uri="{FF2B5EF4-FFF2-40B4-BE49-F238E27FC236}">
+                  <a16:creationId xmlns:a16="http://schemas.microsoft.com/office/drawing/2014/main" id="{20BFB9A8-8BB5-41CE-90BD-9460839C97C5}"/>
+                </a:ext>
+              </a:extLst>
+            </p:cNvPr>
+            <p:cNvSpPr txBox="1"/>
+            <p:nvPr/>
+          </p:nvSpPr>
+          <p:spPr>
+            <a:xfrm>
+              <a:off x="2914669" y="1549900"/>
+              <a:ext cx="477215" cy="336610"/>
+            </a:xfrm>
+            <a:prstGeom prst="rect">
+              <a:avLst/>
+            </a:prstGeom>
+            <a:noFill/>
+          </p:spPr>
+          <p:txBody>
+            <a:bodyPr wrap="none" rtlCol="0">
+              <a:spAutoFit/>
+            </a:bodyPr>
+            <a:lstStyle/>
+            <a:p>
+              <a:r>
+                <a:rPr lang="en-US" altLang="ko-KR" sz="1400" dirty="0"/>
+                <a:t>1/3</a:t>
+              </a:r>
+              <a:endParaRPr lang="ko-KR" altLang="en-US" sz="1400" dirty="0"/>
+            </a:p>
+          </p:txBody>
+        </p:sp>
+        <p:sp>
+          <p:nvSpPr>
+            <p:cNvPr id="99" name="TextBox 98">
+              <a:extLst>
+                <a:ext uri="{FF2B5EF4-FFF2-40B4-BE49-F238E27FC236}">
+                  <a16:creationId xmlns:a16="http://schemas.microsoft.com/office/drawing/2014/main" id="{96FE0B13-9327-4367-9D09-6853C1D34E6E}"/>
+                </a:ext>
+              </a:extLst>
+            </p:cNvPr>
+            <p:cNvSpPr txBox="1"/>
+            <p:nvPr/>
+          </p:nvSpPr>
+          <p:spPr>
+            <a:xfrm>
+              <a:off x="4833521" y="2665497"/>
+              <a:ext cx="477215" cy="336610"/>
+            </a:xfrm>
+            <a:prstGeom prst="rect">
+              <a:avLst/>
+            </a:prstGeom>
+            <a:noFill/>
+          </p:spPr>
+          <p:txBody>
+            <a:bodyPr wrap="none" rtlCol="0">
+              <a:spAutoFit/>
+            </a:bodyPr>
+            <a:lstStyle/>
+            <a:p>
+              <a:r>
+                <a:rPr lang="en-US" altLang="ko-KR" sz="1400" dirty="0"/>
+                <a:t>1/3</a:t>
+              </a:r>
+              <a:endParaRPr lang="ko-KR" altLang="en-US" sz="1400" dirty="0"/>
+            </a:p>
+          </p:txBody>
+        </p:sp>
+        <p:sp>
+          <p:nvSpPr>
+            <p:cNvPr id="100" name="TextBox 99">
+              <a:extLst>
+                <a:ext uri="{FF2B5EF4-FFF2-40B4-BE49-F238E27FC236}">
+                  <a16:creationId xmlns:a16="http://schemas.microsoft.com/office/drawing/2014/main" id="{36D0A4B3-26B9-4945-8F53-8C25B4D64404}"/>
+                </a:ext>
+              </a:extLst>
+            </p:cNvPr>
+            <p:cNvSpPr txBox="1"/>
+            <p:nvPr/>
+          </p:nvSpPr>
+          <p:spPr>
+            <a:xfrm>
+              <a:off x="4833521" y="1536699"/>
+              <a:ext cx="477215" cy="336610"/>
+            </a:xfrm>
+            <a:prstGeom prst="rect">
+              <a:avLst/>
+            </a:prstGeom>
+            <a:noFill/>
+          </p:spPr>
+          <p:txBody>
+            <a:bodyPr wrap="none" rtlCol="0">
+              <a:spAutoFit/>
+            </a:bodyPr>
+            <a:lstStyle/>
+            <a:p>
+              <a:r>
+                <a:rPr lang="en-US" altLang="ko-KR" sz="1400" dirty="0"/>
+                <a:t>1/3</a:t>
+              </a:r>
+              <a:endParaRPr lang="ko-KR" altLang="en-US" sz="1400" dirty="0"/>
+            </a:p>
+          </p:txBody>
+        </p:sp>
+        <p:sp>
+          <p:nvSpPr>
+            <p:cNvPr id="101" name="TextBox 100">
+              <a:extLst>
+                <a:ext uri="{FF2B5EF4-FFF2-40B4-BE49-F238E27FC236}">
+                  <a16:creationId xmlns:a16="http://schemas.microsoft.com/office/drawing/2014/main" id="{B1F454B9-4113-4F46-9006-63043F22B9EA}"/>
+                </a:ext>
+              </a:extLst>
+            </p:cNvPr>
+            <p:cNvSpPr txBox="1"/>
+            <p:nvPr/>
+          </p:nvSpPr>
+          <p:spPr>
+            <a:xfrm>
+              <a:off x="6775252" y="1536699"/>
+              <a:ext cx="477215" cy="336610"/>
+            </a:xfrm>
+            <a:prstGeom prst="rect">
+              <a:avLst/>
+            </a:prstGeom>
+            <a:noFill/>
+          </p:spPr>
+          <p:txBody>
+            <a:bodyPr wrap="none" rtlCol="0">
+              <a:spAutoFit/>
+            </a:bodyPr>
+            <a:lstStyle/>
+            <a:p>
+              <a:r>
+                <a:rPr lang="en-US" altLang="ko-KR" sz="1400" dirty="0"/>
+                <a:t>1/3</a:t>
+              </a:r>
+              <a:endParaRPr lang="ko-KR" altLang="en-US" sz="1400" dirty="0"/>
+            </a:p>
+          </p:txBody>
+        </p:sp>
+        <p:sp>
+          <p:nvSpPr>
+            <p:cNvPr id="102" name="TextBox 101">
+              <a:extLst>
+                <a:ext uri="{FF2B5EF4-FFF2-40B4-BE49-F238E27FC236}">
+                  <a16:creationId xmlns:a16="http://schemas.microsoft.com/office/drawing/2014/main" id="{A0AB2A6E-E783-4708-A0AD-F36EF35F4A0B}"/>
+                </a:ext>
+              </a:extLst>
+            </p:cNvPr>
+            <p:cNvSpPr txBox="1"/>
+            <p:nvPr/>
+          </p:nvSpPr>
+          <p:spPr>
+            <a:xfrm>
+              <a:off x="6775252" y="2639320"/>
+              <a:ext cx="477215" cy="336610"/>
+            </a:xfrm>
+            <a:prstGeom prst="rect">
+              <a:avLst/>
+            </a:prstGeom>
+            <a:noFill/>
+          </p:spPr>
+          <p:txBody>
+            <a:bodyPr wrap="none" rtlCol="0">
+              <a:spAutoFit/>
+            </a:bodyPr>
+            <a:lstStyle/>
+            <a:p>
+              <a:r>
+                <a:rPr lang="en-US" altLang="ko-KR" sz="1400" dirty="0"/>
+                <a:t>1/3</a:t>
+              </a:r>
+              <a:endParaRPr lang="ko-KR" altLang="en-US" sz="1400" dirty="0"/>
+            </a:p>
+          </p:txBody>
+        </p:sp>
+        <p:sp>
+          <p:nvSpPr>
+            <p:cNvPr id="103" name="TextBox 102">
+              <a:extLst>
+                <a:ext uri="{FF2B5EF4-FFF2-40B4-BE49-F238E27FC236}">
+                  <a16:creationId xmlns:a16="http://schemas.microsoft.com/office/drawing/2014/main" id="{B151B5F3-EB3D-48AE-8A5D-C527C4BA0DC8}"/>
+                </a:ext>
+              </a:extLst>
+            </p:cNvPr>
+            <p:cNvSpPr txBox="1"/>
+            <p:nvPr/>
+          </p:nvSpPr>
+          <p:spPr>
+            <a:xfrm>
+              <a:off x="6775252" y="3278734"/>
+              <a:ext cx="477215" cy="336610"/>
+            </a:xfrm>
+            <a:prstGeom prst="rect">
+              <a:avLst/>
+            </a:prstGeom>
+            <a:noFill/>
+          </p:spPr>
+          <p:txBody>
+            <a:bodyPr wrap="none" rtlCol="0">
+              <a:spAutoFit/>
+            </a:bodyPr>
+            <a:lstStyle/>
+            <a:p>
+              <a:r>
+                <a:rPr lang="en-US" altLang="ko-KR" sz="1400" dirty="0"/>
+                <a:t>1/3</a:t>
+              </a:r>
+              <a:endParaRPr lang="ko-KR" altLang="en-US" sz="1400" dirty="0"/>
+            </a:p>
+          </p:txBody>
+        </p:sp>
+        <p:sp>
+          <p:nvSpPr>
+            <p:cNvPr id="104" name="TextBox 103">
+              <a:extLst>
+                <a:ext uri="{FF2B5EF4-FFF2-40B4-BE49-F238E27FC236}">
+                  <a16:creationId xmlns:a16="http://schemas.microsoft.com/office/drawing/2014/main" id="{6AA64CDF-8A37-416B-96B5-E0A9C100F259}"/>
+                </a:ext>
+              </a:extLst>
+            </p:cNvPr>
+            <p:cNvSpPr txBox="1"/>
+            <p:nvPr/>
+          </p:nvSpPr>
+          <p:spPr>
+            <a:xfrm>
+              <a:off x="7431443" y="2204427"/>
+              <a:ext cx="477215" cy="336610"/>
+            </a:xfrm>
+            <a:prstGeom prst="rect">
+              <a:avLst/>
+            </a:prstGeom>
+            <a:noFill/>
+          </p:spPr>
+          <p:txBody>
+            <a:bodyPr wrap="none" rtlCol="0">
+              <a:spAutoFit/>
+            </a:bodyPr>
+            <a:lstStyle/>
+            <a:p>
+              <a:r>
+                <a:rPr lang="en-US" altLang="ko-KR" sz="1400" dirty="0"/>
+                <a:t>1/9</a:t>
+              </a:r>
+              <a:endParaRPr lang="ko-KR" altLang="en-US" sz="1400" dirty="0"/>
+            </a:p>
+          </p:txBody>
+        </p:sp>
+        <p:sp>
+          <p:nvSpPr>
+            <p:cNvPr id="105" name="TextBox 104">
+              <a:extLst>
+                <a:ext uri="{FF2B5EF4-FFF2-40B4-BE49-F238E27FC236}">
+                  <a16:creationId xmlns:a16="http://schemas.microsoft.com/office/drawing/2014/main" id="{50BDC998-6386-4FEB-A6F3-00F256693A59}"/>
+                </a:ext>
+              </a:extLst>
+            </p:cNvPr>
+            <p:cNvSpPr txBox="1"/>
+            <p:nvPr/>
+          </p:nvSpPr>
+          <p:spPr>
+            <a:xfrm>
+              <a:off x="7431444" y="1081317"/>
+              <a:ext cx="493519" cy="338554"/>
+            </a:xfrm>
+            <a:prstGeom prst="rect">
+              <a:avLst/>
+            </a:prstGeom>
+            <a:noFill/>
+          </p:spPr>
+          <p:txBody>
+            <a:bodyPr wrap="square" rtlCol="0">
+              <a:spAutoFit/>
+            </a:bodyPr>
+            <a:lstStyle/>
+            <a:p>
+              <a:r>
+                <a:rPr lang="en-US" altLang="ko-KR" sz="1400" dirty="0"/>
+                <a:t>1/9</a:t>
+              </a:r>
+              <a:endParaRPr lang="ko-KR" altLang="en-US" sz="1400" dirty="0"/>
+            </a:p>
+          </p:txBody>
+        </p:sp>
+        <p:sp>
+          <p:nvSpPr>
+            <p:cNvPr id="107" name="TextBox 106">
+              <a:extLst>
+                <a:ext uri="{FF2B5EF4-FFF2-40B4-BE49-F238E27FC236}">
+                  <a16:creationId xmlns:a16="http://schemas.microsoft.com/office/drawing/2014/main" id="{88A7A659-7196-4C13-AB91-3EDB1AA42F7D}"/>
+                </a:ext>
+              </a:extLst>
+            </p:cNvPr>
+            <p:cNvSpPr txBox="1"/>
+            <p:nvPr/>
+          </p:nvSpPr>
+          <p:spPr>
+            <a:xfrm>
+              <a:off x="7431444" y="615782"/>
+              <a:ext cx="493519" cy="338554"/>
+            </a:xfrm>
+            <a:prstGeom prst="rect">
+              <a:avLst/>
+            </a:prstGeom>
+            <a:noFill/>
+          </p:spPr>
+          <p:txBody>
+            <a:bodyPr wrap="square" rtlCol="0">
+              <a:spAutoFit/>
+            </a:bodyPr>
+            <a:lstStyle/>
+            <a:p>
+              <a:r>
+                <a:rPr lang="en-US" altLang="ko-KR" sz="1400" dirty="0"/>
+                <a:t>1/9</a:t>
+              </a:r>
+              <a:endParaRPr lang="ko-KR" altLang="en-US" sz="1400" dirty="0"/>
+            </a:p>
+          </p:txBody>
+        </p:sp>
+        <p:sp>
+          <p:nvSpPr>
+            <p:cNvPr id="108" name="TextBox 107">
+              <a:extLst>
+                <a:ext uri="{FF2B5EF4-FFF2-40B4-BE49-F238E27FC236}">
+                  <a16:creationId xmlns:a16="http://schemas.microsoft.com/office/drawing/2014/main" id="{71EF3D97-EBB4-4626-A205-A3263E2689FC}"/>
+                </a:ext>
+              </a:extLst>
+            </p:cNvPr>
+            <p:cNvSpPr txBox="1"/>
+            <p:nvPr/>
+          </p:nvSpPr>
+          <p:spPr>
+            <a:xfrm>
+              <a:off x="7431444" y="226153"/>
+              <a:ext cx="710035" cy="338554"/>
+            </a:xfrm>
+            <a:prstGeom prst="rect">
+              <a:avLst/>
+            </a:prstGeom>
+            <a:noFill/>
+          </p:spPr>
+          <p:txBody>
+            <a:bodyPr wrap="square" rtlCol="0">
+              <a:spAutoFit/>
+            </a:bodyPr>
+            <a:lstStyle/>
+            <a:p>
+              <a:r>
+                <a:rPr lang="en-US" altLang="ko-KR" sz="1400" dirty="0"/>
+                <a:t>1/27</a:t>
+              </a:r>
+              <a:endParaRPr lang="ko-KR" altLang="en-US" sz="1400" dirty="0"/>
+            </a:p>
+          </p:txBody>
+        </p:sp>
+        <p:sp>
+          <p:nvSpPr>
+            <p:cNvPr id="111" name="TextBox 110">
+              <a:extLst>
+                <a:ext uri="{FF2B5EF4-FFF2-40B4-BE49-F238E27FC236}">
+                  <a16:creationId xmlns:a16="http://schemas.microsoft.com/office/drawing/2014/main" id="{D688A2A5-50D7-450E-BB6F-EEF8235B7AF5}"/>
+                </a:ext>
+              </a:extLst>
+            </p:cNvPr>
+            <p:cNvSpPr txBox="1"/>
+            <p:nvPr/>
+          </p:nvSpPr>
+          <p:spPr>
+            <a:xfrm>
+              <a:off x="1155343" y="6188451"/>
+              <a:ext cx="624481" cy="437593"/>
+            </a:xfrm>
+            <a:prstGeom prst="rect">
+              <a:avLst/>
+            </a:prstGeom>
+            <a:noFill/>
+          </p:spPr>
+          <p:txBody>
+            <a:bodyPr wrap="none" rtlCol="0">
+              <a:spAutoFit/>
+            </a:bodyPr>
+            <a:lstStyle/>
+            <a:p>
+              <a:pPr algn="ctr"/>
+              <a:r>
+                <a:rPr lang="en-US" altLang="ko-KR" sz="2000" b="1" dirty="0"/>
+                <a:t>1</a:t>
+              </a:r>
+              <a:r>
+                <a:rPr lang="ko-KR" altLang="en-US" sz="2000" b="1" dirty="0"/>
+                <a:t>원</a:t>
+              </a:r>
+            </a:p>
+          </p:txBody>
+        </p:sp>
+        <p:sp>
+          <p:nvSpPr>
+            <p:cNvPr id="112" name="TextBox 111">
+              <a:extLst>
+                <a:ext uri="{FF2B5EF4-FFF2-40B4-BE49-F238E27FC236}">
+                  <a16:creationId xmlns:a16="http://schemas.microsoft.com/office/drawing/2014/main" id="{1C7ABBCF-E8BA-45A6-8015-8C157FDBEEEB}"/>
+                </a:ext>
+              </a:extLst>
+            </p:cNvPr>
+            <p:cNvSpPr txBox="1"/>
+            <p:nvPr/>
+          </p:nvSpPr>
+          <p:spPr>
+            <a:xfrm>
+              <a:off x="2978129" y="6188451"/>
+              <a:ext cx="983881" cy="437593"/>
+            </a:xfrm>
+            <a:prstGeom prst="rect">
+              <a:avLst/>
+            </a:prstGeom>
+            <a:noFill/>
+          </p:spPr>
+          <p:txBody>
+            <a:bodyPr wrap="none" rtlCol="0">
+              <a:spAutoFit/>
+            </a:bodyPr>
+            <a:lstStyle/>
+            <a:p>
+              <a:pPr algn="ctr"/>
+              <a:r>
+                <a:rPr lang="en-US" altLang="ko-KR" sz="2000" b="1" dirty="0"/>
+                <a:t>1.33</a:t>
+              </a:r>
+              <a:r>
+                <a:rPr lang="ko-KR" altLang="en-US" sz="2000" b="1" dirty="0"/>
+                <a:t>원</a:t>
+              </a:r>
+            </a:p>
+          </p:txBody>
+        </p:sp>
+        <p:sp>
+          <p:nvSpPr>
+            <p:cNvPr id="113" name="TextBox 112">
+              <a:extLst>
+                <a:ext uri="{FF2B5EF4-FFF2-40B4-BE49-F238E27FC236}">
+                  <a16:creationId xmlns:a16="http://schemas.microsoft.com/office/drawing/2014/main" id="{8203B578-6171-4E4C-AE1D-13D494C93430}"/>
+                </a:ext>
+              </a:extLst>
+            </p:cNvPr>
+            <p:cNvSpPr txBox="1"/>
+            <p:nvPr/>
+          </p:nvSpPr>
+          <p:spPr>
+            <a:xfrm>
+              <a:off x="4946712" y="6188451"/>
+              <a:ext cx="983881" cy="437593"/>
+            </a:xfrm>
+            <a:prstGeom prst="rect">
+              <a:avLst/>
+            </a:prstGeom>
+            <a:noFill/>
+          </p:spPr>
+          <p:txBody>
+            <a:bodyPr wrap="none" rtlCol="0">
+              <a:spAutoFit/>
+            </a:bodyPr>
+            <a:lstStyle/>
+            <a:p>
+              <a:pPr algn="ctr"/>
+              <a:r>
+                <a:rPr lang="en-US" altLang="ko-KR" sz="2000" b="1" dirty="0"/>
+                <a:t>1.78</a:t>
+              </a:r>
+              <a:r>
+                <a:rPr lang="ko-KR" altLang="en-US" sz="2000" b="1" dirty="0"/>
+                <a:t>원</a:t>
+              </a:r>
+            </a:p>
+          </p:txBody>
+        </p:sp>
+        <p:sp>
+          <p:nvSpPr>
+            <p:cNvPr id="114" name="TextBox 113">
+              <a:extLst>
+                <a:ext uri="{FF2B5EF4-FFF2-40B4-BE49-F238E27FC236}">
+                  <a16:creationId xmlns:a16="http://schemas.microsoft.com/office/drawing/2014/main" id="{61D32520-34B1-442A-BC1B-40BC274E44CD}"/>
+                </a:ext>
+              </a:extLst>
+            </p:cNvPr>
+            <p:cNvSpPr txBox="1"/>
+            <p:nvPr/>
+          </p:nvSpPr>
+          <p:spPr>
+            <a:xfrm>
+              <a:off x="4833521" y="615782"/>
+              <a:ext cx="493519" cy="338554"/>
+            </a:xfrm>
+            <a:prstGeom prst="rect">
+              <a:avLst/>
+            </a:prstGeom>
+            <a:noFill/>
+          </p:spPr>
+          <p:txBody>
+            <a:bodyPr wrap="square" rtlCol="0">
+              <a:spAutoFit/>
+            </a:bodyPr>
+            <a:lstStyle/>
+            <a:p>
+              <a:r>
+                <a:rPr lang="en-US" altLang="ko-KR" sz="1400" dirty="0"/>
+                <a:t>1/9</a:t>
+              </a:r>
+              <a:endParaRPr lang="ko-KR" altLang="en-US" sz="1400" dirty="0"/>
+            </a:p>
+          </p:txBody>
+        </p:sp>
+        <p:sp>
+          <p:nvSpPr>
+            <p:cNvPr id="115" name="TextBox 114">
+              <a:extLst>
+                <a:ext uri="{FF2B5EF4-FFF2-40B4-BE49-F238E27FC236}">
+                  <a16:creationId xmlns:a16="http://schemas.microsoft.com/office/drawing/2014/main" id="{4836F299-D0AF-4B50-87E3-4F3291D6A51F}"/>
+                </a:ext>
+              </a:extLst>
+            </p:cNvPr>
+            <p:cNvSpPr txBox="1"/>
+            <p:nvPr/>
+          </p:nvSpPr>
+          <p:spPr>
+            <a:xfrm>
+              <a:off x="6882664" y="6188451"/>
+              <a:ext cx="983881" cy="437593"/>
+            </a:xfrm>
+            <a:prstGeom prst="rect">
+              <a:avLst/>
+            </a:prstGeom>
+            <a:noFill/>
+          </p:spPr>
+          <p:txBody>
+            <a:bodyPr wrap="none" rtlCol="0">
+              <a:spAutoFit/>
+            </a:bodyPr>
+            <a:lstStyle/>
+            <a:p>
+              <a:pPr algn="ctr"/>
+              <a:r>
+                <a:rPr lang="en-US" altLang="ko-KR" sz="2000" b="1"/>
+                <a:t>2.37</a:t>
+              </a:r>
+              <a:r>
+                <a:rPr lang="ko-KR" altLang="en-US" sz="2000" b="1" dirty="0"/>
+                <a:t>원</a:t>
+              </a:r>
+            </a:p>
+          </p:txBody>
+        </p:sp>
+      </p:grpSp>
+      <p:grpSp>
+        <p:nvGrpSpPr>
+          <p:cNvPr id="3" name="그룹 2">
             <a:extLst>
               <a:ext uri="{FF2B5EF4-FFF2-40B4-BE49-F238E27FC236}">
-                <a16:creationId xmlns:a16="http://schemas.microsoft.com/office/drawing/2014/main" id="{AF1934DE-E570-4214-9B15-4FA9BCADD148}"/>
+                <a16:creationId xmlns:a16="http://schemas.microsoft.com/office/drawing/2014/main" id="{0B0FDA8E-63E6-4524-9D7B-3511C2888665}"/>
               </a:ext>
             </a:extLst>
           </p:cNvPr>
-          <p:cNvCxnSpPr/>
+          <p:cNvGrpSpPr/>
           <p:nvPr/>
-        </p:nvCxnSpPr>
-        <p:spPr>
+        </p:nvGrpSpPr>
+        <p:grpSpPr>
           <a:xfrm>
-            <a:off x="1515331" y="5281240"/>
-            <a:ext cx="0" cy="489914"/>
+            <a:off x="1753420" y="5662566"/>
+            <a:ext cx="1739547" cy="1090572"/>
+            <a:chOff x="1753420" y="5662566"/>
+            <a:chExt cx="1739547" cy="1090572"/>
           </a:xfrm>
-          <a:prstGeom prst="line">
-            <a:avLst/>
-          </a:prstGeom>
-          <a:ln w="19050">
-            <a:solidFill>
+        </p:grpSpPr>
+        <p:sp>
+          <p:nvSpPr>
+            <p:cNvPr id="56" name="원호 55">
+              <a:extLst>
+                <a:ext uri="{FF2B5EF4-FFF2-40B4-BE49-F238E27FC236}">
+                  <a16:creationId xmlns:a16="http://schemas.microsoft.com/office/drawing/2014/main" id="{B59DF70E-0D4C-4D47-993D-0659D3195F29}"/>
+                </a:ext>
+              </a:extLst>
+            </p:cNvPr>
+            <p:cNvSpPr/>
+            <p:nvPr/>
+          </p:nvSpPr>
+          <p:spPr>
+            <a:xfrm rot="10800000">
+              <a:off x="1753420" y="5662566"/>
+              <a:ext cx="1739547" cy="736537"/>
+            </a:xfrm>
+            <a:prstGeom prst="arc">
+              <a:avLst>
+                <a:gd name="adj1" fmla="val 10990092"/>
+                <a:gd name="adj2" fmla="val 21456843"/>
+              </a:avLst>
+            </a:prstGeom>
+            <a:ln w="28575">
+              <a:solidFill>
+                <a:schemeClr val="bg1">
+                  <a:lumMod val="65000"/>
+                </a:schemeClr>
+              </a:solidFill>
+              <a:prstDash val="sysDash"/>
+              <a:headEnd type="triangle" w="med" len="med"/>
+              <a:tailEnd type="none" w="med" len="med"/>
+            </a:ln>
+          </p:spPr>
+          <p:style>
+            <a:lnRef idx="1">
+              <a:schemeClr val="accent1"/>
+            </a:lnRef>
+            <a:fillRef idx="0">
+              <a:schemeClr val="accent1"/>
+            </a:fillRef>
+            <a:effectRef idx="0">
+              <a:schemeClr val="accent1"/>
+            </a:effectRef>
+            <a:fontRef idx="minor">
               <a:schemeClr val="tx1"/>
-            </a:solidFill>
-          </a:ln>
-        </p:spPr>
-        <p:style>
-          <a:lnRef idx="1">
-            <a:schemeClr val="accent1"/>
-          </a:lnRef>
-          <a:fillRef idx="0">
-            <a:schemeClr val="accent1"/>
-          </a:fillRef>
-          <a:effectRef idx="0">
-            <a:schemeClr val="accent1"/>
-          </a:effectRef>
-          <a:fontRef idx="minor">
-            <a:schemeClr val="tx1"/>
-          </a:fontRef>
-        </p:style>
-      </p:cxnSp>
-      <p:sp>
-        <p:nvSpPr>
-          <p:cNvPr id="9" name="TextBox 8">
+            </a:fontRef>
+          </p:style>
+          <p:txBody>
+            <a:bodyPr rtlCol="0" anchor="ctr"/>
+            <a:lstStyle/>
+            <a:p>
+              <a:pPr algn="ctr"/>
+              <a:endParaRPr lang="ko-KR" altLang="en-US"/>
+            </a:p>
+          </p:txBody>
+        </p:sp>
+        <p:sp>
+          <p:nvSpPr>
+            <p:cNvPr id="57" name="TextBox 56">
+              <a:extLst>
+                <a:ext uri="{FF2B5EF4-FFF2-40B4-BE49-F238E27FC236}">
+                  <a16:creationId xmlns:a16="http://schemas.microsoft.com/office/drawing/2014/main" id="{C89E126D-0B24-48B7-993A-A2E9ADE0C91E}"/>
+                </a:ext>
+              </a:extLst>
+            </p:cNvPr>
+            <p:cNvSpPr txBox="1"/>
+            <p:nvPr/>
+          </p:nvSpPr>
+          <p:spPr>
+            <a:xfrm>
+              <a:off x="2140142" y="6386004"/>
+              <a:ext cx="1091841" cy="367134"/>
+            </a:xfrm>
+            <a:prstGeom prst="rect">
+              <a:avLst/>
+            </a:prstGeom>
+            <a:noFill/>
+          </p:spPr>
+          <p:txBody>
+            <a:bodyPr wrap="square" rtlCol="0">
+              <a:spAutoFit/>
+            </a:bodyPr>
+            <a:lstStyle/>
+            <a:p>
+              <a:r>
+                <a:rPr lang="en-US" altLang="ko-KR" dirty="0"/>
+                <a:t>33% </a:t>
+              </a:r>
+              <a:r>
+                <a:rPr lang="ko-KR" altLang="en-US" dirty="0"/>
+                <a:t>성장</a:t>
+              </a:r>
+            </a:p>
+          </p:txBody>
+        </p:sp>
+      </p:grpSp>
+      <p:grpSp>
+        <p:nvGrpSpPr>
+          <p:cNvPr id="59" name="그룹 58">
             <a:extLst>
               <a:ext uri="{FF2B5EF4-FFF2-40B4-BE49-F238E27FC236}">
-                <a16:creationId xmlns:a16="http://schemas.microsoft.com/office/drawing/2014/main" id="{26C6BEE3-45C9-48D2-8CBC-780F4116447E}"/>
+                <a16:creationId xmlns:a16="http://schemas.microsoft.com/office/drawing/2014/main" id="{3E3E2354-2A1C-48F1-A10A-F6A732E2F1AD}"/>
               </a:ext>
             </a:extLst>
           </p:cNvPr>
-          <p:cNvSpPr txBox="1"/>
+          <p:cNvGrpSpPr/>
           <p:nvPr/>
-        </p:nvSpPr>
-        <p:spPr>
+        </p:nvGrpSpPr>
+        <p:grpSpPr>
           <a:xfrm>
-            <a:off x="1212661" y="5771155"/>
-            <a:ext cx="595035" cy="338554"/>
+            <a:off x="3553947" y="5662566"/>
+            <a:ext cx="1739547" cy="1090572"/>
+            <a:chOff x="1753420" y="5662566"/>
+            <a:chExt cx="1739547" cy="1090572"/>
           </a:xfrm>
-          <a:prstGeom prst="rect">
-            <a:avLst/>
-          </a:prstGeom>
-          <a:noFill/>
-        </p:spPr>
-        <p:txBody>
-          <a:bodyPr wrap="none" rtlCol="0">
-            <a:spAutoFit/>
-          </a:bodyPr>
-          <a:lstStyle/>
-          <a:p>
-            <a:pPr algn="ctr"/>
-            <a:r>
-              <a:rPr lang="ko-KR" altLang="en-US" sz="1600"/>
-              <a:t>현재</a:t>
-            </a:r>
-          </a:p>
-        </p:txBody>
-      </p:sp>
-      <p:sp>
-        <p:nvSpPr>
-          <p:cNvPr id="11" name="타원 10">
+        </p:grpSpPr>
+        <p:sp>
+          <p:nvSpPr>
+            <p:cNvPr id="60" name="원호 59">
+              <a:extLst>
+                <a:ext uri="{FF2B5EF4-FFF2-40B4-BE49-F238E27FC236}">
+                  <a16:creationId xmlns:a16="http://schemas.microsoft.com/office/drawing/2014/main" id="{B8836927-8851-4BD4-A8F9-A2FC176456F5}"/>
+                </a:ext>
+              </a:extLst>
+            </p:cNvPr>
+            <p:cNvSpPr/>
+            <p:nvPr/>
+          </p:nvSpPr>
+          <p:spPr>
+            <a:xfrm rot="10800000">
+              <a:off x="1753420" y="5662566"/>
+              <a:ext cx="1739547" cy="736537"/>
+            </a:xfrm>
+            <a:prstGeom prst="arc">
+              <a:avLst>
+                <a:gd name="adj1" fmla="val 10990092"/>
+                <a:gd name="adj2" fmla="val 21456843"/>
+              </a:avLst>
+            </a:prstGeom>
+            <a:ln w="28575">
+              <a:solidFill>
+                <a:schemeClr val="bg1">
+                  <a:lumMod val="65000"/>
+                </a:schemeClr>
+              </a:solidFill>
+              <a:prstDash val="sysDash"/>
+              <a:headEnd type="triangle" w="med" len="med"/>
+              <a:tailEnd type="none" w="med" len="med"/>
+            </a:ln>
+          </p:spPr>
+          <p:style>
+            <a:lnRef idx="1">
+              <a:schemeClr val="accent1"/>
+            </a:lnRef>
+            <a:fillRef idx="0">
+              <a:schemeClr val="accent1"/>
+            </a:fillRef>
+            <a:effectRef idx="0">
+              <a:schemeClr val="accent1"/>
+            </a:effectRef>
+            <a:fontRef idx="minor">
+              <a:schemeClr val="tx1"/>
+            </a:fontRef>
+          </p:style>
+          <p:txBody>
+            <a:bodyPr rtlCol="0" anchor="ctr"/>
+            <a:lstStyle/>
+            <a:p>
+              <a:pPr algn="ctr"/>
+              <a:endParaRPr lang="ko-KR" altLang="en-US"/>
+            </a:p>
+          </p:txBody>
+        </p:sp>
+        <p:sp>
+          <p:nvSpPr>
+            <p:cNvPr id="62" name="TextBox 61">
+              <a:extLst>
+                <a:ext uri="{FF2B5EF4-FFF2-40B4-BE49-F238E27FC236}">
+                  <a16:creationId xmlns:a16="http://schemas.microsoft.com/office/drawing/2014/main" id="{93CC1778-174D-44A6-8DE5-3E1809AE1EDE}"/>
+                </a:ext>
+              </a:extLst>
+            </p:cNvPr>
+            <p:cNvSpPr txBox="1"/>
+            <p:nvPr/>
+          </p:nvSpPr>
+          <p:spPr>
+            <a:xfrm>
+              <a:off x="2140142" y="6386004"/>
+              <a:ext cx="1091841" cy="367134"/>
+            </a:xfrm>
+            <a:prstGeom prst="rect">
+              <a:avLst/>
+            </a:prstGeom>
+            <a:noFill/>
+          </p:spPr>
+          <p:txBody>
+            <a:bodyPr wrap="square" rtlCol="0">
+              <a:spAutoFit/>
+            </a:bodyPr>
+            <a:lstStyle/>
+            <a:p>
+              <a:r>
+                <a:rPr lang="en-US" altLang="ko-KR" dirty="0"/>
+                <a:t>33% </a:t>
+              </a:r>
+              <a:r>
+                <a:rPr lang="ko-KR" altLang="en-US" dirty="0"/>
+                <a:t>성장</a:t>
+              </a:r>
+            </a:p>
+          </p:txBody>
+        </p:sp>
+      </p:grpSp>
+      <p:grpSp>
+        <p:nvGrpSpPr>
+          <p:cNvPr id="63" name="그룹 62">
             <a:extLst>
               <a:ext uri="{FF2B5EF4-FFF2-40B4-BE49-F238E27FC236}">
-                <a16:creationId xmlns:a16="http://schemas.microsoft.com/office/drawing/2014/main" id="{2A127D0C-EC26-4CE3-9068-6F2B3AD119BB}"/>
+                <a16:creationId xmlns:a16="http://schemas.microsoft.com/office/drawing/2014/main" id="{57F0132A-03BF-4211-A21D-4AF68DCA2147}"/>
               </a:ext>
             </a:extLst>
           </p:cNvPr>
-          <p:cNvSpPr/>
+          <p:cNvGrpSpPr/>
           <p:nvPr/>
-        </p:nvSpPr>
-        <p:spPr>
+        </p:nvGrpSpPr>
+        <p:grpSpPr>
           <a:xfrm>
-            <a:off x="1002521" y="4111762"/>
-            <a:ext cx="1048237" cy="1027583"/>
+            <a:off x="5441993" y="5662566"/>
+            <a:ext cx="1739547" cy="1090572"/>
+            <a:chOff x="1753420" y="5662566"/>
+            <a:chExt cx="1739547" cy="1090572"/>
           </a:xfrm>
-          <a:prstGeom prst="ellipse">
-            <a:avLst/>
-          </a:prstGeom>
-          <a:solidFill>
-            <a:schemeClr val="accent1">
-              <a:lumMod val="20000"/>
-              <a:lumOff val="80000"/>
-            </a:schemeClr>
-          </a:solidFill>
-          <a:ln w="28575">
-            <a:solidFill>
+        </p:grpSpPr>
+        <p:sp>
+          <p:nvSpPr>
+            <p:cNvPr id="64" name="원호 63">
+              <a:extLst>
+                <a:ext uri="{FF2B5EF4-FFF2-40B4-BE49-F238E27FC236}">
+                  <a16:creationId xmlns:a16="http://schemas.microsoft.com/office/drawing/2014/main" id="{6B20DA6A-BDC7-478A-A8CB-9F14D5EAC4CE}"/>
+                </a:ext>
+              </a:extLst>
+            </p:cNvPr>
+            <p:cNvSpPr/>
+            <p:nvPr/>
+          </p:nvSpPr>
+          <p:spPr>
+            <a:xfrm rot="10800000">
+              <a:off x="1753420" y="5662566"/>
+              <a:ext cx="1739547" cy="736537"/>
+            </a:xfrm>
+            <a:prstGeom prst="arc">
+              <a:avLst>
+                <a:gd name="adj1" fmla="val 10990092"/>
+                <a:gd name="adj2" fmla="val 21456843"/>
+              </a:avLst>
+            </a:prstGeom>
+            <a:ln w="28575">
+              <a:solidFill>
+                <a:schemeClr val="bg1">
+                  <a:lumMod val="65000"/>
+                </a:schemeClr>
+              </a:solidFill>
+              <a:prstDash val="sysDash"/>
+              <a:headEnd type="triangle" w="med" len="med"/>
+              <a:tailEnd type="none" w="med" len="med"/>
+            </a:ln>
+          </p:spPr>
+          <p:style>
+            <a:lnRef idx="1">
+              <a:schemeClr val="accent1"/>
+            </a:lnRef>
+            <a:fillRef idx="0">
+              <a:schemeClr val="accent1"/>
+            </a:fillRef>
+            <a:effectRef idx="0">
+              <a:schemeClr val="accent1"/>
+            </a:effectRef>
+            <a:fontRef idx="minor">
               <a:schemeClr val="tx1"/>
-            </a:solidFill>
-          </a:ln>
-        </p:spPr>
-        <p:style>
-          <a:lnRef idx="2">
-            <a:schemeClr val="accent1">
-              <a:shade val="50000"/>
-            </a:schemeClr>
-          </a:lnRef>
-          <a:fillRef idx="1">
-            <a:schemeClr val="accent1"/>
-          </a:fillRef>
-          <a:effectRef idx="0">
-            <a:schemeClr val="accent1"/>
-          </a:effectRef>
-          <a:fontRef idx="minor">
-            <a:schemeClr val="lt1"/>
-          </a:fontRef>
-        </p:style>
-        <p:txBody>
-          <a:bodyPr rtlCol="0" anchor="ctr"/>
-          <a:lstStyle/>
-          <a:p>
-            <a:pPr algn="ctr"/>
-            <a:r>
-              <a:rPr lang="en-US" altLang="ko-KR" sz="2400" dirty="0">
-                <a:solidFill>
-                  <a:schemeClr val="tx1"/>
-                </a:solidFill>
-              </a:rPr>
-              <a:t>1</a:t>
-            </a:r>
-            <a:r>
-              <a:rPr lang="ko-KR" altLang="en-US" sz="2400" dirty="0">
-                <a:solidFill>
-                  <a:schemeClr val="tx1"/>
-                </a:solidFill>
-              </a:rPr>
-              <a:t>원</a:t>
-            </a:r>
-          </a:p>
-        </p:txBody>
-      </p:sp>
-      <p:cxnSp>
-        <p:nvCxnSpPr>
-          <p:cNvPr id="8" name="직선 연결선 7">
-            <a:extLst>
-              <a:ext uri="{FF2B5EF4-FFF2-40B4-BE49-F238E27FC236}">
-                <a16:creationId xmlns:a16="http://schemas.microsoft.com/office/drawing/2014/main" id="{A064F863-9824-4F7E-BC19-817AD5FCA1EC}"/>
-              </a:ext>
-            </a:extLst>
-          </p:cNvPr>
-          <p:cNvCxnSpPr/>
-          <p:nvPr/>
-        </p:nvCxnSpPr>
-        <p:spPr>
-          <a:xfrm>
-            <a:off x="7374604" y="5281240"/>
-            <a:ext cx="0" cy="489914"/>
-          </a:xfrm>
-          <a:prstGeom prst="line">
-            <a:avLst/>
-          </a:prstGeom>
-          <a:ln w="19050">
-            <a:solidFill>
-              <a:schemeClr val="tx1"/>
-            </a:solidFill>
-          </a:ln>
-        </p:spPr>
-        <p:style>
-          <a:lnRef idx="1">
-            <a:schemeClr val="accent1"/>
-          </a:lnRef>
-          <a:fillRef idx="0">
-            <a:schemeClr val="accent1"/>
-          </a:fillRef>
-          <a:effectRef idx="0">
-            <a:schemeClr val="accent1"/>
-          </a:effectRef>
-          <a:fontRef idx="minor">
-            <a:schemeClr val="tx1"/>
-          </a:fontRef>
-        </p:style>
-      </p:cxnSp>
-      <p:sp>
-        <p:nvSpPr>
-          <p:cNvPr id="10" name="TextBox 9">
-            <a:extLst>
-              <a:ext uri="{FF2B5EF4-FFF2-40B4-BE49-F238E27FC236}">
-                <a16:creationId xmlns:a16="http://schemas.microsoft.com/office/drawing/2014/main" id="{4E9EF6EA-FFF8-40EF-93DB-618165D68796}"/>
-              </a:ext>
-            </a:extLst>
-          </p:cNvPr>
-          <p:cNvSpPr txBox="1"/>
-          <p:nvPr/>
-        </p:nvSpPr>
-        <p:spPr>
-          <a:xfrm>
-            <a:off x="7006654" y="5771155"/>
-            <a:ext cx="745717" cy="338554"/>
-          </a:xfrm>
-          <a:prstGeom prst="rect">
-            <a:avLst/>
-          </a:prstGeom>
-          <a:noFill/>
-        </p:spPr>
-        <p:txBody>
-          <a:bodyPr wrap="none" rtlCol="0">
-            <a:spAutoFit/>
-          </a:bodyPr>
-          <a:lstStyle/>
-          <a:p>
-            <a:pPr algn="ctr"/>
-            <a:r>
-              <a:rPr lang="en-US" altLang="ko-KR" sz="1600" dirty="0"/>
-              <a:t>1</a:t>
-            </a:r>
-            <a:r>
-              <a:rPr lang="ko-KR" altLang="en-US" sz="1600" dirty="0"/>
-              <a:t>년 뒤</a:t>
-            </a:r>
-          </a:p>
-        </p:txBody>
-      </p:sp>
-      <p:sp>
-        <p:nvSpPr>
-          <p:cNvPr id="12" name="타원 11">
-            <a:extLst>
-              <a:ext uri="{FF2B5EF4-FFF2-40B4-BE49-F238E27FC236}">
-                <a16:creationId xmlns:a16="http://schemas.microsoft.com/office/drawing/2014/main" id="{CE33B9DA-EB3B-4332-BE24-7BAF31F9546E}"/>
-              </a:ext>
-            </a:extLst>
-          </p:cNvPr>
-          <p:cNvSpPr/>
-          <p:nvPr/>
-        </p:nvSpPr>
-        <p:spPr>
-          <a:xfrm>
-            <a:off x="6866947" y="4111762"/>
-            <a:ext cx="1048237" cy="1027583"/>
-          </a:xfrm>
-          <a:prstGeom prst="ellipse">
-            <a:avLst/>
-          </a:prstGeom>
-          <a:solidFill>
-            <a:schemeClr val="accent1">
-              <a:lumMod val="20000"/>
-              <a:lumOff val="80000"/>
-            </a:schemeClr>
-          </a:solidFill>
-          <a:ln w="28575">
-            <a:solidFill>
-              <a:schemeClr val="tx1"/>
-            </a:solidFill>
-          </a:ln>
-        </p:spPr>
-        <p:style>
-          <a:lnRef idx="2">
-            <a:schemeClr val="accent1">
-              <a:shade val="50000"/>
-            </a:schemeClr>
-          </a:lnRef>
-          <a:fillRef idx="1">
-            <a:schemeClr val="accent1"/>
-          </a:fillRef>
-          <a:effectRef idx="0">
-            <a:schemeClr val="accent1"/>
-          </a:effectRef>
-          <a:fontRef idx="minor">
-            <a:schemeClr val="lt1"/>
-          </a:fontRef>
-        </p:style>
-        <p:txBody>
-          <a:bodyPr rtlCol="0" anchor="ctr"/>
-          <a:lstStyle/>
-          <a:p>
-            <a:pPr algn="ctr"/>
-            <a:r>
-              <a:rPr lang="en-US" altLang="ko-KR" sz="2400" dirty="0">
-                <a:solidFill>
-                  <a:schemeClr val="tx1"/>
-                </a:solidFill>
-              </a:rPr>
-              <a:t>1</a:t>
-            </a:r>
-            <a:r>
-              <a:rPr lang="ko-KR" altLang="en-US" sz="2400" dirty="0">
-                <a:solidFill>
-                  <a:schemeClr val="tx1"/>
-                </a:solidFill>
-              </a:rPr>
-              <a:t>원</a:t>
-            </a:r>
-          </a:p>
-        </p:txBody>
-      </p:sp>
-      <p:sp>
-        <p:nvSpPr>
-          <p:cNvPr id="13" name="타원 12">
-            <a:extLst>
-              <a:ext uri="{FF2B5EF4-FFF2-40B4-BE49-F238E27FC236}">
-                <a16:creationId xmlns:a16="http://schemas.microsoft.com/office/drawing/2014/main" id="{6EE1F3B5-CFEE-43DC-820C-44C5297DF226}"/>
-              </a:ext>
-            </a:extLst>
-          </p:cNvPr>
-          <p:cNvSpPr/>
-          <p:nvPr/>
-        </p:nvSpPr>
-        <p:spPr>
-          <a:xfrm>
-            <a:off x="5235344" y="2853716"/>
-            <a:ext cx="401824" cy="393907"/>
-          </a:xfrm>
-          <a:prstGeom prst="ellipse">
-            <a:avLst/>
-          </a:prstGeom>
-          <a:solidFill>
-            <a:schemeClr val="accent1">
-              <a:lumMod val="20000"/>
-              <a:lumOff val="80000"/>
-            </a:schemeClr>
-          </a:solidFill>
-          <a:ln w="28575">
-            <a:solidFill>
-              <a:schemeClr val="tx1"/>
-            </a:solidFill>
-          </a:ln>
-        </p:spPr>
-        <p:style>
-          <a:lnRef idx="2">
-            <a:schemeClr val="accent1">
-              <a:shade val="50000"/>
-            </a:schemeClr>
-          </a:lnRef>
-          <a:fillRef idx="1">
-            <a:schemeClr val="accent1"/>
-          </a:fillRef>
-          <a:effectRef idx="0">
-            <a:schemeClr val="accent1"/>
-          </a:effectRef>
-          <a:fontRef idx="minor">
-            <a:schemeClr val="lt1"/>
-          </a:fontRef>
-        </p:style>
-        <p:txBody>
-          <a:bodyPr rtlCol="0" anchor="ctr"/>
-          <a:lstStyle/>
-          <a:p>
-            <a:pPr algn="ctr"/>
-            <a:endParaRPr lang="ko-KR" altLang="en-US" dirty="0">
-              <a:solidFill>
-                <a:schemeClr val="tx1"/>
-              </a:solidFill>
-            </a:endParaRPr>
-          </a:p>
-        </p:txBody>
-      </p:sp>
-      <p:sp>
-        <p:nvSpPr>
-          <p:cNvPr id="21" name="타원 20">
-            <a:extLst>
-              <a:ext uri="{FF2B5EF4-FFF2-40B4-BE49-F238E27FC236}">
-                <a16:creationId xmlns:a16="http://schemas.microsoft.com/office/drawing/2014/main" id="{092D3612-DC5E-4C36-9D13-0353C9060E14}"/>
-              </a:ext>
-            </a:extLst>
-          </p:cNvPr>
-          <p:cNvSpPr/>
-          <p:nvPr/>
-        </p:nvSpPr>
-        <p:spPr>
-          <a:xfrm>
-            <a:off x="5235344" y="1739247"/>
-            <a:ext cx="401824" cy="393907"/>
-          </a:xfrm>
-          <a:prstGeom prst="ellipse">
-            <a:avLst/>
-          </a:prstGeom>
-          <a:solidFill>
-            <a:schemeClr val="accent1">
-              <a:lumMod val="20000"/>
-              <a:lumOff val="80000"/>
-            </a:schemeClr>
-          </a:solidFill>
-          <a:ln w="28575">
-            <a:solidFill>
-              <a:schemeClr val="tx1"/>
-            </a:solidFill>
-          </a:ln>
-        </p:spPr>
-        <p:style>
-          <a:lnRef idx="2">
-            <a:schemeClr val="accent1">
-              <a:shade val="50000"/>
-            </a:schemeClr>
-          </a:lnRef>
-          <a:fillRef idx="1">
-            <a:schemeClr val="accent1"/>
-          </a:fillRef>
-          <a:effectRef idx="0">
-            <a:schemeClr val="accent1"/>
-          </a:effectRef>
-          <a:fontRef idx="minor">
-            <a:schemeClr val="lt1"/>
-          </a:fontRef>
-        </p:style>
-        <p:txBody>
-          <a:bodyPr rtlCol="0" anchor="ctr"/>
-          <a:lstStyle/>
-          <a:p>
-            <a:pPr algn="ctr"/>
-            <a:endParaRPr lang="ko-KR" altLang="en-US" dirty="0">
-              <a:solidFill>
-                <a:schemeClr val="tx1"/>
-              </a:solidFill>
-            </a:endParaRPr>
-          </a:p>
-        </p:txBody>
-      </p:sp>
-      <p:sp>
-        <p:nvSpPr>
-          <p:cNvPr id="22" name="타원 21">
-            <a:extLst>
-              <a:ext uri="{FF2B5EF4-FFF2-40B4-BE49-F238E27FC236}">
-                <a16:creationId xmlns:a16="http://schemas.microsoft.com/office/drawing/2014/main" id="{614726C9-1BC5-43C7-B04D-3F847854E625}"/>
-              </a:ext>
-            </a:extLst>
-          </p:cNvPr>
-          <p:cNvSpPr/>
-          <p:nvPr/>
-        </p:nvSpPr>
-        <p:spPr>
-          <a:xfrm>
-            <a:off x="5313962" y="784196"/>
-            <a:ext cx="244589" cy="239769"/>
-          </a:xfrm>
-          <a:prstGeom prst="ellipse">
-            <a:avLst/>
-          </a:prstGeom>
-          <a:solidFill>
-            <a:schemeClr val="accent1">
-              <a:lumMod val="20000"/>
-              <a:lumOff val="80000"/>
-            </a:schemeClr>
-          </a:solidFill>
-          <a:ln w="28575">
-            <a:solidFill>
-              <a:schemeClr val="tx1"/>
-            </a:solidFill>
-          </a:ln>
-        </p:spPr>
-        <p:style>
-          <a:lnRef idx="2">
-            <a:schemeClr val="accent1">
-              <a:shade val="50000"/>
-            </a:schemeClr>
-          </a:lnRef>
-          <a:fillRef idx="1">
-            <a:schemeClr val="accent1"/>
-          </a:fillRef>
-          <a:effectRef idx="0">
-            <a:schemeClr val="accent1"/>
-          </a:effectRef>
-          <a:fontRef idx="minor">
-            <a:schemeClr val="lt1"/>
-          </a:fontRef>
-        </p:style>
-        <p:txBody>
-          <a:bodyPr rtlCol="0" anchor="ctr"/>
-          <a:lstStyle/>
-          <a:p>
-            <a:pPr algn="ctr"/>
-            <a:endParaRPr lang="ko-KR" altLang="en-US" sz="1100" dirty="0">
-              <a:solidFill>
-                <a:schemeClr val="tx1"/>
-              </a:solidFill>
-            </a:endParaRPr>
-          </a:p>
-        </p:txBody>
-      </p:sp>
-      <p:sp>
-        <p:nvSpPr>
-          <p:cNvPr id="14" name="타원 13">
-            <a:extLst>
-              <a:ext uri="{FF2B5EF4-FFF2-40B4-BE49-F238E27FC236}">
-                <a16:creationId xmlns:a16="http://schemas.microsoft.com/office/drawing/2014/main" id="{D5AE3287-1A33-4CA0-A988-68ABF63144AA}"/>
-              </a:ext>
-            </a:extLst>
-          </p:cNvPr>
-          <p:cNvSpPr/>
-          <p:nvPr/>
-        </p:nvSpPr>
-        <p:spPr>
-          <a:xfrm>
-            <a:off x="2957329" y="4111762"/>
-            <a:ext cx="1048237" cy="1027583"/>
-          </a:xfrm>
-          <a:prstGeom prst="ellipse">
-            <a:avLst/>
-          </a:prstGeom>
-          <a:solidFill>
-            <a:schemeClr val="accent1">
-              <a:lumMod val="20000"/>
-              <a:lumOff val="80000"/>
-            </a:schemeClr>
-          </a:solidFill>
-          <a:ln w="28575">
-            <a:solidFill>
-              <a:schemeClr val="tx1"/>
-            </a:solidFill>
-          </a:ln>
-        </p:spPr>
-        <p:style>
-          <a:lnRef idx="2">
-            <a:schemeClr val="accent1">
-              <a:shade val="50000"/>
-            </a:schemeClr>
-          </a:lnRef>
-          <a:fillRef idx="1">
-            <a:schemeClr val="accent1"/>
-          </a:fillRef>
-          <a:effectRef idx="0">
-            <a:schemeClr val="accent1"/>
-          </a:effectRef>
-          <a:fontRef idx="minor">
-            <a:schemeClr val="lt1"/>
-          </a:fontRef>
-        </p:style>
-        <p:txBody>
-          <a:bodyPr rtlCol="0" anchor="ctr"/>
-          <a:lstStyle/>
-          <a:p>
-            <a:pPr algn="ctr"/>
-            <a:r>
-              <a:rPr lang="en-US" altLang="ko-KR" sz="2400" dirty="0">
-                <a:solidFill>
-                  <a:schemeClr val="tx1"/>
-                </a:solidFill>
-              </a:rPr>
-              <a:t>1</a:t>
-            </a:r>
-            <a:r>
-              <a:rPr lang="ko-KR" altLang="en-US" sz="2400" dirty="0">
-                <a:solidFill>
-                  <a:schemeClr val="tx1"/>
-                </a:solidFill>
-              </a:rPr>
-              <a:t>원</a:t>
-            </a:r>
-          </a:p>
-        </p:txBody>
-      </p:sp>
-      <p:sp>
-        <p:nvSpPr>
-          <p:cNvPr id="17" name="타원 16">
-            <a:extLst>
-              <a:ext uri="{FF2B5EF4-FFF2-40B4-BE49-F238E27FC236}">
-                <a16:creationId xmlns:a16="http://schemas.microsoft.com/office/drawing/2014/main" id="{64D0CB17-0D43-409B-96FF-698980383B1E}"/>
-              </a:ext>
-            </a:extLst>
-          </p:cNvPr>
-          <p:cNvSpPr/>
-          <p:nvPr/>
-        </p:nvSpPr>
-        <p:spPr>
-          <a:xfrm>
-            <a:off x="3280536" y="1739247"/>
-            <a:ext cx="401824" cy="393907"/>
-          </a:xfrm>
-          <a:prstGeom prst="ellipse">
-            <a:avLst/>
-          </a:prstGeom>
-          <a:solidFill>
-            <a:schemeClr val="accent1">
-              <a:lumMod val="20000"/>
-              <a:lumOff val="80000"/>
-            </a:schemeClr>
-          </a:solidFill>
-          <a:ln w="28575">
-            <a:solidFill>
-              <a:schemeClr val="tx1"/>
-            </a:solidFill>
-          </a:ln>
-        </p:spPr>
-        <p:style>
-          <a:lnRef idx="2">
-            <a:schemeClr val="accent1">
-              <a:shade val="50000"/>
-            </a:schemeClr>
-          </a:lnRef>
-          <a:fillRef idx="1">
-            <a:schemeClr val="accent1"/>
-          </a:fillRef>
-          <a:effectRef idx="0">
-            <a:schemeClr val="accent1"/>
-          </a:effectRef>
-          <a:fontRef idx="minor">
-            <a:schemeClr val="lt1"/>
-          </a:fontRef>
-        </p:style>
-        <p:txBody>
-          <a:bodyPr rtlCol="0" anchor="ctr"/>
-          <a:lstStyle/>
-          <a:p>
-            <a:pPr algn="ctr"/>
-            <a:endParaRPr lang="ko-KR" altLang="en-US" sz="700" dirty="0">
-              <a:solidFill>
-                <a:schemeClr val="tx1"/>
-              </a:solidFill>
-            </a:endParaRPr>
-          </a:p>
-        </p:txBody>
-      </p:sp>
-      <p:cxnSp>
-        <p:nvCxnSpPr>
-          <p:cNvPr id="24" name="직선 연결선 23">
-            <a:extLst>
-              <a:ext uri="{FF2B5EF4-FFF2-40B4-BE49-F238E27FC236}">
-                <a16:creationId xmlns:a16="http://schemas.microsoft.com/office/drawing/2014/main" id="{88879257-1E9C-4CF9-909B-3C89954AB66E}"/>
-              </a:ext>
-            </a:extLst>
-          </p:cNvPr>
-          <p:cNvCxnSpPr/>
-          <p:nvPr/>
-        </p:nvCxnSpPr>
-        <p:spPr>
-          <a:xfrm>
-            <a:off x="3476540" y="5281240"/>
-            <a:ext cx="0" cy="489914"/>
-          </a:xfrm>
-          <a:prstGeom prst="line">
-            <a:avLst/>
-          </a:prstGeom>
-          <a:ln w="19050">
-            <a:solidFill>
-              <a:schemeClr val="tx1"/>
-            </a:solidFill>
-          </a:ln>
-        </p:spPr>
-        <p:style>
-          <a:lnRef idx="1">
-            <a:schemeClr val="accent1"/>
-          </a:lnRef>
-          <a:fillRef idx="0">
-            <a:schemeClr val="accent1"/>
-          </a:fillRef>
-          <a:effectRef idx="0">
-            <a:schemeClr val="accent1"/>
-          </a:effectRef>
-          <a:fontRef idx="minor">
-            <a:schemeClr val="tx1"/>
-          </a:fontRef>
-        </p:style>
-      </p:cxnSp>
-      <p:sp>
-        <p:nvSpPr>
-          <p:cNvPr id="25" name="TextBox 24">
-            <a:extLst>
-              <a:ext uri="{FF2B5EF4-FFF2-40B4-BE49-F238E27FC236}">
-                <a16:creationId xmlns:a16="http://schemas.microsoft.com/office/drawing/2014/main" id="{06493C71-E8DA-408C-BFAD-FA488F3C0B55}"/>
-              </a:ext>
-            </a:extLst>
-          </p:cNvPr>
-          <p:cNvSpPr txBox="1"/>
-          <p:nvPr/>
-        </p:nvSpPr>
-        <p:spPr>
-          <a:xfrm>
-            <a:off x="3005998" y="5771155"/>
-            <a:ext cx="950902" cy="338554"/>
-          </a:xfrm>
-          <a:prstGeom prst="rect">
-            <a:avLst/>
-          </a:prstGeom>
-          <a:noFill/>
-        </p:spPr>
-        <p:txBody>
-          <a:bodyPr wrap="none" rtlCol="0">
-            <a:spAutoFit/>
-          </a:bodyPr>
-          <a:lstStyle/>
-          <a:p>
-            <a:pPr algn="ctr"/>
-            <a:r>
-              <a:rPr lang="en-US" altLang="ko-KR" sz="1600" dirty="0"/>
-              <a:t>4</a:t>
-            </a:r>
-            <a:r>
-              <a:rPr lang="ko-KR" altLang="en-US" sz="1600" dirty="0"/>
-              <a:t>개월 뒤</a:t>
-            </a:r>
-          </a:p>
-        </p:txBody>
-      </p:sp>
-      <p:sp>
-        <p:nvSpPr>
-          <p:cNvPr id="26" name="타원 25">
-            <a:extLst>
-              <a:ext uri="{FF2B5EF4-FFF2-40B4-BE49-F238E27FC236}">
-                <a16:creationId xmlns:a16="http://schemas.microsoft.com/office/drawing/2014/main" id="{E7CE0826-8DFF-406A-B72E-5AB481ECA150}"/>
-              </a:ext>
-            </a:extLst>
-          </p:cNvPr>
-          <p:cNvSpPr/>
-          <p:nvPr/>
-        </p:nvSpPr>
-        <p:spPr>
-          <a:xfrm>
-            <a:off x="4912137" y="4111762"/>
-            <a:ext cx="1048237" cy="1027583"/>
-          </a:xfrm>
-          <a:prstGeom prst="ellipse">
-            <a:avLst/>
-          </a:prstGeom>
-          <a:solidFill>
-            <a:schemeClr val="accent1">
-              <a:lumMod val="20000"/>
-              <a:lumOff val="80000"/>
-            </a:schemeClr>
-          </a:solidFill>
-          <a:ln w="28575">
-            <a:solidFill>
-              <a:schemeClr val="tx1"/>
-            </a:solidFill>
-          </a:ln>
-        </p:spPr>
-        <p:style>
-          <a:lnRef idx="2">
-            <a:schemeClr val="accent1">
-              <a:shade val="50000"/>
-            </a:schemeClr>
-          </a:lnRef>
-          <a:fillRef idx="1">
-            <a:schemeClr val="accent1"/>
-          </a:fillRef>
-          <a:effectRef idx="0">
-            <a:schemeClr val="accent1"/>
-          </a:effectRef>
-          <a:fontRef idx="minor">
-            <a:schemeClr val="lt1"/>
-          </a:fontRef>
-        </p:style>
-        <p:txBody>
-          <a:bodyPr rtlCol="0" anchor="ctr"/>
-          <a:lstStyle/>
-          <a:p>
-            <a:pPr algn="ctr"/>
-            <a:r>
-              <a:rPr lang="en-US" altLang="ko-KR" sz="2400" dirty="0">
-                <a:solidFill>
-                  <a:schemeClr val="tx1"/>
-                </a:solidFill>
-              </a:rPr>
-              <a:t>1</a:t>
-            </a:r>
-            <a:r>
-              <a:rPr lang="ko-KR" altLang="en-US" sz="2400" dirty="0">
-                <a:solidFill>
-                  <a:schemeClr val="tx1"/>
-                </a:solidFill>
-              </a:rPr>
-              <a:t>원</a:t>
-            </a:r>
-          </a:p>
-        </p:txBody>
-      </p:sp>
-      <p:cxnSp>
-        <p:nvCxnSpPr>
-          <p:cNvPr id="28" name="직선 연결선 27">
-            <a:extLst>
-              <a:ext uri="{FF2B5EF4-FFF2-40B4-BE49-F238E27FC236}">
-                <a16:creationId xmlns:a16="http://schemas.microsoft.com/office/drawing/2014/main" id="{9A6E630A-B055-4F15-9D8E-71575DF75526}"/>
-              </a:ext>
-            </a:extLst>
-          </p:cNvPr>
-          <p:cNvCxnSpPr/>
-          <p:nvPr/>
-        </p:nvCxnSpPr>
-        <p:spPr>
-          <a:xfrm>
-            <a:off x="5431348" y="5281240"/>
-            <a:ext cx="0" cy="489914"/>
-          </a:xfrm>
-          <a:prstGeom prst="line">
-            <a:avLst/>
-          </a:prstGeom>
-          <a:ln w="19050">
-            <a:solidFill>
-              <a:schemeClr val="tx1"/>
-            </a:solidFill>
-          </a:ln>
-        </p:spPr>
-        <p:style>
-          <a:lnRef idx="1">
-            <a:schemeClr val="accent1"/>
-          </a:lnRef>
-          <a:fillRef idx="0">
-            <a:schemeClr val="accent1"/>
-          </a:fillRef>
-          <a:effectRef idx="0">
-            <a:schemeClr val="accent1"/>
-          </a:effectRef>
-          <a:fontRef idx="minor">
-            <a:schemeClr val="tx1"/>
-          </a:fontRef>
-        </p:style>
-      </p:cxnSp>
-      <p:sp>
-        <p:nvSpPr>
-          <p:cNvPr id="29" name="TextBox 28">
-            <a:extLst>
-              <a:ext uri="{FF2B5EF4-FFF2-40B4-BE49-F238E27FC236}">
-                <a16:creationId xmlns:a16="http://schemas.microsoft.com/office/drawing/2014/main" id="{C8C5C25F-D412-40E1-AE7E-770066AD61F6}"/>
-              </a:ext>
-            </a:extLst>
-          </p:cNvPr>
-          <p:cNvSpPr txBox="1"/>
-          <p:nvPr/>
-        </p:nvSpPr>
-        <p:spPr>
-          <a:xfrm>
-            <a:off x="4960806" y="5771155"/>
-            <a:ext cx="950902" cy="338554"/>
-          </a:xfrm>
-          <a:prstGeom prst="rect">
-            <a:avLst/>
-          </a:prstGeom>
-          <a:noFill/>
-        </p:spPr>
-        <p:txBody>
-          <a:bodyPr wrap="none" rtlCol="0">
-            <a:spAutoFit/>
-          </a:bodyPr>
-          <a:lstStyle/>
-          <a:p>
-            <a:pPr algn="ctr"/>
-            <a:r>
-              <a:rPr lang="en-US" altLang="ko-KR" sz="1600" dirty="0"/>
-              <a:t>8</a:t>
-            </a:r>
-            <a:r>
-              <a:rPr lang="ko-KR" altLang="en-US" sz="1600" dirty="0"/>
-              <a:t>개월 뒤</a:t>
-            </a:r>
-          </a:p>
-        </p:txBody>
-      </p:sp>
-      <p:sp>
-        <p:nvSpPr>
-          <p:cNvPr id="40" name="타원 39">
-            <a:extLst>
-              <a:ext uri="{FF2B5EF4-FFF2-40B4-BE49-F238E27FC236}">
-                <a16:creationId xmlns:a16="http://schemas.microsoft.com/office/drawing/2014/main" id="{5C31660C-627A-41E7-B52D-57D8B94DE146}"/>
-              </a:ext>
-            </a:extLst>
-          </p:cNvPr>
-          <p:cNvSpPr/>
-          <p:nvPr/>
-        </p:nvSpPr>
-        <p:spPr>
-          <a:xfrm>
-            <a:off x="7190153" y="3480098"/>
-            <a:ext cx="401824" cy="393907"/>
-          </a:xfrm>
-          <a:prstGeom prst="ellipse">
-            <a:avLst/>
-          </a:prstGeom>
-          <a:solidFill>
-            <a:schemeClr val="accent1">
-              <a:lumMod val="20000"/>
-              <a:lumOff val="80000"/>
-            </a:schemeClr>
-          </a:solidFill>
-          <a:ln w="28575">
-            <a:solidFill>
-              <a:schemeClr val="tx1"/>
-            </a:solidFill>
-          </a:ln>
-        </p:spPr>
-        <p:style>
-          <a:lnRef idx="2">
-            <a:schemeClr val="accent1">
-              <a:shade val="50000"/>
-            </a:schemeClr>
-          </a:lnRef>
-          <a:fillRef idx="1">
-            <a:schemeClr val="accent1"/>
-          </a:fillRef>
-          <a:effectRef idx="0">
-            <a:schemeClr val="accent1"/>
-          </a:effectRef>
-          <a:fontRef idx="minor">
-            <a:schemeClr val="lt1"/>
-          </a:fontRef>
-        </p:style>
-        <p:txBody>
-          <a:bodyPr rtlCol="0" anchor="ctr"/>
-          <a:lstStyle/>
-          <a:p>
-            <a:pPr algn="ctr"/>
-            <a:endParaRPr lang="ko-KR" altLang="en-US" dirty="0">
-              <a:solidFill>
-                <a:schemeClr val="tx1"/>
-              </a:solidFill>
-            </a:endParaRPr>
-          </a:p>
-        </p:txBody>
-      </p:sp>
-      <p:sp>
-        <p:nvSpPr>
-          <p:cNvPr id="41" name="타원 40">
-            <a:extLst>
-              <a:ext uri="{FF2B5EF4-FFF2-40B4-BE49-F238E27FC236}">
-                <a16:creationId xmlns:a16="http://schemas.microsoft.com/office/drawing/2014/main" id="{E12B89BB-4323-413C-B235-A5043E575B8F}"/>
-              </a:ext>
-            </a:extLst>
-          </p:cNvPr>
-          <p:cNvSpPr/>
-          <p:nvPr/>
-        </p:nvSpPr>
-        <p:spPr>
-          <a:xfrm>
-            <a:off x="7190153" y="2853716"/>
-            <a:ext cx="401824" cy="393907"/>
-          </a:xfrm>
-          <a:prstGeom prst="ellipse">
-            <a:avLst/>
-          </a:prstGeom>
-          <a:solidFill>
-            <a:schemeClr val="accent1">
-              <a:lumMod val="20000"/>
-              <a:lumOff val="80000"/>
-            </a:schemeClr>
-          </a:solidFill>
-          <a:ln w="28575">
-            <a:solidFill>
-              <a:schemeClr val="tx1"/>
-            </a:solidFill>
-          </a:ln>
-        </p:spPr>
-        <p:style>
-          <a:lnRef idx="2">
-            <a:schemeClr val="accent1">
-              <a:shade val="50000"/>
-            </a:schemeClr>
-          </a:lnRef>
-          <a:fillRef idx="1">
-            <a:schemeClr val="accent1"/>
-          </a:fillRef>
-          <a:effectRef idx="0">
-            <a:schemeClr val="accent1"/>
-          </a:effectRef>
-          <a:fontRef idx="minor">
-            <a:schemeClr val="lt1"/>
-          </a:fontRef>
-        </p:style>
-        <p:txBody>
-          <a:bodyPr rtlCol="0" anchor="ctr"/>
-          <a:lstStyle/>
-          <a:p>
-            <a:pPr algn="ctr"/>
-            <a:endParaRPr lang="ko-KR" altLang="en-US" dirty="0">
-              <a:solidFill>
-                <a:schemeClr val="tx1"/>
-              </a:solidFill>
-            </a:endParaRPr>
-          </a:p>
-        </p:txBody>
-      </p:sp>
-      <p:sp>
-        <p:nvSpPr>
-          <p:cNvPr id="43" name="타원 42">
-            <a:extLst>
-              <a:ext uri="{FF2B5EF4-FFF2-40B4-BE49-F238E27FC236}">
-                <a16:creationId xmlns:a16="http://schemas.microsoft.com/office/drawing/2014/main" id="{69ADC968-8E1B-447B-BA4B-0F0A8A636EB0}"/>
-              </a:ext>
-            </a:extLst>
-          </p:cNvPr>
-          <p:cNvSpPr/>
-          <p:nvPr/>
-        </p:nvSpPr>
-        <p:spPr>
-          <a:xfrm>
-            <a:off x="7268771" y="2370910"/>
-            <a:ext cx="244589" cy="239769"/>
-          </a:xfrm>
-          <a:prstGeom prst="ellipse">
-            <a:avLst/>
-          </a:prstGeom>
-          <a:solidFill>
-            <a:schemeClr val="accent1">
-              <a:lumMod val="20000"/>
-              <a:lumOff val="80000"/>
-            </a:schemeClr>
-          </a:solidFill>
-          <a:ln w="28575">
-            <a:solidFill>
-              <a:schemeClr val="tx1"/>
-            </a:solidFill>
-          </a:ln>
-        </p:spPr>
-        <p:style>
-          <a:lnRef idx="2">
-            <a:schemeClr val="accent1">
-              <a:shade val="50000"/>
-            </a:schemeClr>
-          </a:lnRef>
-          <a:fillRef idx="1">
-            <a:schemeClr val="accent1"/>
-          </a:fillRef>
-          <a:effectRef idx="0">
-            <a:schemeClr val="accent1"/>
-          </a:effectRef>
-          <a:fontRef idx="minor">
-            <a:schemeClr val="lt1"/>
-          </a:fontRef>
-        </p:style>
-        <p:txBody>
-          <a:bodyPr rtlCol="0" anchor="ctr"/>
-          <a:lstStyle/>
-          <a:p>
-            <a:pPr algn="ctr"/>
-            <a:endParaRPr lang="ko-KR" altLang="en-US" sz="1100" dirty="0">
-              <a:solidFill>
-                <a:schemeClr val="tx1"/>
-              </a:solidFill>
-            </a:endParaRPr>
-          </a:p>
-        </p:txBody>
-      </p:sp>
-      <p:sp>
-        <p:nvSpPr>
-          <p:cNvPr id="49" name="타원 48">
-            <a:extLst>
-              <a:ext uri="{FF2B5EF4-FFF2-40B4-BE49-F238E27FC236}">
-                <a16:creationId xmlns:a16="http://schemas.microsoft.com/office/drawing/2014/main" id="{7CA51D93-76B8-4672-9CD6-FA34364B4528}"/>
-              </a:ext>
-            </a:extLst>
-          </p:cNvPr>
-          <p:cNvSpPr/>
-          <p:nvPr/>
-        </p:nvSpPr>
-        <p:spPr>
-          <a:xfrm>
-            <a:off x="7190153" y="1739247"/>
-            <a:ext cx="401824" cy="393907"/>
-          </a:xfrm>
-          <a:prstGeom prst="ellipse">
-            <a:avLst/>
-          </a:prstGeom>
-          <a:solidFill>
-            <a:schemeClr val="accent1">
-              <a:lumMod val="20000"/>
-              <a:lumOff val="80000"/>
-            </a:schemeClr>
-          </a:solidFill>
-          <a:ln w="28575">
-            <a:solidFill>
-              <a:schemeClr val="tx1"/>
-            </a:solidFill>
-          </a:ln>
-        </p:spPr>
-        <p:style>
-          <a:lnRef idx="2">
-            <a:schemeClr val="accent1">
-              <a:shade val="50000"/>
-            </a:schemeClr>
-          </a:lnRef>
-          <a:fillRef idx="1">
-            <a:schemeClr val="accent1"/>
-          </a:fillRef>
-          <a:effectRef idx="0">
-            <a:schemeClr val="accent1"/>
-          </a:effectRef>
-          <a:fontRef idx="minor">
-            <a:schemeClr val="lt1"/>
-          </a:fontRef>
-        </p:style>
-        <p:txBody>
-          <a:bodyPr rtlCol="0" anchor="ctr"/>
-          <a:lstStyle/>
-          <a:p>
-            <a:pPr algn="ctr"/>
-            <a:endParaRPr lang="ko-KR" altLang="en-US" sz="1100" dirty="0">
-              <a:solidFill>
-                <a:schemeClr val="tx1"/>
-              </a:solidFill>
-            </a:endParaRPr>
-          </a:p>
-        </p:txBody>
-      </p:sp>
-      <p:sp>
-        <p:nvSpPr>
-          <p:cNvPr id="50" name="타원 49">
-            <a:extLst>
-              <a:ext uri="{FF2B5EF4-FFF2-40B4-BE49-F238E27FC236}">
-                <a16:creationId xmlns:a16="http://schemas.microsoft.com/office/drawing/2014/main" id="{9C064D83-926E-48EC-A464-D06BAA262E34}"/>
-              </a:ext>
-            </a:extLst>
-          </p:cNvPr>
-          <p:cNvSpPr/>
-          <p:nvPr/>
-        </p:nvSpPr>
-        <p:spPr>
-          <a:xfrm>
-            <a:off x="7268771" y="1261722"/>
-            <a:ext cx="244589" cy="239769"/>
-          </a:xfrm>
-          <a:prstGeom prst="ellipse">
-            <a:avLst/>
-          </a:prstGeom>
-          <a:solidFill>
-            <a:schemeClr val="accent1">
-              <a:lumMod val="20000"/>
-              <a:lumOff val="80000"/>
-            </a:schemeClr>
-          </a:solidFill>
-          <a:ln w="28575">
-            <a:solidFill>
-              <a:schemeClr val="tx1"/>
-            </a:solidFill>
-          </a:ln>
-        </p:spPr>
-        <p:style>
-          <a:lnRef idx="2">
-            <a:schemeClr val="accent1">
-              <a:shade val="50000"/>
-            </a:schemeClr>
-          </a:lnRef>
-          <a:fillRef idx="1">
-            <a:schemeClr val="accent1"/>
-          </a:fillRef>
-          <a:effectRef idx="0">
-            <a:schemeClr val="accent1"/>
-          </a:effectRef>
-          <a:fontRef idx="minor">
-            <a:schemeClr val="lt1"/>
-          </a:fontRef>
-        </p:style>
-        <p:txBody>
-          <a:bodyPr rtlCol="0" anchor="ctr"/>
-          <a:lstStyle/>
-          <a:p>
-            <a:pPr algn="ctr"/>
-            <a:endParaRPr lang="ko-KR" altLang="en-US" sz="1100" dirty="0">
-              <a:solidFill>
-                <a:schemeClr val="tx1"/>
-              </a:solidFill>
-            </a:endParaRPr>
-          </a:p>
-        </p:txBody>
-      </p:sp>
-      <p:sp>
-        <p:nvSpPr>
-          <p:cNvPr id="51" name="타원 50">
-            <a:extLst>
-              <a:ext uri="{FF2B5EF4-FFF2-40B4-BE49-F238E27FC236}">
-                <a16:creationId xmlns:a16="http://schemas.microsoft.com/office/drawing/2014/main" id="{1E1D5BBB-207E-4426-8639-4C4DCA485669}"/>
-              </a:ext>
-            </a:extLst>
-          </p:cNvPr>
-          <p:cNvSpPr/>
-          <p:nvPr/>
-        </p:nvSpPr>
-        <p:spPr>
-          <a:xfrm>
-            <a:off x="7268771" y="784196"/>
-            <a:ext cx="244589" cy="239769"/>
-          </a:xfrm>
-          <a:prstGeom prst="ellipse">
-            <a:avLst/>
-          </a:prstGeom>
-          <a:solidFill>
-            <a:schemeClr val="accent1">
-              <a:lumMod val="20000"/>
-              <a:lumOff val="80000"/>
-            </a:schemeClr>
-          </a:solidFill>
-          <a:ln w="28575">
-            <a:solidFill>
-              <a:schemeClr val="tx1"/>
-            </a:solidFill>
-          </a:ln>
-        </p:spPr>
-        <p:style>
-          <a:lnRef idx="2">
-            <a:schemeClr val="accent1">
-              <a:shade val="50000"/>
-            </a:schemeClr>
-          </a:lnRef>
-          <a:fillRef idx="1">
-            <a:schemeClr val="accent1"/>
-          </a:fillRef>
-          <a:effectRef idx="0">
-            <a:schemeClr val="accent1"/>
-          </a:effectRef>
-          <a:fontRef idx="minor">
-            <a:schemeClr val="lt1"/>
-          </a:fontRef>
-        </p:style>
-        <p:txBody>
-          <a:bodyPr rtlCol="0" anchor="ctr"/>
-          <a:lstStyle/>
-          <a:p>
-            <a:pPr algn="ctr"/>
-            <a:endParaRPr lang="ko-KR" altLang="en-US" sz="1100" dirty="0">
-              <a:solidFill>
-                <a:schemeClr val="tx1"/>
-              </a:solidFill>
-            </a:endParaRPr>
-          </a:p>
-        </p:txBody>
-      </p:sp>
-      <p:sp>
-        <p:nvSpPr>
-          <p:cNvPr id="52" name="타원 51">
-            <a:extLst>
-              <a:ext uri="{FF2B5EF4-FFF2-40B4-BE49-F238E27FC236}">
-                <a16:creationId xmlns:a16="http://schemas.microsoft.com/office/drawing/2014/main" id="{A2945E18-D277-4C9C-AD44-8DC113115BB5}"/>
-              </a:ext>
-            </a:extLst>
-          </p:cNvPr>
-          <p:cNvSpPr/>
-          <p:nvPr/>
-        </p:nvSpPr>
-        <p:spPr>
-          <a:xfrm>
-            <a:off x="7356124" y="477935"/>
-            <a:ext cx="69882" cy="68506"/>
-          </a:xfrm>
-          <a:prstGeom prst="ellipse">
-            <a:avLst/>
-          </a:prstGeom>
-          <a:solidFill>
-            <a:schemeClr val="accent1">
-              <a:lumMod val="20000"/>
-              <a:lumOff val="80000"/>
-            </a:schemeClr>
-          </a:solidFill>
-          <a:ln w="28575">
-            <a:solidFill>
-              <a:schemeClr val="tx1"/>
-            </a:solidFill>
-          </a:ln>
-        </p:spPr>
-        <p:style>
-          <a:lnRef idx="2">
-            <a:schemeClr val="accent1">
-              <a:shade val="50000"/>
-            </a:schemeClr>
-          </a:lnRef>
-          <a:fillRef idx="1">
-            <a:schemeClr val="accent1"/>
-          </a:fillRef>
-          <a:effectRef idx="0">
-            <a:schemeClr val="accent1"/>
-          </a:effectRef>
-          <a:fontRef idx="minor">
-            <a:schemeClr val="lt1"/>
-          </a:fontRef>
-        </p:style>
-        <p:txBody>
-          <a:bodyPr rtlCol="0" anchor="ctr"/>
-          <a:lstStyle/>
-          <a:p>
-            <a:pPr algn="ctr"/>
-            <a:endParaRPr lang="ko-KR" altLang="en-US" sz="1100" dirty="0">
-              <a:solidFill>
-                <a:schemeClr val="tx1"/>
-              </a:solidFill>
-            </a:endParaRPr>
-          </a:p>
-        </p:txBody>
-      </p:sp>
-      <p:cxnSp>
-        <p:nvCxnSpPr>
-          <p:cNvPr id="53" name="직선 화살표 연결선 52">
-            <a:extLst>
-              <a:ext uri="{FF2B5EF4-FFF2-40B4-BE49-F238E27FC236}">
-                <a16:creationId xmlns:a16="http://schemas.microsoft.com/office/drawing/2014/main" id="{4513CA63-E87D-435C-AB53-66F3EC906B5F}"/>
-              </a:ext>
-            </a:extLst>
-          </p:cNvPr>
-          <p:cNvCxnSpPr>
-            <a:cxnSpLocks/>
-            <a:stCxn id="11" idx="6"/>
-            <a:endCxn id="17" idx="2"/>
-          </p:cNvCxnSpPr>
-          <p:nvPr/>
-        </p:nvCxnSpPr>
-        <p:spPr>
-          <a:xfrm flipV="1">
-            <a:off x="2050758" y="1936201"/>
-            <a:ext cx="1229777" cy="2689353"/>
-          </a:xfrm>
-          <a:prstGeom prst="straightConnector1">
-            <a:avLst/>
-          </a:prstGeom>
-          <a:ln w="12700">
-            <a:solidFill>
-              <a:schemeClr val="tx1"/>
-            </a:solidFill>
-            <a:prstDash val="dash"/>
-            <a:tailEnd type="triangle"/>
-          </a:ln>
-        </p:spPr>
-        <p:style>
-          <a:lnRef idx="1">
-            <a:schemeClr val="accent1"/>
-          </a:lnRef>
-          <a:fillRef idx="0">
-            <a:schemeClr val="accent1"/>
-          </a:fillRef>
-          <a:effectRef idx="0">
-            <a:schemeClr val="accent1"/>
-          </a:effectRef>
-          <a:fontRef idx="minor">
-            <a:schemeClr val="tx1"/>
-          </a:fontRef>
-        </p:style>
-      </p:cxnSp>
-      <p:cxnSp>
-        <p:nvCxnSpPr>
-          <p:cNvPr id="54" name="직선 화살표 연결선 53">
-            <a:extLst>
-              <a:ext uri="{FF2B5EF4-FFF2-40B4-BE49-F238E27FC236}">
-                <a16:creationId xmlns:a16="http://schemas.microsoft.com/office/drawing/2014/main" id="{9BF6BBB7-074D-421B-BFDF-3CC52BD115F3}"/>
-              </a:ext>
-            </a:extLst>
-          </p:cNvPr>
-          <p:cNvCxnSpPr>
-            <a:cxnSpLocks/>
-            <a:stCxn id="11" idx="6"/>
-            <a:endCxn id="14" idx="2"/>
-          </p:cNvCxnSpPr>
-          <p:nvPr/>
-        </p:nvCxnSpPr>
-        <p:spPr>
-          <a:xfrm>
-            <a:off x="2050758" y="4625554"/>
-            <a:ext cx="906571" cy="0"/>
-          </a:xfrm>
-          <a:prstGeom prst="straightConnector1">
-            <a:avLst/>
-          </a:prstGeom>
-          <a:ln w="12700">
-            <a:solidFill>
-              <a:schemeClr val="tx1"/>
-            </a:solidFill>
-            <a:prstDash val="dash"/>
-            <a:tailEnd type="triangle"/>
-          </a:ln>
-        </p:spPr>
-        <p:style>
-          <a:lnRef idx="1">
-            <a:schemeClr val="accent1"/>
-          </a:lnRef>
-          <a:fillRef idx="0">
-            <a:schemeClr val="accent1"/>
-          </a:fillRef>
-          <a:effectRef idx="0">
-            <a:schemeClr val="accent1"/>
-          </a:effectRef>
-          <a:fontRef idx="minor">
-            <a:schemeClr val="tx1"/>
-          </a:fontRef>
-        </p:style>
-      </p:cxnSp>
-      <p:cxnSp>
-        <p:nvCxnSpPr>
-          <p:cNvPr id="55" name="직선 화살표 연결선 54">
-            <a:extLst>
-              <a:ext uri="{FF2B5EF4-FFF2-40B4-BE49-F238E27FC236}">
-                <a16:creationId xmlns:a16="http://schemas.microsoft.com/office/drawing/2014/main" id="{3363F537-1898-4552-A65D-4B36CF140902}"/>
-              </a:ext>
-            </a:extLst>
-          </p:cNvPr>
-          <p:cNvCxnSpPr>
-            <a:cxnSpLocks/>
-            <a:stCxn id="14" idx="6"/>
-            <a:endCxn id="26" idx="2"/>
-          </p:cNvCxnSpPr>
-          <p:nvPr/>
-        </p:nvCxnSpPr>
-        <p:spPr>
-          <a:xfrm>
-            <a:off x="4005567" y="4625554"/>
-            <a:ext cx="906571" cy="0"/>
-          </a:xfrm>
-          <a:prstGeom prst="straightConnector1">
-            <a:avLst/>
-          </a:prstGeom>
-          <a:ln w="12700">
-            <a:solidFill>
-              <a:schemeClr val="tx1"/>
-            </a:solidFill>
-            <a:prstDash val="dash"/>
-            <a:tailEnd type="triangle"/>
-          </a:ln>
-        </p:spPr>
-        <p:style>
-          <a:lnRef idx="1">
-            <a:schemeClr val="accent1"/>
-          </a:lnRef>
-          <a:fillRef idx="0">
-            <a:schemeClr val="accent1"/>
-          </a:fillRef>
-          <a:effectRef idx="0">
-            <a:schemeClr val="accent1"/>
-          </a:effectRef>
-          <a:fontRef idx="minor">
-            <a:schemeClr val="tx1"/>
-          </a:fontRef>
-        </p:style>
-      </p:cxnSp>
-      <p:cxnSp>
-        <p:nvCxnSpPr>
-          <p:cNvPr id="58" name="직선 화살표 연결선 57">
-            <a:extLst>
-              <a:ext uri="{FF2B5EF4-FFF2-40B4-BE49-F238E27FC236}">
-                <a16:creationId xmlns:a16="http://schemas.microsoft.com/office/drawing/2014/main" id="{E5DE8531-A6BE-48BC-A5F8-6DF361EAAC20}"/>
-              </a:ext>
-            </a:extLst>
-          </p:cNvPr>
-          <p:cNvCxnSpPr>
-            <a:cxnSpLocks/>
-            <a:stCxn id="14" idx="6"/>
-            <a:endCxn id="13" idx="2"/>
-          </p:cNvCxnSpPr>
-          <p:nvPr/>
-        </p:nvCxnSpPr>
-        <p:spPr>
-          <a:xfrm flipV="1">
-            <a:off x="4005567" y="3050670"/>
-            <a:ext cx="1229777" cy="1574884"/>
-          </a:xfrm>
-          <a:prstGeom prst="straightConnector1">
-            <a:avLst/>
-          </a:prstGeom>
-          <a:ln w="12700">
-            <a:solidFill>
-              <a:schemeClr val="tx1"/>
-            </a:solidFill>
-            <a:prstDash val="dash"/>
-            <a:tailEnd type="triangle"/>
-          </a:ln>
-        </p:spPr>
-        <p:style>
-          <a:lnRef idx="1">
-            <a:schemeClr val="accent1"/>
-          </a:lnRef>
-          <a:fillRef idx="0">
-            <a:schemeClr val="accent1"/>
-          </a:fillRef>
-          <a:effectRef idx="0">
-            <a:schemeClr val="accent1"/>
-          </a:effectRef>
-          <a:fontRef idx="minor">
-            <a:schemeClr val="tx1"/>
-          </a:fontRef>
-        </p:style>
-      </p:cxnSp>
-      <p:cxnSp>
-        <p:nvCxnSpPr>
-          <p:cNvPr id="61" name="직선 화살표 연결선 60">
-            <a:extLst>
-              <a:ext uri="{FF2B5EF4-FFF2-40B4-BE49-F238E27FC236}">
-                <a16:creationId xmlns:a16="http://schemas.microsoft.com/office/drawing/2014/main" id="{9A0B5CAE-BD58-4F56-98E2-A8F1D5B293AD}"/>
-              </a:ext>
-            </a:extLst>
-          </p:cNvPr>
-          <p:cNvCxnSpPr>
-            <a:cxnSpLocks/>
-            <a:stCxn id="17" idx="6"/>
-            <a:endCxn id="21" idx="2"/>
-          </p:cNvCxnSpPr>
-          <p:nvPr/>
-        </p:nvCxnSpPr>
-        <p:spPr>
-          <a:xfrm>
-            <a:off x="3682360" y="1936201"/>
-            <a:ext cx="1552984" cy="0"/>
-          </a:xfrm>
-          <a:prstGeom prst="straightConnector1">
-            <a:avLst/>
-          </a:prstGeom>
-          <a:ln w="12700">
-            <a:solidFill>
-              <a:schemeClr val="tx1"/>
-            </a:solidFill>
-            <a:prstDash val="dash"/>
-            <a:tailEnd type="triangle"/>
-          </a:ln>
-        </p:spPr>
-        <p:style>
-          <a:lnRef idx="1">
-            <a:schemeClr val="accent1"/>
-          </a:lnRef>
-          <a:fillRef idx="0">
-            <a:schemeClr val="accent1"/>
-          </a:fillRef>
-          <a:effectRef idx="0">
-            <a:schemeClr val="accent1"/>
-          </a:effectRef>
-          <a:fontRef idx="minor">
-            <a:schemeClr val="tx1"/>
-          </a:fontRef>
-        </p:style>
-      </p:cxnSp>
-      <p:cxnSp>
-        <p:nvCxnSpPr>
-          <p:cNvPr id="68" name="직선 화살표 연결선 67">
-            <a:extLst>
-              <a:ext uri="{FF2B5EF4-FFF2-40B4-BE49-F238E27FC236}">
-                <a16:creationId xmlns:a16="http://schemas.microsoft.com/office/drawing/2014/main" id="{C00BDD56-0349-45B6-8F96-900BC78C4667}"/>
-              </a:ext>
-            </a:extLst>
-          </p:cNvPr>
-          <p:cNvCxnSpPr>
-            <a:cxnSpLocks/>
-            <a:stCxn id="17" idx="6"/>
-            <a:endCxn id="22" idx="2"/>
-          </p:cNvCxnSpPr>
-          <p:nvPr/>
-        </p:nvCxnSpPr>
-        <p:spPr>
-          <a:xfrm flipV="1">
-            <a:off x="3682360" y="904081"/>
-            <a:ext cx="1631602" cy="1032120"/>
-          </a:xfrm>
-          <a:prstGeom prst="straightConnector1">
-            <a:avLst/>
-          </a:prstGeom>
-          <a:ln w="12700">
-            <a:solidFill>
-              <a:schemeClr val="tx1"/>
-            </a:solidFill>
-            <a:prstDash val="dash"/>
-            <a:tailEnd type="triangle"/>
-          </a:ln>
-        </p:spPr>
-        <p:style>
-          <a:lnRef idx="1">
-            <a:schemeClr val="accent1"/>
-          </a:lnRef>
-          <a:fillRef idx="0">
-            <a:schemeClr val="accent1"/>
-          </a:fillRef>
-          <a:effectRef idx="0">
-            <a:schemeClr val="accent1"/>
-          </a:effectRef>
-          <a:fontRef idx="minor">
-            <a:schemeClr val="tx1"/>
-          </a:fontRef>
-        </p:style>
-      </p:cxnSp>
-      <p:cxnSp>
-        <p:nvCxnSpPr>
-          <p:cNvPr id="71" name="직선 화살표 연결선 70">
-            <a:extLst>
-              <a:ext uri="{FF2B5EF4-FFF2-40B4-BE49-F238E27FC236}">
-                <a16:creationId xmlns:a16="http://schemas.microsoft.com/office/drawing/2014/main" id="{2C1CF605-4CE4-4D8A-90F7-94DB0A56196E}"/>
-              </a:ext>
-            </a:extLst>
-          </p:cNvPr>
-          <p:cNvCxnSpPr>
-            <a:cxnSpLocks/>
-            <a:stCxn id="26" idx="6"/>
-            <a:endCxn id="12" idx="2"/>
-          </p:cNvCxnSpPr>
-          <p:nvPr/>
-        </p:nvCxnSpPr>
-        <p:spPr>
-          <a:xfrm>
-            <a:off x="5960375" y="4625554"/>
-            <a:ext cx="906572" cy="0"/>
-          </a:xfrm>
-          <a:prstGeom prst="straightConnector1">
-            <a:avLst/>
-          </a:prstGeom>
-          <a:ln w="12700">
-            <a:solidFill>
-              <a:schemeClr val="tx1"/>
-            </a:solidFill>
-            <a:prstDash val="dash"/>
-            <a:tailEnd type="triangle"/>
-          </a:ln>
-        </p:spPr>
-        <p:style>
-          <a:lnRef idx="1">
-            <a:schemeClr val="accent1"/>
-          </a:lnRef>
-          <a:fillRef idx="0">
-            <a:schemeClr val="accent1"/>
-          </a:fillRef>
-          <a:effectRef idx="0">
-            <a:schemeClr val="accent1"/>
-          </a:effectRef>
-          <a:fontRef idx="minor">
-            <a:schemeClr val="tx1"/>
-          </a:fontRef>
-        </p:style>
-      </p:cxnSp>
-      <p:cxnSp>
-        <p:nvCxnSpPr>
-          <p:cNvPr id="74" name="직선 화살표 연결선 73">
-            <a:extLst>
-              <a:ext uri="{FF2B5EF4-FFF2-40B4-BE49-F238E27FC236}">
-                <a16:creationId xmlns:a16="http://schemas.microsoft.com/office/drawing/2014/main" id="{BC775339-14D9-49D3-83F1-5984340C9FB0}"/>
-              </a:ext>
-            </a:extLst>
-          </p:cNvPr>
-          <p:cNvCxnSpPr>
-            <a:cxnSpLocks/>
-            <a:stCxn id="26" idx="6"/>
-            <a:endCxn id="40" idx="2"/>
-          </p:cNvCxnSpPr>
-          <p:nvPr/>
-        </p:nvCxnSpPr>
-        <p:spPr>
-          <a:xfrm flipV="1">
-            <a:off x="5960375" y="3677052"/>
-            <a:ext cx="1229778" cy="948502"/>
-          </a:xfrm>
-          <a:prstGeom prst="straightConnector1">
-            <a:avLst/>
-          </a:prstGeom>
-          <a:ln w="12700">
-            <a:solidFill>
-              <a:schemeClr val="tx1"/>
-            </a:solidFill>
-            <a:prstDash val="dash"/>
-            <a:tailEnd type="triangle"/>
-          </a:ln>
-        </p:spPr>
-        <p:style>
-          <a:lnRef idx="1">
-            <a:schemeClr val="accent1"/>
-          </a:lnRef>
-          <a:fillRef idx="0">
-            <a:schemeClr val="accent1"/>
-          </a:fillRef>
-          <a:effectRef idx="0">
-            <a:schemeClr val="accent1"/>
-          </a:effectRef>
-          <a:fontRef idx="minor">
-            <a:schemeClr val="tx1"/>
-          </a:fontRef>
-        </p:style>
-      </p:cxnSp>
-      <p:cxnSp>
-        <p:nvCxnSpPr>
-          <p:cNvPr id="78" name="직선 화살표 연결선 77">
-            <a:extLst>
-              <a:ext uri="{FF2B5EF4-FFF2-40B4-BE49-F238E27FC236}">
-                <a16:creationId xmlns:a16="http://schemas.microsoft.com/office/drawing/2014/main" id="{82FA6B00-AF2D-4A7D-B65E-9A4F21F2D45E}"/>
-              </a:ext>
-            </a:extLst>
-          </p:cNvPr>
-          <p:cNvCxnSpPr>
-            <a:cxnSpLocks/>
-            <a:stCxn id="13" idx="6"/>
-            <a:endCxn id="41" idx="2"/>
-          </p:cNvCxnSpPr>
-          <p:nvPr/>
-        </p:nvCxnSpPr>
-        <p:spPr>
-          <a:xfrm>
-            <a:off x="5637168" y="3050670"/>
-            <a:ext cx="1552985" cy="0"/>
-          </a:xfrm>
-          <a:prstGeom prst="straightConnector1">
-            <a:avLst/>
-          </a:prstGeom>
-          <a:ln w="12700">
-            <a:solidFill>
-              <a:schemeClr val="tx1"/>
-            </a:solidFill>
-            <a:prstDash val="dash"/>
-            <a:tailEnd type="triangle"/>
-          </a:ln>
-        </p:spPr>
-        <p:style>
-          <a:lnRef idx="1">
-            <a:schemeClr val="accent1"/>
-          </a:lnRef>
-          <a:fillRef idx="0">
-            <a:schemeClr val="accent1"/>
-          </a:fillRef>
-          <a:effectRef idx="0">
-            <a:schemeClr val="accent1"/>
-          </a:effectRef>
-          <a:fontRef idx="minor">
-            <a:schemeClr val="tx1"/>
-          </a:fontRef>
-        </p:style>
-      </p:cxnSp>
-      <p:cxnSp>
-        <p:nvCxnSpPr>
-          <p:cNvPr id="81" name="직선 화살표 연결선 80">
-            <a:extLst>
-              <a:ext uri="{FF2B5EF4-FFF2-40B4-BE49-F238E27FC236}">
-                <a16:creationId xmlns:a16="http://schemas.microsoft.com/office/drawing/2014/main" id="{56348C18-7CCA-48DB-8A79-A43FFB592C2B}"/>
-              </a:ext>
-            </a:extLst>
-          </p:cNvPr>
-          <p:cNvCxnSpPr>
-            <a:cxnSpLocks/>
-            <a:stCxn id="13" idx="6"/>
-            <a:endCxn id="43" idx="2"/>
-          </p:cNvCxnSpPr>
-          <p:nvPr/>
-        </p:nvCxnSpPr>
-        <p:spPr>
-          <a:xfrm flipV="1">
-            <a:off x="5637168" y="2490795"/>
-            <a:ext cx="1631603" cy="559875"/>
-          </a:xfrm>
-          <a:prstGeom prst="straightConnector1">
-            <a:avLst/>
-          </a:prstGeom>
-          <a:ln w="12700">
-            <a:solidFill>
-              <a:schemeClr val="tx1"/>
-            </a:solidFill>
-            <a:prstDash val="dash"/>
-            <a:tailEnd type="triangle"/>
-          </a:ln>
-        </p:spPr>
-        <p:style>
-          <a:lnRef idx="1">
-            <a:schemeClr val="accent1"/>
-          </a:lnRef>
-          <a:fillRef idx="0">
-            <a:schemeClr val="accent1"/>
-          </a:fillRef>
-          <a:effectRef idx="0">
-            <a:schemeClr val="accent1"/>
-          </a:effectRef>
-          <a:fontRef idx="minor">
-            <a:schemeClr val="tx1"/>
-          </a:fontRef>
-        </p:style>
-      </p:cxnSp>
-      <p:cxnSp>
-        <p:nvCxnSpPr>
-          <p:cNvPr id="85" name="직선 화살표 연결선 84">
-            <a:extLst>
-              <a:ext uri="{FF2B5EF4-FFF2-40B4-BE49-F238E27FC236}">
-                <a16:creationId xmlns:a16="http://schemas.microsoft.com/office/drawing/2014/main" id="{2CE05B15-1350-43AB-B277-E522A265359F}"/>
-              </a:ext>
-            </a:extLst>
-          </p:cNvPr>
-          <p:cNvCxnSpPr>
-            <a:cxnSpLocks/>
-            <a:stCxn id="21" idx="6"/>
-            <a:endCxn id="49" idx="2"/>
-          </p:cNvCxnSpPr>
-          <p:nvPr/>
-        </p:nvCxnSpPr>
-        <p:spPr>
-          <a:xfrm>
-            <a:off x="5637168" y="1936201"/>
-            <a:ext cx="1552985" cy="0"/>
-          </a:xfrm>
-          <a:prstGeom prst="straightConnector1">
-            <a:avLst/>
-          </a:prstGeom>
-          <a:ln w="12700">
-            <a:solidFill>
-              <a:schemeClr val="tx1"/>
-            </a:solidFill>
-            <a:prstDash val="dash"/>
-            <a:tailEnd type="triangle"/>
-          </a:ln>
-        </p:spPr>
-        <p:style>
-          <a:lnRef idx="1">
-            <a:schemeClr val="accent1"/>
-          </a:lnRef>
-          <a:fillRef idx="0">
-            <a:schemeClr val="accent1"/>
-          </a:fillRef>
-          <a:effectRef idx="0">
-            <a:schemeClr val="accent1"/>
-          </a:effectRef>
-          <a:fontRef idx="minor">
-            <a:schemeClr val="tx1"/>
-          </a:fontRef>
-        </p:style>
-      </p:cxnSp>
-      <p:cxnSp>
-        <p:nvCxnSpPr>
-          <p:cNvPr id="88" name="직선 화살표 연결선 87">
-            <a:extLst>
-              <a:ext uri="{FF2B5EF4-FFF2-40B4-BE49-F238E27FC236}">
-                <a16:creationId xmlns:a16="http://schemas.microsoft.com/office/drawing/2014/main" id="{7BA61633-C151-4B26-B735-A07FCB4BBDD2}"/>
-              </a:ext>
-            </a:extLst>
-          </p:cNvPr>
-          <p:cNvCxnSpPr>
-            <a:cxnSpLocks/>
-            <a:stCxn id="21" idx="6"/>
-            <a:endCxn id="50" idx="2"/>
-          </p:cNvCxnSpPr>
-          <p:nvPr/>
-        </p:nvCxnSpPr>
-        <p:spPr>
-          <a:xfrm flipV="1">
-            <a:off x="5637168" y="1381606"/>
-            <a:ext cx="1631603" cy="554594"/>
-          </a:xfrm>
-          <a:prstGeom prst="straightConnector1">
-            <a:avLst/>
-          </a:prstGeom>
-          <a:ln w="12700">
-            <a:solidFill>
-              <a:schemeClr val="tx1"/>
-            </a:solidFill>
-            <a:prstDash val="dash"/>
-            <a:tailEnd type="triangle"/>
-          </a:ln>
-        </p:spPr>
-        <p:style>
-          <a:lnRef idx="1">
-            <a:schemeClr val="accent1"/>
-          </a:lnRef>
-          <a:fillRef idx="0">
-            <a:schemeClr val="accent1"/>
-          </a:fillRef>
-          <a:effectRef idx="0">
-            <a:schemeClr val="accent1"/>
-          </a:effectRef>
-          <a:fontRef idx="minor">
-            <a:schemeClr val="tx1"/>
-          </a:fontRef>
-        </p:style>
-      </p:cxnSp>
-      <p:cxnSp>
-        <p:nvCxnSpPr>
-          <p:cNvPr id="92" name="직선 화살표 연결선 91">
-            <a:extLst>
-              <a:ext uri="{FF2B5EF4-FFF2-40B4-BE49-F238E27FC236}">
-                <a16:creationId xmlns:a16="http://schemas.microsoft.com/office/drawing/2014/main" id="{224A3D39-70E4-49D0-8776-703663A9A375}"/>
-              </a:ext>
-            </a:extLst>
-          </p:cNvPr>
-          <p:cNvCxnSpPr>
-            <a:cxnSpLocks/>
-            <a:stCxn id="22" idx="6"/>
-            <a:endCxn id="51" idx="2"/>
-          </p:cNvCxnSpPr>
-          <p:nvPr/>
-        </p:nvCxnSpPr>
-        <p:spPr>
-          <a:xfrm>
-            <a:off x="5558550" y="904081"/>
-            <a:ext cx="1710221" cy="0"/>
-          </a:xfrm>
-          <a:prstGeom prst="straightConnector1">
-            <a:avLst/>
-          </a:prstGeom>
-          <a:ln w="12700">
-            <a:solidFill>
-              <a:schemeClr val="tx1"/>
-            </a:solidFill>
-            <a:prstDash val="dash"/>
-            <a:tailEnd type="triangle"/>
-          </a:ln>
-        </p:spPr>
-        <p:style>
-          <a:lnRef idx="1">
-            <a:schemeClr val="accent1"/>
-          </a:lnRef>
-          <a:fillRef idx="0">
-            <a:schemeClr val="accent1"/>
-          </a:fillRef>
-          <a:effectRef idx="0">
-            <a:schemeClr val="accent1"/>
-          </a:effectRef>
-          <a:fontRef idx="minor">
-            <a:schemeClr val="tx1"/>
-          </a:fontRef>
-        </p:style>
-      </p:cxnSp>
-      <p:cxnSp>
-        <p:nvCxnSpPr>
-          <p:cNvPr id="95" name="직선 화살표 연결선 94">
-            <a:extLst>
-              <a:ext uri="{FF2B5EF4-FFF2-40B4-BE49-F238E27FC236}">
-                <a16:creationId xmlns:a16="http://schemas.microsoft.com/office/drawing/2014/main" id="{270BED83-D7E8-488D-AA58-9510AA878464}"/>
-              </a:ext>
-            </a:extLst>
-          </p:cNvPr>
-          <p:cNvCxnSpPr>
-            <a:cxnSpLocks/>
-            <a:stCxn id="22" idx="6"/>
-            <a:endCxn id="52" idx="2"/>
-          </p:cNvCxnSpPr>
-          <p:nvPr/>
-        </p:nvCxnSpPr>
-        <p:spPr>
-          <a:xfrm flipV="1">
-            <a:off x="5558550" y="512187"/>
-            <a:ext cx="1797574" cy="391894"/>
-          </a:xfrm>
-          <a:prstGeom prst="straightConnector1">
-            <a:avLst/>
-          </a:prstGeom>
-          <a:ln w="12700">
-            <a:solidFill>
-              <a:schemeClr val="tx1"/>
-            </a:solidFill>
-            <a:prstDash val="dash"/>
-            <a:tailEnd type="triangle"/>
-          </a:ln>
-        </p:spPr>
-        <p:style>
-          <a:lnRef idx="1">
-            <a:schemeClr val="accent1"/>
-          </a:lnRef>
-          <a:fillRef idx="0">
-            <a:schemeClr val="accent1"/>
-          </a:fillRef>
-          <a:effectRef idx="0">
-            <a:schemeClr val="accent1"/>
-          </a:effectRef>
-          <a:fontRef idx="minor">
-            <a:schemeClr val="tx1"/>
-          </a:fontRef>
-        </p:style>
-      </p:cxnSp>
-      <p:sp>
-        <p:nvSpPr>
-          <p:cNvPr id="98" name="TextBox 97">
-            <a:extLst>
-              <a:ext uri="{FF2B5EF4-FFF2-40B4-BE49-F238E27FC236}">
-                <a16:creationId xmlns:a16="http://schemas.microsoft.com/office/drawing/2014/main" id="{20BFB9A8-8BB5-41CE-90BD-9460839C97C5}"/>
-              </a:ext>
-            </a:extLst>
-          </p:cNvPr>
-          <p:cNvSpPr txBox="1"/>
-          <p:nvPr/>
-        </p:nvSpPr>
-        <p:spPr>
-          <a:xfrm>
-            <a:off x="2914669" y="1549900"/>
-            <a:ext cx="471604" cy="338554"/>
-          </a:xfrm>
-          <a:prstGeom prst="rect">
-            <a:avLst/>
-          </a:prstGeom>
-          <a:noFill/>
-        </p:spPr>
-        <p:txBody>
-          <a:bodyPr wrap="none" rtlCol="0">
-            <a:spAutoFit/>
-          </a:bodyPr>
-          <a:lstStyle/>
-          <a:p>
-            <a:r>
-              <a:rPr lang="en-US" altLang="ko-KR" sz="1600" dirty="0"/>
-              <a:t>1/3</a:t>
-            </a:r>
-            <a:endParaRPr lang="ko-KR" altLang="en-US" sz="1600" dirty="0"/>
-          </a:p>
-        </p:txBody>
-      </p:sp>
-      <p:sp>
-        <p:nvSpPr>
-          <p:cNvPr id="99" name="TextBox 98">
-            <a:extLst>
-              <a:ext uri="{FF2B5EF4-FFF2-40B4-BE49-F238E27FC236}">
-                <a16:creationId xmlns:a16="http://schemas.microsoft.com/office/drawing/2014/main" id="{96FE0B13-9327-4367-9D09-6853C1D34E6E}"/>
-              </a:ext>
-            </a:extLst>
-          </p:cNvPr>
-          <p:cNvSpPr txBox="1"/>
-          <p:nvPr/>
-        </p:nvSpPr>
-        <p:spPr>
-          <a:xfrm>
-            <a:off x="4833521" y="2665497"/>
-            <a:ext cx="471604" cy="338554"/>
-          </a:xfrm>
-          <a:prstGeom prst="rect">
-            <a:avLst/>
-          </a:prstGeom>
-          <a:noFill/>
-        </p:spPr>
-        <p:txBody>
-          <a:bodyPr wrap="none" rtlCol="0">
-            <a:spAutoFit/>
-          </a:bodyPr>
-          <a:lstStyle/>
-          <a:p>
-            <a:r>
-              <a:rPr lang="en-US" altLang="ko-KR" sz="1600" dirty="0"/>
-              <a:t>1/3</a:t>
-            </a:r>
-            <a:endParaRPr lang="ko-KR" altLang="en-US" sz="1600" dirty="0"/>
-          </a:p>
-        </p:txBody>
-      </p:sp>
-      <p:sp>
-        <p:nvSpPr>
-          <p:cNvPr id="100" name="TextBox 99">
-            <a:extLst>
-              <a:ext uri="{FF2B5EF4-FFF2-40B4-BE49-F238E27FC236}">
-                <a16:creationId xmlns:a16="http://schemas.microsoft.com/office/drawing/2014/main" id="{36D0A4B3-26B9-4945-8F53-8C25B4D64404}"/>
-              </a:ext>
-            </a:extLst>
-          </p:cNvPr>
-          <p:cNvSpPr txBox="1"/>
-          <p:nvPr/>
-        </p:nvSpPr>
-        <p:spPr>
-          <a:xfrm>
-            <a:off x="4833521" y="1536698"/>
-            <a:ext cx="471604" cy="338554"/>
-          </a:xfrm>
-          <a:prstGeom prst="rect">
-            <a:avLst/>
-          </a:prstGeom>
-          <a:noFill/>
-        </p:spPr>
-        <p:txBody>
-          <a:bodyPr wrap="none" rtlCol="0">
-            <a:spAutoFit/>
-          </a:bodyPr>
-          <a:lstStyle/>
-          <a:p>
-            <a:r>
-              <a:rPr lang="en-US" altLang="ko-KR" sz="1600" dirty="0"/>
-              <a:t>1/3</a:t>
-            </a:r>
-            <a:endParaRPr lang="ko-KR" altLang="en-US" sz="1600" dirty="0"/>
-          </a:p>
-        </p:txBody>
-      </p:sp>
-      <p:sp>
-        <p:nvSpPr>
-          <p:cNvPr id="101" name="TextBox 100">
-            <a:extLst>
-              <a:ext uri="{FF2B5EF4-FFF2-40B4-BE49-F238E27FC236}">
-                <a16:creationId xmlns:a16="http://schemas.microsoft.com/office/drawing/2014/main" id="{B1F454B9-4113-4F46-9006-63043F22B9EA}"/>
-              </a:ext>
-            </a:extLst>
-          </p:cNvPr>
-          <p:cNvSpPr txBox="1"/>
-          <p:nvPr/>
-        </p:nvSpPr>
-        <p:spPr>
-          <a:xfrm>
-            <a:off x="6775252" y="1536698"/>
-            <a:ext cx="471604" cy="338554"/>
-          </a:xfrm>
-          <a:prstGeom prst="rect">
-            <a:avLst/>
-          </a:prstGeom>
-          <a:noFill/>
-        </p:spPr>
-        <p:txBody>
-          <a:bodyPr wrap="none" rtlCol="0">
-            <a:spAutoFit/>
-          </a:bodyPr>
-          <a:lstStyle/>
-          <a:p>
-            <a:r>
-              <a:rPr lang="en-US" altLang="ko-KR" sz="1600" dirty="0"/>
-              <a:t>1/3</a:t>
-            </a:r>
-            <a:endParaRPr lang="ko-KR" altLang="en-US" sz="1600" dirty="0"/>
-          </a:p>
-        </p:txBody>
-      </p:sp>
-      <p:sp>
-        <p:nvSpPr>
-          <p:cNvPr id="102" name="TextBox 101">
-            <a:extLst>
-              <a:ext uri="{FF2B5EF4-FFF2-40B4-BE49-F238E27FC236}">
-                <a16:creationId xmlns:a16="http://schemas.microsoft.com/office/drawing/2014/main" id="{A0AB2A6E-E783-4708-A0AD-F36EF35F4A0B}"/>
-              </a:ext>
-            </a:extLst>
-          </p:cNvPr>
-          <p:cNvSpPr txBox="1"/>
-          <p:nvPr/>
-        </p:nvSpPr>
-        <p:spPr>
-          <a:xfrm>
-            <a:off x="6775252" y="2639320"/>
-            <a:ext cx="471604" cy="338554"/>
-          </a:xfrm>
-          <a:prstGeom prst="rect">
-            <a:avLst/>
-          </a:prstGeom>
-          <a:noFill/>
-        </p:spPr>
-        <p:txBody>
-          <a:bodyPr wrap="none" rtlCol="0">
-            <a:spAutoFit/>
-          </a:bodyPr>
-          <a:lstStyle/>
-          <a:p>
-            <a:r>
-              <a:rPr lang="en-US" altLang="ko-KR" sz="1600" dirty="0"/>
-              <a:t>1/3</a:t>
-            </a:r>
-            <a:endParaRPr lang="ko-KR" altLang="en-US" sz="1600" dirty="0"/>
-          </a:p>
-        </p:txBody>
-      </p:sp>
-      <p:sp>
-        <p:nvSpPr>
-          <p:cNvPr id="103" name="TextBox 102">
-            <a:extLst>
-              <a:ext uri="{FF2B5EF4-FFF2-40B4-BE49-F238E27FC236}">
-                <a16:creationId xmlns:a16="http://schemas.microsoft.com/office/drawing/2014/main" id="{B151B5F3-EB3D-48AE-8A5D-C527C4BA0DC8}"/>
-              </a:ext>
-            </a:extLst>
-          </p:cNvPr>
-          <p:cNvSpPr txBox="1"/>
-          <p:nvPr/>
-        </p:nvSpPr>
-        <p:spPr>
-          <a:xfrm>
-            <a:off x="6775252" y="3278734"/>
-            <a:ext cx="471604" cy="338554"/>
-          </a:xfrm>
-          <a:prstGeom prst="rect">
-            <a:avLst/>
-          </a:prstGeom>
-          <a:noFill/>
-        </p:spPr>
-        <p:txBody>
-          <a:bodyPr wrap="none" rtlCol="0">
-            <a:spAutoFit/>
-          </a:bodyPr>
-          <a:lstStyle/>
-          <a:p>
-            <a:r>
-              <a:rPr lang="en-US" altLang="ko-KR" sz="1600" dirty="0"/>
-              <a:t>1/3</a:t>
-            </a:r>
-            <a:endParaRPr lang="ko-KR" altLang="en-US" sz="1600" dirty="0"/>
-          </a:p>
-        </p:txBody>
-      </p:sp>
-      <p:sp>
-        <p:nvSpPr>
-          <p:cNvPr id="104" name="TextBox 103">
-            <a:extLst>
-              <a:ext uri="{FF2B5EF4-FFF2-40B4-BE49-F238E27FC236}">
-                <a16:creationId xmlns:a16="http://schemas.microsoft.com/office/drawing/2014/main" id="{6AA64CDF-8A37-416B-96B5-E0A9C100F259}"/>
-              </a:ext>
-            </a:extLst>
-          </p:cNvPr>
-          <p:cNvSpPr txBox="1"/>
-          <p:nvPr/>
-        </p:nvSpPr>
-        <p:spPr>
-          <a:xfrm>
-            <a:off x="7431444" y="2204427"/>
-            <a:ext cx="471604" cy="338554"/>
-          </a:xfrm>
-          <a:prstGeom prst="rect">
-            <a:avLst/>
-          </a:prstGeom>
-          <a:noFill/>
-        </p:spPr>
-        <p:txBody>
-          <a:bodyPr wrap="none" rtlCol="0">
-            <a:spAutoFit/>
-          </a:bodyPr>
-          <a:lstStyle/>
-          <a:p>
-            <a:r>
-              <a:rPr lang="en-US" altLang="ko-KR" sz="1600" dirty="0"/>
-              <a:t>1/9</a:t>
-            </a:r>
-            <a:endParaRPr lang="ko-KR" altLang="en-US" sz="1600" dirty="0"/>
-          </a:p>
-        </p:txBody>
-      </p:sp>
-      <p:sp>
-        <p:nvSpPr>
-          <p:cNvPr id="105" name="TextBox 104">
-            <a:extLst>
-              <a:ext uri="{FF2B5EF4-FFF2-40B4-BE49-F238E27FC236}">
-                <a16:creationId xmlns:a16="http://schemas.microsoft.com/office/drawing/2014/main" id="{50BDC998-6386-4FEB-A6F3-00F256693A59}"/>
-              </a:ext>
-            </a:extLst>
-          </p:cNvPr>
-          <p:cNvSpPr txBox="1"/>
-          <p:nvPr/>
-        </p:nvSpPr>
-        <p:spPr>
-          <a:xfrm>
-            <a:off x="7431444" y="1081317"/>
-            <a:ext cx="493519" cy="338554"/>
-          </a:xfrm>
-          <a:prstGeom prst="rect">
-            <a:avLst/>
-          </a:prstGeom>
-          <a:noFill/>
-        </p:spPr>
-        <p:txBody>
-          <a:bodyPr wrap="square" rtlCol="0">
-            <a:spAutoFit/>
-          </a:bodyPr>
-          <a:lstStyle/>
-          <a:p>
-            <a:r>
-              <a:rPr lang="en-US" altLang="ko-KR" sz="1600" dirty="0"/>
-              <a:t>1/9</a:t>
-            </a:r>
-            <a:endParaRPr lang="ko-KR" altLang="en-US" sz="1600" dirty="0"/>
-          </a:p>
-        </p:txBody>
-      </p:sp>
-      <p:sp>
-        <p:nvSpPr>
-          <p:cNvPr id="107" name="TextBox 106">
-            <a:extLst>
-              <a:ext uri="{FF2B5EF4-FFF2-40B4-BE49-F238E27FC236}">
-                <a16:creationId xmlns:a16="http://schemas.microsoft.com/office/drawing/2014/main" id="{88A7A659-7196-4C13-AB91-3EDB1AA42F7D}"/>
-              </a:ext>
-            </a:extLst>
-          </p:cNvPr>
-          <p:cNvSpPr txBox="1"/>
-          <p:nvPr/>
-        </p:nvSpPr>
-        <p:spPr>
-          <a:xfrm>
-            <a:off x="7431444" y="615782"/>
-            <a:ext cx="493519" cy="338554"/>
-          </a:xfrm>
-          <a:prstGeom prst="rect">
-            <a:avLst/>
-          </a:prstGeom>
-          <a:noFill/>
-        </p:spPr>
-        <p:txBody>
-          <a:bodyPr wrap="square" rtlCol="0">
-            <a:spAutoFit/>
-          </a:bodyPr>
-          <a:lstStyle/>
-          <a:p>
-            <a:r>
-              <a:rPr lang="en-US" altLang="ko-KR" sz="1600" dirty="0"/>
-              <a:t>1/9</a:t>
-            </a:r>
-            <a:endParaRPr lang="ko-KR" altLang="en-US" sz="1600" dirty="0"/>
-          </a:p>
-        </p:txBody>
-      </p:sp>
-      <p:sp>
-        <p:nvSpPr>
-          <p:cNvPr id="108" name="TextBox 107">
-            <a:extLst>
-              <a:ext uri="{FF2B5EF4-FFF2-40B4-BE49-F238E27FC236}">
-                <a16:creationId xmlns:a16="http://schemas.microsoft.com/office/drawing/2014/main" id="{71EF3D97-EBB4-4626-A205-A3263E2689FC}"/>
-              </a:ext>
-            </a:extLst>
-          </p:cNvPr>
-          <p:cNvSpPr txBox="1"/>
-          <p:nvPr/>
-        </p:nvSpPr>
-        <p:spPr>
-          <a:xfrm>
-            <a:off x="7431444" y="226153"/>
-            <a:ext cx="710035" cy="338554"/>
-          </a:xfrm>
-          <a:prstGeom prst="rect">
-            <a:avLst/>
-          </a:prstGeom>
-          <a:noFill/>
-        </p:spPr>
-        <p:txBody>
-          <a:bodyPr wrap="square" rtlCol="0">
-            <a:spAutoFit/>
-          </a:bodyPr>
-          <a:lstStyle/>
-          <a:p>
-            <a:r>
-              <a:rPr lang="en-US" altLang="ko-KR" sz="1600" dirty="0"/>
-              <a:t>1/27</a:t>
-            </a:r>
-            <a:endParaRPr lang="ko-KR" altLang="en-US" sz="1600" dirty="0"/>
-          </a:p>
-        </p:txBody>
-      </p:sp>
-      <p:sp>
-        <p:nvSpPr>
-          <p:cNvPr id="111" name="TextBox 110">
-            <a:extLst>
-              <a:ext uri="{FF2B5EF4-FFF2-40B4-BE49-F238E27FC236}">
-                <a16:creationId xmlns:a16="http://schemas.microsoft.com/office/drawing/2014/main" id="{D688A2A5-50D7-450E-BB6F-EEF8235B7AF5}"/>
-              </a:ext>
-            </a:extLst>
-          </p:cNvPr>
-          <p:cNvSpPr txBox="1"/>
-          <p:nvPr/>
-        </p:nvSpPr>
-        <p:spPr>
-          <a:xfrm>
-            <a:off x="1143617" y="6188451"/>
-            <a:ext cx="647934" cy="461665"/>
-          </a:xfrm>
-          <a:prstGeom prst="rect">
-            <a:avLst/>
-          </a:prstGeom>
-          <a:noFill/>
-        </p:spPr>
-        <p:txBody>
-          <a:bodyPr wrap="none" rtlCol="0">
-            <a:spAutoFit/>
-          </a:bodyPr>
-          <a:lstStyle/>
-          <a:p>
-            <a:pPr algn="ctr"/>
-            <a:r>
-              <a:rPr lang="en-US" altLang="ko-KR" sz="2400" b="1" dirty="0"/>
-              <a:t>1</a:t>
-            </a:r>
-            <a:r>
-              <a:rPr lang="ko-KR" altLang="en-US" sz="2400" b="1" dirty="0"/>
-              <a:t>원</a:t>
-            </a:r>
-          </a:p>
-        </p:txBody>
-      </p:sp>
-      <p:sp>
-        <p:nvSpPr>
-          <p:cNvPr id="112" name="TextBox 111">
-            <a:extLst>
-              <a:ext uri="{FF2B5EF4-FFF2-40B4-BE49-F238E27FC236}">
-                <a16:creationId xmlns:a16="http://schemas.microsoft.com/office/drawing/2014/main" id="{1C7ABBCF-E8BA-45A6-8015-8C157FDBEEEB}"/>
-              </a:ext>
-            </a:extLst>
-          </p:cNvPr>
-          <p:cNvSpPr txBox="1"/>
-          <p:nvPr/>
-        </p:nvSpPr>
-        <p:spPr>
-          <a:xfrm>
-            <a:off x="2949734" y="6188451"/>
-            <a:ext cx="1040670" cy="461665"/>
-          </a:xfrm>
-          <a:prstGeom prst="rect">
-            <a:avLst/>
-          </a:prstGeom>
-          <a:noFill/>
-        </p:spPr>
-        <p:txBody>
-          <a:bodyPr wrap="none" rtlCol="0">
-            <a:spAutoFit/>
-          </a:bodyPr>
-          <a:lstStyle/>
-          <a:p>
-            <a:pPr algn="ctr"/>
-            <a:r>
-              <a:rPr lang="en-US" altLang="ko-KR" sz="2400" b="1" dirty="0"/>
-              <a:t>1.33</a:t>
-            </a:r>
-            <a:r>
-              <a:rPr lang="ko-KR" altLang="en-US" sz="2400" b="1" dirty="0"/>
-              <a:t>원</a:t>
-            </a:r>
-          </a:p>
-        </p:txBody>
-      </p:sp>
-      <p:sp>
-        <p:nvSpPr>
-          <p:cNvPr id="113" name="TextBox 112">
-            <a:extLst>
-              <a:ext uri="{FF2B5EF4-FFF2-40B4-BE49-F238E27FC236}">
-                <a16:creationId xmlns:a16="http://schemas.microsoft.com/office/drawing/2014/main" id="{8203B578-6171-4E4C-AE1D-13D494C93430}"/>
-              </a:ext>
-            </a:extLst>
-          </p:cNvPr>
-          <p:cNvSpPr txBox="1"/>
-          <p:nvPr/>
-        </p:nvSpPr>
-        <p:spPr>
-          <a:xfrm>
-            <a:off x="4918317" y="6188451"/>
-            <a:ext cx="1040670" cy="461665"/>
-          </a:xfrm>
-          <a:prstGeom prst="rect">
-            <a:avLst/>
-          </a:prstGeom>
-          <a:noFill/>
-        </p:spPr>
-        <p:txBody>
-          <a:bodyPr wrap="none" rtlCol="0">
-            <a:spAutoFit/>
-          </a:bodyPr>
-          <a:lstStyle/>
-          <a:p>
-            <a:pPr algn="ctr"/>
-            <a:r>
-              <a:rPr lang="en-US" altLang="ko-KR" sz="2400" b="1" dirty="0"/>
-              <a:t>1.78</a:t>
-            </a:r>
-            <a:r>
-              <a:rPr lang="ko-KR" altLang="en-US" sz="2400" b="1" dirty="0"/>
-              <a:t>원</a:t>
-            </a:r>
-          </a:p>
-        </p:txBody>
-      </p:sp>
-      <p:sp>
-        <p:nvSpPr>
-          <p:cNvPr id="114" name="TextBox 113">
-            <a:extLst>
-              <a:ext uri="{FF2B5EF4-FFF2-40B4-BE49-F238E27FC236}">
-                <a16:creationId xmlns:a16="http://schemas.microsoft.com/office/drawing/2014/main" id="{61D32520-34B1-442A-BC1B-40BC274E44CD}"/>
-              </a:ext>
-            </a:extLst>
-          </p:cNvPr>
-          <p:cNvSpPr txBox="1"/>
-          <p:nvPr/>
-        </p:nvSpPr>
-        <p:spPr>
-          <a:xfrm>
-            <a:off x="4833521" y="615782"/>
-            <a:ext cx="493519" cy="338554"/>
-          </a:xfrm>
-          <a:prstGeom prst="rect">
-            <a:avLst/>
-          </a:prstGeom>
-          <a:noFill/>
-        </p:spPr>
-        <p:txBody>
-          <a:bodyPr wrap="square" rtlCol="0">
-            <a:spAutoFit/>
-          </a:bodyPr>
-          <a:lstStyle/>
-          <a:p>
-            <a:r>
-              <a:rPr lang="en-US" altLang="ko-KR" sz="1600" dirty="0"/>
-              <a:t>1/9</a:t>
-            </a:r>
-            <a:endParaRPr lang="ko-KR" altLang="en-US" sz="1600" dirty="0"/>
-          </a:p>
-        </p:txBody>
-      </p:sp>
-      <p:sp>
-        <p:nvSpPr>
-          <p:cNvPr id="115" name="TextBox 114">
-            <a:extLst>
-              <a:ext uri="{FF2B5EF4-FFF2-40B4-BE49-F238E27FC236}">
-                <a16:creationId xmlns:a16="http://schemas.microsoft.com/office/drawing/2014/main" id="{4836F299-D0AF-4B50-87E3-4F3291D6A51F}"/>
-              </a:ext>
-            </a:extLst>
-          </p:cNvPr>
-          <p:cNvSpPr txBox="1"/>
-          <p:nvPr/>
-        </p:nvSpPr>
-        <p:spPr>
-          <a:xfrm>
-            <a:off x="6854269" y="6188451"/>
-            <a:ext cx="1040670" cy="461665"/>
-          </a:xfrm>
-          <a:prstGeom prst="rect">
-            <a:avLst/>
-          </a:prstGeom>
-          <a:noFill/>
-        </p:spPr>
-        <p:txBody>
-          <a:bodyPr wrap="none" rtlCol="0">
-            <a:spAutoFit/>
-          </a:bodyPr>
-          <a:lstStyle/>
-          <a:p>
-            <a:pPr algn="ctr"/>
-            <a:r>
-              <a:rPr lang="en-US" altLang="ko-KR" sz="2400" b="1"/>
-              <a:t>2.37</a:t>
-            </a:r>
-            <a:r>
-              <a:rPr lang="ko-KR" altLang="en-US" sz="2400" b="1" dirty="0"/>
-              <a:t>원</a:t>
-            </a:r>
-          </a:p>
-        </p:txBody>
-      </p:sp>
+            </a:fontRef>
+          </p:style>
+          <p:txBody>
+            <a:bodyPr rtlCol="0" anchor="ctr"/>
+            <a:lstStyle/>
+            <a:p>
+              <a:pPr algn="ctr"/>
+              <a:endParaRPr lang="ko-KR" altLang="en-US"/>
+            </a:p>
+          </p:txBody>
+        </p:sp>
+        <p:sp>
+          <p:nvSpPr>
+            <p:cNvPr id="65" name="TextBox 64">
+              <a:extLst>
+                <a:ext uri="{FF2B5EF4-FFF2-40B4-BE49-F238E27FC236}">
+                  <a16:creationId xmlns:a16="http://schemas.microsoft.com/office/drawing/2014/main" id="{DD3027D4-038C-45ED-98E5-4C2B228F200C}"/>
+                </a:ext>
+              </a:extLst>
+            </p:cNvPr>
+            <p:cNvSpPr txBox="1"/>
+            <p:nvPr/>
+          </p:nvSpPr>
+          <p:spPr>
+            <a:xfrm>
+              <a:off x="2140142" y="6386004"/>
+              <a:ext cx="1091841" cy="367134"/>
+            </a:xfrm>
+            <a:prstGeom prst="rect">
+              <a:avLst/>
+            </a:prstGeom>
+            <a:noFill/>
+          </p:spPr>
+          <p:txBody>
+            <a:bodyPr wrap="square" rtlCol="0">
+              <a:spAutoFit/>
+            </a:bodyPr>
+            <a:lstStyle/>
+            <a:p>
+              <a:r>
+                <a:rPr lang="en-US" altLang="ko-KR" dirty="0"/>
+                <a:t>33% </a:t>
+              </a:r>
+              <a:r>
+                <a:rPr lang="ko-KR" altLang="en-US" dirty="0"/>
+                <a:t>성장</a:t>
+              </a:r>
+            </a:p>
+          </p:txBody>
+        </p:sp>
+      </p:grpSp>
     </p:spTree>
     <p:extLst>
       <p:ext uri="{BB962C8B-B14F-4D97-AF65-F5344CB8AC3E}">

--- a/pics/2019-09-04_natural_number_e/pics.pptx
+++ b/pics/2019-09-04_natural_number_e/pics.pptx
@@ -8,6 +8,7 @@
     <p:sldId id="256" r:id="rId2"/>
     <p:sldId id="257" r:id="rId3"/>
     <p:sldId id="258" r:id="rId4"/>
+    <p:sldId id="259" r:id="rId5"/>
   </p:sldIdLst>
   <p:sldSz cx="9144000" cy="6858000" type="screen4x3"/>
   <p:notesSz cx="6858000" cy="9144000"/>
@@ -108,7 +109,7 @@
   </p:defaultTextStyle>
   <p:extLst>
     <p:ext uri="{EFAFB233-063F-42B5-8137-9DF3F51BA10A}">
-      <p15:sldGuideLst xmlns:p15="http://schemas.microsoft.com/office/powerpoint/2012/main"/>
+      <p15:sldGuideLst xmlns:p15="http://schemas.microsoft.com/office/powerpoint/2012/main" xmlns=""/>
     </p:ext>
   </p:extLst>
 </p:presentation>
@@ -245,7 +246,7 @@
           <a:p>
             <a:fld id="{AC511CBF-0EF4-4A18-AA19-0C800731374E}" type="datetimeFigureOut">
               <a:rPr lang="ko-KR" altLang="en-US" smtClean="0"/>
-              <a:t>2019-09-07</a:t>
+              <a:t>2020-11-04</a:t>
             </a:fld>
             <a:endParaRPr lang="ko-KR" altLang="en-US"/>
           </a:p>
@@ -415,7 +416,7 @@
           <a:p>
             <a:fld id="{AC511CBF-0EF4-4A18-AA19-0C800731374E}" type="datetimeFigureOut">
               <a:rPr lang="ko-KR" altLang="en-US" smtClean="0"/>
-              <a:t>2019-09-07</a:t>
+              <a:t>2020-11-04</a:t>
             </a:fld>
             <a:endParaRPr lang="ko-KR" altLang="en-US"/>
           </a:p>
@@ -595,7 +596,7 @@
           <a:p>
             <a:fld id="{AC511CBF-0EF4-4A18-AA19-0C800731374E}" type="datetimeFigureOut">
               <a:rPr lang="ko-KR" altLang="en-US" smtClean="0"/>
-              <a:t>2019-09-07</a:t>
+              <a:t>2020-11-04</a:t>
             </a:fld>
             <a:endParaRPr lang="ko-KR" altLang="en-US"/>
           </a:p>
@@ -765,7 +766,7 @@
           <a:p>
             <a:fld id="{AC511CBF-0EF4-4A18-AA19-0C800731374E}" type="datetimeFigureOut">
               <a:rPr lang="ko-KR" altLang="en-US" smtClean="0"/>
-              <a:t>2019-09-07</a:t>
+              <a:t>2020-11-04</a:t>
             </a:fld>
             <a:endParaRPr lang="ko-KR" altLang="en-US"/>
           </a:p>
@@ -1009,7 +1010,7 @@
           <a:p>
             <a:fld id="{AC511CBF-0EF4-4A18-AA19-0C800731374E}" type="datetimeFigureOut">
               <a:rPr lang="ko-KR" altLang="en-US" smtClean="0"/>
-              <a:t>2019-09-07</a:t>
+              <a:t>2020-11-04</a:t>
             </a:fld>
             <a:endParaRPr lang="ko-KR" altLang="en-US"/>
           </a:p>
@@ -1241,7 +1242,7 @@
           <a:p>
             <a:fld id="{AC511CBF-0EF4-4A18-AA19-0C800731374E}" type="datetimeFigureOut">
               <a:rPr lang="ko-KR" altLang="en-US" smtClean="0"/>
-              <a:t>2019-09-07</a:t>
+              <a:t>2020-11-04</a:t>
             </a:fld>
             <a:endParaRPr lang="ko-KR" altLang="en-US"/>
           </a:p>
@@ -1608,7 +1609,7 @@
           <a:p>
             <a:fld id="{AC511CBF-0EF4-4A18-AA19-0C800731374E}" type="datetimeFigureOut">
               <a:rPr lang="ko-KR" altLang="en-US" smtClean="0"/>
-              <a:t>2019-09-07</a:t>
+              <a:t>2020-11-04</a:t>
             </a:fld>
             <a:endParaRPr lang="ko-KR" altLang="en-US"/>
           </a:p>
@@ -1726,7 +1727,7 @@
           <a:p>
             <a:fld id="{AC511CBF-0EF4-4A18-AA19-0C800731374E}" type="datetimeFigureOut">
               <a:rPr lang="ko-KR" altLang="en-US" smtClean="0"/>
-              <a:t>2019-09-07</a:t>
+              <a:t>2020-11-04</a:t>
             </a:fld>
             <a:endParaRPr lang="ko-KR" altLang="en-US"/>
           </a:p>
@@ -1821,7 +1822,7 @@
           <a:p>
             <a:fld id="{AC511CBF-0EF4-4A18-AA19-0C800731374E}" type="datetimeFigureOut">
               <a:rPr lang="ko-KR" altLang="en-US" smtClean="0"/>
-              <a:t>2019-09-07</a:t>
+              <a:t>2020-11-04</a:t>
             </a:fld>
             <a:endParaRPr lang="ko-KR" altLang="en-US"/>
           </a:p>
@@ -2098,7 +2099,7 @@
           <a:p>
             <a:fld id="{AC511CBF-0EF4-4A18-AA19-0C800731374E}" type="datetimeFigureOut">
               <a:rPr lang="ko-KR" altLang="en-US" smtClean="0"/>
-              <a:t>2019-09-07</a:t>
+              <a:t>2020-11-04</a:t>
             </a:fld>
             <a:endParaRPr lang="ko-KR" altLang="en-US"/>
           </a:p>
@@ -2355,7 +2356,7 @@
           <a:p>
             <a:fld id="{AC511CBF-0EF4-4A18-AA19-0C800731374E}" type="datetimeFigureOut">
               <a:rPr lang="ko-KR" altLang="en-US" smtClean="0"/>
-              <a:t>2019-09-07</a:t>
+              <a:t>2020-11-04</a:t>
             </a:fld>
             <a:endParaRPr lang="ko-KR" altLang="en-US"/>
           </a:p>
@@ -2568,7 +2569,7 @@
           <a:p>
             <a:fld id="{AC511CBF-0EF4-4A18-AA19-0C800731374E}" type="datetimeFigureOut">
               <a:rPr lang="ko-KR" altLang="en-US" smtClean="0"/>
-              <a:t>2019-09-07</a:t>
+              <a:t>2020-11-04</a:t>
             </a:fld>
             <a:endParaRPr lang="ko-KR" altLang="en-US"/>
           </a:p>
@@ -2978,7 +2979,7 @@
           <p:cNvPr id="5" name="직선 화살표 연결선 4">
             <a:extLst>
               <a:ext uri="{FF2B5EF4-FFF2-40B4-BE49-F238E27FC236}">
-                <a16:creationId xmlns:a16="http://schemas.microsoft.com/office/drawing/2014/main" id="{3048DF74-5E5E-4CB8-86FF-80D42183DF68}"/>
+                <a16:creationId xmlns:a16="http://schemas.microsoft.com/office/drawing/2014/main" xmlns="" id="{3048DF74-5E5E-4CB8-86FF-80D42183DF68}"/>
               </a:ext>
             </a:extLst>
           </p:cNvPr>
@@ -3020,7 +3021,7 @@
           <p:cNvPr id="7" name="직선 연결선 6">
             <a:extLst>
               <a:ext uri="{FF2B5EF4-FFF2-40B4-BE49-F238E27FC236}">
-                <a16:creationId xmlns:a16="http://schemas.microsoft.com/office/drawing/2014/main" id="{AF1934DE-E570-4214-9B15-4FA9BCADD148}"/>
+                <a16:creationId xmlns:a16="http://schemas.microsoft.com/office/drawing/2014/main" xmlns="" id="{AF1934DE-E570-4214-9B15-4FA9BCADD148}"/>
               </a:ext>
             </a:extLst>
           </p:cNvPr>
@@ -3061,7 +3062,7 @@
           <p:cNvPr id="8" name="직선 연결선 7">
             <a:extLst>
               <a:ext uri="{FF2B5EF4-FFF2-40B4-BE49-F238E27FC236}">
-                <a16:creationId xmlns:a16="http://schemas.microsoft.com/office/drawing/2014/main" id="{A064F863-9824-4F7E-BC19-817AD5FCA1EC}"/>
+                <a16:creationId xmlns:a16="http://schemas.microsoft.com/office/drawing/2014/main" xmlns="" id="{A064F863-9824-4F7E-BC19-817AD5FCA1EC}"/>
               </a:ext>
             </a:extLst>
           </p:cNvPr>
@@ -3102,7 +3103,7 @@
           <p:cNvPr id="9" name="TextBox 8">
             <a:extLst>
               <a:ext uri="{FF2B5EF4-FFF2-40B4-BE49-F238E27FC236}">
-                <a16:creationId xmlns:a16="http://schemas.microsoft.com/office/drawing/2014/main" id="{26C6BEE3-45C9-48D2-8CBC-780F4116447E}"/>
+                <a16:creationId xmlns:a16="http://schemas.microsoft.com/office/drawing/2014/main" xmlns="" id="{26C6BEE3-45C9-48D2-8CBC-780F4116447E}"/>
               </a:ext>
             </a:extLst>
           </p:cNvPr>
@@ -3138,7 +3139,7 @@
           <p:cNvPr id="10" name="TextBox 9">
             <a:extLst>
               <a:ext uri="{FF2B5EF4-FFF2-40B4-BE49-F238E27FC236}">
-                <a16:creationId xmlns:a16="http://schemas.microsoft.com/office/drawing/2014/main" id="{4E9EF6EA-FFF8-40EF-93DB-618165D68796}"/>
+                <a16:creationId xmlns:a16="http://schemas.microsoft.com/office/drawing/2014/main" xmlns="" id="{4E9EF6EA-FFF8-40EF-93DB-618165D68796}"/>
               </a:ext>
             </a:extLst>
           </p:cNvPr>
@@ -3178,7 +3179,7 @@
           <p:cNvPr id="11" name="타원 10">
             <a:extLst>
               <a:ext uri="{FF2B5EF4-FFF2-40B4-BE49-F238E27FC236}">
-                <a16:creationId xmlns:a16="http://schemas.microsoft.com/office/drawing/2014/main" id="{2A127D0C-EC26-4CE3-9068-6F2B3AD119BB}"/>
+                <a16:creationId xmlns:a16="http://schemas.microsoft.com/office/drawing/2014/main" xmlns="" id="{2A127D0C-EC26-4CE3-9068-6F2B3AD119BB}"/>
               </a:ext>
             </a:extLst>
           </p:cNvPr>
@@ -3250,7 +3251,7 @@
           <p:cNvPr id="12" name="타원 11">
             <a:extLst>
               <a:ext uri="{FF2B5EF4-FFF2-40B4-BE49-F238E27FC236}">
-                <a16:creationId xmlns:a16="http://schemas.microsoft.com/office/drawing/2014/main" id="{CE33B9DA-EB3B-4332-BE24-7BAF31F9546E}"/>
+                <a16:creationId xmlns:a16="http://schemas.microsoft.com/office/drawing/2014/main" xmlns="" id="{CE33B9DA-EB3B-4332-BE24-7BAF31F9546E}"/>
               </a:ext>
             </a:extLst>
           </p:cNvPr>
@@ -3322,7 +3323,7 @@
           <p:cNvPr id="13" name="타원 12">
             <a:extLst>
               <a:ext uri="{FF2B5EF4-FFF2-40B4-BE49-F238E27FC236}">
-                <a16:creationId xmlns:a16="http://schemas.microsoft.com/office/drawing/2014/main" id="{6EE1F3B5-CFEE-43DC-820C-44C5297DF226}"/>
+                <a16:creationId xmlns:a16="http://schemas.microsoft.com/office/drawing/2014/main" xmlns="" id="{6EE1F3B5-CFEE-43DC-820C-44C5297DF226}"/>
               </a:ext>
             </a:extLst>
           </p:cNvPr>
@@ -3394,7 +3395,7 @@
           <p:cNvPr id="16" name="직선 화살표 연결선 15">
             <a:extLst>
               <a:ext uri="{FF2B5EF4-FFF2-40B4-BE49-F238E27FC236}">
-                <a16:creationId xmlns:a16="http://schemas.microsoft.com/office/drawing/2014/main" id="{F451B0A6-A608-438D-B326-3F89E2B12E22}"/>
+                <a16:creationId xmlns:a16="http://schemas.microsoft.com/office/drawing/2014/main" xmlns="" id="{F451B0A6-A608-438D-B326-3F89E2B12E22}"/>
               </a:ext>
             </a:extLst>
           </p:cNvPr>
@@ -3442,7 +3443,7 @@
           <p:cNvPr id="19" name="이등변 삼각형 18">
             <a:extLst>
               <a:ext uri="{FF2B5EF4-FFF2-40B4-BE49-F238E27FC236}">
-                <a16:creationId xmlns:a16="http://schemas.microsoft.com/office/drawing/2014/main" id="{E3EB3377-48AC-42F8-A248-90C5D79C4507}"/>
+                <a16:creationId xmlns:a16="http://schemas.microsoft.com/office/drawing/2014/main" xmlns="" id="{E3EB3377-48AC-42F8-A248-90C5D79C4507}"/>
               </a:ext>
             </a:extLst>
           </p:cNvPr>
@@ -3494,7 +3495,7 @@
           <p:cNvPr id="21" name="그룹 20">
             <a:extLst>
               <a:ext uri="{FF2B5EF4-FFF2-40B4-BE49-F238E27FC236}">
-                <a16:creationId xmlns:a16="http://schemas.microsoft.com/office/drawing/2014/main" id="{D01F5A2A-90DC-468D-9907-F0F5245331CC}"/>
+                <a16:creationId xmlns:a16="http://schemas.microsoft.com/office/drawing/2014/main" xmlns="" id="{D01F5A2A-90DC-468D-9907-F0F5245331CC}"/>
               </a:ext>
             </a:extLst>
           </p:cNvPr>
@@ -3514,7 +3515,7 @@
             <p:cNvPr id="15" name="직선 화살표 연결선 14">
               <a:extLst>
                 <a:ext uri="{FF2B5EF4-FFF2-40B4-BE49-F238E27FC236}">
-                  <a16:creationId xmlns:a16="http://schemas.microsoft.com/office/drawing/2014/main" id="{A6DFE7F6-4576-450F-BD81-27F73D44137A}"/>
+                  <a16:creationId xmlns:a16="http://schemas.microsoft.com/office/drawing/2014/main" xmlns="" id="{A6DFE7F6-4576-450F-BD81-27F73D44137A}"/>
                 </a:ext>
               </a:extLst>
             </p:cNvPr>
@@ -3561,7 +3562,7 @@
             <p:cNvPr id="20" name="이등변 삼각형 19">
               <a:extLst>
                 <a:ext uri="{FF2B5EF4-FFF2-40B4-BE49-F238E27FC236}">
-                  <a16:creationId xmlns:a16="http://schemas.microsoft.com/office/drawing/2014/main" id="{658BCA55-3BE5-4DCD-9D17-A7B43D120E90}"/>
+                  <a16:creationId xmlns:a16="http://schemas.microsoft.com/office/drawing/2014/main" xmlns="" id="{658BCA55-3BE5-4DCD-9D17-A7B43D120E90}"/>
                 </a:ext>
               </a:extLst>
             </p:cNvPr>
@@ -3614,7 +3615,7 @@
           <p:cNvPr id="22" name="TextBox 21">
             <a:extLst>
               <a:ext uri="{FF2B5EF4-FFF2-40B4-BE49-F238E27FC236}">
-                <a16:creationId xmlns:a16="http://schemas.microsoft.com/office/drawing/2014/main" id="{C6DCD031-683C-41F3-BA61-A71BE26F4596}"/>
+                <a16:creationId xmlns:a16="http://schemas.microsoft.com/office/drawing/2014/main" xmlns="" id="{C6DCD031-683C-41F3-BA61-A71BE26F4596}"/>
               </a:ext>
             </a:extLst>
           </p:cNvPr>
@@ -3653,7 +3654,7 @@
           <p:cNvPr id="23" name="TextBox 22">
             <a:extLst>
               <a:ext uri="{FF2B5EF4-FFF2-40B4-BE49-F238E27FC236}">
-                <a16:creationId xmlns:a16="http://schemas.microsoft.com/office/drawing/2014/main" id="{66BF8A1E-4B47-431F-9794-CB83CF0275D2}"/>
+                <a16:creationId xmlns:a16="http://schemas.microsoft.com/office/drawing/2014/main" xmlns="" id="{66BF8A1E-4B47-431F-9794-CB83CF0275D2}"/>
               </a:ext>
             </a:extLst>
           </p:cNvPr>
@@ -3692,7 +3693,7 @@
           <p:cNvPr id="3" name="원호 2">
             <a:extLst>
               <a:ext uri="{FF2B5EF4-FFF2-40B4-BE49-F238E27FC236}">
-                <a16:creationId xmlns:a16="http://schemas.microsoft.com/office/drawing/2014/main" id="{CBB2E81B-C0D5-4FB9-AB9F-2FDCCAC3BB8C}"/>
+                <a16:creationId xmlns:a16="http://schemas.microsoft.com/office/drawing/2014/main" xmlns="" id="{CBB2E81B-C0D5-4FB9-AB9F-2FDCCAC3BB8C}"/>
               </a:ext>
             </a:extLst>
           </p:cNvPr>
@@ -3749,7 +3750,7 @@
           <p:cNvPr id="4" name="TextBox 3">
             <a:extLst>
               <a:ext uri="{FF2B5EF4-FFF2-40B4-BE49-F238E27FC236}">
-                <a16:creationId xmlns:a16="http://schemas.microsoft.com/office/drawing/2014/main" id="{02A7F6F3-13DA-4C46-8CB9-91DC54CCF8E6}"/>
+                <a16:creationId xmlns:a16="http://schemas.microsoft.com/office/drawing/2014/main" xmlns="" id="{02A7F6F3-13DA-4C46-8CB9-91DC54CCF8E6}"/>
               </a:ext>
             </a:extLst>
           </p:cNvPr>
@@ -3818,7 +3819,7 @@
           <p:cNvPr id="5" name="직선 화살표 연결선 4">
             <a:extLst>
               <a:ext uri="{FF2B5EF4-FFF2-40B4-BE49-F238E27FC236}">
-                <a16:creationId xmlns:a16="http://schemas.microsoft.com/office/drawing/2014/main" id="{3048DF74-5E5E-4CB8-86FF-80D42183DF68}"/>
+                <a16:creationId xmlns:a16="http://schemas.microsoft.com/office/drawing/2014/main" xmlns="" id="{3048DF74-5E5E-4CB8-86FF-80D42183DF68}"/>
               </a:ext>
             </a:extLst>
           </p:cNvPr>
@@ -3860,7 +3861,7 @@
           <p:cNvPr id="7" name="직선 연결선 6">
             <a:extLst>
               <a:ext uri="{FF2B5EF4-FFF2-40B4-BE49-F238E27FC236}">
-                <a16:creationId xmlns:a16="http://schemas.microsoft.com/office/drawing/2014/main" id="{AF1934DE-E570-4214-9B15-4FA9BCADD148}"/>
+                <a16:creationId xmlns:a16="http://schemas.microsoft.com/office/drawing/2014/main" xmlns="" id="{AF1934DE-E570-4214-9B15-4FA9BCADD148}"/>
               </a:ext>
             </a:extLst>
           </p:cNvPr>
@@ -3901,7 +3902,7 @@
           <p:cNvPr id="9" name="TextBox 8">
             <a:extLst>
               <a:ext uri="{FF2B5EF4-FFF2-40B4-BE49-F238E27FC236}">
-                <a16:creationId xmlns:a16="http://schemas.microsoft.com/office/drawing/2014/main" id="{26C6BEE3-45C9-48D2-8CBC-780F4116447E}"/>
+                <a16:creationId xmlns:a16="http://schemas.microsoft.com/office/drawing/2014/main" xmlns="" id="{26C6BEE3-45C9-48D2-8CBC-780F4116447E}"/>
               </a:ext>
             </a:extLst>
           </p:cNvPr>
@@ -3937,7 +3938,7 @@
           <p:cNvPr id="11" name="타원 10">
             <a:extLst>
               <a:ext uri="{FF2B5EF4-FFF2-40B4-BE49-F238E27FC236}">
-                <a16:creationId xmlns:a16="http://schemas.microsoft.com/office/drawing/2014/main" id="{2A127D0C-EC26-4CE3-9068-6F2B3AD119BB}"/>
+                <a16:creationId xmlns:a16="http://schemas.microsoft.com/office/drawing/2014/main" xmlns="" id="{2A127D0C-EC26-4CE3-9068-6F2B3AD119BB}"/>
               </a:ext>
             </a:extLst>
           </p:cNvPr>
@@ -4009,7 +4010,7 @@
           <p:cNvPr id="8" name="직선 연결선 7">
             <a:extLst>
               <a:ext uri="{FF2B5EF4-FFF2-40B4-BE49-F238E27FC236}">
-                <a16:creationId xmlns:a16="http://schemas.microsoft.com/office/drawing/2014/main" id="{A064F863-9824-4F7E-BC19-817AD5FCA1EC}"/>
+                <a16:creationId xmlns:a16="http://schemas.microsoft.com/office/drawing/2014/main" xmlns="" id="{A064F863-9824-4F7E-BC19-817AD5FCA1EC}"/>
               </a:ext>
             </a:extLst>
           </p:cNvPr>
@@ -4050,7 +4051,7 @@
           <p:cNvPr id="10" name="TextBox 9">
             <a:extLst>
               <a:ext uri="{FF2B5EF4-FFF2-40B4-BE49-F238E27FC236}">
-                <a16:creationId xmlns:a16="http://schemas.microsoft.com/office/drawing/2014/main" id="{4E9EF6EA-FFF8-40EF-93DB-618165D68796}"/>
+                <a16:creationId xmlns:a16="http://schemas.microsoft.com/office/drawing/2014/main" xmlns="" id="{4E9EF6EA-FFF8-40EF-93DB-618165D68796}"/>
               </a:ext>
             </a:extLst>
           </p:cNvPr>
@@ -4090,7 +4091,7 @@
           <p:cNvPr id="12" name="타원 11">
             <a:extLst>
               <a:ext uri="{FF2B5EF4-FFF2-40B4-BE49-F238E27FC236}">
-                <a16:creationId xmlns:a16="http://schemas.microsoft.com/office/drawing/2014/main" id="{CE33B9DA-EB3B-4332-BE24-7BAF31F9546E}"/>
+                <a16:creationId xmlns:a16="http://schemas.microsoft.com/office/drawing/2014/main" xmlns="" id="{CE33B9DA-EB3B-4332-BE24-7BAF31F9546E}"/>
               </a:ext>
             </a:extLst>
           </p:cNvPr>
@@ -4162,7 +4163,7 @@
           <p:cNvPr id="13" name="타원 12">
             <a:extLst>
               <a:ext uri="{FF2B5EF4-FFF2-40B4-BE49-F238E27FC236}">
-                <a16:creationId xmlns:a16="http://schemas.microsoft.com/office/drawing/2014/main" id="{6EE1F3B5-CFEE-43DC-820C-44C5297DF226}"/>
+                <a16:creationId xmlns:a16="http://schemas.microsoft.com/office/drawing/2014/main" xmlns="" id="{6EE1F3B5-CFEE-43DC-820C-44C5297DF226}"/>
               </a:ext>
             </a:extLst>
           </p:cNvPr>
@@ -4231,7 +4232,7 @@
           <p:cNvPr id="21" name="타원 20">
             <a:extLst>
               <a:ext uri="{FF2B5EF4-FFF2-40B4-BE49-F238E27FC236}">
-                <a16:creationId xmlns:a16="http://schemas.microsoft.com/office/drawing/2014/main" id="{092D3612-DC5E-4C36-9D13-0353C9060E14}"/>
+                <a16:creationId xmlns:a16="http://schemas.microsoft.com/office/drawing/2014/main" xmlns="" id="{092D3612-DC5E-4C36-9D13-0353C9060E14}"/>
               </a:ext>
             </a:extLst>
           </p:cNvPr>
@@ -4300,7 +4301,7 @@
           <p:cNvPr id="22" name="타원 21">
             <a:extLst>
               <a:ext uri="{FF2B5EF4-FFF2-40B4-BE49-F238E27FC236}">
-                <a16:creationId xmlns:a16="http://schemas.microsoft.com/office/drawing/2014/main" id="{614726C9-1BC5-43C7-B04D-3F847854E625}"/>
+                <a16:creationId xmlns:a16="http://schemas.microsoft.com/office/drawing/2014/main" xmlns="" id="{614726C9-1BC5-43C7-B04D-3F847854E625}"/>
               </a:ext>
             </a:extLst>
           </p:cNvPr>
@@ -4369,7 +4370,7 @@
           <p:cNvPr id="2" name="TextBox 1">
             <a:extLst>
               <a:ext uri="{FF2B5EF4-FFF2-40B4-BE49-F238E27FC236}">
-                <a16:creationId xmlns:a16="http://schemas.microsoft.com/office/drawing/2014/main" id="{B4E602A4-7DDB-49E0-8A2C-B43D61452AC8}"/>
+                <a16:creationId xmlns:a16="http://schemas.microsoft.com/office/drawing/2014/main" xmlns="" id="{B4E602A4-7DDB-49E0-8A2C-B43D61452AC8}"/>
               </a:ext>
             </a:extLst>
           </p:cNvPr>
@@ -4405,7 +4406,7 @@
           <p:cNvPr id="14" name="타원 13">
             <a:extLst>
               <a:ext uri="{FF2B5EF4-FFF2-40B4-BE49-F238E27FC236}">
-                <a16:creationId xmlns:a16="http://schemas.microsoft.com/office/drawing/2014/main" id="{D5AE3287-1A33-4CA0-A988-68ABF63144AA}"/>
+                <a16:creationId xmlns:a16="http://schemas.microsoft.com/office/drawing/2014/main" xmlns="" id="{D5AE3287-1A33-4CA0-A988-68ABF63144AA}"/>
               </a:ext>
             </a:extLst>
           </p:cNvPr>
@@ -4477,7 +4478,7 @@
           <p:cNvPr id="17" name="타원 16">
             <a:extLst>
               <a:ext uri="{FF2B5EF4-FFF2-40B4-BE49-F238E27FC236}">
-                <a16:creationId xmlns:a16="http://schemas.microsoft.com/office/drawing/2014/main" id="{64D0CB17-0D43-409B-96FF-698980383B1E}"/>
+                <a16:creationId xmlns:a16="http://schemas.microsoft.com/office/drawing/2014/main" xmlns="" id="{64D0CB17-0D43-409B-96FF-698980383B1E}"/>
               </a:ext>
             </a:extLst>
           </p:cNvPr>
@@ -4546,7 +4547,7 @@
           <p:cNvPr id="24" name="직선 연결선 23">
             <a:extLst>
               <a:ext uri="{FF2B5EF4-FFF2-40B4-BE49-F238E27FC236}">
-                <a16:creationId xmlns:a16="http://schemas.microsoft.com/office/drawing/2014/main" id="{88879257-1E9C-4CF9-909B-3C89954AB66E}"/>
+                <a16:creationId xmlns:a16="http://schemas.microsoft.com/office/drawing/2014/main" xmlns="" id="{88879257-1E9C-4CF9-909B-3C89954AB66E}"/>
               </a:ext>
             </a:extLst>
           </p:cNvPr>
@@ -4587,7 +4588,7 @@
           <p:cNvPr id="25" name="TextBox 24">
             <a:extLst>
               <a:ext uri="{FF2B5EF4-FFF2-40B4-BE49-F238E27FC236}">
-                <a16:creationId xmlns:a16="http://schemas.microsoft.com/office/drawing/2014/main" id="{06493C71-E8DA-408C-BFAD-FA488F3C0B55}"/>
+                <a16:creationId xmlns:a16="http://schemas.microsoft.com/office/drawing/2014/main" xmlns="" id="{06493C71-E8DA-408C-BFAD-FA488F3C0B55}"/>
               </a:ext>
             </a:extLst>
           </p:cNvPr>
@@ -4627,7 +4628,7 @@
           <p:cNvPr id="35" name="직선 화살표 연결선 34">
             <a:extLst>
               <a:ext uri="{FF2B5EF4-FFF2-40B4-BE49-F238E27FC236}">
-                <a16:creationId xmlns:a16="http://schemas.microsoft.com/office/drawing/2014/main" id="{1E3E2BAA-64E5-476A-88F6-4F5383FA428E}"/>
+                <a16:creationId xmlns:a16="http://schemas.microsoft.com/office/drawing/2014/main" xmlns="" id="{1E3E2BAA-64E5-476A-88F6-4F5383FA428E}"/>
               </a:ext>
             </a:extLst>
           </p:cNvPr>
@@ -4673,7 +4674,7 @@
           <p:cNvPr id="36" name="직선 화살표 연결선 35">
             <a:extLst>
               <a:ext uri="{FF2B5EF4-FFF2-40B4-BE49-F238E27FC236}">
-                <a16:creationId xmlns:a16="http://schemas.microsoft.com/office/drawing/2014/main" id="{0D82A3AE-E263-4C75-A63C-CE20D12F84DF}"/>
+                <a16:creationId xmlns:a16="http://schemas.microsoft.com/office/drawing/2014/main" xmlns="" id="{0D82A3AE-E263-4C75-A63C-CE20D12F84DF}"/>
               </a:ext>
             </a:extLst>
           </p:cNvPr>
@@ -4720,7 +4721,7 @@
           <p:cNvPr id="39" name="직선 화살표 연결선 38">
             <a:extLst>
               <a:ext uri="{FF2B5EF4-FFF2-40B4-BE49-F238E27FC236}">
-                <a16:creationId xmlns:a16="http://schemas.microsoft.com/office/drawing/2014/main" id="{FF61EEFF-4013-447B-8701-7F38DDF5DE5B}"/>
+                <a16:creationId xmlns:a16="http://schemas.microsoft.com/office/drawing/2014/main" xmlns="" id="{FF61EEFF-4013-447B-8701-7F38DDF5DE5B}"/>
               </a:ext>
             </a:extLst>
           </p:cNvPr>
@@ -4767,7 +4768,7 @@
           <p:cNvPr id="42" name="직선 화살표 연결선 41">
             <a:extLst>
               <a:ext uri="{FF2B5EF4-FFF2-40B4-BE49-F238E27FC236}">
-                <a16:creationId xmlns:a16="http://schemas.microsoft.com/office/drawing/2014/main" id="{24B8CA02-3B79-4903-9C55-DF9BBEC43791}"/>
+                <a16:creationId xmlns:a16="http://schemas.microsoft.com/office/drawing/2014/main" xmlns="" id="{24B8CA02-3B79-4903-9C55-DF9BBEC43791}"/>
               </a:ext>
             </a:extLst>
           </p:cNvPr>
@@ -4814,7 +4815,7 @@
           <p:cNvPr id="45" name="직선 화살표 연결선 44">
             <a:extLst>
               <a:ext uri="{FF2B5EF4-FFF2-40B4-BE49-F238E27FC236}">
-                <a16:creationId xmlns:a16="http://schemas.microsoft.com/office/drawing/2014/main" id="{B94299E4-E676-4789-A502-FC15F8026D4A}"/>
+                <a16:creationId xmlns:a16="http://schemas.microsoft.com/office/drawing/2014/main" xmlns="" id="{B94299E4-E676-4789-A502-FC15F8026D4A}"/>
               </a:ext>
             </a:extLst>
           </p:cNvPr>
@@ -4861,7 +4862,7 @@
           <p:cNvPr id="48" name="직선 화살표 연결선 47">
             <a:extLst>
               <a:ext uri="{FF2B5EF4-FFF2-40B4-BE49-F238E27FC236}">
-                <a16:creationId xmlns:a16="http://schemas.microsoft.com/office/drawing/2014/main" id="{8BA02A06-21B4-44C0-8C8D-819F5A3455DD}"/>
+                <a16:creationId xmlns:a16="http://schemas.microsoft.com/office/drawing/2014/main" xmlns="" id="{8BA02A06-21B4-44C0-8C8D-819F5A3455DD}"/>
               </a:ext>
             </a:extLst>
           </p:cNvPr>
@@ -4908,7 +4909,7 @@
           <p:cNvPr id="51" name="TextBox 50">
             <a:extLst>
               <a:ext uri="{FF2B5EF4-FFF2-40B4-BE49-F238E27FC236}">
-                <a16:creationId xmlns:a16="http://schemas.microsoft.com/office/drawing/2014/main" id="{8B4885FF-3245-4E27-A2AD-F59C77832099}"/>
+                <a16:creationId xmlns:a16="http://schemas.microsoft.com/office/drawing/2014/main" xmlns="" id="{8B4885FF-3245-4E27-A2AD-F59C77832099}"/>
               </a:ext>
             </a:extLst>
           </p:cNvPr>
@@ -4948,7 +4949,7 @@
           <p:cNvPr id="52" name="TextBox 51">
             <a:extLst>
               <a:ext uri="{FF2B5EF4-FFF2-40B4-BE49-F238E27FC236}">
-                <a16:creationId xmlns:a16="http://schemas.microsoft.com/office/drawing/2014/main" id="{73D6C427-FD09-48EE-B27A-E1E2C339828C}"/>
+                <a16:creationId xmlns:a16="http://schemas.microsoft.com/office/drawing/2014/main" xmlns="" id="{73D6C427-FD09-48EE-B27A-E1E2C339828C}"/>
               </a:ext>
             </a:extLst>
           </p:cNvPr>
@@ -4988,7 +4989,7 @@
           <p:cNvPr id="53" name="TextBox 52">
             <a:extLst>
               <a:ext uri="{FF2B5EF4-FFF2-40B4-BE49-F238E27FC236}">
-                <a16:creationId xmlns:a16="http://schemas.microsoft.com/office/drawing/2014/main" id="{C6A75129-A7BE-4672-B8DD-C1F3796A83EF}"/>
+                <a16:creationId xmlns:a16="http://schemas.microsoft.com/office/drawing/2014/main" xmlns="" id="{C6A75129-A7BE-4672-B8DD-C1F3796A83EF}"/>
               </a:ext>
             </a:extLst>
           </p:cNvPr>
@@ -5028,7 +5029,7 @@
           <p:cNvPr id="26" name="원호 25">
             <a:extLst>
               <a:ext uri="{FF2B5EF4-FFF2-40B4-BE49-F238E27FC236}">
-                <a16:creationId xmlns:a16="http://schemas.microsoft.com/office/drawing/2014/main" id="{5A10DD1E-9569-43F8-9EA2-D5D65FB8F9F0}"/>
+                <a16:creationId xmlns:a16="http://schemas.microsoft.com/office/drawing/2014/main" xmlns="" id="{5A10DD1E-9569-43F8-9EA2-D5D65FB8F9F0}"/>
               </a:ext>
             </a:extLst>
           </p:cNvPr>
@@ -5085,7 +5086,7 @@
           <p:cNvPr id="27" name="TextBox 26">
             <a:extLst>
               <a:ext uri="{FF2B5EF4-FFF2-40B4-BE49-F238E27FC236}">
-                <a16:creationId xmlns:a16="http://schemas.microsoft.com/office/drawing/2014/main" id="{EC76B7D6-B58D-4653-B990-BF4424F82032}"/>
+                <a16:creationId xmlns:a16="http://schemas.microsoft.com/office/drawing/2014/main" xmlns="" id="{EC76B7D6-B58D-4653-B990-BF4424F82032}"/>
               </a:ext>
             </a:extLst>
           </p:cNvPr>
@@ -5124,7 +5125,7 @@
           <p:cNvPr id="28" name="원호 27">
             <a:extLst>
               <a:ext uri="{FF2B5EF4-FFF2-40B4-BE49-F238E27FC236}">
-                <a16:creationId xmlns:a16="http://schemas.microsoft.com/office/drawing/2014/main" id="{A5D88A65-9367-486A-8AE7-A761CCA2294D}"/>
+                <a16:creationId xmlns:a16="http://schemas.microsoft.com/office/drawing/2014/main" xmlns="" id="{A5D88A65-9367-486A-8AE7-A761CCA2294D}"/>
               </a:ext>
             </a:extLst>
           </p:cNvPr>
@@ -5181,7 +5182,7 @@
           <p:cNvPr id="29" name="TextBox 28">
             <a:extLst>
               <a:ext uri="{FF2B5EF4-FFF2-40B4-BE49-F238E27FC236}">
-                <a16:creationId xmlns:a16="http://schemas.microsoft.com/office/drawing/2014/main" id="{7DC6D3A9-47BC-4359-8BAD-2AFDCD29BD5B}"/>
+                <a16:creationId xmlns:a16="http://schemas.microsoft.com/office/drawing/2014/main" xmlns="" id="{7DC6D3A9-47BC-4359-8BAD-2AFDCD29BD5B}"/>
               </a:ext>
             </a:extLst>
           </p:cNvPr>
@@ -5250,7 +5251,7 @@
           <p:cNvPr id="2" name="그룹 1">
             <a:extLst>
               <a:ext uri="{FF2B5EF4-FFF2-40B4-BE49-F238E27FC236}">
-                <a16:creationId xmlns:a16="http://schemas.microsoft.com/office/drawing/2014/main" id="{24E53B73-DF1A-42C3-8E9B-10BC4F4CDA32}"/>
+                <a16:creationId xmlns:a16="http://schemas.microsoft.com/office/drawing/2014/main" xmlns="" id="{24E53B73-DF1A-42C3-8E9B-10BC4F4CDA32}"/>
               </a:ext>
             </a:extLst>
           </p:cNvPr>
@@ -5270,7 +5271,7 @@
             <p:cNvPr id="5" name="직선 화살표 연결선 4">
               <a:extLst>
                 <a:ext uri="{FF2B5EF4-FFF2-40B4-BE49-F238E27FC236}">
-                  <a16:creationId xmlns:a16="http://schemas.microsoft.com/office/drawing/2014/main" id="{3048DF74-5E5E-4CB8-86FF-80D42183DF68}"/>
+                  <a16:creationId xmlns:a16="http://schemas.microsoft.com/office/drawing/2014/main" xmlns="" id="{3048DF74-5E5E-4CB8-86FF-80D42183DF68}"/>
                 </a:ext>
               </a:extLst>
             </p:cNvPr>
@@ -5312,7 +5313,7 @@
             <p:cNvPr id="7" name="직선 연결선 6">
               <a:extLst>
                 <a:ext uri="{FF2B5EF4-FFF2-40B4-BE49-F238E27FC236}">
-                  <a16:creationId xmlns:a16="http://schemas.microsoft.com/office/drawing/2014/main" id="{AF1934DE-E570-4214-9B15-4FA9BCADD148}"/>
+                  <a16:creationId xmlns:a16="http://schemas.microsoft.com/office/drawing/2014/main" xmlns="" id="{AF1934DE-E570-4214-9B15-4FA9BCADD148}"/>
                 </a:ext>
               </a:extLst>
             </p:cNvPr>
@@ -5353,7 +5354,7 @@
             <p:cNvPr id="9" name="TextBox 8">
               <a:extLst>
                 <a:ext uri="{FF2B5EF4-FFF2-40B4-BE49-F238E27FC236}">
-                  <a16:creationId xmlns:a16="http://schemas.microsoft.com/office/drawing/2014/main" id="{26C6BEE3-45C9-48D2-8CBC-780F4116447E}"/>
+                  <a16:creationId xmlns:a16="http://schemas.microsoft.com/office/drawing/2014/main" xmlns="" id="{26C6BEE3-45C9-48D2-8CBC-780F4116447E}"/>
                 </a:ext>
               </a:extLst>
             </p:cNvPr>
@@ -5389,7 +5390,7 @@
             <p:cNvPr id="11" name="타원 10">
               <a:extLst>
                 <a:ext uri="{FF2B5EF4-FFF2-40B4-BE49-F238E27FC236}">
-                  <a16:creationId xmlns:a16="http://schemas.microsoft.com/office/drawing/2014/main" id="{2A127D0C-EC26-4CE3-9068-6F2B3AD119BB}"/>
+                  <a16:creationId xmlns:a16="http://schemas.microsoft.com/office/drawing/2014/main" xmlns="" id="{2A127D0C-EC26-4CE3-9068-6F2B3AD119BB}"/>
                 </a:ext>
               </a:extLst>
             </p:cNvPr>
@@ -5461,7 +5462,7 @@
             <p:cNvPr id="8" name="직선 연결선 7">
               <a:extLst>
                 <a:ext uri="{FF2B5EF4-FFF2-40B4-BE49-F238E27FC236}">
-                  <a16:creationId xmlns:a16="http://schemas.microsoft.com/office/drawing/2014/main" id="{A064F863-9824-4F7E-BC19-817AD5FCA1EC}"/>
+                  <a16:creationId xmlns:a16="http://schemas.microsoft.com/office/drawing/2014/main" xmlns="" id="{A064F863-9824-4F7E-BC19-817AD5FCA1EC}"/>
                 </a:ext>
               </a:extLst>
             </p:cNvPr>
@@ -5502,7 +5503,7 @@
             <p:cNvPr id="10" name="TextBox 9">
               <a:extLst>
                 <a:ext uri="{FF2B5EF4-FFF2-40B4-BE49-F238E27FC236}">
-                  <a16:creationId xmlns:a16="http://schemas.microsoft.com/office/drawing/2014/main" id="{4E9EF6EA-FFF8-40EF-93DB-618165D68796}"/>
+                  <a16:creationId xmlns:a16="http://schemas.microsoft.com/office/drawing/2014/main" xmlns="" id="{4E9EF6EA-FFF8-40EF-93DB-618165D68796}"/>
                 </a:ext>
               </a:extLst>
             </p:cNvPr>
@@ -5542,7 +5543,7 @@
             <p:cNvPr id="12" name="타원 11">
               <a:extLst>
                 <a:ext uri="{FF2B5EF4-FFF2-40B4-BE49-F238E27FC236}">
-                  <a16:creationId xmlns:a16="http://schemas.microsoft.com/office/drawing/2014/main" id="{CE33B9DA-EB3B-4332-BE24-7BAF31F9546E}"/>
+                  <a16:creationId xmlns:a16="http://schemas.microsoft.com/office/drawing/2014/main" xmlns="" id="{CE33B9DA-EB3B-4332-BE24-7BAF31F9546E}"/>
                 </a:ext>
               </a:extLst>
             </p:cNvPr>
@@ -5614,7 +5615,7 @@
             <p:cNvPr id="13" name="타원 12">
               <a:extLst>
                 <a:ext uri="{FF2B5EF4-FFF2-40B4-BE49-F238E27FC236}">
-                  <a16:creationId xmlns:a16="http://schemas.microsoft.com/office/drawing/2014/main" id="{6EE1F3B5-CFEE-43DC-820C-44C5297DF226}"/>
+                  <a16:creationId xmlns:a16="http://schemas.microsoft.com/office/drawing/2014/main" xmlns="" id="{6EE1F3B5-CFEE-43DC-820C-44C5297DF226}"/>
                 </a:ext>
               </a:extLst>
             </p:cNvPr>
@@ -5675,7 +5676,7 @@
             <p:cNvPr id="21" name="타원 20">
               <a:extLst>
                 <a:ext uri="{FF2B5EF4-FFF2-40B4-BE49-F238E27FC236}">
-                  <a16:creationId xmlns:a16="http://schemas.microsoft.com/office/drawing/2014/main" id="{092D3612-DC5E-4C36-9D13-0353C9060E14}"/>
+                  <a16:creationId xmlns:a16="http://schemas.microsoft.com/office/drawing/2014/main" xmlns="" id="{092D3612-DC5E-4C36-9D13-0353C9060E14}"/>
                 </a:ext>
               </a:extLst>
             </p:cNvPr>
@@ -5736,7 +5737,7 @@
             <p:cNvPr id="22" name="타원 21">
               <a:extLst>
                 <a:ext uri="{FF2B5EF4-FFF2-40B4-BE49-F238E27FC236}">
-                  <a16:creationId xmlns:a16="http://schemas.microsoft.com/office/drawing/2014/main" id="{614726C9-1BC5-43C7-B04D-3F847854E625}"/>
+                  <a16:creationId xmlns:a16="http://schemas.microsoft.com/office/drawing/2014/main" xmlns="" id="{614726C9-1BC5-43C7-B04D-3F847854E625}"/>
                 </a:ext>
               </a:extLst>
             </p:cNvPr>
@@ -5797,7 +5798,7 @@
             <p:cNvPr id="14" name="타원 13">
               <a:extLst>
                 <a:ext uri="{FF2B5EF4-FFF2-40B4-BE49-F238E27FC236}">
-                  <a16:creationId xmlns:a16="http://schemas.microsoft.com/office/drawing/2014/main" id="{D5AE3287-1A33-4CA0-A988-68ABF63144AA}"/>
+                  <a16:creationId xmlns:a16="http://schemas.microsoft.com/office/drawing/2014/main" xmlns="" id="{D5AE3287-1A33-4CA0-A988-68ABF63144AA}"/>
                 </a:ext>
               </a:extLst>
             </p:cNvPr>
@@ -5869,7 +5870,7 @@
             <p:cNvPr id="17" name="타원 16">
               <a:extLst>
                 <a:ext uri="{FF2B5EF4-FFF2-40B4-BE49-F238E27FC236}">
-                  <a16:creationId xmlns:a16="http://schemas.microsoft.com/office/drawing/2014/main" id="{64D0CB17-0D43-409B-96FF-698980383B1E}"/>
+                  <a16:creationId xmlns:a16="http://schemas.microsoft.com/office/drawing/2014/main" xmlns="" id="{64D0CB17-0D43-409B-96FF-698980383B1E}"/>
                 </a:ext>
               </a:extLst>
             </p:cNvPr>
@@ -5930,7 +5931,7 @@
             <p:cNvPr id="24" name="직선 연결선 23">
               <a:extLst>
                 <a:ext uri="{FF2B5EF4-FFF2-40B4-BE49-F238E27FC236}">
-                  <a16:creationId xmlns:a16="http://schemas.microsoft.com/office/drawing/2014/main" id="{88879257-1E9C-4CF9-909B-3C89954AB66E}"/>
+                  <a16:creationId xmlns:a16="http://schemas.microsoft.com/office/drawing/2014/main" xmlns="" id="{88879257-1E9C-4CF9-909B-3C89954AB66E}"/>
                 </a:ext>
               </a:extLst>
             </p:cNvPr>
@@ -5971,7 +5972,7 @@
             <p:cNvPr id="25" name="TextBox 24">
               <a:extLst>
                 <a:ext uri="{FF2B5EF4-FFF2-40B4-BE49-F238E27FC236}">
-                  <a16:creationId xmlns:a16="http://schemas.microsoft.com/office/drawing/2014/main" id="{06493C71-E8DA-408C-BFAD-FA488F3C0B55}"/>
+                  <a16:creationId xmlns:a16="http://schemas.microsoft.com/office/drawing/2014/main" xmlns="" id="{06493C71-E8DA-408C-BFAD-FA488F3C0B55}"/>
                 </a:ext>
               </a:extLst>
             </p:cNvPr>
@@ -6011,7 +6012,7 @@
             <p:cNvPr id="26" name="타원 25">
               <a:extLst>
                 <a:ext uri="{FF2B5EF4-FFF2-40B4-BE49-F238E27FC236}">
-                  <a16:creationId xmlns:a16="http://schemas.microsoft.com/office/drawing/2014/main" id="{E7CE0826-8DFF-406A-B72E-5AB481ECA150}"/>
+                  <a16:creationId xmlns:a16="http://schemas.microsoft.com/office/drawing/2014/main" xmlns="" id="{E7CE0826-8DFF-406A-B72E-5AB481ECA150}"/>
                 </a:ext>
               </a:extLst>
             </p:cNvPr>
@@ -6083,7 +6084,7 @@
             <p:cNvPr id="28" name="직선 연결선 27">
               <a:extLst>
                 <a:ext uri="{FF2B5EF4-FFF2-40B4-BE49-F238E27FC236}">
-                  <a16:creationId xmlns:a16="http://schemas.microsoft.com/office/drawing/2014/main" id="{9A6E630A-B055-4F15-9D8E-71575DF75526}"/>
+                  <a16:creationId xmlns:a16="http://schemas.microsoft.com/office/drawing/2014/main" xmlns="" id="{9A6E630A-B055-4F15-9D8E-71575DF75526}"/>
                 </a:ext>
               </a:extLst>
             </p:cNvPr>
@@ -6124,7 +6125,7 @@
             <p:cNvPr id="29" name="TextBox 28">
               <a:extLst>
                 <a:ext uri="{FF2B5EF4-FFF2-40B4-BE49-F238E27FC236}">
-                  <a16:creationId xmlns:a16="http://schemas.microsoft.com/office/drawing/2014/main" id="{C8C5C25F-D412-40E1-AE7E-770066AD61F6}"/>
+                  <a16:creationId xmlns:a16="http://schemas.microsoft.com/office/drawing/2014/main" xmlns="" id="{C8C5C25F-D412-40E1-AE7E-770066AD61F6}"/>
                 </a:ext>
               </a:extLst>
             </p:cNvPr>
@@ -6164,7 +6165,7 @@
             <p:cNvPr id="40" name="타원 39">
               <a:extLst>
                 <a:ext uri="{FF2B5EF4-FFF2-40B4-BE49-F238E27FC236}">
-                  <a16:creationId xmlns:a16="http://schemas.microsoft.com/office/drawing/2014/main" id="{5C31660C-627A-41E7-B52D-57D8B94DE146}"/>
+                  <a16:creationId xmlns:a16="http://schemas.microsoft.com/office/drawing/2014/main" xmlns="" id="{5C31660C-627A-41E7-B52D-57D8B94DE146}"/>
                 </a:ext>
               </a:extLst>
             </p:cNvPr>
@@ -6225,7 +6226,7 @@
             <p:cNvPr id="41" name="타원 40">
               <a:extLst>
                 <a:ext uri="{FF2B5EF4-FFF2-40B4-BE49-F238E27FC236}">
-                  <a16:creationId xmlns:a16="http://schemas.microsoft.com/office/drawing/2014/main" id="{E12B89BB-4323-413C-B235-A5043E575B8F}"/>
+                  <a16:creationId xmlns:a16="http://schemas.microsoft.com/office/drawing/2014/main" xmlns="" id="{E12B89BB-4323-413C-B235-A5043E575B8F}"/>
                 </a:ext>
               </a:extLst>
             </p:cNvPr>
@@ -6286,7 +6287,7 @@
             <p:cNvPr id="43" name="타원 42">
               <a:extLst>
                 <a:ext uri="{FF2B5EF4-FFF2-40B4-BE49-F238E27FC236}">
-                  <a16:creationId xmlns:a16="http://schemas.microsoft.com/office/drawing/2014/main" id="{69ADC968-8E1B-447B-BA4B-0F0A8A636EB0}"/>
+                  <a16:creationId xmlns:a16="http://schemas.microsoft.com/office/drawing/2014/main" xmlns="" id="{69ADC968-8E1B-447B-BA4B-0F0A8A636EB0}"/>
                 </a:ext>
               </a:extLst>
             </p:cNvPr>
@@ -6347,7 +6348,7 @@
             <p:cNvPr id="49" name="타원 48">
               <a:extLst>
                 <a:ext uri="{FF2B5EF4-FFF2-40B4-BE49-F238E27FC236}">
-                  <a16:creationId xmlns:a16="http://schemas.microsoft.com/office/drawing/2014/main" id="{7CA51D93-76B8-4672-9CD6-FA34364B4528}"/>
+                  <a16:creationId xmlns:a16="http://schemas.microsoft.com/office/drawing/2014/main" xmlns="" id="{7CA51D93-76B8-4672-9CD6-FA34364B4528}"/>
                 </a:ext>
               </a:extLst>
             </p:cNvPr>
@@ -6408,7 +6409,7 @@
             <p:cNvPr id="50" name="타원 49">
               <a:extLst>
                 <a:ext uri="{FF2B5EF4-FFF2-40B4-BE49-F238E27FC236}">
-                  <a16:creationId xmlns:a16="http://schemas.microsoft.com/office/drawing/2014/main" id="{9C064D83-926E-48EC-A464-D06BAA262E34}"/>
+                  <a16:creationId xmlns:a16="http://schemas.microsoft.com/office/drawing/2014/main" xmlns="" id="{9C064D83-926E-48EC-A464-D06BAA262E34}"/>
                 </a:ext>
               </a:extLst>
             </p:cNvPr>
@@ -6469,7 +6470,7 @@
             <p:cNvPr id="51" name="타원 50">
               <a:extLst>
                 <a:ext uri="{FF2B5EF4-FFF2-40B4-BE49-F238E27FC236}">
-                  <a16:creationId xmlns:a16="http://schemas.microsoft.com/office/drawing/2014/main" id="{1E1D5BBB-207E-4426-8639-4C4DCA485669}"/>
+                  <a16:creationId xmlns:a16="http://schemas.microsoft.com/office/drawing/2014/main" xmlns="" id="{1E1D5BBB-207E-4426-8639-4C4DCA485669}"/>
                 </a:ext>
               </a:extLst>
             </p:cNvPr>
@@ -6530,7 +6531,7 @@
             <p:cNvPr id="52" name="타원 51">
               <a:extLst>
                 <a:ext uri="{FF2B5EF4-FFF2-40B4-BE49-F238E27FC236}">
-                  <a16:creationId xmlns:a16="http://schemas.microsoft.com/office/drawing/2014/main" id="{A2945E18-D277-4C9C-AD44-8DC113115BB5}"/>
+                  <a16:creationId xmlns:a16="http://schemas.microsoft.com/office/drawing/2014/main" xmlns="" id="{A2945E18-D277-4C9C-AD44-8DC113115BB5}"/>
                 </a:ext>
               </a:extLst>
             </p:cNvPr>
@@ -6591,7 +6592,7 @@
             <p:cNvPr id="53" name="직선 화살표 연결선 52">
               <a:extLst>
                 <a:ext uri="{FF2B5EF4-FFF2-40B4-BE49-F238E27FC236}">
-                  <a16:creationId xmlns:a16="http://schemas.microsoft.com/office/drawing/2014/main" id="{4513CA63-E87D-435C-AB53-66F3EC906B5F}"/>
+                  <a16:creationId xmlns:a16="http://schemas.microsoft.com/office/drawing/2014/main" xmlns="" id="{4513CA63-E87D-435C-AB53-66F3EC906B5F}"/>
                 </a:ext>
               </a:extLst>
             </p:cNvPr>
@@ -6638,7 +6639,7 @@
             <p:cNvPr id="54" name="직선 화살표 연결선 53">
               <a:extLst>
                 <a:ext uri="{FF2B5EF4-FFF2-40B4-BE49-F238E27FC236}">
-                  <a16:creationId xmlns:a16="http://schemas.microsoft.com/office/drawing/2014/main" id="{9BF6BBB7-074D-421B-BFDF-3CC52BD115F3}"/>
+                  <a16:creationId xmlns:a16="http://schemas.microsoft.com/office/drawing/2014/main" xmlns="" id="{9BF6BBB7-074D-421B-BFDF-3CC52BD115F3}"/>
                 </a:ext>
               </a:extLst>
             </p:cNvPr>
@@ -6685,7 +6686,7 @@
             <p:cNvPr id="55" name="직선 화살표 연결선 54">
               <a:extLst>
                 <a:ext uri="{FF2B5EF4-FFF2-40B4-BE49-F238E27FC236}">
-                  <a16:creationId xmlns:a16="http://schemas.microsoft.com/office/drawing/2014/main" id="{3363F537-1898-4552-A65D-4B36CF140902}"/>
+                  <a16:creationId xmlns:a16="http://schemas.microsoft.com/office/drawing/2014/main" xmlns="" id="{3363F537-1898-4552-A65D-4B36CF140902}"/>
                 </a:ext>
               </a:extLst>
             </p:cNvPr>
@@ -6732,7 +6733,7 @@
             <p:cNvPr id="58" name="직선 화살표 연결선 57">
               <a:extLst>
                 <a:ext uri="{FF2B5EF4-FFF2-40B4-BE49-F238E27FC236}">
-                  <a16:creationId xmlns:a16="http://schemas.microsoft.com/office/drawing/2014/main" id="{E5DE8531-A6BE-48BC-A5F8-6DF361EAAC20}"/>
+                  <a16:creationId xmlns:a16="http://schemas.microsoft.com/office/drawing/2014/main" xmlns="" id="{E5DE8531-A6BE-48BC-A5F8-6DF361EAAC20}"/>
                 </a:ext>
               </a:extLst>
             </p:cNvPr>
@@ -6779,7 +6780,7 @@
             <p:cNvPr id="61" name="직선 화살표 연결선 60">
               <a:extLst>
                 <a:ext uri="{FF2B5EF4-FFF2-40B4-BE49-F238E27FC236}">
-                  <a16:creationId xmlns:a16="http://schemas.microsoft.com/office/drawing/2014/main" id="{9A0B5CAE-BD58-4F56-98E2-A8F1D5B293AD}"/>
+                  <a16:creationId xmlns:a16="http://schemas.microsoft.com/office/drawing/2014/main" xmlns="" id="{9A0B5CAE-BD58-4F56-98E2-A8F1D5B293AD}"/>
                 </a:ext>
               </a:extLst>
             </p:cNvPr>
@@ -6826,7 +6827,7 @@
             <p:cNvPr id="68" name="직선 화살표 연결선 67">
               <a:extLst>
                 <a:ext uri="{FF2B5EF4-FFF2-40B4-BE49-F238E27FC236}">
-                  <a16:creationId xmlns:a16="http://schemas.microsoft.com/office/drawing/2014/main" id="{C00BDD56-0349-45B6-8F96-900BC78C4667}"/>
+                  <a16:creationId xmlns:a16="http://schemas.microsoft.com/office/drawing/2014/main" xmlns="" id="{C00BDD56-0349-45B6-8F96-900BC78C4667}"/>
                 </a:ext>
               </a:extLst>
             </p:cNvPr>
@@ -6873,7 +6874,7 @@
             <p:cNvPr id="71" name="직선 화살표 연결선 70">
               <a:extLst>
                 <a:ext uri="{FF2B5EF4-FFF2-40B4-BE49-F238E27FC236}">
-                  <a16:creationId xmlns:a16="http://schemas.microsoft.com/office/drawing/2014/main" id="{2C1CF605-4CE4-4D8A-90F7-94DB0A56196E}"/>
+                  <a16:creationId xmlns:a16="http://schemas.microsoft.com/office/drawing/2014/main" xmlns="" id="{2C1CF605-4CE4-4D8A-90F7-94DB0A56196E}"/>
                 </a:ext>
               </a:extLst>
             </p:cNvPr>
@@ -6920,7 +6921,7 @@
             <p:cNvPr id="74" name="직선 화살표 연결선 73">
               <a:extLst>
                 <a:ext uri="{FF2B5EF4-FFF2-40B4-BE49-F238E27FC236}">
-                  <a16:creationId xmlns:a16="http://schemas.microsoft.com/office/drawing/2014/main" id="{BC775339-14D9-49D3-83F1-5984340C9FB0}"/>
+                  <a16:creationId xmlns:a16="http://schemas.microsoft.com/office/drawing/2014/main" xmlns="" id="{BC775339-14D9-49D3-83F1-5984340C9FB0}"/>
                 </a:ext>
               </a:extLst>
             </p:cNvPr>
@@ -6967,7 +6968,7 @@
             <p:cNvPr id="78" name="직선 화살표 연결선 77">
               <a:extLst>
                 <a:ext uri="{FF2B5EF4-FFF2-40B4-BE49-F238E27FC236}">
-                  <a16:creationId xmlns:a16="http://schemas.microsoft.com/office/drawing/2014/main" id="{82FA6B00-AF2D-4A7D-B65E-9A4F21F2D45E}"/>
+                  <a16:creationId xmlns:a16="http://schemas.microsoft.com/office/drawing/2014/main" xmlns="" id="{82FA6B00-AF2D-4A7D-B65E-9A4F21F2D45E}"/>
                 </a:ext>
               </a:extLst>
             </p:cNvPr>
@@ -7014,7 +7015,7 @@
             <p:cNvPr id="81" name="직선 화살표 연결선 80">
               <a:extLst>
                 <a:ext uri="{FF2B5EF4-FFF2-40B4-BE49-F238E27FC236}">
-                  <a16:creationId xmlns:a16="http://schemas.microsoft.com/office/drawing/2014/main" id="{56348C18-7CCA-48DB-8A79-A43FFB592C2B}"/>
+                  <a16:creationId xmlns:a16="http://schemas.microsoft.com/office/drawing/2014/main" xmlns="" id="{56348C18-7CCA-48DB-8A79-A43FFB592C2B}"/>
                 </a:ext>
               </a:extLst>
             </p:cNvPr>
@@ -7061,7 +7062,7 @@
             <p:cNvPr id="85" name="직선 화살표 연결선 84">
               <a:extLst>
                 <a:ext uri="{FF2B5EF4-FFF2-40B4-BE49-F238E27FC236}">
-                  <a16:creationId xmlns:a16="http://schemas.microsoft.com/office/drawing/2014/main" id="{2CE05B15-1350-43AB-B277-E522A265359F}"/>
+                  <a16:creationId xmlns:a16="http://schemas.microsoft.com/office/drawing/2014/main" xmlns="" id="{2CE05B15-1350-43AB-B277-E522A265359F}"/>
                 </a:ext>
               </a:extLst>
             </p:cNvPr>
@@ -7108,7 +7109,7 @@
             <p:cNvPr id="88" name="직선 화살표 연결선 87">
               <a:extLst>
                 <a:ext uri="{FF2B5EF4-FFF2-40B4-BE49-F238E27FC236}">
-                  <a16:creationId xmlns:a16="http://schemas.microsoft.com/office/drawing/2014/main" id="{7BA61633-C151-4B26-B735-A07FCB4BBDD2}"/>
+                  <a16:creationId xmlns:a16="http://schemas.microsoft.com/office/drawing/2014/main" xmlns="" id="{7BA61633-C151-4B26-B735-A07FCB4BBDD2}"/>
                 </a:ext>
               </a:extLst>
             </p:cNvPr>
@@ -7155,7 +7156,7 @@
             <p:cNvPr id="92" name="직선 화살표 연결선 91">
               <a:extLst>
                 <a:ext uri="{FF2B5EF4-FFF2-40B4-BE49-F238E27FC236}">
-                  <a16:creationId xmlns:a16="http://schemas.microsoft.com/office/drawing/2014/main" id="{224A3D39-70E4-49D0-8776-703663A9A375}"/>
+                  <a16:creationId xmlns:a16="http://schemas.microsoft.com/office/drawing/2014/main" xmlns="" id="{224A3D39-70E4-49D0-8776-703663A9A375}"/>
                 </a:ext>
               </a:extLst>
             </p:cNvPr>
@@ -7202,7 +7203,7 @@
             <p:cNvPr id="95" name="직선 화살표 연결선 94">
               <a:extLst>
                 <a:ext uri="{FF2B5EF4-FFF2-40B4-BE49-F238E27FC236}">
-                  <a16:creationId xmlns:a16="http://schemas.microsoft.com/office/drawing/2014/main" id="{270BED83-D7E8-488D-AA58-9510AA878464}"/>
+                  <a16:creationId xmlns:a16="http://schemas.microsoft.com/office/drawing/2014/main" xmlns="" id="{270BED83-D7E8-488D-AA58-9510AA878464}"/>
                 </a:ext>
               </a:extLst>
             </p:cNvPr>
@@ -7249,7 +7250,7 @@
             <p:cNvPr id="98" name="TextBox 97">
               <a:extLst>
                 <a:ext uri="{FF2B5EF4-FFF2-40B4-BE49-F238E27FC236}">
-                  <a16:creationId xmlns:a16="http://schemas.microsoft.com/office/drawing/2014/main" id="{20BFB9A8-8BB5-41CE-90BD-9460839C97C5}"/>
+                  <a16:creationId xmlns:a16="http://schemas.microsoft.com/office/drawing/2014/main" xmlns="" id="{20BFB9A8-8BB5-41CE-90BD-9460839C97C5}"/>
                 </a:ext>
               </a:extLst>
             </p:cNvPr>
@@ -7285,7 +7286,7 @@
             <p:cNvPr id="99" name="TextBox 98">
               <a:extLst>
                 <a:ext uri="{FF2B5EF4-FFF2-40B4-BE49-F238E27FC236}">
-                  <a16:creationId xmlns:a16="http://schemas.microsoft.com/office/drawing/2014/main" id="{96FE0B13-9327-4367-9D09-6853C1D34E6E}"/>
+                  <a16:creationId xmlns:a16="http://schemas.microsoft.com/office/drawing/2014/main" xmlns="" id="{96FE0B13-9327-4367-9D09-6853C1D34E6E}"/>
                 </a:ext>
               </a:extLst>
             </p:cNvPr>
@@ -7321,7 +7322,7 @@
             <p:cNvPr id="100" name="TextBox 99">
               <a:extLst>
                 <a:ext uri="{FF2B5EF4-FFF2-40B4-BE49-F238E27FC236}">
-                  <a16:creationId xmlns:a16="http://schemas.microsoft.com/office/drawing/2014/main" id="{36D0A4B3-26B9-4945-8F53-8C25B4D64404}"/>
+                  <a16:creationId xmlns:a16="http://schemas.microsoft.com/office/drawing/2014/main" xmlns="" id="{36D0A4B3-26B9-4945-8F53-8C25B4D64404}"/>
                 </a:ext>
               </a:extLst>
             </p:cNvPr>
@@ -7357,7 +7358,7 @@
             <p:cNvPr id="101" name="TextBox 100">
               <a:extLst>
                 <a:ext uri="{FF2B5EF4-FFF2-40B4-BE49-F238E27FC236}">
-                  <a16:creationId xmlns:a16="http://schemas.microsoft.com/office/drawing/2014/main" id="{B1F454B9-4113-4F46-9006-63043F22B9EA}"/>
+                  <a16:creationId xmlns:a16="http://schemas.microsoft.com/office/drawing/2014/main" xmlns="" id="{B1F454B9-4113-4F46-9006-63043F22B9EA}"/>
                 </a:ext>
               </a:extLst>
             </p:cNvPr>
@@ -7393,7 +7394,7 @@
             <p:cNvPr id="102" name="TextBox 101">
               <a:extLst>
                 <a:ext uri="{FF2B5EF4-FFF2-40B4-BE49-F238E27FC236}">
-                  <a16:creationId xmlns:a16="http://schemas.microsoft.com/office/drawing/2014/main" id="{A0AB2A6E-E783-4708-A0AD-F36EF35F4A0B}"/>
+                  <a16:creationId xmlns:a16="http://schemas.microsoft.com/office/drawing/2014/main" xmlns="" id="{A0AB2A6E-E783-4708-A0AD-F36EF35F4A0B}"/>
                 </a:ext>
               </a:extLst>
             </p:cNvPr>
@@ -7429,7 +7430,7 @@
             <p:cNvPr id="103" name="TextBox 102">
               <a:extLst>
                 <a:ext uri="{FF2B5EF4-FFF2-40B4-BE49-F238E27FC236}">
-                  <a16:creationId xmlns:a16="http://schemas.microsoft.com/office/drawing/2014/main" id="{B151B5F3-EB3D-48AE-8A5D-C527C4BA0DC8}"/>
+                  <a16:creationId xmlns:a16="http://schemas.microsoft.com/office/drawing/2014/main" xmlns="" id="{B151B5F3-EB3D-48AE-8A5D-C527C4BA0DC8}"/>
                 </a:ext>
               </a:extLst>
             </p:cNvPr>
@@ -7465,7 +7466,7 @@
             <p:cNvPr id="104" name="TextBox 103">
               <a:extLst>
                 <a:ext uri="{FF2B5EF4-FFF2-40B4-BE49-F238E27FC236}">
-                  <a16:creationId xmlns:a16="http://schemas.microsoft.com/office/drawing/2014/main" id="{6AA64CDF-8A37-416B-96B5-E0A9C100F259}"/>
+                  <a16:creationId xmlns:a16="http://schemas.microsoft.com/office/drawing/2014/main" xmlns="" id="{6AA64CDF-8A37-416B-96B5-E0A9C100F259}"/>
                 </a:ext>
               </a:extLst>
             </p:cNvPr>
@@ -7501,7 +7502,7 @@
             <p:cNvPr id="105" name="TextBox 104">
               <a:extLst>
                 <a:ext uri="{FF2B5EF4-FFF2-40B4-BE49-F238E27FC236}">
-                  <a16:creationId xmlns:a16="http://schemas.microsoft.com/office/drawing/2014/main" id="{50BDC998-6386-4FEB-A6F3-00F256693A59}"/>
+                  <a16:creationId xmlns:a16="http://schemas.microsoft.com/office/drawing/2014/main" xmlns="" id="{50BDC998-6386-4FEB-A6F3-00F256693A59}"/>
                 </a:ext>
               </a:extLst>
             </p:cNvPr>
@@ -7537,7 +7538,7 @@
             <p:cNvPr id="107" name="TextBox 106">
               <a:extLst>
                 <a:ext uri="{FF2B5EF4-FFF2-40B4-BE49-F238E27FC236}">
-                  <a16:creationId xmlns:a16="http://schemas.microsoft.com/office/drawing/2014/main" id="{88A7A659-7196-4C13-AB91-3EDB1AA42F7D}"/>
+                  <a16:creationId xmlns:a16="http://schemas.microsoft.com/office/drawing/2014/main" xmlns="" id="{88A7A659-7196-4C13-AB91-3EDB1AA42F7D}"/>
                 </a:ext>
               </a:extLst>
             </p:cNvPr>
@@ -7573,7 +7574,7 @@
             <p:cNvPr id="108" name="TextBox 107">
               <a:extLst>
                 <a:ext uri="{FF2B5EF4-FFF2-40B4-BE49-F238E27FC236}">
-                  <a16:creationId xmlns:a16="http://schemas.microsoft.com/office/drawing/2014/main" id="{71EF3D97-EBB4-4626-A205-A3263E2689FC}"/>
+                  <a16:creationId xmlns:a16="http://schemas.microsoft.com/office/drawing/2014/main" xmlns="" id="{71EF3D97-EBB4-4626-A205-A3263E2689FC}"/>
                 </a:ext>
               </a:extLst>
             </p:cNvPr>
@@ -7609,7 +7610,7 @@
             <p:cNvPr id="111" name="TextBox 110">
               <a:extLst>
                 <a:ext uri="{FF2B5EF4-FFF2-40B4-BE49-F238E27FC236}">
-                  <a16:creationId xmlns:a16="http://schemas.microsoft.com/office/drawing/2014/main" id="{D688A2A5-50D7-450E-BB6F-EEF8235B7AF5}"/>
+                  <a16:creationId xmlns:a16="http://schemas.microsoft.com/office/drawing/2014/main" xmlns="" id="{D688A2A5-50D7-450E-BB6F-EEF8235B7AF5}"/>
                 </a:ext>
               </a:extLst>
             </p:cNvPr>
@@ -7649,7 +7650,7 @@
             <p:cNvPr id="112" name="TextBox 111">
               <a:extLst>
                 <a:ext uri="{FF2B5EF4-FFF2-40B4-BE49-F238E27FC236}">
-                  <a16:creationId xmlns:a16="http://schemas.microsoft.com/office/drawing/2014/main" id="{1C7ABBCF-E8BA-45A6-8015-8C157FDBEEEB}"/>
+                  <a16:creationId xmlns:a16="http://schemas.microsoft.com/office/drawing/2014/main" xmlns="" id="{1C7ABBCF-E8BA-45A6-8015-8C157FDBEEEB}"/>
                 </a:ext>
               </a:extLst>
             </p:cNvPr>
@@ -7689,7 +7690,7 @@
             <p:cNvPr id="113" name="TextBox 112">
               <a:extLst>
                 <a:ext uri="{FF2B5EF4-FFF2-40B4-BE49-F238E27FC236}">
-                  <a16:creationId xmlns:a16="http://schemas.microsoft.com/office/drawing/2014/main" id="{8203B578-6171-4E4C-AE1D-13D494C93430}"/>
+                  <a16:creationId xmlns:a16="http://schemas.microsoft.com/office/drawing/2014/main" xmlns="" id="{8203B578-6171-4E4C-AE1D-13D494C93430}"/>
                 </a:ext>
               </a:extLst>
             </p:cNvPr>
@@ -7729,7 +7730,7 @@
             <p:cNvPr id="114" name="TextBox 113">
               <a:extLst>
                 <a:ext uri="{FF2B5EF4-FFF2-40B4-BE49-F238E27FC236}">
-                  <a16:creationId xmlns:a16="http://schemas.microsoft.com/office/drawing/2014/main" id="{61D32520-34B1-442A-BC1B-40BC274E44CD}"/>
+                  <a16:creationId xmlns:a16="http://schemas.microsoft.com/office/drawing/2014/main" xmlns="" id="{61D32520-34B1-442A-BC1B-40BC274E44CD}"/>
                 </a:ext>
               </a:extLst>
             </p:cNvPr>
@@ -7765,7 +7766,7 @@
             <p:cNvPr id="115" name="TextBox 114">
               <a:extLst>
                 <a:ext uri="{FF2B5EF4-FFF2-40B4-BE49-F238E27FC236}">
-                  <a16:creationId xmlns:a16="http://schemas.microsoft.com/office/drawing/2014/main" id="{4836F299-D0AF-4B50-87E3-4F3291D6A51F}"/>
+                  <a16:creationId xmlns:a16="http://schemas.microsoft.com/office/drawing/2014/main" xmlns="" id="{4836F299-D0AF-4B50-87E3-4F3291D6A51F}"/>
                 </a:ext>
               </a:extLst>
             </p:cNvPr>
@@ -7806,7 +7807,7 @@
           <p:cNvPr id="3" name="그룹 2">
             <a:extLst>
               <a:ext uri="{FF2B5EF4-FFF2-40B4-BE49-F238E27FC236}">
-                <a16:creationId xmlns:a16="http://schemas.microsoft.com/office/drawing/2014/main" id="{0B0FDA8E-63E6-4524-9D7B-3511C2888665}"/>
+                <a16:creationId xmlns:a16="http://schemas.microsoft.com/office/drawing/2014/main" xmlns="" id="{0B0FDA8E-63E6-4524-9D7B-3511C2888665}"/>
               </a:ext>
             </a:extLst>
           </p:cNvPr>
@@ -7826,7 +7827,7 @@
             <p:cNvPr id="56" name="원호 55">
               <a:extLst>
                 <a:ext uri="{FF2B5EF4-FFF2-40B4-BE49-F238E27FC236}">
-                  <a16:creationId xmlns:a16="http://schemas.microsoft.com/office/drawing/2014/main" id="{B59DF70E-0D4C-4D47-993D-0659D3195F29}"/>
+                  <a16:creationId xmlns:a16="http://schemas.microsoft.com/office/drawing/2014/main" xmlns="" id="{B59DF70E-0D4C-4D47-993D-0659D3195F29}"/>
                 </a:ext>
               </a:extLst>
             </p:cNvPr>
@@ -7883,7 +7884,7 @@
             <p:cNvPr id="57" name="TextBox 56">
               <a:extLst>
                 <a:ext uri="{FF2B5EF4-FFF2-40B4-BE49-F238E27FC236}">
-                  <a16:creationId xmlns:a16="http://schemas.microsoft.com/office/drawing/2014/main" id="{C89E126D-0B24-48B7-993A-A2E9ADE0C91E}"/>
+                  <a16:creationId xmlns:a16="http://schemas.microsoft.com/office/drawing/2014/main" xmlns="" id="{C89E126D-0B24-48B7-993A-A2E9ADE0C91E}"/>
                 </a:ext>
               </a:extLst>
             </p:cNvPr>
@@ -7923,7 +7924,7 @@
           <p:cNvPr id="59" name="그룹 58">
             <a:extLst>
               <a:ext uri="{FF2B5EF4-FFF2-40B4-BE49-F238E27FC236}">
-                <a16:creationId xmlns:a16="http://schemas.microsoft.com/office/drawing/2014/main" id="{3E3E2354-2A1C-48F1-A10A-F6A732E2F1AD}"/>
+                <a16:creationId xmlns:a16="http://schemas.microsoft.com/office/drawing/2014/main" xmlns="" id="{3E3E2354-2A1C-48F1-A10A-F6A732E2F1AD}"/>
               </a:ext>
             </a:extLst>
           </p:cNvPr>
@@ -7943,7 +7944,7 @@
             <p:cNvPr id="60" name="원호 59">
               <a:extLst>
                 <a:ext uri="{FF2B5EF4-FFF2-40B4-BE49-F238E27FC236}">
-                  <a16:creationId xmlns:a16="http://schemas.microsoft.com/office/drawing/2014/main" id="{B8836927-8851-4BD4-A8F9-A2FC176456F5}"/>
+                  <a16:creationId xmlns:a16="http://schemas.microsoft.com/office/drawing/2014/main" xmlns="" id="{B8836927-8851-4BD4-A8F9-A2FC176456F5}"/>
                 </a:ext>
               </a:extLst>
             </p:cNvPr>
@@ -8000,7 +8001,7 @@
             <p:cNvPr id="62" name="TextBox 61">
               <a:extLst>
                 <a:ext uri="{FF2B5EF4-FFF2-40B4-BE49-F238E27FC236}">
-                  <a16:creationId xmlns:a16="http://schemas.microsoft.com/office/drawing/2014/main" id="{93CC1778-174D-44A6-8DE5-3E1809AE1EDE}"/>
+                  <a16:creationId xmlns:a16="http://schemas.microsoft.com/office/drawing/2014/main" xmlns="" id="{93CC1778-174D-44A6-8DE5-3E1809AE1EDE}"/>
                 </a:ext>
               </a:extLst>
             </p:cNvPr>
@@ -8040,7 +8041,7 @@
           <p:cNvPr id="63" name="그룹 62">
             <a:extLst>
               <a:ext uri="{FF2B5EF4-FFF2-40B4-BE49-F238E27FC236}">
-                <a16:creationId xmlns:a16="http://schemas.microsoft.com/office/drawing/2014/main" id="{57F0132A-03BF-4211-A21D-4AF68DCA2147}"/>
+                <a16:creationId xmlns:a16="http://schemas.microsoft.com/office/drawing/2014/main" xmlns="" id="{57F0132A-03BF-4211-A21D-4AF68DCA2147}"/>
               </a:ext>
             </a:extLst>
           </p:cNvPr>
@@ -8060,7 +8061,7 @@
             <p:cNvPr id="64" name="원호 63">
               <a:extLst>
                 <a:ext uri="{FF2B5EF4-FFF2-40B4-BE49-F238E27FC236}">
-                  <a16:creationId xmlns:a16="http://schemas.microsoft.com/office/drawing/2014/main" id="{6B20DA6A-BDC7-478A-A8CB-9F14D5EAC4CE}"/>
+                  <a16:creationId xmlns:a16="http://schemas.microsoft.com/office/drawing/2014/main" xmlns="" id="{6B20DA6A-BDC7-478A-A8CB-9F14D5EAC4CE}"/>
                 </a:ext>
               </a:extLst>
             </p:cNvPr>
@@ -8117,7 +8118,7 @@
             <p:cNvPr id="65" name="TextBox 64">
               <a:extLst>
                 <a:ext uri="{FF2B5EF4-FFF2-40B4-BE49-F238E27FC236}">
-                  <a16:creationId xmlns:a16="http://schemas.microsoft.com/office/drawing/2014/main" id="{DD3027D4-038C-45ED-98E5-4C2B228F200C}"/>
+                  <a16:creationId xmlns:a16="http://schemas.microsoft.com/office/drawing/2014/main" xmlns="" id="{DD3027D4-038C-45ED-98E5-4C2B228F200C}"/>
                 </a:ext>
               </a:extLst>
             </p:cNvPr>
@@ -8156,6 +8157,1281 @@
     <p:extLst>
       <p:ext uri="{BB962C8B-B14F-4D97-AF65-F5344CB8AC3E}">
         <p14:creationId xmlns:p14="http://schemas.microsoft.com/office/powerpoint/2010/main" val="799756322"/>
+      </p:ext>
+    </p:extLst>
+  </p:cSld>
+  <p:clrMapOvr>
+    <a:masterClrMapping/>
+  </p:clrMapOvr>
+</p:sld>
+</file>
+
+<file path=ppt/slides/slide4.xml><?xml version="1.0" encoding="utf-8"?>
+<p:sld xmlns:a="http://schemas.openxmlformats.org/drawingml/2006/main" xmlns:r="http://schemas.openxmlformats.org/officeDocument/2006/relationships" xmlns:p="http://schemas.openxmlformats.org/presentationml/2006/main">
+  <p:cSld>
+    <p:spTree>
+      <p:nvGrpSpPr>
+        <p:cNvPr id="1" name=""/>
+        <p:cNvGrpSpPr/>
+        <p:nvPr/>
+      </p:nvGrpSpPr>
+      <p:grpSpPr>
+        <a:xfrm>
+          <a:off x="0" y="0"/>
+          <a:ext cx="0" cy="0"/>
+          <a:chOff x="0" y="0"/>
+          <a:chExt cx="0" cy="0"/>
+        </a:xfrm>
+      </p:grpSpPr>
+      <p:cxnSp>
+        <p:nvCxnSpPr>
+          <p:cNvPr id="4" name="직선 화살표 연결선 3"/>
+          <p:cNvCxnSpPr/>
+          <p:nvPr/>
+        </p:nvCxnSpPr>
+        <p:spPr>
+          <a:xfrm>
+            <a:off x="2619158" y="5589240"/>
+            <a:ext cx="4032448" cy="0"/>
+          </a:xfrm>
+          <a:prstGeom prst="straightConnector1">
+            <a:avLst/>
+          </a:prstGeom>
+          <a:ln w="19050">
+            <a:solidFill>
+              <a:schemeClr val="tx1"/>
+            </a:solidFill>
+            <a:tailEnd type="arrow"/>
+          </a:ln>
+        </p:spPr>
+        <p:style>
+          <a:lnRef idx="1">
+            <a:schemeClr val="accent1"/>
+          </a:lnRef>
+          <a:fillRef idx="0">
+            <a:schemeClr val="accent1"/>
+          </a:fillRef>
+          <a:effectRef idx="0">
+            <a:schemeClr val="accent1"/>
+          </a:effectRef>
+          <a:fontRef idx="minor">
+            <a:schemeClr val="tx1"/>
+          </a:fontRef>
+        </p:style>
+      </p:cxnSp>
+      <p:sp>
+        <p:nvSpPr>
+          <p:cNvPr id="5" name="직사각형 4"/>
+          <p:cNvSpPr/>
+          <p:nvPr/>
+        </p:nvSpPr>
+        <p:spPr>
+          <a:xfrm>
+            <a:off x="3195222" y="5013176"/>
+            <a:ext cx="576064" cy="576064"/>
+          </a:xfrm>
+          <a:prstGeom prst="rect">
+            <a:avLst/>
+          </a:prstGeom>
+        </p:spPr>
+        <p:style>
+          <a:lnRef idx="2">
+            <a:schemeClr val="accent1">
+              <a:shade val="50000"/>
+            </a:schemeClr>
+          </a:lnRef>
+          <a:fillRef idx="1">
+            <a:schemeClr val="accent1"/>
+          </a:fillRef>
+          <a:effectRef idx="0">
+            <a:schemeClr val="accent1"/>
+          </a:effectRef>
+          <a:fontRef idx="minor">
+            <a:schemeClr val="lt1"/>
+          </a:fontRef>
+        </p:style>
+        <p:txBody>
+          <a:bodyPr rtlCol="0" anchor="ctr"/>
+          <a:lstStyle/>
+          <a:p>
+            <a:pPr algn="ctr"/>
+            <a:endParaRPr lang="ko-KR" altLang="en-US"/>
+          </a:p>
+        </p:txBody>
+      </p:sp>
+      <p:sp>
+        <p:nvSpPr>
+          <p:cNvPr id="6" name="직사각형 5"/>
+          <p:cNvSpPr/>
+          <p:nvPr/>
+        </p:nvSpPr>
+        <p:spPr>
+          <a:xfrm>
+            <a:off x="3771286" y="5013176"/>
+            <a:ext cx="576064" cy="576064"/>
+          </a:xfrm>
+          <a:prstGeom prst="rect">
+            <a:avLst/>
+          </a:prstGeom>
+        </p:spPr>
+        <p:style>
+          <a:lnRef idx="2">
+            <a:schemeClr val="accent1">
+              <a:shade val="50000"/>
+            </a:schemeClr>
+          </a:lnRef>
+          <a:fillRef idx="1">
+            <a:schemeClr val="accent1"/>
+          </a:fillRef>
+          <a:effectRef idx="0">
+            <a:schemeClr val="accent1"/>
+          </a:effectRef>
+          <a:fontRef idx="minor">
+            <a:schemeClr val="lt1"/>
+          </a:fontRef>
+        </p:style>
+        <p:txBody>
+          <a:bodyPr rtlCol="0" anchor="ctr"/>
+          <a:lstStyle/>
+          <a:p>
+            <a:pPr algn="ctr"/>
+            <a:endParaRPr lang="ko-KR" altLang="en-US"/>
+          </a:p>
+        </p:txBody>
+      </p:sp>
+      <p:sp>
+        <p:nvSpPr>
+          <p:cNvPr id="7" name="직사각형 6"/>
+          <p:cNvSpPr/>
+          <p:nvPr/>
+        </p:nvSpPr>
+        <p:spPr>
+          <a:xfrm>
+            <a:off x="3771286" y="4437112"/>
+            <a:ext cx="576064" cy="576064"/>
+          </a:xfrm>
+          <a:prstGeom prst="rect">
+            <a:avLst/>
+          </a:prstGeom>
+        </p:spPr>
+        <p:style>
+          <a:lnRef idx="2">
+            <a:schemeClr val="accent1">
+              <a:shade val="50000"/>
+            </a:schemeClr>
+          </a:lnRef>
+          <a:fillRef idx="1">
+            <a:schemeClr val="accent1"/>
+          </a:fillRef>
+          <a:effectRef idx="0">
+            <a:schemeClr val="accent1"/>
+          </a:effectRef>
+          <a:fontRef idx="minor">
+            <a:schemeClr val="lt1"/>
+          </a:fontRef>
+        </p:style>
+        <p:txBody>
+          <a:bodyPr rtlCol="0" anchor="ctr"/>
+          <a:lstStyle/>
+          <a:p>
+            <a:pPr algn="ctr"/>
+            <a:endParaRPr lang="ko-KR" altLang="en-US"/>
+          </a:p>
+        </p:txBody>
+      </p:sp>
+      <p:sp>
+        <p:nvSpPr>
+          <p:cNvPr id="8" name="직사각형 7"/>
+          <p:cNvSpPr/>
+          <p:nvPr/>
+        </p:nvSpPr>
+        <p:spPr>
+          <a:xfrm>
+            <a:off x="4353795" y="5013176"/>
+            <a:ext cx="576064" cy="576064"/>
+          </a:xfrm>
+          <a:prstGeom prst="rect">
+            <a:avLst/>
+          </a:prstGeom>
+        </p:spPr>
+        <p:style>
+          <a:lnRef idx="2">
+            <a:schemeClr val="accent1">
+              <a:shade val="50000"/>
+            </a:schemeClr>
+          </a:lnRef>
+          <a:fillRef idx="1">
+            <a:schemeClr val="accent1"/>
+          </a:fillRef>
+          <a:effectRef idx="0">
+            <a:schemeClr val="accent1"/>
+          </a:effectRef>
+          <a:fontRef idx="minor">
+            <a:schemeClr val="lt1"/>
+          </a:fontRef>
+        </p:style>
+        <p:txBody>
+          <a:bodyPr rtlCol="0" anchor="ctr"/>
+          <a:lstStyle/>
+          <a:p>
+            <a:pPr algn="ctr"/>
+            <a:endParaRPr lang="ko-KR" altLang="en-US"/>
+          </a:p>
+        </p:txBody>
+      </p:sp>
+      <p:sp>
+        <p:nvSpPr>
+          <p:cNvPr id="9" name="직사각형 8"/>
+          <p:cNvSpPr/>
+          <p:nvPr/>
+        </p:nvSpPr>
+        <p:spPr>
+          <a:xfrm>
+            <a:off x="4353795" y="4437112"/>
+            <a:ext cx="576064" cy="576064"/>
+          </a:xfrm>
+          <a:prstGeom prst="rect">
+            <a:avLst/>
+          </a:prstGeom>
+        </p:spPr>
+        <p:style>
+          <a:lnRef idx="2">
+            <a:schemeClr val="accent1">
+              <a:shade val="50000"/>
+            </a:schemeClr>
+          </a:lnRef>
+          <a:fillRef idx="1">
+            <a:schemeClr val="accent1"/>
+          </a:fillRef>
+          <a:effectRef idx="0">
+            <a:schemeClr val="accent1"/>
+          </a:effectRef>
+          <a:fontRef idx="minor">
+            <a:schemeClr val="lt1"/>
+          </a:fontRef>
+        </p:style>
+        <p:txBody>
+          <a:bodyPr rtlCol="0" anchor="ctr"/>
+          <a:lstStyle/>
+          <a:p>
+            <a:pPr algn="ctr"/>
+            <a:endParaRPr lang="ko-KR" altLang="en-US"/>
+          </a:p>
+        </p:txBody>
+      </p:sp>
+      <p:sp>
+        <p:nvSpPr>
+          <p:cNvPr id="10" name="직사각형 9"/>
+          <p:cNvSpPr/>
+          <p:nvPr/>
+        </p:nvSpPr>
+        <p:spPr>
+          <a:xfrm>
+            <a:off x="4353795" y="3861048"/>
+            <a:ext cx="576064" cy="576064"/>
+          </a:xfrm>
+          <a:prstGeom prst="rect">
+            <a:avLst/>
+          </a:prstGeom>
+        </p:spPr>
+        <p:style>
+          <a:lnRef idx="2">
+            <a:schemeClr val="accent1">
+              <a:shade val="50000"/>
+            </a:schemeClr>
+          </a:lnRef>
+          <a:fillRef idx="1">
+            <a:schemeClr val="accent1"/>
+          </a:fillRef>
+          <a:effectRef idx="0">
+            <a:schemeClr val="accent1"/>
+          </a:effectRef>
+          <a:fontRef idx="minor">
+            <a:schemeClr val="lt1"/>
+          </a:fontRef>
+        </p:style>
+        <p:txBody>
+          <a:bodyPr rtlCol="0" anchor="ctr"/>
+          <a:lstStyle/>
+          <a:p>
+            <a:pPr algn="ctr"/>
+            <a:endParaRPr lang="ko-KR" altLang="en-US"/>
+          </a:p>
+        </p:txBody>
+      </p:sp>
+      <p:sp>
+        <p:nvSpPr>
+          <p:cNvPr id="11" name="직사각형 10"/>
+          <p:cNvSpPr/>
+          <p:nvPr/>
+        </p:nvSpPr>
+        <p:spPr>
+          <a:xfrm>
+            <a:off x="4350525" y="3296381"/>
+            <a:ext cx="576064" cy="576064"/>
+          </a:xfrm>
+          <a:prstGeom prst="rect">
+            <a:avLst/>
+          </a:prstGeom>
+        </p:spPr>
+        <p:style>
+          <a:lnRef idx="2">
+            <a:schemeClr val="accent1">
+              <a:shade val="50000"/>
+            </a:schemeClr>
+          </a:lnRef>
+          <a:fillRef idx="1">
+            <a:schemeClr val="accent1"/>
+          </a:fillRef>
+          <a:effectRef idx="0">
+            <a:schemeClr val="accent1"/>
+          </a:effectRef>
+          <a:fontRef idx="minor">
+            <a:schemeClr val="lt1"/>
+          </a:fontRef>
+        </p:style>
+        <p:txBody>
+          <a:bodyPr rtlCol="0" anchor="ctr"/>
+          <a:lstStyle/>
+          <a:p>
+            <a:pPr algn="ctr"/>
+            <a:endParaRPr lang="ko-KR" altLang="en-US"/>
+          </a:p>
+        </p:txBody>
+      </p:sp>
+      <p:sp>
+        <p:nvSpPr>
+          <p:cNvPr id="12" name="직사각형 11"/>
+          <p:cNvSpPr/>
+          <p:nvPr/>
+        </p:nvSpPr>
+        <p:spPr>
+          <a:xfrm>
+            <a:off x="4928769" y="5013176"/>
+            <a:ext cx="576064" cy="576064"/>
+          </a:xfrm>
+          <a:prstGeom prst="rect">
+            <a:avLst/>
+          </a:prstGeom>
+        </p:spPr>
+        <p:style>
+          <a:lnRef idx="2">
+            <a:schemeClr val="accent1">
+              <a:shade val="50000"/>
+            </a:schemeClr>
+          </a:lnRef>
+          <a:fillRef idx="1">
+            <a:schemeClr val="accent1"/>
+          </a:fillRef>
+          <a:effectRef idx="0">
+            <a:schemeClr val="accent1"/>
+          </a:effectRef>
+          <a:fontRef idx="minor">
+            <a:schemeClr val="lt1"/>
+          </a:fontRef>
+        </p:style>
+        <p:txBody>
+          <a:bodyPr rtlCol="0" anchor="ctr"/>
+          <a:lstStyle/>
+          <a:p>
+            <a:pPr algn="ctr"/>
+            <a:endParaRPr lang="ko-KR" altLang="en-US"/>
+          </a:p>
+        </p:txBody>
+      </p:sp>
+      <p:sp>
+        <p:nvSpPr>
+          <p:cNvPr id="13" name="직사각형 12"/>
+          <p:cNvSpPr/>
+          <p:nvPr/>
+        </p:nvSpPr>
+        <p:spPr>
+          <a:xfrm>
+            <a:off x="4928769" y="4437112"/>
+            <a:ext cx="576064" cy="576064"/>
+          </a:xfrm>
+          <a:prstGeom prst="rect">
+            <a:avLst/>
+          </a:prstGeom>
+        </p:spPr>
+        <p:style>
+          <a:lnRef idx="2">
+            <a:schemeClr val="accent1">
+              <a:shade val="50000"/>
+            </a:schemeClr>
+          </a:lnRef>
+          <a:fillRef idx="1">
+            <a:schemeClr val="accent1"/>
+          </a:fillRef>
+          <a:effectRef idx="0">
+            <a:schemeClr val="accent1"/>
+          </a:effectRef>
+          <a:fontRef idx="minor">
+            <a:schemeClr val="lt1"/>
+          </a:fontRef>
+        </p:style>
+        <p:txBody>
+          <a:bodyPr rtlCol="0" anchor="ctr"/>
+          <a:lstStyle/>
+          <a:p>
+            <a:pPr algn="ctr"/>
+            <a:endParaRPr lang="ko-KR" altLang="en-US"/>
+          </a:p>
+        </p:txBody>
+      </p:sp>
+      <p:sp>
+        <p:nvSpPr>
+          <p:cNvPr id="14" name="직사각형 13"/>
+          <p:cNvSpPr/>
+          <p:nvPr/>
+        </p:nvSpPr>
+        <p:spPr>
+          <a:xfrm>
+            <a:off x="4928769" y="3872445"/>
+            <a:ext cx="576064" cy="576064"/>
+          </a:xfrm>
+          <a:prstGeom prst="rect">
+            <a:avLst/>
+          </a:prstGeom>
+        </p:spPr>
+        <p:style>
+          <a:lnRef idx="2">
+            <a:schemeClr val="accent1">
+              <a:shade val="50000"/>
+            </a:schemeClr>
+          </a:lnRef>
+          <a:fillRef idx="1">
+            <a:schemeClr val="accent1"/>
+          </a:fillRef>
+          <a:effectRef idx="0">
+            <a:schemeClr val="accent1"/>
+          </a:effectRef>
+          <a:fontRef idx="minor">
+            <a:schemeClr val="lt1"/>
+          </a:fontRef>
+        </p:style>
+        <p:txBody>
+          <a:bodyPr rtlCol="0" anchor="ctr"/>
+          <a:lstStyle/>
+          <a:p>
+            <a:pPr algn="ctr"/>
+            <a:endParaRPr lang="ko-KR" altLang="en-US"/>
+          </a:p>
+        </p:txBody>
+      </p:sp>
+      <p:sp>
+        <p:nvSpPr>
+          <p:cNvPr id="15" name="직사각형 14"/>
+          <p:cNvSpPr/>
+          <p:nvPr/>
+        </p:nvSpPr>
+        <p:spPr>
+          <a:xfrm>
+            <a:off x="4928769" y="3296381"/>
+            <a:ext cx="576064" cy="576064"/>
+          </a:xfrm>
+          <a:prstGeom prst="rect">
+            <a:avLst/>
+          </a:prstGeom>
+        </p:spPr>
+        <p:style>
+          <a:lnRef idx="2">
+            <a:schemeClr val="accent1">
+              <a:shade val="50000"/>
+            </a:schemeClr>
+          </a:lnRef>
+          <a:fillRef idx="1">
+            <a:schemeClr val="accent1"/>
+          </a:fillRef>
+          <a:effectRef idx="0">
+            <a:schemeClr val="accent1"/>
+          </a:effectRef>
+          <a:fontRef idx="minor">
+            <a:schemeClr val="lt1"/>
+          </a:fontRef>
+        </p:style>
+        <p:txBody>
+          <a:bodyPr rtlCol="0" anchor="ctr"/>
+          <a:lstStyle/>
+          <a:p>
+            <a:pPr algn="ctr"/>
+            <a:endParaRPr lang="ko-KR" altLang="en-US"/>
+          </a:p>
+        </p:txBody>
+      </p:sp>
+      <p:sp>
+        <p:nvSpPr>
+          <p:cNvPr id="16" name="직사각형 15"/>
+          <p:cNvSpPr/>
+          <p:nvPr/>
+        </p:nvSpPr>
+        <p:spPr>
+          <a:xfrm>
+            <a:off x="4928769" y="2721888"/>
+            <a:ext cx="576064" cy="576064"/>
+          </a:xfrm>
+          <a:prstGeom prst="rect">
+            <a:avLst/>
+          </a:prstGeom>
+        </p:spPr>
+        <p:style>
+          <a:lnRef idx="2">
+            <a:schemeClr val="accent1">
+              <a:shade val="50000"/>
+            </a:schemeClr>
+          </a:lnRef>
+          <a:fillRef idx="1">
+            <a:schemeClr val="accent1"/>
+          </a:fillRef>
+          <a:effectRef idx="0">
+            <a:schemeClr val="accent1"/>
+          </a:effectRef>
+          <a:fontRef idx="minor">
+            <a:schemeClr val="lt1"/>
+          </a:fontRef>
+        </p:style>
+        <p:txBody>
+          <a:bodyPr rtlCol="0" anchor="ctr"/>
+          <a:lstStyle/>
+          <a:p>
+            <a:pPr algn="ctr"/>
+            <a:endParaRPr lang="ko-KR" altLang="en-US"/>
+          </a:p>
+        </p:txBody>
+      </p:sp>
+      <p:sp>
+        <p:nvSpPr>
+          <p:cNvPr id="17" name="직사각형 16"/>
+          <p:cNvSpPr/>
+          <p:nvPr/>
+        </p:nvSpPr>
+        <p:spPr>
+          <a:xfrm>
+            <a:off x="4928769" y="2145824"/>
+            <a:ext cx="576064" cy="576064"/>
+          </a:xfrm>
+          <a:prstGeom prst="rect">
+            <a:avLst/>
+          </a:prstGeom>
+        </p:spPr>
+        <p:style>
+          <a:lnRef idx="2">
+            <a:schemeClr val="accent1">
+              <a:shade val="50000"/>
+            </a:schemeClr>
+          </a:lnRef>
+          <a:fillRef idx="1">
+            <a:schemeClr val="accent1"/>
+          </a:fillRef>
+          <a:effectRef idx="0">
+            <a:schemeClr val="accent1"/>
+          </a:effectRef>
+          <a:fontRef idx="minor">
+            <a:schemeClr val="lt1"/>
+          </a:fontRef>
+        </p:style>
+        <p:txBody>
+          <a:bodyPr rtlCol="0" anchor="ctr"/>
+          <a:lstStyle/>
+          <a:p>
+            <a:pPr algn="ctr"/>
+            <a:endParaRPr lang="ko-KR" altLang="en-US"/>
+          </a:p>
+        </p:txBody>
+      </p:sp>
+      <p:sp>
+        <p:nvSpPr>
+          <p:cNvPr id="18" name="직사각형 17"/>
+          <p:cNvSpPr/>
+          <p:nvPr/>
+        </p:nvSpPr>
+        <p:spPr>
+          <a:xfrm>
+            <a:off x="4928769" y="1581157"/>
+            <a:ext cx="576064" cy="576064"/>
+          </a:xfrm>
+          <a:prstGeom prst="rect">
+            <a:avLst/>
+          </a:prstGeom>
+        </p:spPr>
+        <p:style>
+          <a:lnRef idx="2">
+            <a:schemeClr val="accent1">
+              <a:shade val="50000"/>
+            </a:schemeClr>
+          </a:lnRef>
+          <a:fillRef idx="1">
+            <a:schemeClr val="accent1"/>
+          </a:fillRef>
+          <a:effectRef idx="0">
+            <a:schemeClr val="accent1"/>
+          </a:effectRef>
+          <a:fontRef idx="minor">
+            <a:schemeClr val="lt1"/>
+          </a:fontRef>
+        </p:style>
+        <p:txBody>
+          <a:bodyPr rtlCol="0" anchor="ctr"/>
+          <a:lstStyle/>
+          <a:p>
+            <a:pPr algn="ctr"/>
+            <a:endParaRPr lang="ko-KR" altLang="en-US"/>
+          </a:p>
+        </p:txBody>
+      </p:sp>
+      <p:sp>
+        <p:nvSpPr>
+          <p:cNvPr id="19" name="직사각형 18"/>
+          <p:cNvSpPr/>
+          <p:nvPr/>
+        </p:nvSpPr>
+        <p:spPr>
+          <a:xfrm>
+            <a:off x="4928769" y="1016490"/>
+            <a:ext cx="576064" cy="576064"/>
+          </a:xfrm>
+          <a:prstGeom prst="rect">
+            <a:avLst/>
+          </a:prstGeom>
+        </p:spPr>
+        <p:style>
+          <a:lnRef idx="2">
+            <a:schemeClr val="accent1">
+              <a:shade val="50000"/>
+            </a:schemeClr>
+          </a:lnRef>
+          <a:fillRef idx="1">
+            <a:schemeClr val="accent1"/>
+          </a:fillRef>
+          <a:effectRef idx="0">
+            <a:schemeClr val="accent1"/>
+          </a:effectRef>
+          <a:fontRef idx="minor">
+            <a:schemeClr val="lt1"/>
+          </a:fontRef>
+        </p:style>
+        <p:txBody>
+          <a:bodyPr rtlCol="0" anchor="ctr"/>
+          <a:lstStyle/>
+          <a:p>
+            <a:pPr algn="ctr"/>
+            <a:endParaRPr lang="ko-KR" altLang="en-US"/>
+          </a:p>
+        </p:txBody>
+      </p:sp>
+      <mc:AlternateContent xmlns:mc="http://schemas.openxmlformats.org/markup-compatibility/2006">
+        <mc:Choice xmlns:a14="http://schemas.microsoft.com/office/drawing/2010/main" Requires="a14">
+          <p:sp>
+            <p:nvSpPr>
+              <p:cNvPr id="20" name="TextBox 19"/>
+              <p:cNvSpPr txBox="1"/>
+              <p:nvPr/>
+            </p:nvSpPr>
+            <p:spPr>
+              <a:xfrm>
+                <a:off x="5777645" y="4005064"/>
+                <a:ext cx="463588" cy="369332"/>
+              </a:xfrm>
+              <a:prstGeom prst="rect">
+                <a:avLst/>
+              </a:prstGeom>
+              <a:noFill/>
+            </p:spPr>
+            <p:txBody>
+              <a:bodyPr wrap="none" rtlCol="0">
+                <a:spAutoFit/>
+              </a:bodyPr>
+              <a:lstStyle/>
+              <a:p>
+                <a14:m>
+                  <m:oMathPara xmlns:m="http://schemas.openxmlformats.org/officeDocument/2006/math">
+                    <m:oMathParaPr>
+                      <m:jc m:val="centerGroup"/>
+                    </m:oMathParaPr>
+                    <m:oMath xmlns:m="http://schemas.openxmlformats.org/officeDocument/2006/math">
+                      <m:r>
+                        <a:rPr lang="en-US" altLang="ko-KR" b="0" i="1" smtClean="0">
+                          <a:latin typeface="Cambria Math"/>
+                        </a:rPr>
+                        <m:t>⋯</m:t>
+                      </m:r>
+                    </m:oMath>
+                  </m:oMathPara>
+                </a14:m>
+                <a:endParaRPr lang="ko-KR" altLang="en-US" dirty="0"/>
+              </a:p>
+            </p:txBody>
+          </p:sp>
+        </mc:Choice>
+        <mc:Fallback>
+          <p:sp>
+            <p:nvSpPr>
+              <p:cNvPr id="20" name="TextBox 19"/>
+              <p:cNvSpPr txBox="1">
+                <a:spLocks noRot="1" noChangeAspect="1" noMove="1" noResize="1" noEditPoints="1" noAdjustHandles="1" noChangeArrowheads="1" noChangeShapeType="1" noTextEdit="1"/>
+              </p:cNvSpPr>
+              <p:nvPr/>
+            </p:nvSpPr>
+            <p:spPr>
+              <a:xfrm>
+                <a:off x="5777645" y="4005064"/>
+                <a:ext cx="463588" cy="369332"/>
+              </a:xfrm>
+              <a:prstGeom prst="rect">
+                <a:avLst/>
+              </a:prstGeom>
+              <a:blipFill rotWithShape="1">
+                <a:blip r:embed="rId2"/>
+                <a:stretch>
+                  <a:fillRect/>
+                </a:stretch>
+              </a:blipFill>
+            </p:spPr>
+            <p:txBody>
+              <a:bodyPr/>
+              <a:lstStyle/>
+              <a:p>
+                <a:r>
+                  <a:rPr lang="ko-KR" altLang="en-US">
+                    <a:noFill/>
+                  </a:rPr>
+                  <a:t> </a:t>
+                </a:r>
+              </a:p>
+            </p:txBody>
+          </p:sp>
+        </mc:Fallback>
+      </mc:AlternateContent>
+      <p:sp>
+        <p:nvSpPr>
+          <p:cNvPr id="21" name="TextBox 20"/>
+          <p:cNvSpPr txBox="1"/>
+          <p:nvPr/>
+        </p:nvSpPr>
+        <p:spPr>
+          <a:xfrm>
+            <a:off x="3373742" y="5661248"/>
+            <a:ext cx="216443" cy="369332"/>
+          </a:xfrm>
+          <a:prstGeom prst="rect">
+            <a:avLst/>
+          </a:prstGeom>
+          <a:noFill/>
+        </p:spPr>
+        <p:txBody>
+          <a:bodyPr wrap="square" rtlCol="0">
+            <a:spAutoFit/>
+          </a:bodyPr>
+          <a:lstStyle/>
+          <a:p>
+            <a:pPr algn="ctr"/>
+            <a:r>
+              <a:rPr lang="en-US" altLang="ko-KR" dirty="0" smtClean="0"/>
+              <a:t>0</a:t>
+            </a:r>
+            <a:endParaRPr lang="ko-KR" altLang="en-US" dirty="0"/>
+          </a:p>
+        </p:txBody>
+      </p:sp>
+      <p:sp>
+        <p:nvSpPr>
+          <p:cNvPr id="22" name="TextBox 21"/>
+          <p:cNvSpPr txBox="1"/>
+          <p:nvPr/>
+        </p:nvSpPr>
+        <p:spPr>
+          <a:xfrm>
+            <a:off x="3951096" y="5661248"/>
+            <a:ext cx="216443" cy="369332"/>
+          </a:xfrm>
+          <a:prstGeom prst="rect">
+            <a:avLst/>
+          </a:prstGeom>
+          <a:noFill/>
+        </p:spPr>
+        <p:txBody>
+          <a:bodyPr wrap="square" rtlCol="0">
+            <a:spAutoFit/>
+          </a:bodyPr>
+          <a:lstStyle/>
+          <a:p>
+            <a:pPr algn="ctr"/>
+            <a:r>
+              <a:rPr lang="en-US" altLang="ko-KR" dirty="0" smtClean="0"/>
+              <a:t>1</a:t>
+            </a:r>
+            <a:endParaRPr lang="ko-KR" altLang="en-US" dirty="0"/>
+          </a:p>
+        </p:txBody>
+      </p:sp>
+      <p:sp>
+        <p:nvSpPr>
+          <p:cNvPr id="23" name="TextBox 22"/>
+          <p:cNvSpPr txBox="1"/>
+          <p:nvPr/>
+        </p:nvSpPr>
+        <p:spPr>
+          <a:xfrm>
+            <a:off x="4533605" y="5661248"/>
+            <a:ext cx="216443" cy="369332"/>
+          </a:xfrm>
+          <a:prstGeom prst="rect">
+            <a:avLst/>
+          </a:prstGeom>
+          <a:noFill/>
+        </p:spPr>
+        <p:txBody>
+          <a:bodyPr wrap="square" rtlCol="0">
+            <a:spAutoFit/>
+          </a:bodyPr>
+          <a:lstStyle/>
+          <a:p>
+            <a:pPr algn="ctr"/>
+            <a:r>
+              <a:rPr lang="en-US" altLang="ko-KR" dirty="0" smtClean="0"/>
+              <a:t>2</a:t>
+            </a:r>
+            <a:endParaRPr lang="ko-KR" altLang="en-US" dirty="0"/>
+          </a:p>
+        </p:txBody>
+      </p:sp>
+      <p:sp>
+        <p:nvSpPr>
+          <p:cNvPr id="24" name="TextBox 23"/>
+          <p:cNvSpPr txBox="1"/>
+          <p:nvPr/>
+        </p:nvSpPr>
+        <p:spPr>
+          <a:xfrm>
+            <a:off x="5108579" y="5661248"/>
+            <a:ext cx="216443" cy="369332"/>
+          </a:xfrm>
+          <a:prstGeom prst="rect">
+            <a:avLst/>
+          </a:prstGeom>
+          <a:noFill/>
+        </p:spPr>
+        <p:txBody>
+          <a:bodyPr wrap="square" rtlCol="0">
+            <a:spAutoFit/>
+          </a:bodyPr>
+          <a:lstStyle/>
+          <a:p>
+            <a:pPr algn="ctr"/>
+            <a:r>
+              <a:rPr lang="en-US" altLang="ko-KR" dirty="0" smtClean="0"/>
+              <a:t>3</a:t>
+            </a:r>
+            <a:endParaRPr lang="ko-KR" altLang="en-US" dirty="0"/>
+          </a:p>
+        </p:txBody>
+      </p:sp>
+      <p:sp>
+        <p:nvSpPr>
+          <p:cNvPr id="25" name="원호 24"/>
+          <p:cNvSpPr/>
+          <p:nvPr/>
+        </p:nvSpPr>
+        <p:spPr>
+          <a:xfrm>
+            <a:off x="3348964" y="4615780"/>
+            <a:ext cx="648072" cy="648072"/>
+          </a:xfrm>
+          <a:prstGeom prst="arc">
+            <a:avLst>
+              <a:gd name="adj1" fmla="val 10876109"/>
+              <a:gd name="adj2" fmla="val 16412745"/>
+            </a:avLst>
+          </a:prstGeom>
+          <a:ln>
+            <a:solidFill>
+              <a:schemeClr val="tx1"/>
+            </a:solidFill>
+            <a:headEnd type="none" w="med" len="med"/>
+            <a:tailEnd type="arrow" w="med" len="med"/>
+          </a:ln>
+        </p:spPr>
+        <p:style>
+          <a:lnRef idx="1">
+            <a:schemeClr val="accent1"/>
+          </a:lnRef>
+          <a:fillRef idx="0">
+            <a:schemeClr val="accent1"/>
+          </a:fillRef>
+          <a:effectRef idx="0">
+            <a:schemeClr val="accent1"/>
+          </a:effectRef>
+          <a:fontRef idx="minor">
+            <a:schemeClr val="tx1"/>
+          </a:fontRef>
+        </p:style>
+        <p:txBody>
+          <a:bodyPr rtlCol="0" anchor="ctr"/>
+          <a:lstStyle/>
+          <a:p>
+            <a:pPr algn="ctr"/>
+            <a:endParaRPr lang="ko-KR" altLang="en-US"/>
+          </a:p>
+        </p:txBody>
+      </p:sp>
+      <p:sp>
+        <p:nvSpPr>
+          <p:cNvPr id="26" name="원호 25"/>
+          <p:cNvSpPr/>
+          <p:nvPr/>
+        </p:nvSpPr>
+        <p:spPr>
+          <a:xfrm>
+            <a:off x="3885533" y="4005064"/>
+            <a:ext cx="648072" cy="648072"/>
+          </a:xfrm>
+          <a:prstGeom prst="arc">
+            <a:avLst>
+              <a:gd name="adj1" fmla="val 10876109"/>
+              <a:gd name="adj2" fmla="val 16412745"/>
+            </a:avLst>
+          </a:prstGeom>
+          <a:ln>
+            <a:solidFill>
+              <a:schemeClr val="tx1"/>
+            </a:solidFill>
+            <a:headEnd type="none" w="med" len="med"/>
+            <a:tailEnd type="arrow" w="med" len="med"/>
+          </a:ln>
+        </p:spPr>
+        <p:style>
+          <a:lnRef idx="1">
+            <a:schemeClr val="accent1"/>
+          </a:lnRef>
+          <a:fillRef idx="0">
+            <a:schemeClr val="accent1"/>
+          </a:fillRef>
+          <a:effectRef idx="0">
+            <a:schemeClr val="accent1"/>
+          </a:effectRef>
+          <a:fontRef idx="minor">
+            <a:schemeClr val="tx1"/>
+          </a:fontRef>
+        </p:style>
+        <p:txBody>
+          <a:bodyPr rtlCol="0" anchor="ctr"/>
+          <a:lstStyle/>
+          <a:p>
+            <a:pPr algn="ctr"/>
+            <a:endParaRPr lang="ko-KR" altLang="en-US"/>
+          </a:p>
+        </p:txBody>
+      </p:sp>
+      <p:sp>
+        <p:nvSpPr>
+          <p:cNvPr id="27" name="원호 26"/>
+          <p:cNvSpPr/>
+          <p:nvPr/>
+        </p:nvSpPr>
+        <p:spPr>
+          <a:xfrm>
+            <a:off x="4460507" y="2921473"/>
+            <a:ext cx="648072" cy="648072"/>
+          </a:xfrm>
+          <a:prstGeom prst="arc">
+            <a:avLst>
+              <a:gd name="adj1" fmla="val 10876109"/>
+              <a:gd name="adj2" fmla="val 16412745"/>
+            </a:avLst>
+          </a:prstGeom>
+          <a:ln>
+            <a:solidFill>
+              <a:schemeClr val="tx1"/>
+            </a:solidFill>
+            <a:headEnd type="none" w="med" len="med"/>
+            <a:tailEnd type="arrow" w="med" len="med"/>
+          </a:ln>
+        </p:spPr>
+        <p:style>
+          <a:lnRef idx="1">
+            <a:schemeClr val="accent1"/>
+          </a:lnRef>
+          <a:fillRef idx="0">
+            <a:schemeClr val="accent1"/>
+          </a:fillRef>
+          <a:effectRef idx="0">
+            <a:schemeClr val="accent1"/>
+          </a:effectRef>
+          <a:fontRef idx="minor">
+            <a:schemeClr val="tx1"/>
+          </a:fontRef>
+        </p:style>
+        <p:txBody>
+          <a:bodyPr rtlCol="0" anchor="ctr"/>
+          <a:lstStyle/>
+          <a:p>
+            <a:pPr algn="ctr"/>
+            <a:endParaRPr lang="ko-KR" altLang="en-US"/>
+          </a:p>
+        </p:txBody>
+      </p:sp>
+      <p:sp>
+        <p:nvSpPr>
+          <p:cNvPr id="28" name="TextBox 27"/>
+          <p:cNvSpPr txBox="1"/>
+          <p:nvPr/>
+        </p:nvSpPr>
+        <p:spPr>
+          <a:xfrm>
+            <a:off x="1832646" y="3039829"/>
+            <a:ext cx="2258512" cy="715089"/>
+          </a:xfrm>
+          <a:prstGeom prst="roundRect">
+            <a:avLst/>
+          </a:prstGeom>
+          <a:noFill/>
+          <a:ln>
+            <a:solidFill>
+              <a:schemeClr val="tx1"/>
+            </a:solidFill>
+          </a:ln>
+        </p:spPr>
+        <p:txBody>
+          <a:bodyPr wrap="none" rtlCol="0">
+            <a:spAutoFit/>
+          </a:bodyPr>
+          <a:lstStyle/>
+          <a:p>
+            <a:pPr algn="ctr"/>
+            <a:r>
+              <a:rPr lang="ko-KR" altLang="en-US" dirty="0" smtClean="0"/>
+              <a:t>다음 스텝의 성장은</a:t>
+            </a:r>
+            <a:endParaRPr lang="en-US" altLang="ko-KR" dirty="0" smtClean="0"/>
+          </a:p>
+          <a:p>
+            <a:pPr algn="ctr"/>
+            <a:r>
+              <a:rPr lang="ko-KR" altLang="en-US" dirty="0" smtClean="0"/>
+              <a:t>자기 자신만큼</a:t>
+            </a:r>
+            <a:r>
+              <a:rPr lang="en-US" altLang="ko-KR" dirty="0" smtClean="0"/>
+              <a:t>!</a:t>
+            </a:r>
+            <a:endParaRPr lang="ko-KR" altLang="en-US" dirty="0"/>
+          </a:p>
+        </p:txBody>
+      </p:sp>
+      <mc:AlternateContent xmlns:mc="http://schemas.openxmlformats.org/markup-compatibility/2006">
+        <mc:Choice xmlns:a14="http://schemas.microsoft.com/office/drawing/2010/main" Requires="a14">
+          <p:sp>
+            <p:nvSpPr>
+              <p:cNvPr id="29" name="TextBox 28"/>
+              <p:cNvSpPr txBox="1"/>
+              <p:nvPr/>
+            </p:nvSpPr>
+            <p:spPr>
+              <a:xfrm>
+                <a:off x="6588224" y="5589240"/>
+                <a:ext cx="808811" cy="369332"/>
+              </a:xfrm>
+              <a:prstGeom prst="rect">
+                <a:avLst/>
+              </a:prstGeom>
+              <a:noFill/>
+            </p:spPr>
+            <p:txBody>
+              <a:bodyPr wrap="none" rtlCol="0">
+                <a:spAutoFit/>
+              </a:bodyPr>
+              <a:lstStyle/>
+              <a:p>
+                <a14:m>
+                  <m:oMathPara xmlns:m="http://schemas.openxmlformats.org/officeDocument/2006/math">
+                    <m:oMathParaPr>
+                      <m:jc m:val="centerGroup"/>
+                    </m:oMathParaPr>
+                    <m:oMath xmlns:m="http://schemas.openxmlformats.org/officeDocument/2006/math">
+                      <m:r>
+                        <a:rPr lang="en-US" altLang="ko-KR" b="0" i="1" smtClean="0">
+                          <a:latin typeface="Cambria Math"/>
+                        </a:rPr>
+                        <m:t>𝑥</m:t>
+                      </m:r>
+                      <m:r>
+                        <a:rPr lang="en-US" altLang="ko-KR" b="0" i="1" smtClean="0">
+                          <a:latin typeface="Cambria Math"/>
+                        </a:rPr>
+                        <m:t>∈</m:t>
+                      </m:r>
+                      <m:r>
+                        <a:rPr lang="en-US" altLang="ko-KR" b="0" i="1" smtClean="0">
+                          <a:latin typeface="Cambria Math"/>
+                          <a:ea typeface="Cambria Math"/>
+                        </a:rPr>
+                        <m:t>ℤ</m:t>
+                      </m:r>
+                    </m:oMath>
+                  </m:oMathPara>
+                </a14:m>
+                <a:endParaRPr lang="ko-KR" altLang="en-US" dirty="0"/>
+              </a:p>
+            </p:txBody>
+          </p:sp>
+        </mc:Choice>
+        <mc:Fallback>
+          <p:sp>
+            <p:nvSpPr>
+              <p:cNvPr id="29" name="TextBox 28"/>
+              <p:cNvSpPr txBox="1">
+                <a:spLocks noRot="1" noChangeAspect="1" noMove="1" noResize="1" noEditPoints="1" noAdjustHandles="1" noChangeArrowheads="1" noChangeShapeType="1" noTextEdit="1"/>
+              </p:cNvSpPr>
+              <p:nvPr/>
+            </p:nvSpPr>
+            <p:spPr>
+              <a:xfrm>
+                <a:off x="6588224" y="5589240"/>
+                <a:ext cx="808811" cy="369332"/>
+              </a:xfrm>
+              <a:prstGeom prst="rect">
+                <a:avLst/>
+              </a:prstGeom>
+              <a:blipFill rotWithShape="1">
+                <a:blip r:embed="rId3"/>
+                <a:stretch>
+                  <a:fillRect/>
+                </a:stretch>
+              </a:blipFill>
+            </p:spPr>
+            <p:txBody>
+              <a:bodyPr/>
+              <a:lstStyle/>
+              <a:p>
+                <a:r>
+                  <a:rPr lang="ko-KR" altLang="en-US">
+                    <a:noFill/>
+                  </a:rPr>
+                  <a:t> </a:t>
+                </a:r>
+              </a:p>
+            </p:txBody>
+          </p:sp>
+        </mc:Fallback>
+      </mc:AlternateContent>
+      <mc:AlternateContent xmlns:mc="http://schemas.openxmlformats.org/markup-compatibility/2006">
+        <mc:Choice xmlns:a14="http://schemas.microsoft.com/office/drawing/2010/main" Requires="a14">
+          <p:sp>
+            <p:nvSpPr>
+              <p:cNvPr id="30" name="TextBox 29"/>
+              <p:cNvSpPr txBox="1"/>
+              <p:nvPr/>
+            </p:nvSpPr>
+            <p:spPr>
+              <a:xfrm>
+                <a:off x="2983825" y="1884932"/>
+                <a:ext cx="1369542" cy="523220"/>
+              </a:xfrm>
+              <a:prstGeom prst="rect">
+                <a:avLst/>
+              </a:prstGeom>
+              <a:noFill/>
+            </p:spPr>
+            <p:txBody>
+              <a:bodyPr wrap="none" rtlCol="0">
+                <a:spAutoFit/>
+              </a:bodyPr>
+              <a:lstStyle/>
+              <a:p>
+                <a14:m>
+                  <m:oMathPara xmlns:m="http://schemas.openxmlformats.org/officeDocument/2006/math">
+                    <m:oMathParaPr>
+                      <m:jc m:val="centerGroup"/>
+                    </m:oMathParaPr>
+                    <m:oMath xmlns:m="http://schemas.openxmlformats.org/officeDocument/2006/math">
+                      <m:r>
+                        <a:rPr lang="en-US" altLang="ko-KR" sz="2800" b="0" i="1" smtClean="0">
+                          <a:latin typeface="Cambria Math"/>
+                        </a:rPr>
+                        <m:t>𝑦</m:t>
+                      </m:r>
+                      <m:r>
+                        <a:rPr lang="en-US" altLang="ko-KR" sz="2800" b="0" i="1" smtClean="0">
+                          <a:latin typeface="Cambria Math"/>
+                        </a:rPr>
+                        <m:t>=</m:t>
+                      </m:r>
+                      <m:sSup>
+                        <m:sSupPr>
+                          <m:ctrlPr>
+                            <a:rPr lang="en-US" altLang="ko-KR" sz="2800" b="0" i="1" smtClean="0">
+                              <a:latin typeface="Cambria Math"/>
+                            </a:rPr>
+                          </m:ctrlPr>
+                        </m:sSupPr>
+                        <m:e>
+                          <m:r>
+                            <a:rPr lang="en-US" altLang="ko-KR" sz="2800" b="0" i="1" smtClean="0">
+                              <a:latin typeface="Cambria Math"/>
+                            </a:rPr>
+                            <m:t>2</m:t>
+                          </m:r>
+                        </m:e>
+                        <m:sup>
+                          <m:r>
+                            <a:rPr lang="en-US" altLang="ko-KR" sz="2800" b="0" i="1" smtClean="0">
+                              <a:latin typeface="Cambria Math"/>
+                            </a:rPr>
+                            <m:t>𝑥</m:t>
+                          </m:r>
+                        </m:sup>
+                      </m:sSup>
+                    </m:oMath>
+                  </m:oMathPara>
+                </a14:m>
+                <a:endParaRPr lang="ko-KR" altLang="en-US" sz="2800" dirty="0"/>
+              </a:p>
+            </p:txBody>
+          </p:sp>
+        </mc:Choice>
+        <mc:Fallback>
+          <p:sp>
+            <p:nvSpPr>
+              <p:cNvPr id="30" name="TextBox 29"/>
+              <p:cNvSpPr txBox="1">
+                <a:spLocks noRot="1" noChangeAspect="1" noMove="1" noResize="1" noEditPoints="1" noAdjustHandles="1" noChangeArrowheads="1" noChangeShapeType="1" noTextEdit="1"/>
+              </p:cNvSpPr>
+              <p:nvPr/>
+            </p:nvSpPr>
+            <p:spPr>
+              <a:xfrm>
+                <a:off x="2983825" y="1884932"/>
+                <a:ext cx="1369542" cy="523220"/>
+              </a:xfrm>
+              <a:prstGeom prst="rect">
+                <a:avLst/>
+              </a:prstGeom>
+              <a:blipFill rotWithShape="1">
+                <a:blip r:embed="rId4"/>
+                <a:stretch>
+                  <a:fillRect/>
+                </a:stretch>
+              </a:blipFill>
+            </p:spPr>
+            <p:txBody>
+              <a:bodyPr/>
+              <a:lstStyle/>
+              <a:p>
+                <a:r>
+                  <a:rPr lang="ko-KR" altLang="en-US">
+                    <a:noFill/>
+                  </a:rPr>
+                  <a:t> </a:t>
+                </a:r>
+              </a:p>
+            </p:txBody>
+          </p:sp>
+        </mc:Fallback>
+      </mc:AlternateContent>
+    </p:spTree>
+    <p:extLst>
+      <p:ext uri="{BB962C8B-B14F-4D97-AF65-F5344CB8AC3E}">
+        <p14:creationId xmlns:p14="http://schemas.microsoft.com/office/powerpoint/2010/main" val="1369903335"/>
       </p:ext>
     </p:extLst>
   </p:cSld>
@@ -8208,7 +9484,7 @@
     </a:clrScheme>
     <a:fontScheme name="Office 테마">
       <a:majorFont>
-        <a:latin typeface="Calibri Light" panose="020F0302020204030204"/>
+        <a:latin typeface="Calibri Light"/>
         <a:ea typeface=""/>
         <a:cs typeface=""/>
         <a:font script="Jpan" typeface="游ゴシック Light"/>
@@ -8243,7 +9519,7 @@
         <a:font script="Geor" typeface="Sylfaen"/>
       </a:majorFont>
       <a:minorFont>
-        <a:latin typeface="Calibri" panose="020F0502020204030204"/>
+        <a:latin typeface="Calibri"/>
         <a:ea typeface=""/>
         <a:cs typeface=""/>
         <a:font script="Jpan" typeface="游ゴシック"/>
@@ -8420,7 +9696,7 @@
   <a:extraClrSchemeLst/>
   <a:extLst>
     <a:ext uri="{05A4C25C-085E-4340-85A3-A5531E510DB2}">
-      <thm15:themeFamily xmlns:thm15="http://schemas.microsoft.com/office/thememl/2012/main" name="Office Theme" id="{62F939B6-93AF-4DB8-9C6B-D6C7DFDC589F}" vid="{4A3C46E8-61CC-4603-A589-7422A47A8E4A}"/>
+      <thm15:themeFamily xmlns:thm15="http://schemas.microsoft.com/office/thememl/2012/main" xmlns="" name="Office Theme" id="{62F939B6-93AF-4DB8-9C6B-D6C7DFDC589F}" vid="{4A3C46E8-61CC-4603-A589-7422A47A8E4A}"/>
     </a:ext>
   </a:extLst>
 </a:theme>

--- a/pics/2019-09-04_natural_number_e/pics.pptx
+++ b/pics/2019-09-04_natural_number_e/pics.pptx
@@ -6,9 +6,13 @@
   </p:sldMasterIdLst>
   <p:sldIdLst>
     <p:sldId id="256" r:id="rId2"/>
-    <p:sldId id="257" r:id="rId3"/>
-    <p:sldId id="258" r:id="rId4"/>
-    <p:sldId id="259" r:id="rId5"/>
+    <p:sldId id="260" r:id="rId3"/>
+    <p:sldId id="257" r:id="rId4"/>
+    <p:sldId id="261" r:id="rId5"/>
+    <p:sldId id="258" r:id="rId6"/>
+    <p:sldId id="262" r:id="rId7"/>
+    <p:sldId id="259" r:id="rId8"/>
+    <p:sldId id="263" r:id="rId9"/>
   </p:sldIdLst>
   <p:sldSz cx="9144000" cy="6858000" type="screen4x3"/>
   <p:notesSz cx="6858000" cy="9144000"/>
@@ -109,7 +113,18 @@
   </p:defaultTextStyle>
   <p:extLst>
     <p:ext uri="{EFAFB233-063F-42B5-8137-9DF3F51BA10A}">
-      <p15:sldGuideLst xmlns:p15="http://schemas.microsoft.com/office/powerpoint/2012/main" xmlns=""/>
+      <p15:sldGuideLst xmlns:p15="http://schemas.microsoft.com/office/powerpoint/2012/main">
+        <p15:guide id="1" orient="horz" pos="2160">
+          <p15:clr>
+            <a:srgbClr val="A4A3A4"/>
+          </p15:clr>
+        </p15:guide>
+        <p15:guide id="2" pos="2880">
+          <p15:clr>
+            <a:srgbClr val="A4A3A4"/>
+          </p15:clr>
+        </p15:guide>
+      </p15:sldGuideLst>
     </p:ext>
   </p:extLst>
 </p:presentation>
@@ -246,7 +261,7 @@
           <a:p>
             <a:fld id="{AC511CBF-0EF4-4A18-AA19-0C800731374E}" type="datetimeFigureOut">
               <a:rPr lang="ko-KR" altLang="en-US" smtClean="0"/>
-              <a:t>2020-11-04</a:t>
+              <a:t>2023-04-21</a:t>
             </a:fld>
             <a:endParaRPr lang="ko-KR" altLang="en-US"/>
           </a:p>
@@ -416,7 +431,7 @@
           <a:p>
             <a:fld id="{AC511CBF-0EF4-4A18-AA19-0C800731374E}" type="datetimeFigureOut">
               <a:rPr lang="ko-KR" altLang="en-US" smtClean="0"/>
-              <a:t>2020-11-04</a:t>
+              <a:t>2023-04-21</a:t>
             </a:fld>
             <a:endParaRPr lang="ko-KR" altLang="en-US"/>
           </a:p>
@@ -596,7 +611,7 @@
           <a:p>
             <a:fld id="{AC511CBF-0EF4-4A18-AA19-0C800731374E}" type="datetimeFigureOut">
               <a:rPr lang="ko-KR" altLang="en-US" smtClean="0"/>
-              <a:t>2020-11-04</a:t>
+              <a:t>2023-04-21</a:t>
             </a:fld>
             <a:endParaRPr lang="ko-KR" altLang="en-US"/>
           </a:p>
@@ -766,7 +781,7 @@
           <a:p>
             <a:fld id="{AC511CBF-0EF4-4A18-AA19-0C800731374E}" type="datetimeFigureOut">
               <a:rPr lang="ko-KR" altLang="en-US" smtClean="0"/>
-              <a:t>2020-11-04</a:t>
+              <a:t>2023-04-21</a:t>
             </a:fld>
             <a:endParaRPr lang="ko-KR" altLang="en-US"/>
           </a:p>
@@ -1010,7 +1025,7 @@
           <a:p>
             <a:fld id="{AC511CBF-0EF4-4A18-AA19-0C800731374E}" type="datetimeFigureOut">
               <a:rPr lang="ko-KR" altLang="en-US" smtClean="0"/>
-              <a:t>2020-11-04</a:t>
+              <a:t>2023-04-21</a:t>
             </a:fld>
             <a:endParaRPr lang="ko-KR" altLang="en-US"/>
           </a:p>
@@ -1242,7 +1257,7 @@
           <a:p>
             <a:fld id="{AC511CBF-0EF4-4A18-AA19-0C800731374E}" type="datetimeFigureOut">
               <a:rPr lang="ko-KR" altLang="en-US" smtClean="0"/>
-              <a:t>2020-11-04</a:t>
+              <a:t>2023-04-21</a:t>
             </a:fld>
             <a:endParaRPr lang="ko-KR" altLang="en-US"/>
           </a:p>
@@ -1609,7 +1624,7 @@
           <a:p>
             <a:fld id="{AC511CBF-0EF4-4A18-AA19-0C800731374E}" type="datetimeFigureOut">
               <a:rPr lang="ko-KR" altLang="en-US" smtClean="0"/>
-              <a:t>2020-11-04</a:t>
+              <a:t>2023-04-21</a:t>
             </a:fld>
             <a:endParaRPr lang="ko-KR" altLang="en-US"/>
           </a:p>
@@ -1727,7 +1742,7 @@
           <a:p>
             <a:fld id="{AC511CBF-0EF4-4A18-AA19-0C800731374E}" type="datetimeFigureOut">
               <a:rPr lang="ko-KR" altLang="en-US" smtClean="0"/>
-              <a:t>2020-11-04</a:t>
+              <a:t>2023-04-21</a:t>
             </a:fld>
             <a:endParaRPr lang="ko-KR" altLang="en-US"/>
           </a:p>
@@ -1822,7 +1837,7 @@
           <a:p>
             <a:fld id="{AC511CBF-0EF4-4A18-AA19-0C800731374E}" type="datetimeFigureOut">
               <a:rPr lang="ko-KR" altLang="en-US" smtClean="0"/>
-              <a:t>2020-11-04</a:t>
+              <a:t>2023-04-21</a:t>
             </a:fld>
             <a:endParaRPr lang="ko-KR" altLang="en-US"/>
           </a:p>
@@ -2099,7 +2114,7 @@
           <a:p>
             <a:fld id="{AC511CBF-0EF4-4A18-AA19-0C800731374E}" type="datetimeFigureOut">
               <a:rPr lang="ko-KR" altLang="en-US" smtClean="0"/>
-              <a:t>2020-11-04</a:t>
+              <a:t>2023-04-21</a:t>
             </a:fld>
             <a:endParaRPr lang="ko-KR" altLang="en-US"/>
           </a:p>
@@ -2356,7 +2371,7 @@
           <a:p>
             <a:fld id="{AC511CBF-0EF4-4A18-AA19-0C800731374E}" type="datetimeFigureOut">
               <a:rPr lang="ko-KR" altLang="en-US" smtClean="0"/>
-              <a:t>2020-11-04</a:t>
+              <a:t>2023-04-21</a:t>
             </a:fld>
             <a:endParaRPr lang="ko-KR" altLang="en-US"/>
           </a:p>
@@ -2569,7 +2584,7 @@
           <a:p>
             <a:fld id="{AC511CBF-0EF4-4A18-AA19-0C800731374E}" type="datetimeFigureOut">
               <a:rPr lang="ko-KR" altLang="en-US" smtClean="0"/>
-              <a:t>2020-11-04</a:t>
+              <a:t>2023-04-21</a:t>
             </a:fld>
             <a:endParaRPr lang="ko-KR" altLang="en-US"/>
           </a:p>
@@ -2979,7 +2994,7 @@
           <p:cNvPr id="5" name="직선 화살표 연결선 4">
             <a:extLst>
               <a:ext uri="{FF2B5EF4-FFF2-40B4-BE49-F238E27FC236}">
-                <a16:creationId xmlns:a16="http://schemas.microsoft.com/office/drawing/2014/main" xmlns="" id="{3048DF74-5E5E-4CB8-86FF-80D42183DF68}"/>
+                <a16:creationId xmlns:a16="http://schemas.microsoft.com/office/drawing/2014/main" id="{3048DF74-5E5E-4CB8-86FF-80D42183DF68}"/>
               </a:ext>
             </a:extLst>
           </p:cNvPr>
@@ -3021,7 +3036,7 @@
           <p:cNvPr id="7" name="직선 연결선 6">
             <a:extLst>
               <a:ext uri="{FF2B5EF4-FFF2-40B4-BE49-F238E27FC236}">
-                <a16:creationId xmlns:a16="http://schemas.microsoft.com/office/drawing/2014/main" xmlns="" id="{AF1934DE-E570-4214-9B15-4FA9BCADD148}"/>
+                <a16:creationId xmlns:a16="http://schemas.microsoft.com/office/drawing/2014/main" id="{AF1934DE-E570-4214-9B15-4FA9BCADD148}"/>
               </a:ext>
             </a:extLst>
           </p:cNvPr>
@@ -3062,7 +3077,7 @@
           <p:cNvPr id="8" name="직선 연결선 7">
             <a:extLst>
               <a:ext uri="{FF2B5EF4-FFF2-40B4-BE49-F238E27FC236}">
-                <a16:creationId xmlns:a16="http://schemas.microsoft.com/office/drawing/2014/main" xmlns="" id="{A064F863-9824-4F7E-BC19-817AD5FCA1EC}"/>
+                <a16:creationId xmlns:a16="http://schemas.microsoft.com/office/drawing/2014/main" id="{A064F863-9824-4F7E-BC19-817AD5FCA1EC}"/>
               </a:ext>
             </a:extLst>
           </p:cNvPr>
@@ -3103,7 +3118,7 @@
           <p:cNvPr id="9" name="TextBox 8">
             <a:extLst>
               <a:ext uri="{FF2B5EF4-FFF2-40B4-BE49-F238E27FC236}">
-                <a16:creationId xmlns:a16="http://schemas.microsoft.com/office/drawing/2014/main" xmlns="" id="{26C6BEE3-45C9-48D2-8CBC-780F4116447E}"/>
+                <a16:creationId xmlns:a16="http://schemas.microsoft.com/office/drawing/2014/main" id="{26C6BEE3-45C9-48D2-8CBC-780F4116447E}"/>
               </a:ext>
             </a:extLst>
           </p:cNvPr>
@@ -3139,7 +3154,7 @@
           <p:cNvPr id="10" name="TextBox 9">
             <a:extLst>
               <a:ext uri="{FF2B5EF4-FFF2-40B4-BE49-F238E27FC236}">
-                <a16:creationId xmlns:a16="http://schemas.microsoft.com/office/drawing/2014/main" xmlns="" id="{4E9EF6EA-FFF8-40EF-93DB-618165D68796}"/>
+                <a16:creationId xmlns:a16="http://schemas.microsoft.com/office/drawing/2014/main" id="{4E9EF6EA-FFF8-40EF-93DB-618165D68796}"/>
               </a:ext>
             </a:extLst>
           </p:cNvPr>
@@ -3179,7 +3194,7 @@
           <p:cNvPr id="11" name="타원 10">
             <a:extLst>
               <a:ext uri="{FF2B5EF4-FFF2-40B4-BE49-F238E27FC236}">
-                <a16:creationId xmlns:a16="http://schemas.microsoft.com/office/drawing/2014/main" xmlns="" id="{2A127D0C-EC26-4CE3-9068-6F2B3AD119BB}"/>
+                <a16:creationId xmlns:a16="http://schemas.microsoft.com/office/drawing/2014/main" id="{2A127D0C-EC26-4CE3-9068-6F2B3AD119BB}"/>
               </a:ext>
             </a:extLst>
           </p:cNvPr>
@@ -3251,7 +3266,7 @@
           <p:cNvPr id="12" name="타원 11">
             <a:extLst>
               <a:ext uri="{FF2B5EF4-FFF2-40B4-BE49-F238E27FC236}">
-                <a16:creationId xmlns:a16="http://schemas.microsoft.com/office/drawing/2014/main" xmlns="" id="{CE33B9DA-EB3B-4332-BE24-7BAF31F9546E}"/>
+                <a16:creationId xmlns:a16="http://schemas.microsoft.com/office/drawing/2014/main" id="{CE33B9DA-EB3B-4332-BE24-7BAF31F9546E}"/>
               </a:ext>
             </a:extLst>
           </p:cNvPr>
@@ -3323,7 +3338,7 @@
           <p:cNvPr id="13" name="타원 12">
             <a:extLst>
               <a:ext uri="{FF2B5EF4-FFF2-40B4-BE49-F238E27FC236}">
-                <a16:creationId xmlns:a16="http://schemas.microsoft.com/office/drawing/2014/main" xmlns="" id="{6EE1F3B5-CFEE-43DC-820C-44C5297DF226}"/>
+                <a16:creationId xmlns:a16="http://schemas.microsoft.com/office/drawing/2014/main" id="{6EE1F3B5-CFEE-43DC-820C-44C5297DF226}"/>
               </a:ext>
             </a:extLst>
           </p:cNvPr>
@@ -3395,7 +3410,7 @@
           <p:cNvPr id="16" name="직선 화살표 연결선 15">
             <a:extLst>
               <a:ext uri="{FF2B5EF4-FFF2-40B4-BE49-F238E27FC236}">
-                <a16:creationId xmlns:a16="http://schemas.microsoft.com/office/drawing/2014/main" xmlns="" id="{F451B0A6-A608-438D-B326-3F89E2B12E22}"/>
+                <a16:creationId xmlns:a16="http://schemas.microsoft.com/office/drawing/2014/main" id="{F451B0A6-A608-438D-B326-3F89E2B12E22}"/>
               </a:ext>
             </a:extLst>
           </p:cNvPr>
@@ -3443,7 +3458,7 @@
           <p:cNvPr id="19" name="이등변 삼각형 18">
             <a:extLst>
               <a:ext uri="{FF2B5EF4-FFF2-40B4-BE49-F238E27FC236}">
-                <a16:creationId xmlns:a16="http://schemas.microsoft.com/office/drawing/2014/main" xmlns="" id="{E3EB3377-48AC-42F8-A248-90C5D79C4507}"/>
+                <a16:creationId xmlns:a16="http://schemas.microsoft.com/office/drawing/2014/main" id="{E3EB3377-48AC-42F8-A248-90C5D79C4507}"/>
               </a:ext>
             </a:extLst>
           </p:cNvPr>
@@ -3495,7 +3510,7 @@
           <p:cNvPr id="21" name="그룹 20">
             <a:extLst>
               <a:ext uri="{FF2B5EF4-FFF2-40B4-BE49-F238E27FC236}">
-                <a16:creationId xmlns:a16="http://schemas.microsoft.com/office/drawing/2014/main" xmlns="" id="{D01F5A2A-90DC-468D-9907-F0F5245331CC}"/>
+                <a16:creationId xmlns:a16="http://schemas.microsoft.com/office/drawing/2014/main" id="{D01F5A2A-90DC-468D-9907-F0F5245331CC}"/>
               </a:ext>
             </a:extLst>
           </p:cNvPr>
@@ -3515,7 +3530,7 @@
             <p:cNvPr id="15" name="직선 화살표 연결선 14">
               <a:extLst>
                 <a:ext uri="{FF2B5EF4-FFF2-40B4-BE49-F238E27FC236}">
-                  <a16:creationId xmlns:a16="http://schemas.microsoft.com/office/drawing/2014/main" xmlns="" id="{A6DFE7F6-4576-450F-BD81-27F73D44137A}"/>
+                  <a16:creationId xmlns:a16="http://schemas.microsoft.com/office/drawing/2014/main" id="{A6DFE7F6-4576-450F-BD81-27F73D44137A}"/>
                 </a:ext>
               </a:extLst>
             </p:cNvPr>
@@ -3562,7 +3577,7 @@
             <p:cNvPr id="20" name="이등변 삼각형 19">
               <a:extLst>
                 <a:ext uri="{FF2B5EF4-FFF2-40B4-BE49-F238E27FC236}">
-                  <a16:creationId xmlns:a16="http://schemas.microsoft.com/office/drawing/2014/main" xmlns="" id="{658BCA55-3BE5-4DCD-9D17-A7B43D120E90}"/>
+                  <a16:creationId xmlns:a16="http://schemas.microsoft.com/office/drawing/2014/main" id="{658BCA55-3BE5-4DCD-9D17-A7B43D120E90}"/>
                 </a:ext>
               </a:extLst>
             </p:cNvPr>
@@ -3615,7 +3630,7 @@
           <p:cNvPr id="22" name="TextBox 21">
             <a:extLst>
               <a:ext uri="{FF2B5EF4-FFF2-40B4-BE49-F238E27FC236}">
-                <a16:creationId xmlns:a16="http://schemas.microsoft.com/office/drawing/2014/main" xmlns="" id="{C6DCD031-683C-41F3-BA61-A71BE26F4596}"/>
+                <a16:creationId xmlns:a16="http://schemas.microsoft.com/office/drawing/2014/main" id="{C6DCD031-683C-41F3-BA61-A71BE26F4596}"/>
               </a:ext>
             </a:extLst>
           </p:cNvPr>
@@ -3654,7 +3669,7 @@
           <p:cNvPr id="23" name="TextBox 22">
             <a:extLst>
               <a:ext uri="{FF2B5EF4-FFF2-40B4-BE49-F238E27FC236}">
-                <a16:creationId xmlns:a16="http://schemas.microsoft.com/office/drawing/2014/main" xmlns="" id="{66BF8A1E-4B47-431F-9794-CB83CF0275D2}"/>
+                <a16:creationId xmlns:a16="http://schemas.microsoft.com/office/drawing/2014/main" id="{66BF8A1E-4B47-431F-9794-CB83CF0275D2}"/>
               </a:ext>
             </a:extLst>
           </p:cNvPr>
@@ -3693,7 +3708,7 @@
           <p:cNvPr id="3" name="원호 2">
             <a:extLst>
               <a:ext uri="{FF2B5EF4-FFF2-40B4-BE49-F238E27FC236}">
-                <a16:creationId xmlns:a16="http://schemas.microsoft.com/office/drawing/2014/main" xmlns="" id="{CBB2E81B-C0D5-4FB9-AB9F-2FDCCAC3BB8C}"/>
+                <a16:creationId xmlns:a16="http://schemas.microsoft.com/office/drawing/2014/main" id="{CBB2E81B-C0D5-4FB9-AB9F-2FDCCAC3BB8C}"/>
               </a:ext>
             </a:extLst>
           </p:cNvPr>
@@ -3750,7 +3765,7 @@
           <p:cNvPr id="4" name="TextBox 3">
             <a:extLst>
               <a:ext uri="{FF2B5EF4-FFF2-40B4-BE49-F238E27FC236}">
-                <a16:creationId xmlns:a16="http://schemas.microsoft.com/office/drawing/2014/main" xmlns="" id="{02A7F6F3-13DA-4C46-8CB9-91DC54CCF8E6}"/>
+                <a16:creationId xmlns:a16="http://schemas.microsoft.com/office/drawing/2014/main" id="{02A7F6F3-13DA-4C46-8CB9-91DC54CCF8E6}"/>
               </a:ext>
             </a:extLst>
           </p:cNvPr>
@@ -3819,7 +3834,7 @@
           <p:cNvPr id="5" name="직선 화살표 연결선 4">
             <a:extLst>
               <a:ext uri="{FF2B5EF4-FFF2-40B4-BE49-F238E27FC236}">
-                <a16:creationId xmlns:a16="http://schemas.microsoft.com/office/drawing/2014/main" xmlns="" id="{3048DF74-5E5E-4CB8-86FF-80D42183DF68}"/>
+                <a16:creationId xmlns:a16="http://schemas.microsoft.com/office/drawing/2014/main" id="{3048DF74-5E5E-4CB8-86FF-80D42183DF68}"/>
               </a:ext>
             </a:extLst>
           </p:cNvPr>
@@ -3828,7 +3843,7 @@
         </p:nvCxnSpPr>
         <p:spPr>
           <a:xfrm>
-            <a:off x="1020932" y="4703027"/>
+            <a:off x="1020932" y="4208016"/>
             <a:ext cx="7279689" cy="0"/>
           </a:xfrm>
           <a:prstGeom prst="straightConnector1">
@@ -3861,7 +3876,7 @@
           <p:cNvPr id="7" name="직선 연결선 6">
             <a:extLst>
               <a:ext uri="{FF2B5EF4-FFF2-40B4-BE49-F238E27FC236}">
-                <a16:creationId xmlns:a16="http://schemas.microsoft.com/office/drawing/2014/main" xmlns="" id="{AF1934DE-E570-4214-9B15-4FA9BCADD148}"/>
+                <a16:creationId xmlns:a16="http://schemas.microsoft.com/office/drawing/2014/main" id="{AF1934DE-E570-4214-9B15-4FA9BCADD148}"/>
               </a:ext>
             </a:extLst>
           </p:cNvPr>
@@ -3870,7 +3885,7 @@
         </p:nvCxnSpPr>
         <p:spPr>
           <a:xfrm>
-            <a:off x="1473694" y="4463329"/>
+            <a:off x="1473694" y="3968318"/>
             <a:ext cx="0" cy="514905"/>
           </a:xfrm>
           <a:prstGeom prst="line">
@@ -3897,12 +3912,53 @@
           </a:fontRef>
         </p:style>
       </p:cxnSp>
+      <p:cxnSp>
+        <p:nvCxnSpPr>
+          <p:cNvPr id="8" name="직선 연결선 7">
+            <a:extLst>
+              <a:ext uri="{FF2B5EF4-FFF2-40B4-BE49-F238E27FC236}">
+                <a16:creationId xmlns:a16="http://schemas.microsoft.com/office/drawing/2014/main" id="{A064F863-9824-4F7E-BC19-817AD5FCA1EC}"/>
+              </a:ext>
+            </a:extLst>
+          </p:cNvPr>
+          <p:cNvCxnSpPr/>
+          <p:nvPr/>
+        </p:nvCxnSpPr>
+        <p:spPr>
+          <a:xfrm>
+            <a:off x="7510509" y="3968318"/>
+            <a:ext cx="0" cy="514905"/>
+          </a:xfrm>
+          <a:prstGeom prst="line">
+            <a:avLst/>
+          </a:prstGeom>
+          <a:ln w="19050">
+            <a:solidFill>
+              <a:schemeClr val="tx1"/>
+            </a:solidFill>
+          </a:ln>
+        </p:spPr>
+        <p:style>
+          <a:lnRef idx="1">
+            <a:schemeClr val="accent1"/>
+          </a:lnRef>
+          <a:fillRef idx="0">
+            <a:schemeClr val="accent1"/>
+          </a:fillRef>
+          <a:effectRef idx="0">
+            <a:schemeClr val="accent1"/>
+          </a:effectRef>
+          <a:fontRef idx="minor">
+            <a:schemeClr val="tx1"/>
+          </a:fontRef>
+        </p:style>
+      </p:cxnSp>
       <p:sp>
         <p:nvSpPr>
           <p:cNvPr id="9" name="TextBox 8">
             <a:extLst>
               <a:ext uri="{FF2B5EF4-FFF2-40B4-BE49-F238E27FC236}">
-                <a16:creationId xmlns:a16="http://schemas.microsoft.com/office/drawing/2014/main" xmlns="" id="{26C6BEE3-45C9-48D2-8CBC-780F4116447E}"/>
+                <a16:creationId xmlns:a16="http://schemas.microsoft.com/office/drawing/2014/main" id="{26C6BEE3-45C9-48D2-8CBC-780F4116447E}"/>
               </a:ext>
             </a:extLst>
           </p:cNvPr>
@@ -3911,8 +3967,8 @@
         </p:nvSpPr>
         <p:spPr>
           <a:xfrm>
-            <a:off x="1145220" y="4978234"/>
-            <a:ext cx="646331" cy="369332"/>
+            <a:off x="1158493" y="4483223"/>
+            <a:ext cx="619786" cy="369332"/>
           </a:xfrm>
           <a:prstGeom prst="rect">
             <a:avLst/>
@@ -3927,9 +3983,47 @@
           <a:p>
             <a:pPr algn="ctr"/>
             <a:r>
-              <a:rPr lang="ko-KR" altLang="en-US"/>
-              <a:t>현재</a:t>
+              <a:rPr lang="en-US" altLang="ko-KR" dirty="0"/>
+              <a:t>Now</a:t>
             </a:r>
+            <a:endParaRPr lang="ko-KR" altLang="en-US" dirty="0"/>
+          </a:p>
+        </p:txBody>
+      </p:sp>
+      <p:sp>
+        <p:nvSpPr>
+          <p:cNvPr id="10" name="TextBox 9">
+            <a:extLst>
+              <a:ext uri="{FF2B5EF4-FFF2-40B4-BE49-F238E27FC236}">
+                <a16:creationId xmlns:a16="http://schemas.microsoft.com/office/drawing/2014/main" id="{4E9EF6EA-FFF8-40EF-93DB-618165D68796}"/>
+              </a:ext>
+            </a:extLst>
+          </p:cNvPr>
+          <p:cNvSpPr txBox="1"/>
+          <p:nvPr/>
+        </p:nvSpPr>
+        <p:spPr>
+          <a:xfrm>
+            <a:off x="6892354" y="4483223"/>
+            <a:ext cx="1246431" cy="369332"/>
+          </a:xfrm>
+          <a:prstGeom prst="rect">
+            <a:avLst/>
+          </a:prstGeom>
+          <a:noFill/>
+        </p:spPr>
+        <p:txBody>
+          <a:bodyPr wrap="none" rtlCol="0">
+            <a:spAutoFit/>
+          </a:bodyPr>
+          <a:lstStyle/>
+          <a:p>
+            <a:pPr algn="ctr"/>
+            <a:r>
+              <a:rPr lang="en-US" altLang="ko-KR" dirty="0"/>
+              <a:t>1 year later</a:t>
+            </a:r>
+            <a:endParaRPr lang="ko-KR" altLang="en-US" dirty="0"/>
           </a:p>
         </p:txBody>
       </p:sp>
@@ -3938,7 +4032,7 @@
           <p:cNvPr id="11" name="타원 10">
             <a:extLst>
               <a:ext uri="{FF2B5EF4-FFF2-40B4-BE49-F238E27FC236}">
-                <a16:creationId xmlns:a16="http://schemas.microsoft.com/office/drawing/2014/main" xmlns="" id="{2A127D0C-EC26-4CE3-9068-6F2B3AD119BB}"/>
+                <a16:creationId xmlns:a16="http://schemas.microsoft.com/office/drawing/2014/main" id="{2A127D0C-EC26-4CE3-9068-6F2B3AD119BB}"/>
               </a:ext>
             </a:extLst>
           </p:cNvPr>
@@ -3947,7 +4041,7 @@
         </p:nvSpPr>
         <p:spPr>
           <a:xfrm>
-            <a:off x="945345" y="3234196"/>
+            <a:off x="930105" y="2723945"/>
             <a:ext cx="1080000" cy="1080000"/>
           </a:xfrm>
           <a:prstGeom prst="ellipse">
@@ -3992,97 +4086,13 @@
                   <a:schemeClr val="tx1"/>
                 </a:solidFill>
               </a:rPr>
-              <a:t>1</a:t>
+              <a:t>$1</a:t>
             </a:r>
-            <a:r>
-              <a:rPr lang="ko-KR" altLang="en-US" sz="2800" dirty="0">
-                <a:solidFill>
-                  <a:schemeClr val="tx1"/>
-                </a:solidFill>
-              </a:rPr>
-              <a:t>원</a:t>
-            </a:r>
-          </a:p>
-        </p:txBody>
-      </p:sp>
-      <p:cxnSp>
-        <p:nvCxnSpPr>
-          <p:cNvPr id="8" name="직선 연결선 7">
-            <a:extLst>
-              <a:ext uri="{FF2B5EF4-FFF2-40B4-BE49-F238E27FC236}">
-                <a16:creationId xmlns:a16="http://schemas.microsoft.com/office/drawing/2014/main" xmlns="" id="{A064F863-9824-4F7E-BC19-817AD5FCA1EC}"/>
-              </a:ext>
-            </a:extLst>
-          </p:cNvPr>
-          <p:cNvCxnSpPr/>
-          <p:nvPr/>
-        </p:nvCxnSpPr>
-        <p:spPr>
-          <a:xfrm>
-            <a:off x="7510509" y="4463329"/>
-            <a:ext cx="0" cy="514905"/>
-          </a:xfrm>
-          <a:prstGeom prst="line">
-            <a:avLst/>
-          </a:prstGeom>
-          <a:ln w="19050">
-            <a:solidFill>
-              <a:schemeClr val="tx1"/>
-            </a:solidFill>
-          </a:ln>
-        </p:spPr>
-        <p:style>
-          <a:lnRef idx="1">
-            <a:schemeClr val="accent1"/>
-          </a:lnRef>
-          <a:fillRef idx="0">
-            <a:schemeClr val="accent1"/>
-          </a:fillRef>
-          <a:effectRef idx="0">
-            <a:schemeClr val="accent1"/>
-          </a:effectRef>
-          <a:fontRef idx="minor">
-            <a:schemeClr val="tx1"/>
-          </a:fontRef>
-        </p:style>
-      </p:cxnSp>
-      <p:sp>
-        <p:nvSpPr>
-          <p:cNvPr id="10" name="TextBox 9">
-            <a:extLst>
-              <a:ext uri="{FF2B5EF4-FFF2-40B4-BE49-F238E27FC236}">
-                <a16:creationId xmlns:a16="http://schemas.microsoft.com/office/drawing/2014/main" xmlns="" id="{4E9EF6EA-FFF8-40EF-93DB-618165D68796}"/>
-              </a:ext>
-            </a:extLst>
-          </p:cNvPr>
-          <p:cNvSpPr txBox="1"/>
-          <p:nvPr/>
-        </p:nvSpPr>
-        <p:spPr>
-          <a:xfrm>
-            <a:off x="7107442" y="4978234"/>
-            <a:ext cx="816249" cy="369332"/>
-          </a:xfrm>
-          <a:prstGeom prst="rect">
-            <a:avLst/>
-          </a:prstGeom>
-          <a:noFill/>
-        </p:spPr>
-        <p:txBody>
-          <a:bodyPr wrap="none" rtlCol="0">
-            <a:spAutoFit/>
-          </a:bodyPr>
-          <a:lstStyle/>
-          <a:p>
-            <a:pPr algn="ctr"/>
-            <a:r>
-              <a:rPr lang="en-US" altLang="ko-KR" dirty="0"/>
-              <a:t>1</a:t>
-            </a:r>
-            <a:r>
-              <a:rPr lang="ko-KR" altLang="en-US" dirty="0"/>
-              <a:t>년 뒤</a:t>
-            </a:r>
+            <a:endParaRPr lang="ko-KR" altLang="en-US" sz="2800" dirty="0">
+              <a:solidFill>
+                <a:schemeClr val="tx1"/>
+              </a:solidFill>
+            </a:endParaRPr>
           </a:p>
         </p:txBody>
       </p:sp>
@@ -4091,7 +4101,7 @@
           <p:cNvPr id="12" name="타원 11">
             <a:extLst>
               <a:ext uri="{FF2B5EF4-FFF2-40B4-BE49-F238E27FC236}">
-                <a16:creationId xmlns:a16="http://schemas.microsoft.com/office/drawing/2014/main" xmlns="" id="{CE33B9DA-EB3B-4332-BE24-7BAF31F9546E}"/>
+                <a16:creationId xmlns:a16="http://schemas.microsoft.com/office/drawing/2014/main" id="{CE33B9DA-EB3B-4332-BE24-7BAF31F9546E}"/>
               </a:ext>
             </a:extLst>
           </p:cNvPr>
@@ -4100,7 +4110,7 @@
         </p:nvSpPr>
         <p:spPr>
           <a:xfrm>
-            <a:off x="6987469" y="3234196"/>
+            <a:off x="6972229" y="2723945"/>
             <a:ext cx="1080000" cy="1080000"/>
           </a:xfrm>
           <a:prstGeom prst="ellipse">
@@ -4145,16 +4155,13 @@
                   <a:schemeClr val="tx1"/>
                 </a:solidFill>
               </a:rPr>
-              <a:t>1</a:t>
+              <a:t>$1</a:t>
             </a:r>
-            <a:r>
-              <a:rPr lang="ko-KR" altLang="en-US" sz="2800" dirty="0">
-                <a:solidFill>
-                  <a:schemeClr val="tx1"/>
-                </a:solidFill>
-              </a:rPr>
-              <a:t>원</a:t>
-            </a:r>
+            <a:endParaRPr lang="ko-KR" altLang="en-US" sz="2800" dirty="0">
+              <a:solidFill>
+                <a:schemeClr val="tx1"/>
+              </a:solidFill>
+            </a:endParaRPr>
           </a:p>
         </p:txBody>
       </p:sp>
@@ -4163,7 +4170,7 @@
           <p:cNvPr id="13" name="타원 12">
             <a:extLst>
               <a:ext uri="{FF2B5EF4-FFF2-40B4-BE49-F238E27FC236}">
-                <a16:creationId xmlns:a16="http://schemas.microsoft.com/office/drawing/2014/main" xmlns="" id="{6EE1F3B5-CFEE-43DC-820C-44C5297DF226}"/>
+                <a16:creationId xmlns:a16="http://schemas.microsoft.com/office/drawing/2014/main" id="{6EE1F3B5-CFEE-43DC-820C-44C5297DF226}"/>
               </a:ext>
             </a:extLst>
           </p:cNvPr>
@@ -4172,8 +4179,8 @@
         </p:nvSpPr>
         <p:spPr>
           <a:xfrm>
-            <a:off x="7145869" y="2360843"/>
-            <a:ext cx="763200" cy="763200"/>
+            <a:off x="6972229" y="1449092"/>
+            <a:ext cx="1080000" cy="1080000"/>
           </a:xfrm>
           <a:prstGeom prst="ellipse">
             <a:avLst/>
@@ -4212,14 +4219,14 @@
           <a:p>
             <a:pPr algn="ctr"/>
             <a:r>
-              <a:rPr lang="en-US" altLang="ko-KR" sz="2000" dirty="0">
+              <a:rPr lang="en-US" altLang="ko-KR" sz="2800" dirty="0">
                 <a:solidFill>
                   <a:schemeClr val="tx1"/>
                 </a:solidFill>
               </a:rPr>
-              <a:t>0.5</a:t>
+              <a:t>$1</a:t>
             </a:r>
-            <a:endParaRPr lang="ko-KR" altLang="en-US" sz="2000" dirty="0">
+            <a:endParaRPr lang="ko-KR" altLang="en-US" sz="2800" dirty="0">
               <a:solidFill>
                 <a:schemeClr val="tx1"/>
               </a:solidFill>
@@ -4227,12 +4234,60 @@
           </a:p>
         </p:txBody>
       </p:sp>
-      <p:sp>
-        <p:nvSpPr>
-          <p:cNvPr id="21" name="타원 20">
+      <p:cxnSp>
+        <p:nvCxnSpPr>
+          <p:cNvPr id="16" name="직선 화살표 연결선 15">
             <a:extLst>
               <a:ext uri="{FF2B5EF4-FFF2-40B4-BE49-F238E27FC236}">
-                <a16:creationId xmlns:a16="http://schemas.microsoft.com/office/drawing/2014/main" xmlns="" id="{092D3612-DC5E-4C36-9D13-0353C9060E14}"/>
+                <a16:creationId xmlns:a16="http://schemas.microsoft.com/office/drawing/2014/main" id="{F451B0A6-A608-438D-B326-3F89E2B12E22}"/>
+              </a:ext>
+            </a:extLst>
+          </p:cNvPr>
+          <p:cNvCxnSpPr>
+            <a:cxnSpLocks/>
+            <a:stCxn id="11" idx="6"/>
+            <a:endCxn id="13" idx="2"/>
+          </p:cNvCxnSpPr>
+          <p:nvPr/>
+        </p:nvCxnSpPr>
+        <p:spPr>
+          <a:xfrm flipV="1">
+            <a:off x="2010105" y="1989092"/>
+            <a:ext cx="4962124" cy="1274853"/>
+          </a:xfrm>
+          <a:prstGeom prst="straightConnector1">
+            <a:avLst/>
+          </a:prstGeom>
+          <a:ln w="28575">
+            <a:solidFill>
+              <a:schemeClr val="tx1"/>
+            </a:solidFill>
+            <a:prstDash val="lgDash"/>
+            <a:headEnd type="none" w="med" len="med"/>
+            <a:tailEnd type="none" w="med" len="med"/>
+          </a:ln>
+        </p:spPr>
+        <p:style>
+          <a:lnRef idx="1">
+            <a:schemeClr val="accent1"/>
+          </a:lnRef>
+          <a:fillRef idx="0">
+            <a:schemeClr val="accent1"/>
+          </a:fillRef>
+          <a:effectRef idx="0">
+            <a:schemeClr val="accent1"/>
+          </a:effectRef>
+          <a:fontRef idx="minor">
+            <a:schemeClr val="tx1"/>
+          </a:fontRef>
+        </p:style>
+      </p:cxnSp>
+      <p:sp>
+        <p:nvSpPr>
+          <p:cNvPr id="19" name="이등변 삼각형 18">
+            <a:extLst>
+              <a:ext uri="{FF2B5EF4-FFF2-40B4-BE49-F238E27FC236}">
+                <a16:creationId xmlns:a16="http://schemas.microsoft.com/office/drawing/2014/main" id="{E3EB3377-48AC-42F8-A248-90C5D79C4507}"/>
               </a:ext>
             </a:extLst>
           </p:cNvPr>
@@ -4240,23 +4295,18 @@
           <p:nvPr/>
         </p:nvSpPr>
         <p:spPr>
-          <a:xfrm>
-            <a:off x="7145869" y="1484050"/>
-            <a:ext cx="763200" cy="763200"/>
-          </a:xfrm>
-          <a:prstGeom prst="ellipse">
+          <a:xfrm rot="4455555">
+            <a:off x="6682934" y="1923716"/>
+            <a:ext cx="204550" cy="259943"/>
+          </a:xfrm>
+          <a:prstGeom prst="triangle">
             <a:avLst/>
           </a:prstGeom>
           <a:solidFill>
-            <a:schemeClr val="accent1">
-              <a:lumMod val="20000"/>
-              <a:lumOff val="80000"/>
-            </a:schemeClr>
+            <a:schemeClr val="tx1"/>
           </a:solidFill>
-          <a:ln w="28575">
-            <a:solidFill>
-              <a:schemeClr val="tx1"/>
-            </a:solidFill>
+          <a:ln>
+            <a:noFill/>
           </a:ln>
         </p:spPr>
         <p:style>
@@ -4280,28 +4330,208 @@
           <a:lstStyle/>
           <a:p>
             <a:pPr algn="ctr"/>
-            <a:r>
-              <a:rPr lang="en-US" altLang="ko-KR" sz="2000" dirty="0">
-                <a:solidFill>
-                  <a:schemeClr val="tx1"/>
-                </a:solidFill>
-              </a:rPr>
-              <a:t>0.5</a:t>
-            </a:r>
-            <a:endParaRPr lang="ko-KR" altLang="en-US" sz="2000" dirty="0">
+            <a:endParaRPr lang="ko-KR" altLang="en-US" dirty="0"/>
+          </a:p>
+        </p:txBody>
+      </p:sp>
+      <p:grpSp>
+        <p:nvGrpSpPr>
+          <p:cNvPr id="21" name="그룹 20">
+            <a:extLst>
+              <a:ext uri="{FF2B5EF4-FFF2-40B4-BE49-F238E27FC236}">
+                <a16:creationId xmlns:a16="http://schemas.microsoft.com/office/drawing/2014/main" id="{D01F5A2A-90DC-468D-9907-F0F5245331CC}"/>
+              </a:ext>
+            </a:extLst>
+          </p:cNvPr>
+          <p:cNvGrpSpPr/>
+          <p:nvPr/>
+        </p:nvGrpSpPr>
+        <p:grpSpPr>
+          <a:xfrm>
+            <a:off x="2010105" y="3190432"/>
+            <a:ext cx="4962124" cy="204550"/>
+            <a:chOff x="2010105" y="3190432"/>
+            <a:chExt cx="4962124" cy="204550"/>
+          </a:xfrm>
+        </p:grpSpPr>
+        <p:cxnSp>
+          <p:nvCxnSpPr>
+            <p:cNvPr id="15" name="직선 화살표 연결선 14">
+              <a:extLst>
+                <a:ext uri="{FF2B5EF4-FFF2-40B4-BE49-F238E27FC236}">
+                  <a16:creationId xmlns:a16="http://schemas.microsoft.com/office/drawing/2014/main" id="{A6DFE7F6-4576-450F-BD81-27F73D44137A}"/>
+                </a:ext>
+              </a:extLst>
+            </p:cNvPr>
+            <p:cNvCxnSpPr>
+              <a:stCxn id="11" idx="6"/>
+              <a:endCxn id="12" idx="2"/>
+            </p:cNvCxnSpPr>
+            <p:nvPr/>
+          </p:nvCxnSpPr>
+          <p:spPr>
+            <a:xfrm>
+              <a:off x="2010105" y="3263945"/>
+              <a:ext cx="4962124" cy="0"/>
+            </a:xfrm>
+            <a:prstGeom prst="straightConnector1">
+              <a:avLst/>
+            </a:prstGeom>
+            <a:ln w="28575">
               <a:solidFill>
                 <a:schemeClr val="tx1"/>
               </a:solidFill>
-            </a:endParaRPr>
-          </a:p>
-        </p:txBody>
-      </p:sp>
-      <p:sp>
-        <p:nvSpPr>
-          <p:cNvPr id="22" name="타원 21">
+              <a:prstDash val="lgDash"/>
+              <a:headEnd type="none" w="med" len="med"/>
+              <a:tailEnd type="none" w="med" len="med"/>
+            </a:ln>
+          </p:spPr>
+          <p:style>
+            <a:lnRef idx="1">
+              <a:schemeClr val="accent1"/>
+            </a:lnRef>
+            <a:fillRef idx="0">
+              <a:schemeClr val="accent1"/>
+            </a:fillRef>
+            <a:effectRef idx="0">
+              <a:schemeClr val="accent1"/>
+            </a:effectRef>
+            <a:fontRef idx="minor">
+              <a:schemeClr val="tx1"/>
+            </a:fontRef>
+          </p:style>
+        </p:cxnSp>
+        <p:sp>
+          <p:nvSpPr>
+            <p:cNvPr id="20" name="이등변 삼각형 19">
+              <a:extLst>
+                <a:ext uri="{FF2B5EF4-FFF2-40B4-BE49-F238E27FC236}">
+                  <a16:creationId xmlns:a16="http://schemas.microsoft.com/office/drawing/2014/main" id="{658BCA55-3BE5-4DCD-9D17-A7B43D120E90}"/>
+                </a:ext>
+              </a:extLst>
+            </p:cNvPr>
+            <p:cNvSpPr/>
+            <p:nvPr/>
+          </p:nvSpPr>
+          <p:spPr>
+            <a:xfrm rot="5400000">
+              <a:off x="6674760" y="3162735"/>
+              <a:ext cx="204550" cy="259943"/>
+            </a:xfrm>
+            <a:prstGeom prst="triangle">
+              <a:avLst/>
+            </a:prstGeom>
+            <a:solidFill>
+              <a:schemeClr val="tx1"/>
+            </a:solidFill>
+            <a:ln>
+              <a:noFill/>
+            </a:ln>
+          </p:spPr>
+          <p:style>
+            <a:lnRef idx="2">
+              <a:schemeClr val="accent1">
+                <a:shade val="50000"/>
+              </a:schemeClr>
+            </a:lnRef>
+            <a:fillRef idx="1">
+              <a:schemeClr val="accent1"/>
+            </a:fillRef>
+            <a:effectRef idx="0">
+              <a:schemeClr val="accent1"/>
+            </a:effectRef>
+            <a:fontRef idx="minor">
+              <a:schemeClr val="lt1"/>
+            </a:fontRef>
+          </p:style>
+          <p:txBody>
+            <a:bodyPr rtlCol="0" anchor="ctr"/>
+            <a:lstStyle/>
+            <a:p>
+              <a:pPr algn="ctr"/>
+              <a:endParaRPr lang="ko-KR" altLang="en-US" dirty="0"/>
+            </a:p>
+          </p:txBody>
+        </p:sp>
+      </p:grpSp>
+      <p:sp>
+        <p:nvSpPr>
+          <p:cNvPr id="22" name="TextBox 21">
             <a:extLst>
               <a:ext uri="{FF2B5EF4-FFF2-40B4-BE49-F238E27FC236}">
-                <a16:creationId xmlns:a16="http://schemas.microsoft.com/office/drawing/2014/main" xmlns="" id="{614726C9-1BC5-43C7-B04D-3F847854E625}"/>
+                <a16:creationId xmlns:a16="http://schemas.microsoft.com/office/drawing/2014/main" id="{C6DCD031-683C-41F3-BA61-A71BE26F4596}"/>
+              </a:ext>
+            </a:extLst>
+          </p:cNvPr>
+          <p:cNvSpPr txBox="1"/>
+          <p:nvPr/>
+        </p:nvSpPr>
+        <p:spPr>
+          <a:xfrm>
+            <a:off x="1145220" y="5034986"/>
+            <a:ext cx="495649" cy="461665"/>
+          </a:xfrm>
+          <a:prstGeom prst="rect">
+            <a:avLst/>
+          </a:prstGeom>
+          <a:noFill/>
+        </p:spPr>
+        <p:txBody>
+          <a:bodyPr wrap="none" rtlCol="0">
+            <a:spAutoFit/>
+          </a:bodyPr>
+          <a:lstStyle/>
+          <a:p>
+            <a:r>
+              <a:rPr lang="en-US" altLang="ko-KR" sz="2400" b="1" dirty="0"/>
+              <a:t>$1</a:t>
+            </a:r>
+            <a:endParaRPr lang="ko-KR" altLang="en-US" sz="2400" b="1" dirty="0"/>
+          </a:p>
+        </p:txBody>
+      </p:sp>
+      <p:sp>
+        <p:nvSpPr>
+          <p:cNvPr id="23" name="TextBox 22">
+            <a:extLst>
+              <a:ext uri="{FF2B5EF4-FFF2-40B4-BE49-F238E27FC236}">
+                <a16:creationId xmlns:a16="http://schemas.microsoft.com/office/drawing/2014/main" id="{66BF8A1E-4B47-431F-9794-CB83CF0275D2}"/>
+              </a:ext>
+            </a:extLst>
+          </p:cNvPr>
+          <p:cNvSpPr txBox="1"/>
+          <p:nvPr/>
+        </p:nvSpPr>
+        <p:spPr>
+          <a:xfrm>
+            <a:off x="7186542" y="5034986"/>
+            <a:ext cx="495649" cy="461665"/>
+          </a:xfrm>
+          <a:prstGeom prst="rect">
+            <a:avLst/>
+          </a:prstGeom>
+          <a:noFill/>
+        </p:spPr>
+        <p:txBody>
+          <a:bodyPr wrap="none" rtlCol="0">
+            <a:spAutoFit/>
+          </a:bodyPr>
+          <a:lstStyle/>
+          <a:p>
+            <a:r>
+              <a:rPr lang="en-US" altLang="ko-KR" sz="2400" b="1" dirty="0"/>
+              <a:t>$2</a:t>
+            </a:r>
+            <a:endParaRPr lang="ko-KR" altLang="en-US" sz="2400" b="1" dirty="0"/>
+          </a:p>
+        </p:txBody>
+      </p:sp>
+      <p:sp>
+        <p:nvSpPr>
+          <p:cNvPr id="3" name="원호 2">
+            <a:extLst>
+              <a:ext uri="{FF2B5EF4-FFF2-40B4-BE49-F238E27FC236}">
+                <a16:creationId xmlns:a16="http://schemas.microsoft.com/office/drawing/2014/main" id="{CBB2E81B-C0D5-4FB9-AB9F-2FDCCAC3BB8C}"/>
               </a:ext>
             </a:extLst>
           </p:cNvPr>
@@ -4309,737 +4539,9 @@
           <p:nvPr/>
         </p:nvSpPr>
         <p:spPr>
-          <a:xfrm>
-            <a:off x="7257469" y="837337"/>
-            <a:ext cx="540000" cy="540000"/>
-          </a:xfrm>
-          <a:prstGeom prst="ellipse">
-            <a:avLst/>
-          </a:prstGeom>
-          <a:solidFill>
-            <a:schemeClr val="accent1">
-              <a:lumMod val="20000"/>
-              <a:lumOff val="80000"/>
-            </a:schemeClr>
-          </a:solidFill>
-          <a:ln w="28575">
-            <a:solidFill>
-              <a:schemeClr val="tx1"/>
-            </a:solidFill>
-          </a:ln>
-        </p:spPr>
-        <p:style>
-          <a:lnRef idx="2">
-            <a:schemeClr val="accent1">
-              <a:shade val="50000"/>
-            </a:schemeClr>
-          </a:lnRef>
-          <a:fillRef idx="1">
-            <a:schemeClr val="accent1"/>
-          </a:fillRef>
-          <a:effectRef idx="0">
-            <a:schemeClr val="accent1"/>
-          </a:effectRef>
-          <a:fontRef idx="minor">
-            <a:schemeClr val="lt1"/>
-          </a:fontRef>
-        </p:style>
-        <p:txBody>
-          <a:bodyPr rtlCol="0" anchor="ctr"/>
-          <a:lstStyle/>
-          <a:p>
-            <a:pPr algn="ctr"/>
-            <a:r>
-              <a:rPr lang="en-US" altLang="ko-KR" sz="1200" dirty="0">
-                <a:solidFill>
-                  <a:schemeClr val="tx1"/>
-                </a:solidFill>
-              </a:rPr>
-              <a:t>.25</a:t>
-            </a:r>
-            <a:endParaRPr lang="ko-KR" altLang="en-US" sz="1200" dirty="0">
-              <a:solidFill>
-                <a:schemeClr val="tx1"/>
-              </a:solidFill>
-            </a:endParaRPr>
-          </a:p>
-        </p:txBody>
-      </p:sp>
-      <p:sp>
-        <p:nvSpPr>
-          <p:cNvPr id="2" name="TextBox 1">
-            <a:extLst>
-              <a:ext uri="{FF2B5EF4-FFF2-40B4-BE49-F238E27FC236}">
-                <a16:creationId xmlns:a16="http://schemas.microsoft.com/office/drawing/2014/main" xmlns="" id="{B4E602A4-7DDB-49E0-8A2C-B43D61452AC8}"/>
-              </a:ext>
-            </a:extLst>
-          </p:cNvPr>
-          <p:cNvSpPr txBox="1"/>
-          <p:nvPr/>
-        </p:nvSpPr>
-        <p:spPr>
-          <a:xfrm>
-            <a:off x="7701181" y="645672"/>
-            <a:ext cx="914400" cy="461665"/>
-          </a:xfrm>
-          <a:prstGeom prst="rect">
-            <a:avLst/>
-          </a:prstGeom>
-          <a:noFill/>
-        </p:spPr>
-        <p:txBody>
-          <a:bodyPr wrap="square" rtlCol="0">
-            <a:spAutoFit/>
-          </a:bodyPr>
-          <a:lstStyle/>
-          <a:p>
-            <a:r>
-              <a:rPr lang="en-US" altLang="ko-KR" sz="2400" dirty="0"/>
-              <a:t>0.25</a:t>
-            </a:r>
-            <a:endParaRPr lang="ko-KR" altLang="en-US" sz="2400" dirty="0"/>
-          </a:p>
-        </p:txBody>
-      </p:sp>
-      <p:sp>
-        <p:nvSpPr>
-          <p:cNvPr id="14" name="타원 13">
-            <a:extLst>
-              <a:ext uri="{FF2B5EF4-FFF2-40B4-BE49-F238E27FC236}">
-                <a16:creationId xmlns:a16="http://schemas.microsoft.com/office/drawing/2014/main" xmlns="" id="{D5AE3287-1A33-4CA0-A988-68ABF63144AA}"/>
-              </a:ext>
-            </a:extLst>
-          </p:cNvPr>
-          <p:cNvSpPr/>
-          <p:nvPr/>
-        </p:nvSpPr>
-        <p:spPr>
-          <a:xfrm>
-            <a:off x="3966407" y="3234196"/>
-            <a:ext cx="1080000" cy="1080000"/>
-          </a:xfrm>
-          <a:prstGeom prst="ellipse">
-            <a:avLst/>
-          </a:prstGeom>
-          <a:solidFill>
-            <a:schemeClr val="accent1">
-              <a:lumMod val="20000"/>
-              <a:lumOff val="80000"/>
-            </a:schemeClr>
-          </a:solidFill>
-          <a:ln w="28575">
-            <a:solidFill>
-              <a:schemeClr val="tx1"/>
-            </a:solidFill>
-          </a:ln>
-        </p:spPr>
-        <p:style>
-          <a:lnRef idx="2">
-            <a:schemeClr val="accent1">
-              <a:shade val="50000"/>
-            </a:schemeClr>
-          </a:lnRef>
-          <a:fillRef idx="1">
-            <a:schemeClr val="accent1"/>
-          </a:fillRef>
-          <a:effectRef idx="0">
-            <a:schemeClr val="accent1"/>
-          </a:effectRef>
-          <a:fontRef idx="minor">
-            <a:schemeClr val="lt1"/>
-          </a:fontRef>
-        </p:style>
-        <p:txBody>
-          <a:bodyPr rtlCol="0" anchor="ctr"/>
-          <a:lstStyle/>
-          <a:p>
-            <a:pPr algn="ctr"/>
-            <a:r>
-              <a:rPr lang="en-US" altLang="ko-KR" sz="2800" dirty="0">
-                <a:solidFill>
-                  <a:schemeClr val="tx1"/>
-                </a:solidFill>
-              </a:rPr>
-              <a:t>1</a:t>
-            </a:r>
-            <a:r>
-              <a:rPr lang="ko-KR" altLang="en-US" sz="2800" dirty="0">
-                <a:solidFill>
-                  <a:schemeClr val="tx1"/>
-                </a:solidFill>
-              </a:rPr>
-              <a:t>원</a:t>
-            </a:r>
-          </a:p>
-        </p:txBody>
-      </p:sp>
-      <p:sp>
-        <p:nvSpPr>
-          <p:cNvPr id="17" name="타원 16">
-            <a:extLst>
-              <a:ext uri="{FF2B5EF4-FFF2-40B4-BE49-F238E27FC236}">
-                <a16:creationId xmlns:a16="http://schemas.microsoft.com/office/drawing/2014/main" xmlns="" id="{64D0CB17-0D43-409B-96FF-698980383B1E}"/>
-              </a:ext>
-            </a:extLst>
-          </p:cNvPr>
-          <p:cNvSpPr/>
-          <p:nvPr/>
-        </p:nvSpPr>
-        <p:spPr>
-          <a:xfrm>
-            <a:off x="4124807" y="1484050"/>
-            <a:ext cx="763200" cy="763200"/>
-          </a:xfrm>
-          <a:prstGeom prst="ellipse">
-            <a:avLst/>
-          </a:prstGeom>
-          <a:solidFill>
-            <a:schemeClr val="accent1">
-              <a:lumMod val="20000"/>
-              <a:lumOff val="80000"/>
-            </a:schemeClr>
-          </a:solidFill>
-          <a:ln w="28575">
-            <a:solidFill>
-              <a:schemeClr val="tx1"/>
-            </a:solidFill>
-          </a:ln>
-        </p:spPr>
-        <p:style>
-          <a:lnRef idx="2">
-            <a:schemeClr val="accent1">
-              <a:shade val="50000"/>
-            </a:schemeClr>
-          </a:lnRef>
-          <a:fillRef idx="1">
-            <a:schemeClr val="accent1"/>
-          </a:fillRef>
-          <a:effectRef idx="0">
-            <a:schemeClr val="accent1"/>
-          </a:effectRef>
-          <a:fontRef idx="minor">
-            <a:schemeClr val="lt1"/>
-          </a:fontRef>
-        </p:style>
-        <p:txBody>
-          <a:bodyPr rtlCol="0" anchor="ctr"/>
-          <a:lstStyle/>
-          <a:p>
-            <a:pPr algn="ctr"/>
-            <a:r>
-              <a:rPr lang="en-US" altLang="ko-KR" sz="2000" dirty="0">
-                <a:solidFill>
-                  <a:schemeClr val="tx1"/>
-                </a:solidFill>
-              </a:rPr>
-              <a:t>0.5</a:t>
-            </a:r>
-            <a:endParaRPr lang="ko-KR" altLang="en-US" sz="2000" dirty="0">
-              <a:solidFill>
-                <a:schemeClr val="tx1"/>
-              </a:solidFill>
-            </a:endParaRPr>
-          </a:p>
-        </p:txBody>
-      </p:sp>
-      <p:cxnSp>
-        <p:nvCxnSpPr>
-          <p:cNvPr id="24" name="직선 연결선 23">
-            <a:extLst>
-              <a:ext uri="{FF2B5EF4-FFF2-40B4-BE49-F238E27FC236}">
-                <a16:creationId xmlns:a16="http://schemas.microsoft.com/office/drawing/2014/main" xmlns="" id="{88879257-1E9C-4CF9-909B-3C89954AB66E}"/>
-              </a:ext>
-            </a:extLst>
-          </p:cNvPr>
-          <p:cNvCxnSpPr/>
-          <p:nvPr/>
-        </p:nvCxnSpPr>
-        <p:spPr>
-          <a:xfrm>
-            <a:off x="4501350" y="4463329"/>
-            <a:ext cx="0" cy="514905"/>
-          </a:xfrm>
-          <a:prstGeom prst="line">
-            <a:avLst/>
-          </a:prstGeom>
-          <a:ln w="19050">
-            <a:solidFill>
-              <a:schemeClr val="tx1"/>
-            </a:solidFill>
-          </a:ln>
-        </p:spPr>
-        <p:style>
-          <a:lnRef idx="1">
-            <a:schemeClr val="accent1"/>
-          </a:lnRef>
-          <a:fillRef idx="0">
-            <a:schemeClr val="accent1"/>
-          </a:fillRef>
-          <a:effectRef idx="0">
-            <a:schemeClr val="accent1"/>
-          </a:effectRef>
-          <a:fontRef idx="minor">
-            <a:schemeClr val="tx1"/>
-          </a:fontRef>
-        </p:style>
-      </p:cxnSp>
-      <p:sp>
-        <p:nvSpPr>
-          <p:cNvPr id="25" name="TextBox 24">
-            <a:extLst>
-              <a:ext uri="{FF2B5EF4-FFF2-40B4-BE49-F238E27FC236}">
-                <a16:creationId xmlns:a16="http://schemas.microsoft.com/office/drawing/2014/main" xmlns="" id="{06493C71-E8DA-408C-BFAD-FA488F3C0B55}"/>
-              </a:ext>
-            </a:extLst>
-          </p:cNvPr>
-          <p:cNvSpPr txBox="1"/>
-          <p:nvPr/>
-        </p:nvSpPr>
-        <p:spPr>
-          <a:xfrm>
-            <a:off x="3982867" y="4978234"/>
-            <a:ext cx="1047082" cy="369332"/>
-          </a:xfrm>
-          <a:prstGeom prst="rect">
-            <a:avLst/>
-          </a:prstGeom>
-          <a:noFill/>
-        </p:spPr>
-        <p:txBody>
-          <a:bodyPr wrap="none" rtlCol="0">
-            <a:spAutoFit/>
-          </a:bodyPr>
-          <a:lstStyle/>
-          <a:p>
-            <a:pPr algn="ctr"/>
-            <a:r>
-              <a:rPr lang="en-US" altLang="ko-KR" dirty="0"/>
-              <a:t>6</a:t>
-            </a:r>
-            <a:r>
-              <a:rPr lang="ko-KR" altLang="en-US" dirty="0"/>
-              <a:t>개월 뒤</a:t>
-            </a:r>
-          </a:p>
-        </p:txBody>
-      </p:sp>
-      <p:cxnSp>
-        <p:nvCxnSpPr>
-          <p:cNvPr id="35" name="직선 화살표 연결선 34">
-            <a:extLst>
-              <a:ext uri="{FF2B5EF4-FFF2-40B4-BE49-F238E27FC236}">
-                <a16:creationId xmlns:a16="http://schemas.microsoft.com/office/drawing/2014/main" xmlns="" id="{1E3E2BAA-64E5-476A-88F6-4F5383FA428E}"/>
-              </a:ext>
-            </a:extLst>
-          </p:cNvPr>
-          <p:cNvCxnSpPr>
-            <a:stCxn id="11" idx="6"/>
-            <a:endCxn id="14" idx="2"/>
-          </p:cNvCxnSpPr>
-          <p:nvPr/>
-        </p:nvCxnSpPr>
-        <p:spPr>
-          <a:xfrm>
-            <a:off x="2025345" y="3774196"/>
-            <a:ext cx="1941062" cy="0"/>
-          </a:xfrm>
-          <a:prstGeom prst="straightConnector1">
-            <a:avLst/>
-          </a:prstGeom>
-          <a:ln w="28575">
-            <a:solidFill>
-              <a:schemeClr val="tx1"/>
-            </a:solidFill>
-            <a:prstDash val="dash"/>
-            <a:tailEnd type="triangle"/>
-          </a:ln>
-        </p:spPr>
-        <p:style>
-          <a:lnRef idx="1">
-            <a:schemeClr val="accent1"/>
-          </a:lnRef>
-          <a:fillRef idx="0">
-            <a:schemeClr val="accent1"/>
-          </a:fillRef>
-          <a:effectRef idx="0">
-            <a:schemeClr val="accent1"/>
-          </a:effectRef>
-          <a:fontRef idx="minor">
-            <a:schemeClr val="tx1"/>
-          </a:fontRef>
-        </p:style>
-      </p:cxnSp>
-      <p:cxnSp>
-        <p:nvCxnSpPr>
-          <p:cNvPr id="36" name="직선 화살표 연결선 35">
-            <a:extLst>
-              <a:ext uri="{FF2B5EF4-FFF2-40B4-BE49-F238E27FC236}">
-                <a16:creationId xmlns:a16="http://schemas.microsoft.com/office/drawing/2014/main" xmlns="" id="{0D82A3AE-E263-4C75-A63C-CE20D12F84DF}"/>
-              </a:ext>
-            </a:extLst>
-          </p:cNvPr>
-          <p:cNvCxnSpPr>
-            <a:cxnSpLocks/>
-            <a:stCxn id="11" idx="6"/>
-            <a:endCxn id="17" idx="2"/>
-          </p:cNvCxnSpPr>
-          <p:nvPr/>
-        </p:nvCxnSpPr>
-        <p:spPr>
-          <a:xfrm flipV="1">
-            <a:off x="2025345" y="1865650"/>
-            <a:ext cx="2099462" cy="1908546"/>
-          </a:xfrm>
-          <a:prstGeom prst="straightConnector1">
-            <a:avLst/>
-          </a:prstGeom>
-          <a:ln w="28575">
-            <a:solidFill>
-              <a:schemeClr val="tx1"/>
-            </a:solidFill>
-            <a:prstDash val="dash"/>
-            <a:tailEnd type="triangle"/>
-          </a:ln>
-        </p:spPr>
-        <p:style>
-          <a:lnRef idx="1">
-            <a:schemeClr val="accent1"/>
-          </a:lnRef>
-          <a:fillRef idx="0">
-            <a:schemeClr val="accent1"/>
-          </a:fillRef>
-          <a:effectRef idx="0">
-            <a:schemeClr val="accent1"/>
-          </a:effectRef>
-          <a:fontRef idx="minor">
-            <a:schemeClr val="tx1"/>
-          </a:fontRef>
-        </p:style>
-      </p:cxnSp>
-      <p:cxnSp>
-        <p:nvCxnSpPr>
-          <p:cNvPr id="39" name="직선 화살표 연결선 38">
-            <a:extLst>
-              <a:ext uri="{FF2B5EF4-FFF2-40B4-BE49-F238E27FC236}">
-                <a16:creationId xmlns:a16="http://schemas.microsoft.com/office/drawing/2014/main" xmlns="" id="{FF61EEFF-4013-447B-8701-7F38DDF5DE5B}"/>
-              </a:ext>
-            </a:extLst>
-          </p:cNvPr>
-          <p:cNvCxnSpPr>
-            <a:cxnSpLocks/>
-            <a:stCxn id="14" idx="6"/>
-            <a:endCxn id="12" idx="2"/>
-          </p:cNvCxnSpPr>
-          <p:nvPr/>
-        </p:nvCxnSpPr>
-        <p:spPr>
-          <a:xfrm>
-            <a:off x="5046407" y="3774196"/>
-            <a:ext cx="1941062" cy="0"/>
-          </a:xfrm>
-          <a:prstGeom prst="straightConnector1">
-            <a:avLst/>
-          </a:prstGeom>
-          <a:ln w="28575">
-            <a:solidFill>
-              <a:schemeClr val="tx1"/>
-            </a:solidFill>
-            <a:prstDash val="dash"/>
-            <a:tailEnd type="triangle"/>
-          </a:ln>
-        </p:spPr>
-        <p:style>
-          <a:lnRef idx="1">
-            <a:schemeClr val="accent1"/>
-          </a:lnRef>
-          <a:fillRef idx="0">
-            <a:schemeClr val="accent1"/>
-          </a:fillRef>
-          <a:effectRef idx="0">
-            <a:schemeClr val="accent1"/>
-          </a:effectRef>
-          <a:fontRef idx="minor">
-            <a:schemeClr val="tx1"/>
-          </a:fontRef>
-        </p:style>
-      </p:cxnSp>
-      <p:cxnSp>
-        <p:nvCxnSpPr>
-          <p:cNvPr id="42" name="직선 화살표 연결선 41">
-            <a:extLst>
-              <a:ext uri="{FF2B5EF4-FFF2-40B4-BE49-F238E27FC236}">
-                <a16:creationId xmlns:a16="http://schemas.microsoft.com/office/drawing/2014/main" xmlns="" id="{24B8CA02-3B79-4903-9C55-DF9BBEC43791}"/>
-              </a:ext>
-            </a:extLst>
-          </p:cNvPr>
-          <p:cNvCxnSpPr>
-            <a:cxnSpLocks/>
-            <a:stCxn id="14" idx="6"/>
-            <a:endCxn id="13" idx="2"/>
-          </p:cNvCxnSpPr>
-          <p:nvPr/>
-        </p:nvCxnSpPr>
-        <p:spPr>
-          <a:xfrm flipV="1">
-            <a:off x="5046407" y="2742443"/>
-            <a:ext cx="2099462" cy="1031753"/>
-          </a:xfrm>
-          <a:prstGeom prst="straightConnector1">
-            <a:avLst/>
-          </a:prstGeom>
-          <a:ln w="28575">
-            <a:solidFill>
-              <a:schemeClr val="tx1"/>
-            </a:solidFill>
-            <a:prstDash val="dash"/>
-            <a:tailEnd type="triangle"/>
-          </a:ln>
-        </p:spPr>
-        <p:style>
-          <a:lnRef idx="1">
-            <a:schemeClr val="accent1"/>
-          </a:lnRef>
-          <a:fillRef idx="0">
-            <a:schemeClr val="accent1"/>
-          </a:fillRef>
-          <a:effectRef idx="0">
-            <a:schemeClr val="accent1"/>
-          </a:effectRef>
-          <a:fontRef idx="minor">
-            <a:schemeClr val="tx1"/>
-          </a:fontRef>
-        </p:style>
-      </p:cxnSp>
-      <p:cxnSp>
-        <p:nvCxnSpPr>
-          <p:cNvPr id="45" name="직선 화살표 연결선 44">
-            <a:extLst>
-              <a:ext uri="{FF2B5EF4-FFF2-40B4-BE49-F238E27FC236}">
-                <a16:creationId xmlns:a16="http://schemas.microsoft.com/office/drawing/2014/main" xmlns="" id="{B94299E4-E676-4789-A502-FC15F8026D4A}"/>
-              </a:ext>
-            </a:extLst>
-          </p:cNvPr>
-          <p:cNvCxnSpPr>
-            <a:cxnSpLocks/>
-            <a:stCxn id="17" idx="6"/>
-            <a:endCxn id="21" idx="2"/>
-          </p:cNvCxnSpPr>
-          <p:nvPr/>
-        </p:nvCxnSpPr>
-        <p:spPr>
-          <a:xfrm>
-            <a:off x="4888007" y="1865650"/>
-            <a:ext cx="2257862" cy="0"/>
-          </a:xfrm>
-          <a:prstGeom prst="straightConnector1">
-            <a:avLst/>
-          </a:prstGeom>
-          <a:ln w="28575">
-            <a:solidFill>
-              <a:schemeClr val="tx1"/>
-            </a:solidFill>
-            <a:prstDash val="dash"/>
-            <a:tailEnd type="triangle"/>
-          </a:ln>
-        </p:spPr>
-        <p:style>
-          <a:lnRef idx="1">
-            <a:schemeClr val="accent1"/>
-          </a:lnRef>
-          <a:fillRef idx="0">
-            <a:schemeClr val="accent1"/>
-          </a:fillRef>
-          <a:effectRef idx="0">
-            <a:schemeClr val="accent1"/>
-          </a:effectRef>
-          <a:fontRef idx="minor">
-            <a:schemeClr val="tx1"/>
-          </a:fontRef>
-        </p:style>
-      </p:cxnSp>
-      <p:cxnSp>
-        <p:nvCxnSpPr>
-          <p:cNvPr id="48" name="직선 화살표 연결선 47">
-            <a:extLst>
-              <a:ext uri="{FF2B5EF4-FFF2-40B4-BE49-F238E27FC236}">
-                <a16:creationId xmlns:a16="http://schemas.microsoft.com/office/drawing/2014/main" xmlns="" id="{8BA02A06-21B4-44C0-8C8D-819F5A3455DD}"/>
-              </a:ext>
-            </a:extLst>
-          </p:cNvPr>
-          <p:cNvCxnSpPr>
-            <a:cxnSpLocks/>
-            <a:stCxn id="17" idx="6"/>
-            <a:endCxn id="22" idx="2"/>
-          </p:cNvCxnSpPr>
-          <p:nvPr/>
-        </p:nvCxnSpPr>
-        <p:spPr>
-          <a:xfrm flipV="1">
-            <a:off x="4888007" y="1107337"/>
-            <a:ext cx="2369462" cy="758313"/>
-          </a:xfrm>
-          <a:prstGeom prst="straightConnector1">
-            <a:avLst/>
-          </a:prstGeom>
-          <a:ln w="28575">
-            <a:solidFill>
-              <a:schemeClr val="tx1"/>
-            </a:solidFill>
-            <a:prstDash val="dash"/>
-            <a:tailEnd type="triangle"/>
-          </a:ln>
-        </p:spPr>
-        <p:style>
-          <a:lnRef idx="1">
-            <a:schemeClr val="accent1"/>
-          </a:lnRef>
-          <a:fillRef idx="0">
-            <a:schemeClr val="accent1"/>
-          </a:fillRef>
-          <a:effectRef idx="0">
-            <a:schemeClr val="accent1"/>
-          </a:effectRef>
-          <a:fontRef idx="minor">
-            <a:schemeClr val="tx1"/>
-          </a:fontRef>
-        </p:style>
-      </p:cxnSp>
-      <p:sp>
-        <p:nvSpPr>
-          <p:cNvPr id="51" name="TextBox 50">
-            <a:extLst>
-              <a:ext uri="{FF2B5EF4-FFF2-40B4-BE49-F238E27FC236}">
-                <a16:creationId xmlns:a16="http://schemas.microsoft.com/office/drawing/2014/main" xmlns="" id="{8B4885FF-3245-4E27-A2AD-F59C77832099}"/>
-              </a:ext>
-            </a:extLst>
-          </p:cNvPr>
-          <p:cNvSpPr txBox="1"/>
-          <p:nvPr/>
-        </p:nvSpPr>
-        <p:spPr>
-          <a:xfrm>
-            <a:off x="1143617" y="5250902"/>
-            <a:ext cx="647934" cy="461665"/>
-          </a:xfrm>
-          <a:prstGeom prst="rect">
-            <a:avLst/>
-          </a:prstGeom>
-          <a:noFill/>
-        </p:spPr>
-        <p:txBody>
-          <a:bodyPr wrap="none" rtlCol="0">
-            <a:spAutoFit/>
-          </a:bodyPr>
-          <a:lstStyle/>
-          <a:p>
-            <a:pPr algn="ctr"/>
-            <a:r>
-              <a:rPr lang="en-US" altLang="ko-KR" sz="2400" b="1" dirty="0"/>
-              <a:t>1</a:t>
-            </a:r>
-            <a:r>
-              <a:rPr lang="ko-KR" altLang="en-US" sz="2400" b="1" dirty="0"/>
-              <a:t>원</a:t>
-            </a:r>
-          </a:p>
-        </p:txBody>
-      </p:sp>
-      <p:sp>
-        <p:nvSpPr>
-          <p:cNvPr id="52" name="TextBox 51">
-            <a:extLst>
-              <a:ext uri="{FF2B5EF4-FFF2-40B4-BE49-F238E27FC236}">
-                <a16:creationId xmlns:a16="http://schemas.microsoft.com/office/drawing/2014/main" xmlns="" id="{73D6C427-FD09-48EE-B27A-E1E2C339828C}"/>
-              </a:ext>
-            </a:extLst>
-          </p:cNvPr>
-          <p:cNvSpPr txBox="1"/>
-          <p:nvPr/>
-        </p:nvSpPr>
-        <p:spPr>
-          <a:xfrm>
-            <a:off x="4052617" y="5250902"/>
-            <a:ext cx="885179" cy="461665"/>
-          </a:xfrm>
-          <a:prstGeom prst="rect">
-            <a:avLst/>
-          </a:prstGeom>
-          <a:noFill/>
-        </p:spPr>
-        <p:txBody>
-          <a:bodyPr wrap="none" rtlCol="0">
-            <a:spAutoFit/>
-          </a:bodyPr>
-          <a:lstStyle/>
-          <a:p>
-            <a:pPr algn="ctr"/>
-            <a:r>
-              <a:rPr lang="en-US" altLang="ko-KR" sz="2400" b="1" dirty="0"/>
-              <a:t>1.5</a:t>
-            </a:r>
-            <a:r>
-              <a:rPr lang="ko-KR" altLang="en-US" sz="2400" b="1" dirty="0"/>
-              <a:t>원</a:t>
-            </a:r>
-          </a:p>
-        </p:txBody>
-      </p:sp>
-      <p:sp>
-        <p:nvSpPr>
-          <p:cNvPr id="53" name="TextBox 52">
-            <a:extLst>
-              <a:ext uri="{FF2B5EF4-FFF2-40B4-BE49-F238E27FC236}">
-                <a16:creationId xmlns:a16="http://schemas.microsoft.com/office/drawing/2014/main" xmlns="" id="{C6A75129-A7BE-4672-B8DD-C1F3796A83EF}"/>
-              </a:ext>
-            </a:extLst>
-          </p:cNvPr>
-          <p:cNvSpPr txBox="1"/>
-          <p:nvPr/>
-        </p:nvSpPr>
-        <p:spPr>
-          <a:xfrm>
-            <a:off x="6985736" y="5250902"/>
-            <a:ext cx="1040670" cy="461665"/>
-          </a:xfrm>
-          <a:prstGeom prst="rect">
-            <a:avLst/>
-          </a:prstGeom>
-          <a:noFill/>
-        </p:spPr>
-        <p:txBody>
-          <a:bodyPr wrap="none" rtlCol="0">
-            <a:spAutoFit/>
-          </a:bodyPr>
-          <a:lstStyle/>
-          <a:p>
-            <a:pPr algn="ctr"/>
-            <a:r>
-              <a:rPr lang="en-US" altLang="ko-KR" sz="2400" b="1" dirty="0"/>
-              <a:t>2.25</a:t>
-            </a:r>
-            <a:r>
-              <a:rPr lang="ko-KR" altLang="en-US" sz="2400" b="1" dirty="0"/>
-              <a:t>원</a:t>
-            </a:r>
-          </a:p>
-        </p:txBody>
-      </p:sp>
-      <p:sp>
-        <p:nvSpPr>
-          <p:cNvPr id="26" name="원호 25">
-            <a:extLst>
-              <a:ext uri="{FF2B5EF4-FFF2-40B4-BE49-F238E27FC236}">
-                <a16:creationId xmlns:a16="http://schemas.microsoft.com/office/drawing/2014/main" xmlns="" id="{5A10DD1E-9569-43F8-9EA2-D5D65FB8F9F0}"/>
-              </a:ext>
-            </a:extLst>
-          </p:cNvPr>
-          <p:cNvSpPr/>
-          <p:nvPr/>
-        </p:nvSpPr>
-        <p:spPr>
           <a:xfrm rot="10800000">
-            <a:off x="1394039" y="5142741"/>
-            <a:ext cx="3107311" cy="944046"/>
+            <a:off x="1766656" y="4852555"/>
+            <a:ext cx="5610688" cy="944046"/>
           </a:xfrm>
           <a:prstGeom prst="arc">
             <a:avLst>
@@ -5047,7 +4549,7 @@
               <a:gd name="adj2" fmla="val 21456843"/>
             </a:avLst>
           </a:prstGeom>
-          <a:ln w="28575">
+          <a:ln w="57150">
             <a:solidFill>
               <a:schemeClr val="bg1">
                 <a:lumMod val="65000"/>
@@ -5083,10 +4585,10 @@
       </p:sp>
       <p:sp>
         <p:nvSpPr>
-          <p:cNvPr id="27" name="TextBox 26">
+          <p:cNvPr id="4" name="TextBox 3">
             <a:extLst>
               <a:ext uri="{FF2B5EF4-FFF2-40B4-BE49-F238E27FC236}">
-                <a16:creationId xmlns:a16="http://schemas.microsoft.com/office/drawing/2014/main" xmlns="" id="{EC76B7D6-B58D-4653-B990-BF4424F82032}"/>
+                <a16:creationId xmlns:a16="http://schemas.microsoft.com/office/drawing/2014/main" id="{02A7F6F3-13DA-4C46-8CB9-91DC54CCF8E6}"/>
               </a:ext>
             </a:extLst>
           </p:cNvPr>
@@ -5095,8 +4597,8 @@
         </p:nvSpPr>
         <p:spPr>
           <a:xfrm>
-            <a:off x="2434477" y="6086788"/>
-            <a:ext cx="1098378" cy="369332"/>
+            <a:off x="3900931" y="5894772"/>
+            <a:ext cx="1461297" cy="369332"/>
           </a:xfrm>
           <a:prstGeom prst="rect">
             <a:avLst/>
@@ -5110,116 +4612,17 @@
           <a:lstStyle/>
           <a:p>
             <a:r>
-              <a:rPr lang="en-US" altLang="ko-KR"/>
-              <a:t>50% </a:t>
+              <a:rPr lang="en-US" altLang="ko-KR" dirty="0"/>
+              <a:t>100% Growth</a:t>
             </a:r>
-            <a:r>
-              <a:rPr lang="ko-KR" altLang="en-US" dirty="0"/>
-              <a:t>성장</a:t>
-            </a:r>
-          </a:p>
-        </p:txBody>
-      </p:sp>
-      <p:sp>
-        <p:nvSpPr>
-          <p:cNvPr id="28" name="원호 27">
-            <a:extLst>
-              <a:ext uri="{FF2B5EF4-FFF2-40B4-BE49-F238E27FC236}">
-                <a16:creationId xmlns:a16="http://schemas.microsoft.com/office/drawing/2014/main" xmlns="" id="{A5D88A65-9367-486A-8AE7-A761CCA2294D}"/>
-              </a:ext>
-            </a:extLst>
-          </p:cNvPr>
-          <p:cNvSpPr/>
-          <p:nvPr/>
-        </p:nvSpPr>
-        <p:spPr>
-          <a:xfrm rot="10800000">
-            <a:off x="4545611" y="5142741"/>
-            <a:ext cx="3107311" cy="944046"/>
-          </a:xfrm>
-          <a:prstGeom prst="arc">
-            <a:avLst>
-              <a:gd name="adj1" fmla="val 10990092"/>
-              <a:gd name="adj2" fmla="val 21456843"/>
-            </a:avLst>
-          </a:prstGeom>
-          <a:ln w="28575">
-            <a:solidFill>
-              <a:schemeClr val="bg1">
-                <a:lumMod val="65000"/>
-              </a:schemeClr>
-            </a:solidFill>
-            <a:prstDash val="sysDash"/>
-            <a:headEnd type="triangle" w="med" len="med"/>
-            <a:tailEnd type="none" w="med" len="med"/>
-          </a:ln>
-        </p:spPr>
-        <p:style>
-          <a:lnRef idx="1">
-            <a:schemeClr val="accent1"/>
-          </a:lnRef>
-          <a:fillRef idx="0">
-            <a:schemeClr val="accent1"/>
-          </a:fillRef>
-          <a:effectRef idx="0">
-            <a:schemeClr val="accent1"/>
-          </a:effectRef>
-          <a:fontRef idx="minor">
-            <a:schemeClr val="tx1"/>
-          </a:fontRef>
-        </p:style>
-        <p:txBody>
-          <a:bodyPr rtlCol="0" anchor="ctr"/>
-          <a:lstStyle/>
-          <a:p>
-            <a:pPr algn="ctr"/>
-            <a:endParaRPr lang="ko-KR" altLang="en-US"/>
-          </a:p>
-        </p:txBody>
-      </p:sp>
-      <p:sp>
-        <p:nvSpPr>
-          <p:cNvPr id="29" name="TextBox 28">
-            <a:extLst>
-              <a:ext uri="{FF2B5EF4-FFF2-40B4-BE49-F238E27FC236}">
-                <a16:creationId xmlns:a16="http://schemas.microsoft.com/office/drawing/2014/main" xmlns="" id="{7DC6D3A9-47BC-4359-8BAD-2AFDCD29BD5B}"/>
-              </a:ext>
-            </a:extLst>
-          </p:cNvPr>
-          <p:cNvSpPr txBox="1"/>
-          <p:nvPr/>
-        </p:nvSpPr>
-        <p:spPr>
-          <a:xfrm>
-            <a:off x="5586049" y="6086788"/>
-            <a:ext cx="1098378" cy="369332"/>
-          </a:xfrm>
-          <a:prstGeom prst="rect">
-            <a:avLst/>
-          </a:prstGeom>
-          <a:noFill/>
-        </p:spPr>
-        <p:txBody>
-          <a:bodyPr wrap="none" rtlCol="0">
-            <a:spAutoFit/>
-          </a:bodyPr>
-          <a:lstStyle/>
-          <a:p>
-            <a:r>
-              <a:rPr lang="en-US" altLang="ko-KR"/>
-              <a:t>50% </a:t>
-            </a:r>
-            <a:r>
-              <a:rPr lang="ko-KR" altLang="en-US" dirty="0"/>
-              <a:t>성장</a:t>
-            </a:r>
+            <a:endParaRPr lang="ko-KR" altLang="en-US" dirty="0"/>
           </a:p>
         </p:txBody>
       </p:sp>
     </p:spTree>
     <p:extLst>
       <p:ext uri="{BB962C8B-B14F-4D97-AF65-F5344CB8AC3E}">
-        <p14:creationId xmlns:p14="http://schemas.microsoft.com/office/powerpoint/2010/main" val="2357623268"/>
+        <p14:creationId xmlns:p14="http://schemas.microsoft.com/office/powerpoint/2010/main" val="2203249570"/>
       </p:ext>
     </p:extLst>
   </p:cSld>
@@ -5246,12 +4649,3003 @@
           <a:chExt cx="0" cy="0"/>
         </a:xfrm>
       </p:grpSpPr>
+      <p:cxnSp>
+        <p:nvCxnSpPr>
+          <p:cNvPr id="5" name="직선 화살표 연결선 4">
+            <a:extLst>
+              <a:ext uri="{FF2B5EF4-FFF2-40B4-BE49-F238E27FC236}">
+                <a16:creationId xmlns:a16="http://schemas.microsoft.com/office/drawing/2014/main" id="{3048DF74-5E5E-4CB8-86FF-80D42183DF68}"/>
+              </a:ext>
+            </a:extLst>
+          </p:cNvPr>
+          <p:cNvCxnSpPr/>
+          <p:nvPr/>
+        </p:nvCxnSpPr>
+        <p:spPr>
+          <a:xfrm>
+            <a:off x="1020932" y="4703027"/>
+            <a:ext cx="7279689" cy="0"/>
+          </a:xfrm>
+          <a:prstGeom prst="straightConnector1">
+            <a:avLst/>
+          </a:prstGeom>
+          <a:ln w="57150">
+            <a:solidFill>
+              <a:schemeClr val="tx1"/>
+            </a:solidFill>
+            <a:tailEnd type="triangle"/>
+          </a:ln>
+        </p:spPr>
+        <p:style>
+          <a:lnRef idx="1">
+            <a:schemeClr val="accent1"/>
+          </a:lnRef>
+          <a:fillRef idx="0">
+            <a:schemeClr val="accent1"/>
+          </a:fillRef>
+          <a:effectRef idx="0">
+            <a:schemeClr val="accent1"/>
+          </a:effectRef>
+          <a:fontRef idx="minor">
+            <a:schemeClr val="tx1"/>
+          </a:fontRef>
+        </p:style>
+      </p:cxnSp>
+      <p:cxnSp>
+        <p:nvCxnSpPr>
+          <p:cNvPr id="7" name="직선 연결선 6">
+            <a:extLst>
+              <a:ext uri="{FF2B5EF4-FFF2-40B4-BE49-F238E27FC236}">
+                <a16:creationId xmlns:a16="http://schemas.microsoft.com/office/drawing/2014/main" id="{AF1934DE-E570-4214-9B15-4FA9BCADD148}"/>
+              </a:ext>
+            </a:extLst>
+          </p:cNvPr>
+          <p:cNvCxnSpPr/>
+          <p:nvPr/>
+        </p:nvCxnSpPr>
+        <p:spPr>
+          <a:xfrm>
+            <a:off x="1473694" y="4463329"/>
+            <a:ext cx="0" cy="514905"/>
+          </a:xfrm>
+          <a:prstGeom prst="line">
+            <a:avLst/>
+          </a:prstGeom>
+          <a:ln w="19050">
+            <a:solidFill>
+              <a:schemeClr val="tx1"/>
+            </a:solidFill>
+          </a:ln>
+        </p:spPr>
+        <p:style>
+          <a:lnRef idx="1">
+            <a:schemeClr val="accent1"/>
+          </a:lnRef>
+          <a:fillRef idx="0">
+            <a:schemeClr val="accent1"/>
+          </a:fillRef>
+          <a:effectRef idx="0">
+            <a:schemeClr val="accent1"/>
+          </a:effectRef>
+          <a:fontRef idx="minor">
+            <a:schemeClr val="tx1"/>
+          </a:fontRef>
+        </p:style>
+      </p:cxnSp>
+      <p:sp>
+        <p:nvSpPr>
+          <p:cNvPr id="9" name="TextBox 8">
+            <a:extLst>
+              <a:ext uri="{FF2B5EF4-FFF2-40B4-BE49-F238E27FC236}">
+                <a16:creationId xmlns:a16="http://schemas.microsoft.com/office/drawing/2014/main" id="{26C6BEE3-45C9-48D2-8CBC-780F4116447E}"/>
+              </a:ext>
+            </a:extLst>
+          </p:cNvPr>
+          <p:cNvSpPr txBox="1"/>
+          <p:nvPr/>
+        </p:nvSpPr>
+        <p:spPr>
+          <a:xfrm>
+            <a:off x="1145220" y="4978234"/>
+            <a:ext cx="646331" cy="369332"/>
+          </a:xfrm>
+          <a:prstGeom prst="rect">
+            <a:avLst/>
+          </a:prstGeom>
+          <a:noFill/>
+        </p:spPr>
+        <p:txBody>
+          <a:bodyPr wrap="none" rtlCol="0">
+            <a:spAutoFit/>
+          </a:bodyPr>
+          <a:lstStyle/>
+          <a:p>
+            <a:pPr algn="ctr"/>
+            <a:r>
+              <a:rPr lang="ko-KR" altLang="en-US"/>
+              <a:t>현재</a:t>
+            </a:r>
+          </a:p>
+        </p:txBody>
+      </p:sp>
+      <p:sp>
+        <p:nvSpPr>
+          <p:cNvPr id="11" name="타원 10">
+            <a:extLst>
+              <a:ext uri="{FF2B5EF4-FFF2-40B4-BE49-F238E27FC236}">
+                <a16:creationId xmlns:a16="http://schemas.microsoft.com/office/drawing/2014/main" id="{2A127D0C-EC26-4CE3-9068-6F2B3AD119BB}"/>
+              </a:ext>
+            </a:extLst>
+          </p:cNvPr>
+          <p:cNvSpPr/>
+          <p:nvPr/>
+        </p:nvSpPr>
+        <p:spPr>
+          <a:xfrm>
+            <a:off x="945345" y="3234196"/>
+            <a:ext cx="1080000" cy="1080000"/>
+          </a:xfrm>
+          <a:prstGeom prst="ellipse">
+            <a:avLst/>
+          </a:prstGeom>
+          <a:solidFill>
+            <a:schemeClr val="accent1">
+              <a:lumMod val="20000"/>
+              <a:lumOff val="80000"/>
+            </a:schemeClr>
+          </a:solidFill>
+          <a:ln w="28575">
+            <a:solidFill>
+              <a:schemeClr val="tx1"/>
+            </a:solidFill>
+          </a:ln>
+        </p:spPr>
+        <p:style>
+          <a:lnRef idx="2">
+            <a:schemeClr val="accent1">
+              <a:shade val="50000"/>
+            </a:schemeClr>
+          </a:lnRef>
+          <a:fillRef idx="1">
+            <a:schemeClr val="accent1"/>
+          </a:fillRef>
+          <a:effectRef idx="0">
+            <a:schemeClr val="accent1"/>
+          </a:effectRef>
+          <a:fontRef idx="minor">
+            <a:schemeClr val="lt1"/>
+          </a:fontRef>
+        </p:style>
+        <p:txBody>
+          <a:bodyPr rtlCol="0" anchor="ctr"/>
+          <a:lstStyle/>
+          <a:p>
+            <a:pPr algn="ctr"/>
+            <a:r>
+              <a:rPr lang="en-US" altLang="ko-KR" sz="2800" dirty="0">
+                <a:solidFill>
+                  <a:schemeClr val="tx1"/>
+                </a:solidFill>
+              </a:rPr>
+              <a:t>1</a:t>
+            </a:r>
+            <a:r>
+              <a:rPr lang="ko-KR" altLang="en-US" sz="2800" dirty="0">
+                <a:solidFill>
+                  <a:schemeClr val="tx1"/>
+                </a:solidFill>
+              </a:rPr>
+              <a:t>원</a:t>
+            </a:r>
+          </a:p>
+        </p:txBody>
+      </p:sp>
+      <p:cxnSp>
+        <p:nvCxnSpPr>
+          <p:cNvPr id="8" name="직선 연결선 7">
+            <a:extLst>
+              <a:ext uri="{FF2B5EF4-FFF2-40B4-BE49-F238E27FC236}">
+                <a16:creationId xmlns:a16="http://schemas.microsoft.com/office/drawing/2014/main" id="{A064F863-9824-4F7E-BC19-817AD5FCA1EC}"/>
+              </a:ext>
+            </a:extLst>
+          </p:cNvPr>
+          <p:cNvCxnSpPr/>
+          <p:nvPr/>
+        </p:nvCxnSpPr>
+        <p:spPr>
+          <a:xfrm>
+            <a:off x="7510509" y="4463329"/>
+            <a:ext cx="0" cy="514905"/>
+          </a:xfrm>
+          <a:prstGeom prst="line">
+            <a:avLst/>
+          </a:prstGeom>
+          <a:ln w="19050">
+            <a:solidFill>
+              <a:schemeClr val="tx1"/>
+            </a:solidFill>
+          </a:ln>
+        </p:spPr>
+        <p:style>
+          <a:lnRef idx="1">
+            <a:schemeClr val="accent1"/>
+          </a:lnRef>
+          <a:fillRef idx="0">
+            <a:schemeClr val="accent1"/>
+          </a:fillRef>
+          <a:effectRef idx="0">
+            <a:schemeClr val="accent1"/>
+          </a:effectRef>
+          <a:fontRef idx="minor">
+            <a:schemeClr val="tx1"/>
+          </a:fontRef>
+        </p:style>
+      </p:cxnSp>
+      <p:sp>
+        <p:nvSpPr>
+          <p:cNvPr id="10" name="TextBox 9">
+            <a:extLst>
+              <a:ext uri="{FF2B5EF4-FFF2-40B4-BE49-F238E27FC236}">
+                <a16:creationId xmlns:a16="http://schemas.microsoft.com/office/drawing/2014/main" id="{4E9EF6EA-FFF8-40EF-93DB-618165D68796}"/>
+              </a:ext>
+            </a:extLst>
+          </p:cNvPr>
+          <p:cNvSpPr txBox="1"/>
+          <p:nvPr/>
+        </p:nvSpPr>
+        <p:spPr>
+          <a:xfrm>
+            <a:off x="7107442" y="4978234"/>
+            <a:ext cx="816249" cy="369332"/>
+          </a:xfrm>
+          <a:prstGeom prst="rect">
+            <a:avLst/>
+          </a:prstGeom>
+          <a:noFill/>
+        </p:spPr>
+        <p:txBody>
+          <a:bodyPr wrap="none" rtlCol="0">
+            <a:spAutoFit/>
+          </a:bodyPr>
+          <a:lstStyle/>
+          <a:p>
+            <a:pPr algn="ctr"/>
+            <a:r>
+              <a:rPr lang="en-US" altLang="ko-KR" dirty="0"/>
+              <a:t>1</a:t>
+            </a:r>
+            <a:r>
+              <a:rPr lang="ko-KR" altLang="en-US" dirty="0"/>
+              <a:t>년 뒤</a:t>
+            </a:r>
+          </a:p>
+        </p:txBody>
+      </p:sp>
+      <p:sp>
+        <p:nvSpPr>
+          <p:cNvPr id="12" name="타원 11">
+            <a:extLst>
+              <a:ext uri="{FF2B5EF4-FFF2-40B4-BE49-F238E27FC236}">
+                <a16:creationId xmlns:a16="http://schemas.microsoft.com/office/drawing/2014/main" id="{CE33B9DA-EB3B-4332-BE24-7BAF31F9546E}"/>
+              </a:ext>
+            </a:extLst>
+          </p:cNvPr>
+          <p:cNvSpPr/>
+          <p:nvPr/>
+        </p:nvSpPr>
+        <p:spPr>
+          <a:xfrm>
+            <a:off x="6987469" y="3234196"/>
+            <a:ext cx="1080000" cy="1080000"/>
+          </a:xfrm>
+          <a:prstGeom prst="ellipse">
+            <a:avLst/>
+          </a:prstGeom>
+          <a:solidFill>
+            <a:schemeClr val="accent1">
+              <a:lumMod val="20000"/>
+              <a:lumOff val="80000"/>
+            </a:schemeClr>
+          </a:solidFill>
+          <a:ln w="28575">
+            <a:solidFill>
+              <a:schemeClr val="tx1"/>
+            </a:solidFill>
+          </a:ln>
+        </p:spPr>
+        <p:style>
+          <a:lnRef idx="2">
+            <a:schemeClr val="accent1">
+              <a:shade val="50000"/>
+            </a:schemeClr>
+          </a:lnRef>
+          <a:fillRef idx="1">
+            <a:schemeClr val="accent1"/>
+          </a:fillRef>
+          <a:effectRef idx="0">
+            <a:schemeClr val="accent1"/>
+          </a:effectRef>
+          <a:fontRef idx="minor">
+            <a:schemeClr val="lt1"/>
+          </a:fontRef>
+        </p:style>
+        <p:txBody>
+          <a:bodyPr rtlCol="0" anchor="ctr"/>
+          <a:lstStyle/>
+          <a:p>
+            <a:pPr algn="ctr"/>
+            <a:r>
+              <a:rPr lang="en-US" altLang="ko-KR" sz="2800" dirty="0">
+                <a:solidFill>
+                  <a:schemeClr val="tx1"/>
+                </a:solidFill>
+              </a:rPr>
+              <a:t>1</a:t>
+            </a:r>
+            <a:r>
+              <a:rPr lang="ko-KR" altLang="en-US" sz="2800" dirty="0">
+                <a:solidFill>
+                  <a:schemeClr val="tx1"/>
+                </a:solidFill>
+              </a:rPr>
+              <a:t>원</a:t>
+            </a:r>
+          </a:p>
+        </p:txBody>
+      </p:sp>
+      <p:sp>
+        <p:nvSpPr>
+          <p:cNvPr id="13" name="타원 12">
+            <a:extLst>
+              <a:ext uri="{FF2B5EF4-FFF2-40B4-BE49-F238E27FC236}">
+                <a16:creationId xmlns:a16="http://schemas.microsoft.com/office/drawing/2014/main" id="{6EE1F3B5-CFEE-43DC-820C-44C5297DF226}"/>
+              </a:ext>
+            </a:extLst>
+          </p:cNvPr>
+          <p:cNvSpPr/>
+          <p:nvPr/>
+        </p:nvSpPr>
+        <p:spPr>
+          <a:xfrm>
+            <a:off x="7145869" y="2360843"/>
+            <a:ext cx="763200" cy="763200"/>
+          </a:xfrm>
+          <a:prstGeom prst="ellipse">
+            <a:avLst/>
+          </a:prstGeom>
+          <a:solidFill>
+            <a:schemeClr val="accent1">
+              <a:lumMod val="20000"/>
+              <a:lumOff val="80000"/>
+            </a:schemeClr>
+          </a:solidFill>
+          <a:ln w="28575">
+            <a:solidFill>
+              <a:schemeClr val="tx1"/>
+            </a:solidFill>
+          </a:ln>
+        </p:spPr>
+        <p:style>
+          <a:lnRef idx="2">
+            <a:schemeClr val="accent1">
+              <a:shade val="50000"/>
+            </a:schemeClr>
+          </a:lnRef>
+          <a:fillRef idx="1">
+            <a:schemeClr val="accent1"/>
+          </a:fillRef>
+          <a:effectRef idx="0">
+            <a:schemeClr val="accent1"/>
+          </a:effectRef>
+          <a:fontRef idx="minor">
+            <a:schemeClr val="lt1"/>
+          </a:fontRef>
+        </p:style>
+        <p:txBody>
+          <a:bodyPr rtlCol="0" anchor="ctr"/>
+          <a:lstStyle/>
+          <a:p>
+            <a:pPr algn="ctr"/>
+            <a:r>
+              <a:rPr lang="en-US" altLang="ko-KR" sz="2000" dirty="0">
+                <a:solidFill>
+                  <a:schemeClr val="tx1"/>
+                </a:solidFill>
+              </a:rPr>
+              <a:t>0.5</a:t>
+            </a:r>
+            <a:endParaRPr lang="ko-KR" altLang="en-US" sz="2000" dirty="0">
+              <a:solidFill>
+                <a:schemeClr val="tx1"/>
+              </a:solidFill>
+            </a:endParaRPr>
+          </a:p>
+        </p:txBody>
+      </p:sp>
+      <p:sp>
+        <p:nvSpPr>
+          <p:cNvPr id="21" name="타원 20">
+            <a:extLst>
+              <a:ext uri="{FF2B5EF4-FFF2-40B4-BE49-F238E27FC236}">
+                <a16:creationId xmlns:a16="http://schemas.microsoft.com/office/drawing/2014/main" id="{092D3612-DC5E-4C36-9D13-0353C9060E14}"/>
+              </a:ext>
+            </a:extLst>
+          </p:cNvPr>
+          <p:cNvSpPr/>
+          <p:nvPr/>
+        </p:nvSpPr>
+        <p:spPr>
+          <a:xfrm>
+            <a:off x="7145869" y="1484050"/>
+            <a:ext cx="763200" cy="763200"/>
+          </a:xfrm>
+          <a:prstGeom prst="ellipse">
+            <a:avLst/>
+          </a:prstGeom>
+          <a:solidFill>
+            <a:schemeClr val="accent1">
+              <a:lumMod val="20000"/>
+              <a:lumOff val="80000"/>
+            </a:schemeClr>
+          </a:solidFill>
+          <a:ln w="28575">
+            <a:solidFill>
+              <a:schemeClr val="tx1"/>
+            </a:solidFill>
+          </a:ln>
+        </p:spPr>
+        <p:style>
+          <a:lnRef idx="2">
+            <a:schemeClr val="accent1">
+              <a:shade val="50000"/>
+            </a:schemeClr>
+          </a:lnRef>
+          <a:fillRef idx="1">
+            <a:schemeClr val="accent1"/>
+          </a:fillRef>
+          <a:effectRef idx="0">
+            <a:schemeClr val="accent1"/>
+          </a:effectRef>
+          <a:fontRef idx="minor">
+            <a:schemeClr val="lt1"/>
+          </a:fontRef>
+        </p:style>
+        <p:txBody>
+          <a:bodyPr rtlCol="0" anchor="ctr"/>
+          <a:lstStyle/>
+          <a:p>
+            <a:pPr algn="ctr"/>
+            <a:r>
+              <a:rPr lang="en-US" altLang="ko-KR" sz="2000" dirty="0">
+                <a:solidFill>
+                  <a:schemeClr val="tx1"/>
+                </a:solidFill>
+              </a:rPr>
+              <a:t>0.5</a:t>
+            </a:r>
+            <a:endParaRPr lang="ko-KR" altLang="en-US" sz="2000" dirty="0">
+              <a:solidFill>
+                <a:schemeClr val="tx1"/>
+              </a:solidFill>
+            </a:endParaRPr>
+          </a:p>
+        </p:txBody>
+      </p:sp>
+      <p:sp>
+        <p:nvSpPr>
+          <p:cNvPr id="22" name="타원 21">
+            <a:extLst>
+              <a:ext uri="{FF2B5EF4-FFF2-40B4-BE49-F238E27FC236}">
+                <a16:creationId xmlns:a16="http://schemas.microsoft.com/office/drawing/2014/main" id="{614726C9-1BC5-43C7-B04D-3F847854E625}"/>
+              </a:ext>
+            </a:extLst>
+          </p:cNvPr>
+          <p:cNvSpPr/>
+          <p:nvPr/>
+        </p:nvSpPr>
+        <p:spPr>
+          <a:xfrm>
+            <a:off x="7257469" y="837337"/>
+            <a:ext cx="540000" cy="540000"/>
+          </a:xfrm>
+          <a:prstGeom prst="ellipse">
+            <a:avLst/>
+          </a:prstGeom>
+          <a:solidFill>
+            <a:schemeClr val="accent1">
+              <a:lumMod val="20000"/>
+              <a:lumOff val="80000"/>
+            </a:schemeClr>
+          </a:solidFill>
+          <a:ln w="28575">
+            <a:solidFill>
+              <a:schemeClr val="tx1"/>
+            </a:solidFill>
+          </a:ln>
+        </p:spPr>
+        <p:style>
+          <a:lnRef idx="2">
+            <a:schemeClr val="accent1">
+              <a:shade val="50000"/>
+            </a:schemeClr>
+          </a:lnRef>
+          <a:fillRef idx="1">
+            <a:schemeClr val="accent1"/>
+          </a:fillRef>
+          <a:effectRef idx="0">
+            <a:schemeClr val="accent1"/>
+          </a:effectRef>
+          <a:fontRef idx="minor">
+            <a:schemeClr val="lt1"/>
+          </a:fontRef>
+        </p:style>
+        <p:txBody>
+          <a:bodyPr rtlCol="0" anchor="ctr"/>
+          <a:lstStyle/>
+          <a:p>
+            <a:pPr algn="ctr"/>
+            <a:r>
+              <a:rPr lang="en-US" altLang="ko-KR" sz="1200" dirty="0">
+                <a:solidFill>
+                  <a:schemeClr val="tx1"/>
+                </a:solidFill>
+              </a:rPr>
+              <a:t>.25</a:t>
+            </a:r>
+            <a:endParaRPr lang="ko-KR" altLang="en-US" sz="1200" dirty="0">
+              <a:solidFill>
+                <a:schemeClr val="tx1"/>
+              </a:solidFill>
+            </a:endParaRPr>
+          </a:p>
+        </p:txBody>
+      </p:sp>
+      <p:sp>
+        <p:nvSpPr>
+          <p:cNvPr id="2" name="TextBox 1">
+            <a:extLst>
+              <a:ext uri="{FF2B5EF4-FFF2-40B4-BE49-F238E27FC236}">
+                <a16:creationId xmlns:a16="http://schemas.microsoft.com/office/drawing/2014/main" id="{B4E602A4-7DDB-49E0-8A2C-B43D61452AC8}"/>
+              </a:ext>
+            </a:extLst>
+          </p:cNvPr>
+          <p:cNvSpPr txBox="1"/>
+          <p:nvPr/>
+        </p:nvSpPr>
+        <p:spPr>
+          <a:xfrm>
+            <a:off x="7701181" y="645672"/>
+            <a:ext cx="914400" cy="461665"/>
+          </a:xfrm>
+          <a:prstGeom prst="rect">
+            <a:avLst/>
+          </a:prstGeom>
+          <a:noFill/>
+        </p:spPr>
+        <p:txBody>
+          <a:bodyPr wrap="square" rtlCol="0">
+            <a:spAutoFit/>
+          </a:bodyPr>
+          <a:lstStyle/>
+          <a:p>
+            <a:r>
+              <a:rPr lang="en-US" altLang="ko-KR" sz="2400" dirty="0"/>
+              <a:t>0.25</a:t>
+            </a:r>
+            <a:endParaRPr lang="ko-KR" altLang="en-US" sz="2400" dirty="0"/>
+          </a:p>
+        </p:txBody>
+      </p:sp>
+      <p:sp>
+        <p:nvSpPr>
+          <p:cNvPr id="14" name="타원 13">
+            <a:extLst>
+              <a:ext uri="{FF2B5EF4-FFF2-40B4-BE49-F238E27FC236}">
+                <a16:creationId xmlns:a16="http://schemas.microsoft.com/office/drawing/2014/main" id="{D5AE3287-1A33-4CA0-A988-68ABF63144AA}"/>
+              </a:ext>
+            </a:extLst>
+          </p:cNvPr>
+          <p:cNvSpPr/>
+          <p:nvPr/>
+        </p:nvSpPr>
+        <p:spPr>
+          <a:xfrm>
+            <a:off x="3966407" y="3234196"/>
+            <a:ext cx="1080000" cy="1080000"/>
+          </a:xfrm>
+          <a:prstGeom prst="ellipse">
+            <a:avLst/>
+          </a:prstGeom>
+          <a:solidFill>
+            <a:schemeClr val="accent1">
+              <a:lumMod val="20000"/>
+              <a:lumOff val="80000"/>
+            </a:schemeClr>
+          </a:solidFill>
+          <a:ln w="28575">
+            <a:solidFill>
+              <a:schemeClr val="tx1"/>
+            </a:solidFill>
+          </a:ln>
+        </p:spPr>
+        <p:style>
+          <a:lnRef idx="2">
+            <a:schemeClr val="accent1">
+              <a:shade val="50000"/>
+            </a:schemeClr>
+          </a:lnRef>
+          <a:fillRef idx="1">
+            <a:schemeClr val="accent1"/>
+          </a:fillRef>
+          <a:effectRef idx="0">
+            <a:schemeClr val="accent1"/>
+          </a:effectRef>
+          <a:fontRef idx="minor">
+            <a:schemeClr val="lt1"/>
+          </a:fontRef>
+        </p:style>
+        <p:txBody>
+          <a:bodyPr rtlCol="0" anchor="ctr"/>
+          <a:lstStyle/>
+          <a:p>
+            <a:pPr algn="ctr"/>
+            <a:r>
+              <a:rPr lang="en-US" altLang="ko-KR" sz="2800" dirty="0">
+                <a:solidFill>
+                  <a:schemeClr val="tx1"/>
+                </a:solidFill>
+              </a:rPr>
+              <a:t>1</a:t>
+            </a:r>
+            <a:r>
+              <a:rPr lang="ko-KR" altLang="en-US" sz="2800" dirty="0">
+                <a:solidFill>
+                  <a:schemeClr val="tx1"/>
+                </a:solidFill>
+              </a:rPr>
+              <a:t>원</a:t>
+            </a:r>
+          </a:p>
+        </p:txBody>
+      </p:sp>
+      <p:sp>
+        <p:nvSpPr>
+          <p:cNvPr id="17" name="타원 16">
+            <a:extLst>
+              <a:ext uri="{FF2B5EF4-FFF2-40B4-BE49-F238E27FC236}">
+                <a16:creationId xmlns:a16="http://schemas.microsoft.com/office/drawing/2014/main" id="{64D0CB17-0D43-409B-96FF-698980383B1E}"/>
+              </a:ext>
+            </a:extLst>
+          </p:cNvPr>
+          <p:cNvSpPr/>
+          <p:nvPr/>
+        </p:nvSpPr>
+        <p:spPr>
+          <a:xfrm>
+            <a:off x="4124807" y="1484050"/>
+            <a:ext cx="763200" cy="763200"/>
+          </a:xfrm>
+          <a:prstGeom prst="ellipse">
+            <a:avLst/>
+          </a:prstGeom>
+          <a:solidFill>
+            <a:schemeClr val="accent1">
+              <a:lumMod val="20000"/>
+              <a:lumOff val="80000"/>
+            </a:schemeClr>
+          </a:solidFill>
+          <a:ln w="28575">
+            <a:solidFill>
+              <a:schemeClr val="tx1"/>
+            </a:solidFill>
+          </a:ln>
+        </p:spPr>
+        <p:style>
+          <a:lnRef idx="2">
+            <a:schemeClr val="accent1">
+              <a:shade val="50000"/>
+            </a:schemeClr>
+          </a:lnRef>
+          <a:fillRef idx="1">
+            <a:schemeClr val="accent1"/>
+          </a:fillRef>
+          <a:effectRef idx="0">
+            <a:schemeClr val="accent1"/>
+          </a:effectRef>
+          <a:fontRef idx="minor">
+            <a:schemeClr val="lt1"/>
+          </a:fontRef>
+        </p:style>
+        <p:txBody>
+          <a:bodyPr rtlCol="0" anchor="ctr"/>
+          <a:lstStyle/>
+          <a:p>
+            <a:pPr algn="ctr"/>
+            <a:r>
+              <a:rPr lang="en-US" altLang="ko-KR" sz="2000" dirty="0">
+                <a:solidFill>
+                  <a:schemeClr val="tx1"/>
+                </a:solidFill>
+              </a:rPr>
+              <a:t>0.5</a:t>
+            </a:r>
+            <a:endParaRPr lang="ko-KR" altLang="en-US" sz="2000" dirty="0">
+              <a:solidFill>
+                <a:schemeClr val="tx1"/>
+              </a:solidFill>
+            </a:endParaRPr>
+          </a:p>
+        </p:txBody>
+      </p:sp>
+      <p:cxnSp>
+        <p:nvCxnSpPr>
+          <p:cNvPr id="24" name="직선 연결선 23">
+            <a:extLst>
+              <a:ext uri="{FF2B5EF4-FFF2-40B4-BE49-F238E27FC236}">
+                <a16:creationId xmlns:a16="http://schemas.microsoft.com/office/drawing/2014/main" id="{88879257-1E9C-4CF9-909B-3C89954AB66E}"/>
+              </a:ext>
+            </a:extLst>
+          </p:cNvPr>
+          <p:cNvCxnSpPr/>
+          <p:nvPr/>
+        </p:nvCxnSpPr>
+        <p:spPr>
+          <a:xfrm>
+            <a:off x="4501350" y="4463329"/>
+            <a:ext cx="0" cy="514905"/>
+          </a:xfrm>
+          <a:prstGeom prst="line">
+            <a:avLst/>
+          </a:prstGeom>
+          <a:ln w="19050">
+            <a:solidFill>
+              <a:schemeClr val="tx1"/>
+            </a:solidFill>
+          </a:ln>
+        </p:spPr>
+        <p:style>
+          <a:lnRef idx="1">
+            <a:schemeClr val="accent1"/>
+          </a:lnRef>
+          <a:fillRef idx="0">
+            <a:schemeClr val="accent1"/>
+          </a:fillRef>
+          <a:effectRef idx="0">
+            <a:schemeClr val="accent1"/>
+          </a:effectRef>
+          <a:fontRef idx="minor">
+            <a:schemeClr val="tx1"/>
+          </a:fontRef>
+        </p:style>
+      </p:cxnSp>
+      <p:sp>
+        <p:nvSpPr>
+          <p:cNvPr id="25" name="TextBox 24">
+            <a:extLst>
+              <a:ext uri="{FF2B5EF4-FFF2-40B4-BE49-F238E27FC236}">
+                <a16:creationId xmlns:a16="http://schemas.microsoft.com/office/drawing/2014/main" id="{06493C71-E8DA-408C-BFAD-FA488F3C0B55}"/>
+              </a:ext>
+            </a:extLst>
+          </p:cNvPr>
+          <p:cNvSpPr txBox="1"/>
+          <p:nvPr/>
+        </p:nvSpPr>
+        <p:spPr>
+          <a:xfrm>
+            <a:off x="3982867" y="4978234"/>
+            <a:ext cx="1047082" cy="369332"/>
+          </a:xfrm>
+          <a:prstGeom prst="rect">
+            <a:avLst/>
+          </a:prstGeom>
+          <a:noFill/>
+        </p:spPr>
+        <p:txBody>
+          <a:bodyPr wrap="none" rtlCol="0">
+            <a:spAutoFit/>
+          </a:bodyPr>
+          <a:lstStyle/>
+          <a:p>
+            <a:pPr algn="ctr"/>
+            <a:r>
+              <a:rPr lang="en-US" altLang="ko-KR" dirty="0"/>
+              <a:t>6</a:t>
+            </a:r>
+            <a:r>
+              <a:rPr lang="ko-KR" altLang="en-US" dirty="0"/>
+              <a:t>개월 뒤</a:t>
+            </a:r>
+          </a:p>
+        </p:txBody>
+      </p:sp>
+      <p:cxnSp>
+        <p:nvCxnSpPr>
+          <p:cNvPr id="35" name="직선 화살표 연결선 34">
+            <a:extLst>
+              <a:ext uri="{FF2B5EF4-FFF2-40B4-BE49-F238E27FC236}">
+                <a16:creationId xmlns:a16="http://schemas.microsoft.com/office/drawing/2014/main" id="{1E3E2BAA-64E5-476A-88F6-4F5383FA428E}"/>
+              </a:ext>
+            </a:extLst>
+          </p:cNvPr>
+          <p:cNvCxnSpPr>
+            <a:stCxn id="11" idx="6"/>
+            <a:endCxn id="14" idx="2"/>
+          </p:cNvCxnSpPr>
+          <p:nvPr/>
+        </p:nvCxnSpPr>
+        <p:spPr>
+          <a:xfrm>
+            <a:off x="2025345" y="3774196"/>
+            <a:ext cx="1941062" cy="0"/>
+          </a:xfrm>
+          <a:prstGeom prst="straightConnector1">
+            <a:avLst/>
+          </a:prstGeom>
+          <a:ln w="28575">
+            <a:solidFill>
+              <a:schemeClr val="tx1"/>
+            </a:solidFill>
+            <a:prstDash val="dash"/>
+            <a:tailEnd type="triangle"/>
+          </a:ln>
+        </p:spPr>
+        <p:style>
+          <a:lnRef idx="1">
+            <a:schemeClr val="accent1"/>
+          </a:lnRef>
+          <a:fillRef idx="0">
+            <a:schemeClr val="accent1"/>
+          </a:fillRef>
+          <a:effectRef idx="0">
+            <a:schemeClr val="accent1"/>
+          </a:effectRef>
+          <a:fontRef idx="minor">
+            <a:schemeClr val="tx1"/>
+          </a:fontRef>
+        </p:style>
+      </p:cxnSp>
+      <p:cxnSp>
+        <p:nvCxnSpPr>
+          <p:cNvPr id="36" name="직선 화살표 연결선 35">
+            <a:extLst>
+              <a:ext uri="{FF2B5EF4-FFF2-40B4-BE49-F238E27FC236}">
+                <a16:creationId xmlns:a16="http://schemas.microsoft.com/office/drawing/2014/main" id="{0D82A3AE-E263-4C75-A63C-CE20D12F84DF}"/>
+              </a:ext>
+            </a:extLst>
+          </p:cNvPr>
+          <p:cNvCxnSpPr>
+            <a:cxnSpLocks/>
+            <a:stCxn id="11" idx="6"/>
+            <a:endCxn id="17" idx="2"/>
+          </p:cNvCxnSpPr>
+          <p:nvPr/>
+        </p:nvCxnSpPr>
+        <p:spPr>
+          <a:xfrm flipV="1">
+            <a:off x="2025345" y="1865650"/>
+            <a:ext cx="2099462" cy="1908546"/>
+          </a:xfrm>
+          <a:prstGeom prst="straightConnector1">
+            <a:avLst/>
+          </a:prstGeom>
+          <a:ln w="28575">
+            <a:solidFill>
+              <a:schemeClr val="tx1"/>
+            </a:solidFill>
+            <a:prstDash val="dash"/>
+            <a:tailEnd type="triangle"/>
+          </a:ln>
+        </p:spPr>
+        <p:style>
+          <a:lnRef idx="1">
+            <a:schemeClr val="accent1"/>
+          </a:lnRef>
+          <a:fillRef idx="0">
+            <a:schemeClr val="accent1"/>
+          </a:fillRef>
+          <a:effectRef idx="0">
+            <a:schemeClr val="accent1"/>
+          </a:effectRef>
+          <a:fontRef idx="minor">
+            <a:schemeClr val="tx1"/>
+          </a:fontRef>
+        </p:style>
+      </p:cxnSp>
+      <p:cxnSp>
+        <p:nvCxnSpPr>
+          <p:cNvPr id="39" name="직선 화살표 연결선 38">
+            <a:extLst>
+              <a:ext uri="{FF2B5EF4-FFF2-40B4-BE49-F238E27FC236}">
+                <a16:creationId xmlns:a16="http://schemas.microsoft.com/office/drawing/2014/main" id="{FF61EEFF-4013-447B-8701-7F38DDF5DE5B}"/>
+              </a:ext>
+            </a:extLst>
+          </p:cNvPr>
+          <p:cNvCxnSpPr>
+            <a:cxnSpLocks/>
+            <a:stCxn id="14" idx="6"/>
+            <a:endCxn id="12" idx="2"/>
+          </p:cNvCxnSpPr>
+          <p:nvPr/>
+        </p:nvCxnSpPr>
+        <p:spPr>
+          <a:xfrm>
+            <a:off x="5046407" y="3774196"/>
+            <a:ext cx="1941062" cy="0"/>
+          </a:xfrm>
+          <a:prstGeom prst="straightConnector1">
+            <a:avLst/>
+          </a:prstGeom>
+          <a:ln w="28575">
+            <a:solidFill>
+              <a:schemeClr val="tx1"/>
+            </a:solidFill>
+            <a:prstDash val="dash"/>
+            <a:tailEnd type="triangle"/>
+          </a:ln>
+        </p:spPr>
+        <p:style>
+          <a:lnRef idx="1">
+            <a:schemeClr val="accent1"/>
+          </a:lnRef>
+          <a:fillRef idx="0">
+            <a:schemeClr val="accent1"/>
+          </a:fillRef>
+          <a:effectRef idx="0">
+            <a:schemeClr val="accent1"/>
+          </a:effectRef>
+          <a:fontRef idx="minor">
+            <a:schemeClr val="tx1"/>
+          </a:fontRef>
+        </p:style>
+      </p:cxnSp>
+      <p:cxnSp>
+        <p:nvCxnSpPr>
+          <p:cNvPr id="42" name="직선 화살표 연결선 41">
+            <a:extLst>
+              <a:ext uri="{FF2B5EF4-FFF2-40B4-BE49-F238E27FC236}">
+                <a16:creationId xmlns:a16="http://schemas.microsoft.com/office/drawing/2014/main" id="{24B8CA02-3B79-4903-9C55-DF9BBEC43791}"/>
+              </a:ext>
+            </a:extLst>
+          </p:cNvPr>
+          <p:cNvCxnSpPr>
+            <a:cxnSpLocks/>
+            <a:stCxn id="14" idx="6"/>
+            <a:endCxn id="13" idx="2"/>
+          </p:cNvCxnSpPr>
+          <p:nvPr/>
+        </p:nvCxnSpPr>
+        <p:spPr>
+          <a:xfrm flipV="1">
+            <a:off x="5046407" y="2742443"/>
+            <a:ext cx="2099462" cy="1031753"/>
+          </a:xfrm>
+          <a:prstGeom prst="straightConnector1">
+            <a:avLst/>
+          </a:prstGeom>
+          <a:ln w="28575">
+            <a:solidFill>
+              <a:schemeClr val="tx1"/>
+            </a:solidFill>
+            <a:prstDash val="dash"/>
+            <a:tailEnd type="triangle"/>
+          </a:ln>
+        </p:spPr>
+        <p:style>
+          <a:lnRef idx="1">
+            <a:schemeClr val="accent1"/>
+          </a:lnRef>
+          <a:fillRef idx="0">
+            <a:schemeClr val="accent1"/>
+          </a:fillRef>
+          <a:effectRef idx="0">
+            <a:schemeClr val="accent1"/>
+          </a:effectRef>
+          <a:fontRef idx="minor">
+            <a:schemeClr val="tx1"/>
+          </a:fontRef>
+        </p:style>
+      </p:cxnSp>
+      <p:cxnSp>
+        <p:nvCxnSpPr>
+          <p:cNvPr id="45" name="직선 화살표 연결선 44">
+            <a:extLst>
+              <a:ext uri="{FF2B5EF4-FFF2-40B4-BE49-F238E27FC236}">
+                <a16:creationId xmlns:a16="http://schemas.microsoft.com/office/drawing/2014/main" id="{B94299E4-E676-4789-A502-FC15F8026D4A}"/>
+              </a:ext>
+            </a:extLst>
+          </p:cNvPr>
+          <p:cNvCxnSpPr>
+            <a:cxnSpLocks/>
+            <a:stCxn id="17" idx="6"/>
+            <a:endCxn id="21" idx="2"/>
+          </p:cNvCxnSpPr>
+          <p:nvPr/>
+        </p:nvCxnSpPr>
+        <p:spPr>
+          <a:xfrm>
+            <a:off x="4888007" y="1865650"/>
+            <a:ext cx="2257862" cy="0"/>
+          </a:xfrm>
+          <a:prstGeom prst="straightConnector1">
+            <a:avLst/>
+          </a:prstGeom>
+          <a:ln w="28575">
+            <a:solidFill>
+              <a:schemeClr val="tx1"/>
+            </a:solidFill>
+            <a:prstDash val="dash"/>
+            <a:tailEnd type="triangle"/>
+          </a:ln>
+        </p:spPr>
+        <p:style>
+          <a:lnRef idx="1">
+            <a:schemeClr val="accent1"/>
+          </a:lnRef>
+          <a:fillRef idx="0">
+            <a:schemeClr val="accent1"/>
+          </a:fillRef>
+          <a:effectRef idx="0">
+            <a:schemeClr val="accent1"/>
+          </a:effectRef>
+          <a:fontRef idx="minor">
+            <a:schemeClr val="tx1"/>
+          </a:fontRef>
+        </p:style>
+      </p:cxnSp>
+      <p:cxnSp>
+        <p:nvCxnSpPr>
+          <p:cNvPr id="48" name="직선 화살표 연결선 47">
+            <a:extLst>
+              <a:ext uri="{FF2B5EF4-FFF2-40B4-BE49-F238E27FC236}">
+                <a16:creationId xmlns:a16="http://schemas.microsoft.com/office/drawing/2014/main" id="{8BA02A06-21B4-44C0-8C8D-819F5A3455DD}"/>
+              </a:ext>
+            </a:extLst>
+          </p:cNvPr>
+          <p:cNvCxnSpPr>
+            <a:cxnSpLocks/>
+            <a:stCxn id="17" idx="6"/>
+            <a:endCxn id="22" idx="2"/>
+          </p:cNvCxnSpPr>
+          <p:nvPr/>
+        </p:nvCxnSpPr>
+        <p:spPr>
+          <a:xfrm flipV="1">
+            <a:off x="4888007" y="1107337"/>
+            <a:ext cx="2369462" cy="758313"/>
+          </a:xfrm>
+          <a:prstGeom prst="straightConnector1">
+            <a:avLst/>
+          </a:prstGeom>
+          <a:ln w="28575">
+            <a:solidFill>
+              <a:schemeClr val="tx1"/>
+            </a:solidFill>
+            <a:prstDash val="dash"/>
+            <a:tailEnd type="triangle"/>
+          </a:ln>
+        </p:spPr>
+        <p:style>
+          <a:lnRef idx="1">
+            <a:schemeClr val="accent1"/>
+          </a:lnRef>
+          <a:fillRef idx="0">
+            <a:schemeClr val="accent1"/>
+          </a:fillRef>
+          <a:effectRef idx="0">
+            <a:schemeClr val="accent1"/>
+          </a:effectRef>
+          <a:fontRef idx="minor">
+            <a:schemeClr val="tx1"/>
+          </a:fontRef>
+        </p:style>
+      </p:cxnSp>
+      <p:sp>
+        <p:nvSpPr>
+          <p:cNvPr id="51" name="TextBox 50">
+            <a:extLst>
+              <a:ext uri="{FF2B5EF4-FFF2-40B4-BE49-F238E27FC236}">
+                <a16:creationId xmlns:a16="http://schemas.microsoft.com/office/drawing/2014/main" id="{8B4885FF-3245-4E27-A2AD-F59C77832099}"/>
+              </a:ext>
+            </a:extLst>
+          </p:cNvPr>
+          <p:cNvSpPr txBox="1"/>
+          <p:nvPr/>
+        </p:nvSpPr>
+        <p:spPr>
+          <a:xfrm>
+            <a:off x="1143617" y="5250902"/>
+            <a:ext cx="647934" cy="461665"/>
+          </a:xfrm>
+          <a:prstGeom prst="rect">
+            <a:avLst/>
+          </a:prstGeom>
+          <a:noFill/>
+        </p:spPr>
+        <p:txBody>
+          <a:bodyPr wrap="none" rtlCol="0">
+            <a:spAutoFit/>
+          </a:bodyPr>
+          <a:lstStyle/>
+          <a:p>
+            <a:pPr algn="ctr"/>
+            <a:r>
+              <a:rPr lang="en-US" altLang="ko-KR" sz="2400" b="1" dirty="0"/>
+              <a:t>1</a:t>
+            </a:r>
+            <a:r>
+              <a:rPr lang="ko-KR" altLang="en-US" sz="2400" b="1" dirty="0"/>
+              <a:t>원</a:t>
+            </a:r>
+          </a:p>
+        </p:txBody>
+      </p:sp>
+      <p:sp>
+        <p:nvSpPr>
+          <p:cNvPr id="52" name="TextBox 51">
+            <a:extLst>
+              <a:ext uri="{FF2B5EF4-FFF2-40B4-BE49-F238E27FC236}">
+                <a16:creationId xmlns:a16="http://schemas.microsoft.com/office/drawing/2014/main" id="{73D6C427-FD09-48EE-B27A-E1E2C339828C}"/>
+              </a:ext>
+            </a:extLst>
+          </p:cNvPr>
+          <p:cNvSpPr txBox="1"/>
+          <p:nvPr/>
+        </p:nvSpPr>
+        <p:spPr>
+          <a:xfrm>
+            <a:off x="4052617" y="5250902"/>
+            <a:ext cx="885179" cy="461665"/>
+          </a:xfrm>
+          <a:prstGeom prst="rect">
+            <a:avLst/>
+          </a:prstGeom>
+          <a:noFill/>
+        </p:spPr>
+        <p:txBody>
+          <a:bodyPr wrap="none" rtlCol="0">
+            <a:spAutoFit/>
+          </a:bodyPr>
+          <a:lstStyle/>
+          <a:p>
+            <a:pPr algn="ctr"/>
+            <a:r>
+              <a:rPr lang="en-US" altLang="ko-KR" sz="2400" b="1" dirty="0"/>
+              <a:t>1.5</a:t>
+            </a:r>
+            <a:r>
+              <a:rPr lang="ko-KR" altLang="en-US" sz="2400" b="1" dirty="0"/>
+              <a:t>원</a:t>
+            </a:r>
+          </a:p>
+        </p:txBody>
+      </p:sp>
+      <p:sp>
+        <p:nvSpPr>
+          <p:cNvPr id="53" name="TextBox 52">
+            <a:extLst>
+              <a:ext uri="{FF2B5EF4-FFF2-40B4-BE49-F238E27FC236}">
+                <a16:creationId xmlns:a16="http://schemas.microsoft.com/office/drawing/2014/main" id="{C6A75129-A7BE-4672-B8DD-C1F3796A83EF}"/>
+              </a:ext>
+            </a:extLst>
+          </p:cNvPr>
+          <p:cNvSpPr txBox="1"/>
+          <p:nvPr/>
+        </p:nvSpPr>
+        <p:spPr>
+          <a:xfrm>
+            <a:off x="6985736" y="5250902"/>
+            <a:ext cx="1040670" cy="461665"/>
+          </a:xfrm>
+          <a:prstGeom prst="rect">
+            <a:avLst/>
+          </a:prstGeom>
+          <a:noFill/>
+        </p:spPr>
+        <p:txBody>
+          <a:bodyPr wrap="none" rtlCol="0">
+            <a:spAutoFit/>
+          </a:bodyPr>
+          <a:lstStyle/>
+          <a:p>
+            <a:pPr algn="ctr"/>
+            <a:r>
+              <a:rPr lang="en-US" altLang="ko-KR" sz="2400" b="1" dirty="0"/>
+              <a:t>2.25</a:t>
+            </a:r>
+            <a:r>
+              <a:rPr lang="ko-KR" altLang="en-US" sz="2400" b="1" dirty="0"/>
+              <a:t>원</a:t>
+            </a:r>
+          </a:p>
+        </p:txBody>
+      </p:sp>
+      <p:sp>
+        <p:nvSpPr>
+          <p:cNvPr id="26" name="원호 25">
+            <a:extLst>
+              <a:ext uri="{FF2B5EF4-FFF2-40B4-BE49-F238E27FC236}">
+                <a16:creationId xmlns:a16="http://schemas.microsoft.com/office/drawing/2014/main" id="{5A10DD1E-9569-43F8-9EA2-D5D65FB8F9F0}"/>
+              </a:ext>
+            </a:extLst>
+          </p:cNvPr>
+          <p:cNvSpPr/>
+          <p:nvPr/>
+        </p:nvSpPr>
+        <p:spPr>
+          <a:xfrm rot="10800000">
+            <a:off x="1394039" y="5142741"/>
+            <a:ext cx="3107311" cy="944046"/>
+          </a:xfrm>
+          <a:prstGeom prst="arc">
+            <a:avLst>
+              <a:gd name="adj1" fmla="val 10990092"/>
+              <a:gd name="adj2" fmla="val 21456843"/>
+            </a:avLst>
+          </a:prstGeom>
+          <a:ln w="28575">
+            <a:solidFill>
+              <a:schemeClr val="bg1">
+                <a:lumMod val="65000"/>
+              </a:schemeClr>
+            </a:solidFill>
+            <a:prstDash val="sysDash"/>
+            <a:headEnd type="triangle" w="med" len="med"/>
+            <a:tailEnd type="none" w="med" len="med"/>
+          </a:ln>
+        </p:spPr>
+        <p:style>
+          <a:lnRef idx="1">
+            <a:schemeClr val="accent1"/>
+          </a:lnRef>
+          <a:fillRef idx="0">
+            <a:schemeClr val="accent1"/>
+          </a:fillRef>
+          <a:effectRef idx="0">
+            <a:schemeClr val="accent1"/>
+          </a:effectRef>
+          <a:fontRef idx="minor">
+            <a:schemeClr val="tx1"/>
+          </a:fontRef>
+        </p:style>
+        <p:txBody>
+          <a:bodyPr rtlCol="0" anchor="ctr"/>
+          <a:lstStyle/>
+          <a:p>
+            <a:pPr algn="ctr"/>
+            <a:endParaRPr lang="ko-KR" altLang="en-US"/>
+          </a:p>
+        </p:txBody>
+      </p:sp>
+      <p:sp>
+        <p:nvSpPr>
+          <p:cNvPr id="27" name="TextBox 26">
+            <a:extLst>
+              <a:ext uri="{FF2B5EF4-FFF2-40B4-BE49-F238E27FC236}">
+                <a16:creationId xmlns:a16="http://schemas.microsoft.com/office/drawing/2014/main" id="{EC76B7D6-B58D-4653-B990-BF4424F82032}"/>
+              </a:ext>
+            </a:extLst>
+          </p:cNvPr>
+          <p:cNvSpPr txBox="1"/>
+          <p:nvPr/>
+        </p:nvSpPr>
+        <p:spPr>
+          <a:xfrm>
+            <a:off x="2434477" y="6086788"/>
+            <a:ext cx="1098378" cy="369332"/>
+          </a:xfrm>
+          <a:prstGeom prst="rect">
+            <a:avLst/>
+          </a:prstGeom>
+          <a:noFill/>
+        </p:spPr>
+        <p:txBody>
+          <a:bodyPr wrap="none" rtlCol="0">
+            <a:spAutoFit/>
+          </a:bodyPr>
+          <a:lstStyle/>
+          <a:p>
+            <a:r>
+              <a:rPr lang="en-US" altLang="ko-KR"/>
+              <a:t>50% </a:t>
+            </a:r>
+            <a:r>
+              <a:rPr lang="ko-KR" altLang="en-US" dirty="0"/>
+              <a:t>성장</a:t>
+            </a:r>
+          </a:p>
+        </p:txBody>
+      </p:sp>
+      <p:sp>
+        <p:nvSpPr>
+          <p:cNvPr id="28" name="원호 27">
+            <a:extLst>
+              <a:ext uri="{FF2B5EF4-FFF2-40B4-BE49-F238E27FC236}">
+                <a16:creationId xmlns:a16="http://schemas.microsoft.com/office/drawing/2014/main" id="{A5D88A65-9367-486A-8AE7-A761CCA2294D}"/>
+              </a:ext>
+            </a:extLst>
+          </p:cNvPr>
+          <p:cNvSpPr/>
+          <p:nvPr/>
+        </p:nvSpPr>
+        <p:spPr>
+          <a:xfrm rot="10800000">
+            <a:off x="4545611" y="5142741"/>
+            <a:ext cx="3107311" cy="944046"/>
+          </a:xfrm>
+          <a:prstGeom prst="arc">
+            <a:avLst>
+              <a:gd name="adj1" fmla="val 10990092"/>
+              <a:gd name="adj2" fmla="val 21456843"/>
+            </a:avLst>
+          </a:prstGeom>
+          <a:ln w="28575">
+            <a:solidFill>
+              <a:schemeClr val="bg1">
+                <a:lumMod val="65000"/>
+              </a:schemeClr>
+            </a:solidFill>
+            <a:prstDash val="sysDash"/>
+            <a:headEnd type="triangle" w="med" len="med"/>
+            <a:tailEnd type="none" w="med" len="med"/>
+          </a:ln>
+        </p:spPr>
+        <p:style>
+          <a:lnRef idx="1">
+            <a:schemeClr val="accent1"/>
+          </a:lnRef>
+          <a:fillRef idx="0">
+            <a:schemeClr val="accent1"/>
+          </a:fillRef>
+          <a:effectRef idx="0">
+            <a:schemeClr val="accent1"/>
+          </a:effectRef>
+          <a:fontRef idx="minor">
+            <a:schemeClr val="tx1"/>
+          </a:fontRef>
+        </p:style>
+        <p:txBody>
+          <a:bodyPr rtlCol="0" anchor="ctr"/>
+          <a:lstStyle/>
+          <a:p>
+            <a:pPr algn="ctr"/>
+            <a:endParaRPr lang="ko-KR" altLang="en-US"/>
+          </a:p>
+        </p:txBody>
+      </p:sp>
+      <p:sp>
+        <p:nvSpPr>
+          <p:cNvPr id="29" name="TextBox 28">
+            <a:extLst>
+              <a:ext uri="{FF2B5EF4-FFF2-40B4-BE49-F238E27FC236}">
+                <a16:creationId xmlns:a16="http://schemas.microsoft.com/office/drawing/2014/main" id="{7DC6D3A9-47BC-4359-8BAD-2AFDCD29BD5B}"/>
+              </a:ext>
+            </a:extLst>
+          </p:cNvPr>
+          <p:cNvSpPr txBox="1"/>
+          <p:nvPr/>
+        </p:nvSpPr>
+        <p:spPr>
+          <a:xfrm>
+            <a:off x="5586049" y="6086788"/>
+            <a:ext cx="1098378" cy="369332"/>
+          </a:xfrm>
+          <a:prstGeom prst="rect">
+            <a:avLst/>
+          </a:prstGeom>
+          <a:noFill/>
+        </p:spPr>
+        <p:txBody>
+          <a:bodyPr wrap="none" rtlCol="0">
+            <a:spAutoFit/>
+          </a:bodyPr>
+          <a:lstStyle/>
+          <a:p>
+            <a:r>
+              <a:rPr lang="en-US" altLang="ko-KR"/>
+              <a:t>50% </a:t>
+            </a:r>
+            <a:r>
+              <a:rPr lang="ko-KR" altLang="en-US" dirty="0"/>
+              <a:t>성장</a:t>
+            </a:r>
+          </a:p>
+        </p:txBody>
+      </p:sp>
+    </p:spTree>
+    <p:extLst>
+      <p:ext uri="{BB962C8B-B14F-4D97-AF65-F5344CB8AC3E}">
+        <p14:creationId xmlns:p14="http://schemas.microsoft.com/office/powerpoint/2010/main" val="2357623268"/>
+      </p:ext>
+    </p:extLst>
+  </p:cSld>
+  <p:clrMapOvr>
+    <a:masterClrMapping/>
+  </p:clrMapOvr>
+</p:sld>
+</file>
+
+<file path=ppt/slides/slide4.xml><?xml version="1.0" encoding="utf-8"?>
+<p:sld xmlns:a="http://schemas.openxmlformats.org/drawingml/2006/main" xmlns:r="http://schemas.openxmlformats.org/officeDocument/2006/relationships" xmlns:p="http://schemas.openxmlformats.org/presentationml/2006/main">
+  <p:cSld>
+    <p:spTree>
+      <p:nvGrpSpPr>
+        <p:cNvPr id="1" name=""/>
+        <p:cNvGrpSpPr/>
+        <p:nvPr/>
+      </p:nvGrpSpPr>
+      <p:grpSpPr>
+        <a:xfrm>
+          <a:off x="0" y="0"/>
+          <a:ext cx="0" cy="0"/>
+          <a:chOff x="0" y="0"/>
+          <a:chExt cx="0" cy="0"/>
+        </a:xfrm>
+      </p:grpSpPr>
+      <p:cxnSp>
+        <p:nvCxnSpPr>
+          <p:cNvPr id="5" name="직선 화살표 연결선 4">
+            <a:extLst>
+              <a:ext uri="{FF2B5EF4-FFF2-40B4-BE49-F238E27FC236}">
+                <a16:creationId xmlns:a16="http://schemas.microsoft.com/office/drawing/2014/main" id="{3048DF74-5E5E-4CB8-86FF-80D42183DF68}"/>
+              </a:ext>
+            </a:extLst>
+          </p:cNvPr>
+          <p:cNvCxnSpPr/>
+          <p:nvPr/>
+        </p:nvCxnSpPr>
+        <p:spPr>
+          <a:xfrm>
+            <a:off x="1020932" y="4703027"/>
+            <a:ext cx="7279689" cy="0"/>
+          </a:xfrm>
+          <a:prstGeom prst="straightConnector1">
+            <a:avLst/>
+          </a:prstGeom>
+          <a:ln w="57150">
+            <a:solidFill>
+              <a:schemeClr val="tx1"/>
+            </a:solidFill>
+            <a:tailEnd type="triangle"/>
+          </a:ln>
+        </p:spPr>
+        <p:style>
+          <a:lnRef idx="1">
+            <a:schemeClr val="accent1"/>
+          </a:lnRef>
+          <a:fillRef idx="0">
+            <a:schemeClr val="accent1"/>
+          </a:fillRef>
+          <a:effectRef idx="0">
+            <a:schemeClr val="accent1"/>
+          </a:effectRef>
+          <a:fontRef idx="minor">
+            <a:schemeClr val="tx1"/>
+          </a:fontRef>
+        </p:style>
+      </p:cxnSp>
+      <p:cxnSp>
+        <p:nvCxnSpPr>
+          <p:cNvPr id="7" name="직선 연결선 6">
+            <a:extLst>
+              <a:ext uri="{FF2B5EF4-FFF2-40B4-BE49-F238E27FC236}">
+                <a16:creationId xmlns:a16="http://schemas.microsoft.com/office/drawing/2014/main" id="{AF1934DE-E570-4214-9B15-4FA9BCADD148}"/>
+              </a:ext>
+            </a:extLst>
+          </p:cNvPr>
+          <p:cNvCxnSpPr/>
+          <p:nvPr/>
+        </p:nvCxnSpPr>
+        <p:spPr>
+          <a:xfrm>
+            <a:off x="1473694" y="4463329"/>
+            <a:ext cx="0" cy="514905"/>
+          </a:xfrm>
+          <a:prstGeom prst="line">
+            <a:avLst/>
+          </a:prstGeom>
+          <a:ln w="19050">
+            <a:solidFill>
+              <a:schemeClr val="tx1"/>
+            </a:solidFill>
+          </a:ln>
+        </p:spPr>
+        <p:style>
+          <a:lnRef idx="1">
+            <a:schemeClr val="accent1"/>
+          </a:lnRef>
+          <a:fillRef idx="0">
+            <a:schemeClr val="accent1"/>
+          </a:fillRef>
+          <a:effectRef idx="0">
+            <a:schemeClr val="accent1"/>
+          </a:effectRef>
+          <a:fontRef idx="minor">
+            <a:schemeClr val="tx1"/>
+          </a:fontRef>
+        </p:style>
+      </p:cxnSp>
+      <p:sp>
+        <p:nvSpPr>
+          <p:cNvPr id="9" name="TextBox 8">
+            <a:extLst>
+              <a:ext uri="{FF2B5EF4-FFF2-40B4-BE49-F238E27FC236}">
+                <a16:creationId xmlns:a16="http://schemas.microsoft.com/office/drawing/2014/main" id="{26C6BEE3-45C9-48D2-8CBC-780F4116447E}"/>
+              </a:ext>
+            </a:extLst>
+          </p:cNvPr>
+          <p:cNvSpPr txBox="1"/>
+          <p:nvPr/>
+        </p:nvSpPr>
+        <p:spPr>
+          <a:xfrm>
+            <a:off x="1158493" y="4978234"/>
+            <a:ext cx="619786" cy="369332"/>
+          </a:xfrm>
+          <a:prstGeom prst="rect">
+            <a:avLst/>
+          </a:prstGeom>
+          <a:noFill/>
+        </p:spPr>
+        <p:txBody>
+          <a:bodyPr wrap="none" rtlCol="0">
+            <a:spAutoFit/>
+          </a:bodyPr>
+          <a:lstStyle/>
+          <a:p>
+            <a:pPr algn="ctr"/>
+            <a:r>
+              <a:rPr lang="en-US" altLang="ko-KR" dirty="0"/>
+              <a:t>Now</a:t>
+            </a:r>
+            <a:endParaRPr lang="ko-KR" altLang="en-US" dirty="0"/>
+          </a:p>
+        </p:txBody>
+      </p:sp>
+      <p:sp>
+        <p:nvSpPr>
+          <p:cNvPr id="11" name="타원 10">
+            <a:extLst>
+              <a:ext uri="{FF2B5EF4-FFF2-40B4-BE49-F238E27FC236}">
+                <a16:creationId xmlns:a16="http://schemas.microsoft.com/office/drawing/2014/main" id="{2A127D0C-EC26-4CE3-9068-6F2B3AD119BB}"/>
+              </a:ext>
+            </a:extLst>
+          </p:cNvPr>
+          <p:cNvSpPr/>
+          <p:nvPr/>
+        </p:nvSpPr>
+        <p:spPr>
+          <a:xfrm>
+            <a:off x="945345" y="3234196"/>
+            <a:ext cx="1080000" cy="1080000"/>
+          </a:xfrm>
+          <a:prstGeom prst="ellipse">
+            <a:avLst/>
+          </a:prstGeom>
+          <a:solidFill>
+            <a:schemeClr val="accent1">
+              <a:lumMod val="20000"/>
+              <a:lumOff val="80000"/>
+            </a:schemeClr>
+          </a:solidFill>
+          <a:ln w="28575">
+            <a:solidFill>
+              <a:schemeClr val="tx1"/>
+            </a:solidFill>
+          </a:ln>
+        </p:spPr>
+        <p:style>
+          <a:lnRef idx="2">
+            <a:schemeClr val="accent1">
+              <a:shade val="50000"/>
+            </a:schemeClr>
+          </a:lnRef>
+          <a:fillRef idx="1">
+            <a:schemeClr val="accent1"/>
+          </a:fillRef>
+          <a:effectRef idx="0">
+            <a:schemeClr val="accent1"/>
+          </a:effectRef>
+          <a:fontRef idx="minor">
+            <a:schemeClr val="lt1"/>
+          </a:fontRef>
+        </p:style>
+        <p:txBody>
+          <a:bodyPr rtlCol="0" anchor="ctr"/>
+          <a:lstStyle/>
+          <a:p>
+            <a:pPr algn="ctr"/>
+            <a:r>
+              <a:rPr lang="en-US" altLang="ko-KR" sz="2800" dirty="0">
+                <a:solidFill>
+                  <a:schemeClr val="tx1"/>
+                </a:solidFill>
+              </a:rPr>
+              <a:t>$1</a:t>
+            </a:r>
+            <a:endParaRPr lang="ko-KR" altLang="en-US" sz="2800" dirty="0">
+              <a:solidFill>
+                <a:schemeClr val="tx1"/>
+              </a:solidFill>
+            </a:endParaRPr>
+          </a:p>
+        </p:txBody>
+      </p:sp>
+      <p:cxnSp>
+        <p:nvCxnSpPr>
+          <p:cNvPr id="8" name="직선 연결선 7">
+            <a:extLst>
+              <a:ext uri="{FF2B5EF4-FFF2-40B4-BE49-F238E27FC236}">
+                <a16:creationId xmlns:a16="http://schemas.microsoft.com/office/drawing/2014/main" id="{A064F863-9824-4F7E-BC19-817AD5FCA1EC}"/>
+              </a:ext>
+            </a:extLst>
+          </p:cNvPr>
+          <p:cNvCxnSpPr/>
+          <p:nvPr/>
+        </p:nvCxnSpPr>
+        <p:spPr>
+          <a:xfrm>
+            <a:off x="7510509" y="4463329"/>
+            <a:ext cx="0" cy="514905"/>
+          </a:xfrm>
+          <a:prstGeom prst="line">
+            <a:avLst/>
+          </a:prstGeom>
+          <a:ln w="19050">
+            <a:solidFill>
+              <a:schemeClr val="tx1"/>
+            </a:solidFill>
+          </a:ln>
+        </p:spPr>
+        <p:style>
+          <a:lnRef idx="1">
+            <a:schemeClr val="accent1"/>
+          </a:lnRef>
+          <a:fillRef idx="0">
+            <a:schemeClr val="accent1"/>
+          </a:fillRef>
+          <a:effectRef idx="0">
+            <a:schemeClr val="accent1"/>
+          </a:effectRef>
+          <a:fontRef idx="minor">
+            <a:schemeClr val="tx1"/>
+          </a:fontRef>
+        </p:style>
+      </p:cxnSp>
+      <p:sp>
+        <p:nvSpPr>
+          <p:cNvPr id="10" name="TextBox 9">
+            <a:extLst>
+              <a:ext uri="{FF2B5EF4-FFF2-40B4-BE49-F238E27FC236}">
+                <a16:creationId xmlns:a16="http://schemas.microsoft.com/office/drawing/2014/main" id="{4E9EF6EA-FFF8-40EF-93DB-618165D68796}"/>
+              </a:ext>
+            </a:extLst>
+          </p:cNvPr>
+          <p:cNvSpPr txBox="1"/>
+          <p:nvPr/>
+        </p:nvSpPr>
+        <p:spPr>
+          <a:xfrm>
+            <a:off x="6892353" y="4978234"/>
+            <a:ext cx="1246431" cy="369332"/>
+          </a:xfrm>
+          <a:prstGeom prst="rect">
+            <a:avLst/>
+          </a:prstGeom>
+          <a:noFill/>
+        </p:spPr>
+        <p:txBody>
+          <a:bodyPr wrap="none" rtlCol="0">
+            <a:spAutoFit/>
+          </a:bodyPr>
+          <a:lstStyle/>
+          <a:p>
+            <a:pPr algn="ctr"/>
+            <a:r>
+              <a:rPr lang="en-US" altLang="ko-KR" dirty="0"/>
+              <a:t>1 year later</a:t>
+            </a:r>
+            <a:endParaRPr lang="ko-KR" altLang="en-US" dirty="0"/>
+          </a:p>
+        </p:txBody>
+      </p:sp>
+      <p:sp>
+        <p:nvSpPr>
+          <p:cNvPr id="12" name="타원 11">
+            <a:extLst>
+              <a:ext uri="{FF2B5EF4-FFF2-40B4-BE49-F238E27FC236}">
+                <a16:creationId xmlns:a16="http://schemas.microsoft.com/office/drawing/2014/main" id="{CE33B9DA-EB3B-4332-BE24-7BAF31F9546E}"/>
+              </a:ext>
+            </a:extLst>
+          </p:cNvPr>
+          <p:cNvSpPr/>
+          <p:nvPr/>
+        </p:nvSpPr>
+        <p:spPr>
+          <a:xfrm>
+            <a:off x="6987469" y="3234196"/>
+            <a:ext cx="1080000" cy="1080000"/>
+          </a:xfrm>
+          <a:prstGeom prst="ellipse">
+            <a:avLst/>
+          </a:prstGeom>
+          <a:solidFill>
+            <a:schemeClr val="accent1">
+              <a:lumMod val="20000"/>
+              <a:lumOff val="80000"/>
+            </a:schemeClr>
+          </a:solidFill>
+          <a:ln w="28575">
+            <a:solidFill>
+              <a:schemeClr val="tx1"/>
+            </a:solidFill>
+          </a:ln>
+        </p:spPr>
+        <p:style>
+          <a:lnRef idx="2">
+            <a:schemeClr val="accent1">
+              <a:shade val="50000"/>
+            </a:schemeClr>
+          </a:lnRef>
+          <a:fillRef idx="1">
+            <a:schemeClr val="accent1"/>
+          </a:fillRef>
+          <a:effectRef idx="0">
+            <a:schemeClr val="accent1"/>
+          </a:effectRef>
+          <a:fontRef idx="minor">
+            <a:schemeClr val="lt1"/>
+          </a:fontRef>
+        </p:style>
+        <p:txBody>
+          <a:bodyPr rtlCol="0" anchor="ctr"/>
+          <a:lstStyle/>
+          <a:p>
+            <a:pPr algn="ctr"/>
+            <a:r>
+              <a:rPr lang="en-US" altLang="ko-KR" sz="2800" dirty="0">
+                <a:solidFill>
+                  <a:schemeClr val="tx1"/>
+                </a:solidFill>
+              </a:rPr>
+              <a:t>$1</a:t>
+            </a:r>
+            <a:endParaRPr lang="ko-KR" altLang="en-US" sz="2800" dirty="0">
+              <a:solidFill>
+                <a:schemeClr val="tx1"/>
+              </a:solidFill>
+            </a:endParaRPr>
+          </a:p>
+        </p:txBody>
+      </p:sp>
+      <p:sp>
+        <p:nvSpPr>
+          <p:cNvPr id="13" name="타원 12">
+            <a:extLst>
+              <a:ext uri="{FF2B5EF4-FFF2-40B4-BE49-F238E27FC236}">
+                <a16:creationId xmlns:a16="http://schemas.microsoft.com/office/drawing/2014/main" id="{6EE1F3B5-CFEE-43DC-820C-44C5297DF226}"/>
+              </a:ext>
+            </a:extLst>
+          </p:cNvPr>
+          <p:cNvSpPr/>
+          <p:nvPr/>
+        </p:nvSpPr>
+        <p:spPr>
+          <a:xfrm>
+            <a:off x="7145869" y="2360843"/>
+            <a:ext cx="763200" cy="763200"/>
+          </a:xfrm>
+          <a:prstGeom prst="ellipse">
+            <a:avLst/>
+          </a:prstGeom>
+          <a:solidFill>
+            <a:schemeClr val="accent1">
+              <a:lumMod val="20000"/>
+              <a:lumOff val="80000"/>
+            </a:schemeClr>
+          </a:solidFill>
+          <a:ln w="28575">
+            <a:solidFill>
+              <a:schemeClr val="tx1"/>
+            </a:solidFill>
+          </a:ln>
+        </p:spPr>
+        <p:style>
+          <a:lnRef idx="2">
+            <a:schemeClr val="accent1">
+              <a:shade val="50000"/>
+            </a:schemeClr>
+          </a:lnRef>
+          <a:fillRef idx="1">
+            <a:schemeClr val="accent1"/>
+          </a:fillRef>
+          <a:effectRef idx="0">
+            <a:schemeClr val="accent1"/>
+          </a:effectRef>
+          <a:fontRef idx="minor">
+            <a:schemeClr val="lt1"/>
+          </a:fontRef>
+        </p:style>
+        <p:txBody>
+          <a:bodyPr rtlCol="0" anchor="ctr"/>
+          <a:lstStyle/>
+          <a:p>
+            <a:pPr algn="ctr"/>
+            <a:endParaRPr lang="ko-KR" altLang="en-US" sz="2000" dirty="0">
+              <a:solidFill>
+                <a:schemeClr val="tx1"/>
+              </a:solidFill>
+            </a:endParaRPr>
+          </a:p>
+        </p:txBody>
+      </p:sp>
+      <p:sp>
+        <p:nvSpPr>
+          <p:cNvPr id="21" name="타원 20">
+            <a:extLst>
+              <a:ext uri="{FF2B5EF4-FFF2-40B4-BE49-F238E27FC236}">
+                <a16:creationId xmlns:a16="http://schemas.microsoft.com/office/drawing/2014/main" id="{092D3612-DC5E-4C36-9D13-0353C9060E14}"/>
+              </a:ext>
+            </a:extLst>
+          </p:cNvPr>
+          <p:cNvSpPr/>
+          <p:nvPr/>
+        </p:nvSpPr>
+        <p:spPr>
+          <a:xfrm>
+            <a:off x="7145869" y="1484050"/>
+            <a:ext cx="763200" cy="763200"/>
+          </a:xfrm>
+          <a:prstGeom prst="ellipse">
+            <a:avLst/>
+          </a:prstGeom>
+          <a:solidFill>
+            <a:schemeClr val="accent1">
+              <a:lumMod val="20000"/>
+              <a:lumOff val="80000"/>
+            </a:schemeClr>
+          </a:solidFill>
+          <a:ln w="28575">
+            <a:solidFill>
+              <a:schemeClr val="tx1"/>
+            </a:solidFill>
+          </a:ln>
+        </p:spPr>
+        <p:style>
+          <a:lnRef idx="2">
+            <a:schemeClr val="accent1">
+              <a:shade val="50000"/>
+            </a:schemeClr>
+          </a:lnRef>
+          <a:fillRef idx="1">
+            <a:schemeClr val="accent1"/>
+          </a:fillRef>
+          <a:effectRef idx="0">
+            <a:schemeClr val="accent1"/>
+          </a:effectRef>
+          <a:fontRef idx="minor">
+            <a:schemeClr val="lt1"/>
+          </a:fontRef>
+        </p:style>
+        <p:txBody>
+          <a:bodyPr rtlCol="0" anchor="ctr"/>
+          <a:lstStyle/>
+          <a:p>
+            <a:pPr algn="ctr"/>
+            <a:endParaRPr lang="ko-KR" altLang="en-US" sz="2000" dirty="0">
+              <a:solidFill>
+                <a:schemeClr val="tx1"/>
+              </a:solidFill>
+            </a:endParaRPr>
+          </a:p>
+        </p:txBody>
+      </p:sp>
+      <p:sp>
+        <p:nvSpPr>
+          <p:cNvPr id="22" name="타원 21">
+            <a:extLst>
+              <a:ext uri="{FF2B5EF4-FFF2-40B4-BE49-F238E27FC236}">
+                <a16:creationId xmlns:a16="http://schemas.microsoft.com/office/drawing/2014/main" id="{614726C9-1BC5-43C7-B04D-3F847854E625}"/>
+              </a:ext>
+            </a:extLst>
+          </p:cNvPr>
+          <p:cNvSpPr/>
+          <p:nvPr/>
+        </p:nvSpPr>
+        <p:spPr>
+          <a:xfrm>
+            <a:off x="7257469" y="837337"/>
+            <a:ext cx="540000" cy="540000"/>
+          </a:xfrm>
+          <a:prstGeom prst="ellipse">
+            <a:avLst/>
+          </a:prstGeom>
+          <a:solidFill>
+            <a:schemeClr val="accent1">
+              <a:lumMod val="20000"/>
+              <a:lumOff val="80000"/>
+            </a:schemeClr>
+          </a:solidFill>
+          <a:ln w="28575">
+            <a:solidFill>
+              <a:schemeClr val="tx1"/>
+            </a:solidFill>
+          </a:ln>
+        </p:spPr>
+        <p:style>
+          <a:lnRef idx="2">
+            <a:schemeClr val="accent1">
+              <a:shade val="50000"/>
+            </a:schemeClr>
+          </a:lnRef>
+          <a:fillRef idx="1">
+            <a:schemeClr val="accent1"/>
+          </a:fillRef>
+          <a:effectRef idx="0">
+            <a:schemeClr val="accent1"/>
+          </a:effectRef>
+          <a:fontRef idx="minor">
+            <a:schemeClr val="lt1"/>
+          </a:fontRef>
+        </p:style>
+        <p:txBody>
+          <a:bodyPr rtlCol="0" anchor="ctr"/>
+          <a:lstStyle/>
+          <a:p>
+            <a:pPr algn="ctr"/>
+            <a:endParaRPr lang="ko-KR" altLang="en-US" sz="1200" dirty="0">
+              <a:solidFill>
+                <a:schemeClr val="tx1"/>
+              </a:solidFill>
+            </a:endParaRPr>
+          </a:p>
+        </p:txBody>
+      </p:sp>
+      <p:sp>
+        <p:nvSpPr>
+          <p:cNvPr id="2" name="TextBox 1">
+            <a:extLst>
+              <a:ext uri="{FF2B5EF4-FFF2-40B4-BE49-F238E27FC236}">
+                <a16:creationId xmlns:a16="http://schemas.microsoft.com/office/drawing/2014/main" id="{B4E602A4-7DDB-49E0-8A2C-B43D61452AC8}"/>
+              </a:ext>
+            </a:extLst>
+          </p:cNvPr>
+          <p:cNvSpPr txBox="1"/>
+          <p:nvPr/>
+        </p:nvSpPr>
+        <p:spPr>
+          <a:xfrm>
+            <a:off x="7701181" y="645672"/>
+            <a:ext cx="914400" cy="461665"/>
+          </a:xfrm>
+          <a:prstGeom prst="rect">
+            <a:avLst/>
+          </a:prstGeom>
+          <a:noFill/>
+        </p:spPr>
+        <p:txBody>
+          <a:bodyPr wrap="square" rtlCol="0">
+            <a:spAutoFit/>
+          </a:bodyPr>
+          <a:lstStyle/>
+          <a:p>
+            <a:r>
+              <a:rPr lang="en-US" altLang="ko-KR" sz="2400" dirty="0"/>
+              <a:t>0.25</a:t>
+            </a:r>
+            <a:endParaRPr lang="ko-KR" altLang="en-US" sz="2400" dirty="0"/>
+          </a:p>
+        </p:txBody>
+      </p:sp>
+      <p:sp>
+        <p:nvSpPr>
+          <p:cNvPr id="14" name="타원 13">
+            <a:extLst>
+              <a:ext uri="{FF2B5EF4-FFF2-40B4-BE49-F238E27FC236}">
+                <a16:creationId xmlns:a16="http://schemas.microsoft.com/office/drawing/2014/main" id="{D5AE3287-1A33-4CA0-A988-68ABF63144AA}"/>
+              </a:ext>
+            </a:extLst>
+          </p:cNvPr>
+          <p:cNvSpPr/>
+          <p:nvPr/>
+        </p:nvSpPr>
+        <p:spPr>
+          <a:xfrm>
+            <a:off x="3966407" y="3234196"/>
+            <a:ext cx="1080000" cy="1080000"/>
+          </a:xfrm>
+          <a:prstGeom prst="ellipse">
+            <a:avLst/>
+          </a:prstGeom>
+          <a:solidFill>
+            <a:schemeClr val="accent1">
+              <a:lumMod val="20000"/>
+              <a:lumOff val="80000"/>
+            </a:schemeClr>
+          </a:solidFill>
+          <a:ln w="28575">
+            <a:solidFill>
+              <a:schemeClr val="tx1"/>
+            </a:solidFill>
+          </a:ln>
+        </p:spPr>
+        <p:style>
+          <a:lnRef idx="2">
+            <a:schemeClr val="accent1">
+              <a:shade val="50000"/>
+            </a:schemeClr>
+          </a:lnRef>
+          <a:fillRef idx="1">
+            <a:schemeClr val="accent1"/>
+          </a:fillRef>
+          <a:effectRef idx="0">
+            <a:schemeClr val="accent1"/>
+          </a:effectRef>
+          <a:fontRef idx="minor">
+            <a:schemeClr val="lt1"/>
+          </a:fontRef>
+        </p:style>
+        <p:txBody>
+          <a:bodyPr rtlCol="0" anchor="ctr"/>
+          <a:lstStyle/>
+          <a:p>
+            <a:pPr algn="ctr"/>
+            <a:r>
+              <a:rPr lang="en-US" altLang="ko-KR" sz="2800" dirty="0">
+                <a:solidFill>
+                  <a:schemeClr val="tx1"/>
+                </a:solidFill>
+              </a:rPr>
+              <a:t>$1</a:t>
+            </a:r>
+            <a:endParaRPr lang="ko-KR" altLang="en-US" sz="2800" dirty="0">
+              <a:solidFill>
+                <a:schemeClr val="tx1"/>
+              </a:solidFill>
+            </a:endParaRPr>
+          </a:p>
+        </p:txBody>
+      </p:sp>
+      <p:sp>
+        <p:nvSpPr>
+          <p:cNvPr id="17" name="타원 16">
+            <a:extLst>
+              <a:ext uri="{FF2B5EF4-FFF2-40B4-BE49-F238E27FC236}">
+                <a16:creationId xmlns:a16="http://schemas.microsoft.com/office/drawing/2014/main" id="{64D0CB17-0D43-409B-96FF-698980383B1E}"/>
+              </a:ext>
+            </a:extLst>
+          </p:cNvPr>
+          <p:cNvSpPr/>
+          <p:nvPr/>
+        </p:nvSpPr>
+        <p:spPr>
+          <a:xfrm>
+            <a:off x="4124807" y="1484050"/>
+            <a:ext cx="763200" cy="763200"/>
+          </a:xfrm>
+          <a:prstGeom prst="ellipse">
+            <a:avLst/>
+          </a:prstGeom>
+          <a:solidFill>
+            <a:schemeClr val="accent1">
+              <a:lumMod val="20000"/>
+              <a:lumOff val="80000"/>
+            </a:schemeClr>
+          </a:solidFill>
+          <a:ln w="28575">
+            <a:solidFill>
+              <a:schemeClr val="tx1"/>
+            </a:solidFill>
+          </a:ln>
+        </p:spPr>
+        <p:style>
+          <a:lnRef idx="2">
+            <a:schemeClr val="accent1">
+              <a:shade val="50000"/>
+            </a:schemeClr>
+          </a:lnRef>
+          <a:fillRef idx="1">
+            <a:schemeClr val="accent1"/>
+          </a:fillRef>
+          <a:effectRef idx="0">
+            <a:schemeClr val="accent1"/>
+          </a:effectRef>
+          <a:fontRef idx="minor">
+            <a:schemeClr val="lt1"/>
+          </a:fontRef>
+        </p:style>
+        <p:txBody>
+          <a:bodyPr rtlCol="0" anchor="ctr"/>
+          <a:lstStyle/>
+          <a:p>
+            <a:pPr algn="ctr"/>
+            <a:endParaRPr lang="ko-KR" altLang="en-US" sz="2000" dirty="0">
+              <a:solidFill>
+                <a:schemeClr val="tx1"/>
+              </a:solidFill>
+            </a:endParaRPr>
+          </a:p>
+        </p:txBody>
+      </p:sp>
+      <p:cxnSp>
+        <p:nvCxnSpPr>
+          <p:cNvPr id="24" name="직선 연결선 23">
+            <a:extLst>
+              <a:ext uri="{FF2B5EF4-FFF2-40B4-BE49-F238E27FC236}">
+                <a16:creationId xmlns:a16="http://schemas.microsoft.com/office/drawing/2014/main" id="{88879257-1E9C-4CF9-909B-3C89954AB66E}"/>
+              </a:ext>
+            </a:extLst>
+          </p:cNvPr>
+          <p:cNvCxnSpPr/>
+          <p:nvPr/>
+        </p:nvCxnSpPr>
+        <p:spPr>
+          <a:xfrm>
+            <a:off x="4501350" y="4463329"/>
+            <a:ext cx="0" cy="514905"/>
+          </a:xfrm>
+          <a:prstGeom prst="line">
+            <a:avLst/>
+          </a:prstGeom>
+          <a:ln w="19050">
+            <a:solidFill>
+              <a:schemeClr val="tx1"/>
+            </a:solidFill>
+          </a:ln>
+        </p:spPr>
+        <p:style>
+          <a:lnRef idx="1">
+            <a:schemeClr val="accent1"/>
+          </a:lnRef>
+          <a:fillRef idx="0">
+            <a:schemeClr val="accent1"/>
+          </a:fillRef>
+          <a:effectRef idx="0">
+            <a:schemeClr val="accent1"/>
+          </a:effectRef>
+          <a:fontRef idx="minor">
+            <a:schemeClr val="tx1"/>
+          </a:fontRef>
+        </p:style>
+      </p:cxnSp>
+      <p:sp>
+        <p:nvSpPr>
+          <p:cNvPr id="25" name="TextBox 24">
+            <a:extLst>
+              <a:ext uri="{FF2B5EF4-FFF2-40B4-BE49-F238E27FC236}">
+                <a16:creationId xmlns:a16="http://schemas.microsoft.com/office/drawing/2014/main" id="{06493C71-E8DA-408C-BFAD-FA488F3C0B55}"/>
+              </a:ext>
+            </a:extLst>
+          </p:cNvPr>
+          <p:cNvSpPr txBox="1"/>
+          <p:nvPr/>
+        </p:nvSpPr>
+        <p:spPr>
+          <a:xfrm>
+            <a:off x="3729758" y="4978234"/>
+            <a:ext cx="1553310" cy="369332"/>
+          </a:xfrm>
+          <a:prstGeom prst="rect">
+            <a:avLst/>
+          </a:prstGeom>
+          <a:noFill/>
+        </p:spPr>
+        <p:txBody>
+          <a:bodyPr wrap="none" rtlCol="0">
+            <a:spAutoFit/>
+          </a:bodyPr>
+          <a:lstStyle/>
+          <a:p>
+            <a:pPr algn="ctr"/>
+            <a:r>
+              <a:rPr lang="en-US" altLang="ko-KR" dirty="0"/>
+              <a:t>6</a:t>
+            </a:r>
+            <a:r>
+              <a:rPr lang="ko-KR" altLang="en-US" dirty="0"/>
+              <a:t> </a:t>
+            </a:r>
+            <a:r>
+              <a:rPr lang="en-US" altLang="ko-KR" dirty="0"/>
+              <a:t>months later</a:t>
+            </a:r>
+            <a:endParaRPr lang="ko-KR" altLang="en-US" dirty="0"/>
+          </a:p>
+        </p:txBody>
+      </p:sp>
+      <p:cxnSp>
+        <p:nvCxnSpPr>
+          <p:cNvPr id="35" name="직선 화살표 연결선 34">
+            <a:extLst>
+              <a:ext uri="{FF2B5EF4-FFF2-40B4-BE49-F238E27FC236}">
+                <a16:creationId xmlns:a16="http://schemas.microsoft.com/office/drawing/2014/main" id="{1E3E2BAA-64E5-476A-88F6-4F5383FA428E}"/>
+              </a:ext>
+            </a:extLst>
+          </p:cNvPr>
+          <p:cNvCxnSpPr>
+            <a:stCxn id="11" idx="6"/>
+            <a:endCxn id="14" idx="2"/>
+          </p:cNvCxnSpPr>
+          <p:nvPr/>
+        </p:nvCxnSpPr>
+        <p:spPr>
+          <a:xfrm>
+            <a:off x="2025345" y="3774196"/>
+            <a:ext cx="1941062" cy="0"/>
+          </a:xfrm>
+          <a:prstGeom prst="straightConnector1">
+            <a:avLst/>
+          </a:prstGeom>
+          <a:ln w="28575">
+            <a:solidFill>
+              <a:schemeClr val="tx1"/>
+            </a:solidFill>
+            <a:prstDash val="dash"/>
+            <a:tailEnd type="triangle"/>
+          </a:ln>
+        </p:spPr>
+        <p:style>
+          <a:lnRef idx="1">
+            <a:schemeClr val="accent1"/>
+          </a:lnRef>
+          <a:fillRef idx="0">
+            <a:schemeClr val="accent1"/>
+          </a:fillRef>
+          <a:effectRef idx="0">
+            <a:schemeClr val="accent1"/>
+          </a:effectRef>
+          <a:fontRef idx="minor">
+            <a:schemeClr val="tx1"/>
+          </a:fontRef>
+        </p:style>
+      </p:cxnSp>
+      <p:cxnSp>
+        <p:nvCxnSpPr>
+          <p:cNvPr id="36" name="직선 화살표 연결선 35">
+            <a:extLst>
+              <a:ext uri="{FF2B5EF4-FFF2-40B4-BE49-F238E27FC236}">
+                <a16:creationId xmlns:a16="http://schemas.microsoft.com/office/drawing/2014/main" id="{0D82A3AE-E263-4C75-A63C-CE20D12F84DF}"/>
+              </a:ext>
+            </a:extLst>
+          </p:cNvPr>
+          <p:cNvCxnSpPr>
+            <a:cxnSpLocks/>
+            <a:stCxn id="11" idx="6"/>
+            <a:endCxn id="17" idx="2"/>
+          </p:cNvCxnSpPr>
+          <p:nvPr/>
+        </p:nvCxnSpPr>
+        <p:spPr>
+          <a:xfrm flipV="1">
+            <a:off x="2025345" y="1865650"/>
+            <a:ext cx="2099462" cy="1908546"/>
+          </a:xfrm>
+          <a:prstGeom prst="straightConnector1">
+            <a:avLst/>
+          </a:prstGeom>
+          <a:ln w="28575">
+            <a:solidFill>
+              <a:schemeClr val="tx1"/>
+            </a:solidFill>
+            <a:prstDash val="dash"/>
+            <a:tailEnd type="triangle"/>
+          </a:ln>
+        </p:spPr>
+        <p:style>
+          <a:lnRef idx="1">
+            <a:schemeClr val="accent1"/>
+          </a:lnRef>
+          <a:fillRef idx="0">
+            <a:schemeClr val="accent1"/>
+          </a:fillRef>
+          <a:effectRef idx="0">
+            <a:schemeClr val="accent1"/>
+          </a:effectRef>
+          <a:fontRef idx="minor">
+            <a:schemeClr val="tx1"/>
+          </a:fontRef>
+        </p:style>
+      </p:cxnSp>
+      <p:cxnSp>
+        <p:nvCxnSpPr>
+          <p:cNvPr id="39" name="직선 화살표 연결선 38">
+            <a:extLst>
+              <a:ext uri="{FF2B5EF4-FFF2-40B4-BE49-F238E27FC236}">
+                <a16:creationId xmlns:a16="http://schemas.microsoft.com/office/drawing/2014/main" id="{FF61EEFF-4013-447B-8701-7F38DDF5DE5B}"/>
+              </a:ext>
+            </a:extLst>
+          </p:cNvPr>
+          <p:cNvCxnSpPr>
+            <a:cxnSpLocks/>
+            <a:stCxn id="14" idx="6"/>
+            <a:endCxn id="12" idx="2"/>
+          </p:cNvCxnSpPr>
+          <p:nvPr/>
+        </p:nvCxnSpPr>
+        <p:spPr>
+          <a:xfrm>
+            <a:off x="5046407" y="3774196"/>
+            <a:ext cx="1941062" cy="0"/>
+          </a:xfrm>
+          <a:prstGeom prst="straightConnector1">
+            <a:avLst/>
+          </a:prstGeom>
+          <a:ln w="28575">
+            <a:solidFill>
+              <a:schemeClr val="tx1"/>
+            </a:solidFill>
+            <a:prstDash val="dash"/>
+            <a:tailEnd type="triangle"/>
+          </a:ln>
+        </p:spPr>
+        <p:style>
+          <a:lnRef idx="1">
+            <a:schemeClr val="accent1"/>
+          </a:lnRef>
+          <a:fillRef idx="0">
+            <a:schemeClr val="accent1"/>
+          </a:fillRef>
+          <a:effectRef idx="0">
+            <a:schemeClr val="accent1"/>
+          </a:effectRef>
+          <a:fontRef idx="minor">
+            <a:schemeClr val="tx1"/>
+          </a:fontRef>
+        </p:style>
+      </p:cxnSp>
+      <p:cxnSp>
+        <p:nvCxnSpPr>
+          <p:cNvPr id="42" name="직선 화살표 연결선 41">
+            <a:extLst>
+              <a:ext uri="{FF2B5EF4-FFF2-40B4-BE49-F238E27FC236}">
+                <a16:creationId xmlns:a16="http://schemas.microsoft.com/office/drawing/2014/main" id="{24B8CA02-3B79-4903-9C55-DF9BBEC43791}"/>
+              </a:ext>
+            </a:extLst>
+          </p:cNvPr>
+          <p:cNvCxnSpPr>
+            <a:cxnSpLocks/>
+            <a:stCxn id="14" idx="6"/>
+            <a:endCxn id="13" idx="2"/>
+          </p:cNvCxnSpPr>
+          <p:nvPr/>
+        </p:nvCxnSpPr>
+        <p:spPr>
+          <a:xfrm flipV="1">
+            <a:off x="5046407" y="2742443"/>
+            <a:ext cx="2099462" cy="1031753"/>
+          </a:xfrm>
+          <a:prstGeom prst="straightConnector1">
+            <a:avLst/>
+          </a:prstGeom>
+          <a:ln w="28575">
+            <a:solidFill>
+              <a:schemeClr val="tx1"/>
+            </a:solidFill>
+            <a:prstDash val="dash"/>
+            <a:tailEnd type="triangle"/>
+          </a:ln>
+        </p:spPr>
+        <p:style>
+          <a:lnRef idx="1">
+            <a:schemeClr val="accent1"/>
+          </a:lnRef>
+          <a:fillRef idx="0">
+            <a:schemeClr val="accent1"/>
+          </a:fillRef>
+          <a:effectRef idx="0">
+            <a:schemeClr val="accent1"/>
+          </a:effectRef>
+          <a:fontRef idx="minor">
+            <a:schemeClr val="tx1"/>
+          </a:fontRef>
+        </p:style>
+      </p:cxnSp>
+      <p:cxnSp>
+        <p:nvCxnSpPr>
+          <p:cNvPr id="45" name="직선 화살표 연결선 44">
+            <a:extLst>
+              <a:ext uri="{FF2B5EF4-FFF2-40B4-BE49-F238E27FC236}">
+                <a16:creationId xmlns:a16="http://schemas.microsoft.com/office/drawing/2014/main" id="{B94299E4-E676-4789-A502-FC15F8026D4A}"/>
+              </a:ext>
+            </a:extLst>
+          </p:cNvPr>
+          <p:cNvCxnSpPr>
+            <a:cxnSpLocks/>
+            <a:stCxn id="17" idx="6"/>
+            <a:endCxn id="21" idx="2"/>
+          </p:cNvCxnSpPr>
+          <p:nvPr/>
+        </p:nvCxnSpPr>
+        <p:spPr>
+          <a:xfrm>
+            <a:off x="4888007" y="1865650"/>
+            <a:ext cx="2257862" cy="0"/>
+          </a:xfrm>
+          <a:prstGeom prst="straightConnector1">
+            <a:avLst/>
+          </a:prstGeom>
+          <a:ln w="28575">
+            <a:solidFill>
+              <a:schemeClr val="tx1"/>
+            </a:solidFill>
+            <a:prstDash val="dash"/>
+            <a:tailEnd type="triangle"/>
+          </a:ln>
+        </p:spPr>
+        <p:style>
+          <a:lnRef idx="1">
+            <a:schemeClr val="accent1"/>
+          </a:lnRef>
+          <a:fillRef idx="0">
+            <a:schemeClr val="accent1"/>
+          </a:fillRef>
+          <a:effectRef idx="0">
+            <a:schemeClr val="accent1"/>
+          </a:effectRef>
+          <a:fontRef idx="minor">
+            <a:schemeClr val="tx1"/>
+          </a:fontRef>
+        </p:style>
+      </p:cxnSp>
+      <p:cxnSp>
+        <p:nvCxnSpPr>
+          <p:cNvPr id="48" name="직선 화살표 연결선 47">
+            <a:extLst>
+              <a:ext uri="{FF2B5EF4-FFF2-40B4-BE49-F238E27FC236}">
+                <a16:creationId xmlns:a16="http://schemas.microsoft.com/office/drawing/2014/main" id="{8BA02A06-21B4-44C0-8C8D-819F5A3455DD}"/>
+              </a:ext>
+            </a:extLst>
+          </p:cNvPr>
+          <p:cNvCxnSpPr>
+            <a:cxnSpLocks/>
+            <a:stCxn id="17" idx="6"/>
+            <a:endCxn id="22" idx="2"/>
+          </p:cNvCxnSpPr>
+          <p:nvPr/>
+        </p:nvCxnSpPr>
+        <p:spPr>
+          <a:xfrm flipV="1">
+            <a:off x="4888007" y="1107337"/>
+            <a:ext cx="2369462" cy="758313"/>
+          </a:xfrm>
+          <a:prstGeom prst="straightConnector1">
+            <a:avLst/>
+          </a:prstGeom>
+          <a:ln w="28575">
+            <a:solidFill>
+              <a:schemeClr val="tx1"/>
+            </a:solidFill>
+            <a:prstDash val="dash"/>
+            <a:tailEnd type="triangle"/>
+          </a:ln>
+        </p:spPr>
+        <p:style>
+          <a:lnRef idx="1">
+            <a:schemeClr val="accent1"/>
+          </a:lnRef>
+          <a:fillRef idx="0">
+            <a:schemeClr val="accent1"/>
+          </a:fillRef>
+          <a:effectRef idx="0">
+            <a:schemeClr val="accent1"/>
+          </a:effectRef>
+          <a:fontRef idx="minor">
+            <a:schemeClr val="tx1"/>
+          </a:fontRef>
+        </p:style>
+      </p:cxnSp>
+      <p:sp>
+        <p:nvSpPr>
+          <p:cNvPr id="51" name="TextBox 50">
+            <a:extLst>
+              <a:ext uri="{FF2B5EF4-FFF2-40B4-BE49-F238E27FC236}">
+                <a16:creationId xmlns:a16="http://schemas.microsoft.com/office/drawing/2014/main" id="{8B4885FF-3245-4E27-A2AD-F59C77832099}"/>
+              </a:ext>
+            </a:extLst>
+          </p:cNvPr>
+          <p:cNvSpPr txBox="1"/>
+          <p:nvPr/>
+        </p:nvSpPr>
+        <p:spPr>
+          <a:xfrm>
+            <a:off x="1219759" y="5250902"/>
+            <a:ext cx="495650" cy="461665"/>
+          </a:xfrm>
+          <a:prstGeom prst="rect">
+            <a:avLst/>
+          </a:prstGeom>
+          <a:noFill/>
+        </p:spPr>
+        <p:txBody>
+          <a:bodyPr wrap="none" rtlCol="0">
+            <a:spAutoFit/>
+          </a:bodyPr>
+          <a:lstStyle/>
+          <a:p>
+            <a:pPr algn="ctr"/>
+            <a:r>
+              <a:rPr lang="en-US" altLang="ko-KR" sz="2400" b="1" dirty="0"/>
+              <a:t>$1</a:t>
+            </a:r>
+            <a:endParaRPr lang="ko-KR" altLang="en-US" sz="2400" b="1" dirty="0"/>
+          </a:p>
+        </p:txBody>
+      </p:sp>
+      <p:sp>
+        <p:nvSpPr>
+          <p:cNvPr id="52" name="TextBox 51">
+            <a:extLst>
+              <a:ext uri="{FF2B5EF4-FFF2-40B4-BE49-F238E27FC236}">
+                <a16:creationId xmlns:a16="http://schemas.microsoft.com/office/drawing/2014/main" id="{73D6C427-FD09-48EE-B27A-E1E2C339828C}"/>
+              </a:ext>
+            </a:extLst>
+          </p:cNvPr>
+          <p:cNvSpPr txBox="1"/>
+          <p:nvPr/>
+        </p:nvSpPr>
+        <p:spPr>
+          <a:xfrm>
+            <a:off x="4128759" y="5250902"/>
+            <a:ext cx="732894" cy="461665"/>
+          </a:xfrm>
+          <a:prstGeom prst="rect">
+            <a:avLst/>
+          </a:prstGeom>
+          <a:noFill/>
+        </p:spPr>
+        <p:txBody>
+          <a:bodyPr wrap="none" rtlCol="0">
+            <a:spAutoFit/>
+          </a:bodyPr>
+          <a:lstStyle/>
+          <a:p>
+            <a:pPr algn="ctr"/>
+            <a:r>
+              <a:rPr lang="en-US" altLang="ko-KR" sz="2400" b="1" dirty="0"/>
+              <a:t>$1.5</a:t>
+            </a:r>
+            <a:endParaRPr lang="ko-KR" altLang="en-US" sz="2400" b="1" dirty="0"/>
+          </a:p>
+        </p:txBody>
+      </p:sp>
+      <p:sp>
+        <p:nvSpPr>
+          <p:cNvPr id="53" name="TextBox 52">
+            <a:extLst>
+              <a:ext uri="{FF2B5EF4-FFF2-40B4-BE49-F238E27FC236}">
+                <a16:creationId xmlns:a16="http://schemas.microsoft.com/office/drawing/2014/main" id="{C6A75129-A7BE-4672-B8DD-C1F3796A83EF}"/>
+              </a:ext>
+            </a:extLst>
+          </p:cNvPr>
+          <p:cNvSpPr txBox="1"/>
+          <p:nvPr/>
+        </p:nvSpPr>
+        <p:spPr>
+          <a:xfrm>
+            <a:off x="7061879" y="5250902"/>
+            <a:ext cx="888385" cy="461665"/>
+          </a:xfrm>
+          <a:prstGeom prst="rect">
+            <a:avLst/>
+          </a:prstGeom>
+          <a:noFill/>
+        </p:spPr>
+        <p:txBody>
+          <a:bodyPr wrap="none" rtlCol="0">
+            <a:spAutoFit/>
+          </a:bodyPr>
+          <a:lstStyle/>
+          <a:p>
+            <a:pPr algn="ctr"/>
+            <a:r>
+              <a:rPr lang="en-US" altLang="ko-KR" sz="2400" b="1" dirty="0"/>
+              <a:t>$2.25</a:t>
+            </a:r>
+            <a:endParaRPr lang="ko-KR" altLang="en-US" sz="2400" b="1" dirty="0"/>
+          </a:p>
+        </p:txBody>
+      </p:sp>
+      <p:sp>
+        <p:nvSpPr>
+          <p:cNvPr id="26" name="원호 25">
+            <a:extLst>
+              <a:ext uri="{FF2B5EF4-FFF2-40B4-BE49-F238E27FC236}">
+                <a16:creationId xmlns:a16="http://schemas.microsoft.com/office/drawing/2014/main" id="{5A10DD1E-9569-43F8-9EA2-D5D65FB8F9F0}"/>
+              </a:ext>
+            </a:extLst>
+          </p:cNvPr>
+          <p:cNvSpPr/>
+          <p:nvPr/>
+        </p:nvSpPr>
+        <p:spPr>
+          <a:xfrm rot="10800000">
+            <a:off x="1394039" y="5142741"/>
+            <a:ext cx="3107311" cy="944046"/>
+          </a:xfrm>
+          <a:prstGeom prst="arc">
+            <a:avLst>
+              <a:gd name="adj1" fmla="val 10990092"/>
+              <a:gd name="adj2" fmla="val 21456843"/>
+            </a:avLst>
+          </a:prstGeom>
+          <a:ln w="28575">
+            <a:solidFill>
+              <a:schemeClr val="bg1">
+                <a:lumMod val="65000"/>
+              </a:schemeClr>
+            </a:solidFill>
+            <a:prstDash val="sysDash"/>
+            <a:headEnd type="triangle" w="med" len="med"/>
+            <a:tailEnd type="none" w="med" len="med"/>
+          </a:ln>
+        </p:spPr>
+        <p:style>
+          <a:lnRef idx="1">
+            <a:schemeClr val="accent1"/>
+          </a:lnRef>
+          <a:fillRef idx="0">
+            <a:schemeClr val="accent1"/>
+          </a:fillRef>
+          <a:effectRef idx="0">
+            <a:schemeClr val="accent1"/>
+          </a:effectRef>
+          <a:fontRef idx="minor">
+            <a:schemeClr val="tx1"/>
+          </a:fontRef>
+        </p:style>
+        <p:txBody>
+          <a:bodyPr rtlCol="0" anchor="ctr"/>
+          <a:lstStyle/>
+          <a:p>
+            <a:pPr algn="ctr"/>
+            <a:endParaRPr lang="ko-KR" altLang="en-US"/>
+          </a:p>
+        </p:txBody>
+      </p:sp>
+      <p:sp>
+        <p:nvSpPr>
+          <p:cNvPr id="27" name="TextBox 26">
+            <a:extLst>
+              <a:ext uri="{FF2B5EF4-FFF2-40B4-BE49-F238E27FC236}">
+                <a16:creationId xmlns:a16="http://schemas.microsoft.com/office/drawing/2014/main" id="{EC76B7D6-B58D-4653-B990-BF4424F82032}"/>
+              </a:ext>
+            </a:extLst>
+          </p:cNvPr>
+          <p:cNvSpPr txBox="1"/>
+          <p:nvPr/>
+        </p:nvSpPr>
+        <p:spPr>
+          <a:xfrm>
+            <a:off x="2289624" y="6086788"/>
+            <a:ext cx="1344279" cy="369332"/>
+          </a:xfrm>
+          <a:prstGeom prst="rect">
+            <a:avLst/>
+          </a:prstGeom>
+          <a:noFill/>
+        </p:spPr>
+        <p:txBody>
+          <a:bodyPr wrap="none" rtlCol="0">
+            <a:spAutoFit/>
+          </a:bodyPr>
+          <a:lstStyle/>
+          <a:p>
+            <a:r>
+              <a:rPr lang="en-US" altLang="ko-KR" dirty="0"/>
+              <a:t>50% Growth</a:t>
+            </a:r>
+            <a:endParaRPr lang="ko-KR" altLang="en-US" dirty="0"/>
+          </a:p>
+        </p:txBody>
+      </p:sp>
+      <p:sp>
+        <p:nvSpPr>
+          <p:cNvPr id="28" name="원호 27">
+            <a:extLst>
+              <a:ext uri="{FF2B5EF4-FFF2-40B4-BE49-F238E27FC236}">
+                <a16:creationId xmlns:a16="http://schemas.microsoft.com/office/drawing/2014/main" id="{A5D88A65-9367-486A-8AE7-A761CCA2294D}"/>
+              </a:ext>
+            </a:extLst>
+          </p:cNvPr>
+          <p:cNvSpPr/>
+          <p:nvPr/>
+        </p:nvSpPr>
+        <p:spPr>
+          <a:xfrm rot="10800000">
+            <a:off x="4545611" y="5142741"/>
+            <a:ext cx="3107311" cy="944046"/>
+          </a:xfrm>
+          <a:prstGeom prst="arc">
+            <a:avLst>
+              <a:gd name="adj1" fmla="val 10990092"/>
+              <a:gd name="adj2" fmla="val 21456843"/>
+            </a:avLst>
+          </a:prstGeom>
+          <a:ln w="28575">
+            <a:solidFill>
+              <a:schemeClr val="bg1">
+                <a:lumMod val="65000"/>
+              </a:schemeClr>
+            </a:solidFill>
+            <a:prstDash val="sysDash"/>
+            <a:headEnd type="triangle" w="med" len="med"/>
+            <a:tailEnd type="none" w="med" len="med"/>
+          </a:ln>
+        </p:spPr>
+        <p:style>
+          <a:lnRef idx="1">
+            <a:schemeClr val="accent1"/>
+          </a:lnRef>
+          <a:fillRef idx="0">
+            <a:schemeClr val="accent1"/>
+          </a:fillRef>
+          <a:effectRef idx="0">
+            <a:schemeClr val="accent1"/>
+          </a:effectRef>
+          <a:fontRef idx="minor">
+            <a:schemeClr val="tx1"/>
+          </a:fontRef>
+        </p:style>
+        <p:txBody>
+          <a:bodyPr rtlCol="0" anchor="ctr"/>
+          <a:lstStyle/>
+          <a:p>
+            <a:pPr algn="ctr"/>
+            <a:endParaRPr lang="ko-KR" altLang="en-US"/>
+          </a:p>
+        </p:txBody>
+      </p:sp>
+      <p:sp>
+        <p:nvSpPr>
+          <p:cNvPr id="29" name="TextBox 28">
+            <a:extLst>
+              <a:ext uri="{FF2B5EF4-FFF2-40B4-BE49-F238E27FC236}">
+                <a16:creationId xmlns:a16="http://schemas.microsoft.com/office/drawing/2014/main" id="{7DC6D3A9-47BC-4359-8BAD-2AFDCD29BD5B}"/>
+              </a:ext>
+            </a:extLst>
+          </p:cNvPr>
+          <p:cNvSpPr txBox="1"/>
+          <p:nvPr/>
+        </p:nvSpPr>
+        <p:spPr>
+          <a:xfrm>
+            <a:off x="5477408" y="6086788"/>
+            <a:ext cx="1344279" cy="369332"/>
+          </a:xfrm>
+          <a:prstGeom prst="rect">
+            <a:avLst/>
+          </a:prstGeom>
+          <a:noFill/>
+        </p:spPr>
+        <p:txBody>
+          <a:bodyPr wrap="none" rtlCol="0">
+            <a:spAutoFit/>
+          </a:bodyPr>
+          <a:lstStyle/>
+          <a:p>
+            <a:r>
+              <a:rPr lang="en-US" altLang="ko-KR" dirty="0"/>
+              <a:t>50% Growth</a:t>
+            </a:r>
+            <a:endParaRPr lang="ko-KR" altLang="en-US" dirty="0"/>
+          </a:p>
+        </p:txBody>
+      </p:sp>
+      <p:sp>
+        <p:nvSpPr>
+          <p:cNvPr id="4" name="TextBox 3">
+            <a:extLst>
+              <a:ext uri="{FF2B5EF4-FFF2-40B4-BE49-F238E27FC236}">
+                <a16:creationId xmlns:a16="http://schemas.microsoft.com/office/drawing/2014/main" id="{9E5092EB-8031-1971-329B-F83D988F4D5A}"/>
+              </a:ext>
+            </a:extLst>
+          </p:cNvPr>
+          <p:cNvSpPr txBox="1"/>
+          <p:nvPr/>
+        </p:nvSpPr>
+        <p:spPr>
+          <a:xfrm>
+            <a:off x="4164733" y="1680984"/>
+            <a:ext cx="660945" cy="369332"/>
+          </a:xfrm>
+          <a:prstGeom prst="rect">
+            <a:avLst/>
+          </a:prstGeom>
+          <a:noFill/>
+        </p:spPr>
+        <p:txBody>
+          <a:bodyPr wrap="square">
+            <a:spAutoFit/>
+          </a:bodyPr>
+          <a:lstStyle/>
+          <a:p>
+            <a:pPr algn="ctr"/>
+            <a:r>
+              <a:rPr lang="en-US" altLang="ko-KR" sz="1800" dirty="0">
+                <a:solidFill>
+                  <a:schemeClr val="tx1"/>
+                </a:solidFill>
+              </a:rPr>
+              <a:t>$0.5</a:t>
+            </a:r>
+            <a:endParaRPr lang="ko-KR" altLang="en-US" sz="1800" dirty="0">
+              <a:solidFill>
+                <a:schemeClr val="tx1"/>
+              </a:solidFill>
+            </a:endParaRPr>
+          </a:p>
+        </p:txBody>
+      </p:sp>
+      <p:sp>
+        <p:nvSpPr>
+          <p:cNvPr id="6" name="TextBox 5">
+            <a:extLst>
+              <a:ext uri="{FF2B5EF4-FFF2-40B4-BE49-F238E27FC236}">
+                <a16:creationId xmlns:a16="http://schemas.microsoft.com/office/drawing/2014/main" id="{DFECE7B5-653E-D2AC-D8AE-957F4FCF811F}"/>
+              </a:ext>
+            </a:extLst>
+          </p:cNvPr>
+          <p:cNvSpPr txBox="1"/>
+          <p:nvPr/>
+        </p:nvSpPr>
+        <p:spPr>
+          <a:xfrm>
+            <a:off x="7185093" y="2554337"/>
+            <a:ext cx="660945" cy="369332"/>
+          </a:xfrm>
+          <a:prstGeom prst="rect">
+            <a:avLst/>
+          </a:prstGeom>
+          <a:noFill/>
+        </p:spPr>
+        <p:txBody>
+          <a:bodyPr wrap="square">
+            <a:spAutoFit/>
+          </a:bodyPr>
+          <a:lstStyle/>
+          <a:p>
+            <a:pPr algn="ctr"/>
+            <a:r>
+              <a:rPr lang="en-US" altLang="ko-KR" sz="1800" dirty="0">
+                <a:solidFill>
+                  <a:schemeClr val="tx1"/>
+                </a:solidFill>
+              </a:rPr>
+              <a:t>$0.5</a:t>
+            </a:r>
+            <a:endParaRPr lang="ko-KR" altLang="en-US" sz="1800" dirty="0">
+              <a:solidFill>
+                <a:schemeClr val="tx1"/>
+              </a:solidFill>
+            </a:endParaRPr>
+          </a:p>
+        </p:txBody>
+      </p:sp>
+      <p:sp>
+        <p:nvSpPr>
+          <p:cNvPr id="15" name="TextBox 14">
+            <a:extLst>
+              <a:ext uri="{FF2B5EF4-FFF2-40B4-BE49-F238E27FC236}">
+                <a16:creationId xmlns:a16="http://schemas.microsoft.com/office/drawing/2014/main" id="{489AE3AE-610F-5FE4-7B21-62A321D4FAF2}"/>
+              </a:ext>
+            </a:extLst>
+          </p:cNvPr>
+          <p:cNvSpPr txBox="1"/>
+          <p:nvPr/>
+        </p:nvSpPr>
+        <p:spPr>
+          <a:xfrm>
+            <a:off x="7185093" y="1687118"/>
+            <a:ext cx="660945" cy="369332"/>
+          </a:xfrm>
+          <a:prstGeom prst="rect">
+            <a:avLst/>
+          </a:prstGeom>
+          <a:noFill/>
+        </p:spPr>
+        <p:txBody>
+          <a:bodyPr wrap="square">
+            <a:spAutoFit/>
+          </a:bodyPr>
+          <a:lstStyle/>
+          <a:p>
+            <a:pPr algn="ctr"/>
+            <a:r>
+              <a:rPr lang="en-US" altLang="ko-KR" sz="1800" dirty="0">
+                <a:solidFill>
+                  <a:schemeClr val="tx1"/>
+                </a:solidFill>
+              </a:rPr>
+              <a:t>$0.5</a:t>
+            </a:r>
+            <a:endParaRPr lang="ko-KR" altLang="en-US" sz="1800" dirty="0">
+              <a:solidFill>
+                <a:schemeClr val="tx1"/>
+              </a:solidFill>
+            </a:endParaRPr>
+          </a:p>
+        </p:txBody>
+      </p:sp>
+      <p:sp>
+        <p:nvSpPr>
+          <p:cNvPr id="18" name="TextBox 17">
+            <a:extLst>
+              <a:ext uri="{FF2B5EF4-FFF2-40B4-BE49-F238E27FC236}">
+                <a16:creationId xmlns:a16="http://schemas.microsoft.com/office/drawing/2014/main" id="{EF144207-83F3-45F3-6BE5-DB7FDD9EEA43}"/>
+              </a:ext>
+            </a:extLst>
+          </p:cNvPr>
+          <p:cNvSpPr txBox="1"/>
+          <p:nvPr/>
+        </p:nvSpPr>
+        <p:spPr>
+          <a:xfrm>
+            <a:off x="7196997" y="938499"/>
+            <a:ext cx="660945" cy="276999"/>
+          </a:xfrm>
+          <a:prstGeom prst="rect">
+            <a:avLst/>
+          </a:prstGeom>
+          <a:noFill/>
+        </p:spPr>
+        <p:txBody>
+          <a:bodyPr wrap="square">
+            <a:spAutoFit/>
+          </a:bodyPr>
+          <a:lstStyle/>
+          <a:p>
+            <a:pPr algn="ctr"/>
+            <a:r>
+              <a:rPr lang="en-US" altLang="ko-KR" sz="1200" dirty="0">
+                <a:solidFill>
+                  <a:schemeClr val="tx1"/>
+                </a:solidFill>
+              </a:rPr>
+              <a:t>$0.25</a:t>
+            </a:r>
+            <a:endParaRPr lang="ko-KR" altLang="en-US" sz="1200" dirty="0">
+              <a:solidFill>
+                <a:schemeClr val="tx1"/>
+              </a:solidFill>
+            </a:endParaRPr>
+          </a:p>
+        </p:txBody>
+      </p:sp>
+    </p:spTree>
+    <p:extLst>
+      <p:ext uri="{BB962C8B-B14F-4D97-AF65-F5344CB8AC3E}">
+        <p14:creationId xmlns:p14="http://schemas.microsoft.com/office/powerpoint/2010/main" val="613544192"/>
+      </p:ext>
+    </p:extLst>
+  </p:cSld>
+  <p:clrMapOvr>
+    <a:masterClrMapping/>
+  </p:clrMapOvr>
+</p:sld>
+</file>
+
+<file path=ppt/slides/slide5.xml><?xml version="1.0" encoding="utf-8"?>
+<p:sld xmlns:a="http://schemas.openxmlformats.org/drawingml/2006/main" xmlns:r="http://schemas.openxmlformats.org/officeDocument/2006/relationships" xmlns:p="http://schemas.openxmlformats.org/presentationml/2006/main">
+  <p:cSld>
+    <p:spTree>
+      <p:nvGrpSpPr>
+        <p:cNvPr id="1" name=""/>
+        <p:cNvGrpSpPr/>
+        <p:nvPr/>
+      </p:nvGrpSpPr>
+      <p:grpSpPr>
+        <a:xfrm>
+          <a:off x="0" y="0"/>
+          <a:ext cx="0" cy="0"/>
+          <a:chOff x="0" y="0"/>
+          <a:chExt cx="0" cy="0"/>
+        </a:xfrm>
+      </p:grpSpPr>
       <p:grpSp>
         <p:nvGrpSpPr>
           <p:cNvPr id="2" name="그룹 1">
             <a:extLst>
               <a:ext uri="{FF2B5EF4-FFF2-40B4-BE49-F238E27FC236}">
-                <a16:creationId xmlns:a16="http://schemas.microsoft.com/office/drawing/2014/main" xmlns="" id="{24E53B73-DF1A-42C3-8E9B-10BC4F4CDA32}"/>
+                <a16:creationId xmlns:a16="http://schemas.microsoft.com/office/drawing/2014/main" id="{24E53B73-DF1A-42C3-8E9B-10BC4F4CDA32}"/>
               </a:ext>
             </a:extLst>
           </p:cNvPr>
@@ -5271,7 +7665,7 @@
             <p:cNvPr id="5" name="직선 화살표 연결선 4">
               <a:extLst>
                 <a:ext uri="{FF2B5EF4-FFF2-40B4-BE49-F238E27FC236}">
-                  <a16:creationId xmlns:a16="http://schemas.microsoft.com/office/drawing/2014/main" xmlns="" id="{3048DF74-5E5E-4CB8-86FF-80D42183DF68}"/>
+                  <a16:creationId xmlns:a16="http://schemas.microsoft.com/office/drawing/2014/main" id="{3048DF74-5E5E-4CB8-86FF-80D42183DF68}"/>
                 </a:ext>
               </a:extLst>
             </p:cNvPr>
@@ -5313,7 +7707,7 @@
             <p:cNvPr id="7" name="직선 연결선 6">
               <a:extLst>
                 <a:ext uri="{FF2B5EF4-FFF2-40B4-BE49-F238E27FC236}">
-                  <a16:creationId xmlns:a16="http://schemas.microsoft.com/office/drawing/2014/main" xmlns="" id="{AF1934DE-E570-4214-9B15-4FA9BCADD148}"/>
+                  <a16:creationId xmlns:a16="http://schemas.microsoft.com/office/drawing/2014/main" id="{AF1934DE-E570-4214-9B15-4FA9BCADD148}"/>
                 </a:ext>
               </a:extLst>
             </p:cNvPr>
@@ -5354,7 +7748,7 @@
             <p:cNvPr id="9" name="TextBox 8">
               <a:extLst>
                 <a:ext uri="{FF2B5EF4-FFF2-40B4-BE49-F238E27FC236}">
-                  <a16:creationId xmlns:a16="http://schemas.microsoft.com/office/drawing/2014/main" xmlns="" id="{26C6BEE3-45C9-48D2-8CBC-780F4116447E}"/>
+                  <a16:creationId xmlns:a16="http://schemas.microsoft.com/office/drawing/2014/main" id="{26C6BEE3-45C9-48D2-8CBC-780F4116447E}"/>
                 </a:ext>
               </a:extLst>
             </p:cNvPr>
@@ -5390,7 +7784,7 @@
             <p:cNvPr id="11" name="타원 10">
               <a:extLst>
                 <a:ext uri="{FF2B5EF4-FFF2-40B4-BE49-F238E27FC236}">
-                  <a16:creationId xmlns:a16="http://schemas.microsoft.com/office/drawing/2014/main" xmlns="" id="{2A127D0C-EC26-4CE3-9068-6F2B3AD119BB}"/>
+                  <a16:creationId xmlns:a16="http://schemas.microsoft.com/office/drawing/2014/main" id="{2A127D0C-EC26-4CE3-9068-6F2B3AD119BB}"/>
                 </a:ext>
               </a:extLst>
             </p:cNvPr>
@@ -5462,7 +7856,7 @@
             <p:cNvPr id="8" name="직선 연결선 7">
               <a:extLst>
                 <a:ext uri="{FF2B5EF4-FFF2-40B4-BE49-F238E27FC236}">
-                  <a16:creationId xmlns:a16="http://schemas.microsoft.com/office/drawing/2014/main" xmlns="" id="{A064F863-9824-4F7E-BC19-817AD5FCA1EC}"/>
+                  <a16:creationId xmlns:a16="http://schemas.microsoft.com/office/drawing/2014/main" id="{A064F863-9824-4F7E-BC19-817AD5FCA1EC}"/>
                 </a:ext>
               </a:extLst>
             </p:cNvPr>
@@ -5503,7 +7897,7 @@
             <p:cNvPr id="10" name="TextBox 9">
               <a:extLst>
                 <a:ext uri="{FF2B5EF4-FFF2-40B4-BE49-F238E27FC236}">
-                  <a16:creationId xmlns:a16="http://schemas.microsoft.com/office/drawing/2014/main" xmlns="" id="{4E9EF6EA-FFF8-40EF-93DB-618165D68796}"/>
+                  <a16:creationId xmlns:a16="http://schemas.microsoft.com/office/drawing/2014/main" id="{4E9EF6EA-FFF8-40EF-93DB-618165D68796}"/>
                 </a:ext>
               </a:extLst>
             </p:cNvPr>
@@ -5543,7 +7937,7 @@
             <p:cNvPr id="12" name="타원 11">
               <a:extLst>
                 <a:ext uri="{FF2B5EF4-FFF2-40B4-BE49-F238E27FC236}">
-                  <a16:creationId xmlns:a16="http://schemas.microsoft.com/office/drawing/2014/main" xmlns="" id="{CE33B9DA-EB3B-4332-BE24-7BAF31F9546E}"/>
+                  <a16:creationId xmlns:a16="http://schemas.microsoft.com/office/drawing/2014/main" id="{CE33B9DA-EB3B-4332-BE24-7BAF31F9546E}"/>
                 </a:ext>
               </a:extLst>
             </p:cNvPr>
@@ -5615,7 +8009,7 @@
             <p:cNvPr id="13" name="타원 12">
               <a:extLst>
                 <a:ext uri="{FF2B5EF4-FFF2-40B4-BE49-F238E27FC236}">
-                  <a16:creationId xmlns:a16="http://schemas.microsoft.com/office/drawing/2014/main" xmlns="" id="{6EE1F3B5-CFEE-43DC-820C-44C5297DF226}"/>
+                  <a16:creationId xmlns:a16="http://schemas.microsoft.com/office/drawing/2014/main" id="{6EE1F3B5-CFEE-43DC-820C-44C5297DF226}"/>
                 </a:ext>
               </a:extLst>
             </p:cNvPr>
@@ -5676,7 +8070,7 @@
             <p:cNvPr id="21" name="타원 20">
               <a:extLst>
                 <a:ext uri="{FF2B5EF4-FFF2-40B4-BE49-F238E27FC236}">
-                  <a16:creationId xmlns:a16="http://schemas.microsoft.com/office/drawing/2014/main" xmlns="" id="{092D3612-DC5E-4C36-9D13-0353C9060E14}"/>
+                  <a16:creationId xmlns:a16="http://schemas.microsoft.com/office/drawing/2014/main" id="{092D3612-DC5E-4C36-9D13-0353C9060E14}"/>
                 </a:ext>
               </a:extLst>
             </p:cNvPr>
@@ -5737,7 +8131,7 @@
             <p:cNvPr id="22" name="타원 21">
               <a:extLst>
                 <a:ext uri="{FF2B5EF4-FFF2-40B4-BE49-F238E27FC236}">
-                  <a16:creationId xmlns:a16="http://schemas.microsoft.com/office/drawing/2014/main" xmlns="" id="{614726C9-1BC5-43C7-B04D-3F847854E625}"/>
+                  <a16:creationId xmlns:a16="http://schemas.microsoft.com/office/drawing/2014/main" id="{614726C9-1BC5-43C7-B04D-3F847854E625}"/>
                 </a:ext>
               </a:extLst>
             </p:cNvPr>
@@ -5798,7 +8192,7 @@
             <p:cNvPr id="14" name="타원 13">
               <a:extLst>
                 <a:ext uri="{FF2B5EF4-FFF2-40B4-BE49-F238E27FC236}">
-                  <a16:creationId xmlns:a16="http://schemas.microsoft.com/office/drawing/2014/main" xmlns="" id="{D5AE3287-1A33-4CA0-A988-68ABF63144AA}"/>
+                  <a16:creationId xmlns:a16="http://schemas.microsoft.com/office/drawing/2014/main" id="{D5AE3287-1A33-4CA0-A988-68ABF63144AA}"/>
                 </a:ext>
               </a:extLst>
             </p:cNvPr>
@@ -5870,7 +8264,7 @@
             <p:cNvPr id="17" name="타원 16">
               <a:extLst>
                 <a:ext uri="{FF2B5EF4-FFF2-40B4-BE49-F238E27FC236}">
-                  <a16:creationId xmlns:a16="http://schemas.microsoft.com/office/drawing/2014/main" xmlns="" id="{64D0CB17-0D43-409B-96FF-698980383B1E}"/>
+                  <a16:creationId xmlns:a16="http://schemas.microsoft.com/office/drawing/2014/main" id="{64D0CB17-0D43-409B-96FF-698980383B1E}"/>
                 </a:ext>
               </a:extLst>
             </p:cNvPr>
@@ -5931,7 +8325,7 @@
             <p:cNvPr id="24" name="직선 연결선 23">
               <a:extLst>
                 <a:ext uri="{FF2B5EF4-FFF2-40B4-BE49-F238E27FC236}">
-                  <a16:creationId xmlns:a16="http://schemas.microsoft.com/office/drawing/2014/main" xmlns="" id="{88879257-1E9C-4CF9-909B-3C89954AB66E}"/>
+                  <a16:creationId xmlns:a16="http://schemas.microsoft.com/office/drawing/2014/main" id="{88879257-1E9C-4CF9-909B-3C89954AB66E}"/>
                 </a:ext>
               </a:extLst>
             </p:cNvPr>
@@ -5972,7 +8366,7 @@
             <p:cNvPr id="25" name="TextBox 24">
               <a:extLst>
                 <a:ext uri="{FF2B5EF4-FFF2-40B4-BE49-F238E27FC236}">
-                  <a16:creationId xmlns:a16="http://schemas.microsoft.com/office/drawing/2014/main" xmlns="" id="{06493C71-E8DA-408C-BFAD-FA488F3C0B55}"/>
+                  <a16:creationId xmlns:a16="http://schemas.microsoft.com/office/drawing/2014/main" id="{06493C71-E8DA-408C-BFAD-FA488F3C0B55}"/>
                 </a:ext>
               </a:extLst>
             </p:cNvPr>
@@ -6012,7 +8406,7 @@
             <p:cNvPr id="26" name="타원 25">
               <a:extLst>
                 <a:ext uri="{FF2B5EF4-FFF2-40B4-BE49-F238E27FC236}">
-                  <a16:creationId xmlns:a16="http://schemas.microsoft.com/office/drawing/2014/main" xmlns="" id="{E7CE0826-8DFF-406A-B72E-5AB481ECA150}"/>
+                  <a16:creationId xmlns:a16="http://schemas.microsoft.com/office/drawing/2014/main" id="{E7CE0826-8DFF-406A-B72E-5AB481ECA150}"/>
                 </a:ext>
               </a:extLst>
             </p:cNvPr>
@@ -6084,7 +8478,7 @@
             <p:cNvPr id="28" name="직선 연결선 27">
               <a:extLst>
                 <a:ext uri="{FF2B5EF4-FFF2-40B4-BE49-F238E27FC236}">
-                  <a16:creationId xmlns:a16="http://schemas.microsoft.com/office/drawing/2014/main" xmlns="" id="{9A6E630A-B055-4F15-9D8E-71575DF75526}"/>
+                  <a16:creationId xmlns:a16="http://schemas.microsoft.com/office/drawing/2014/main" id="{9A6E630A-B055-4F15-9D8E-71575DF75526}"/>
                 </a:ext>
               </a:extLst>
             </p:cNvPr>
@@ -6125,7 +8519,7 @@
             <p:cNvPr id="29" name="TextBox 28">
               <a:extLst>
                 <a:ext uri="{FF2B5EF4-FFF2-40B4-BE49-F238E27FC236}">
-                  <a16:creationId xmlns:a16="http://schemas.microsoft.com/office/drawing/2014/main" xmlns="" id="{C8C5C25F-D412-40E1-AE7E-770066AD61F6}"/>
+                  <a16:creationId xmlns:a16="http://schemas.microsoft.com/office/drawing/2014/main" id="{C8C5C25F-D412-40E1-AE7E-770066AD61F6}"/>
                 </a:ext>
               </a:extLst>
             </p:cNvPr>
@@ -6165,7 +8559,7 @@
             <p:cNvPr id="40" name="타원 39">
               <a:extLst>
                 <a:ext uri="{FF2B5EF4-FFF2-40B4-BE49-F238E27FC236}">
-                  <a16:creationId xmlns:a16="http://schemas.microsoft.com/office/drawing/2014/main" xmlns="" id="{5C31660C-627A-41E7-B52D-57D8B94DE146}"/>
+                  <a16:creationId xmlns:a16="http://schemas.microsoft.com/office/drawing/2014/main" id="{5C31660C-627A-41E7-B52D-57D8B94DE146}"/>
                 </a:ext>
               </a:extLst>
             </p:cNvPr>
@@ -6226,7 +8620,7 @@
             <p:cNvPr id="41" name="타원 40">
               <a:extLst>
                 <a:ext uri="{FF2B5EF4-FFF2-40B4-BE49-F238E27FC236}">
-                  <a16:creationId xmlns:a16="http://schemas.microsoft.com/office/drawing/2014/main" xmlns="" id="{E12B89BB-4323-413C-B235-A5043E575B8F}"/>
+                  <a16:creationId xmlns:a16="http://schemas.microsoft.com/office/drawing/2014/main" id="{E12B89BB-4323-413C-B235-A5043E575B8F}"/>
                 </a:ext>
               </a:extLst>
             </p:cNvPr>
@@ -6287,7 +8681,7 @@
             <p:cNvPr id="43" name="타원 42">
               <a:extLst>
                 <a:ext uri="{FF2B5EF4-FFF2-40B4-BE49-F238E27FC236}">
-                  <a16:creationId xmlns:a16="http://schemas.microsoft.com/office/drawing/2014/main" xmlns="" id="{69ADC968-8E1B-447B-BA4B-0F0A8A636EB0}"/>
+                  <a16:creationId xmlns:a16="http://schemas.microsoft.com/office/drawing/2014/main" id="{69ADC968-8E1B-447B-BA4B-0F0A8A636EB0}"/>
                 </a:ext>
               </a:extLst>
             </p:cNvPr>
@@ -6348,7 +8742,7 @@
             <p:cNvPr id="49" name="타원 48">
               <a:extLst>
                 <a:ext uri="{FF2B5EF4-FFF2-40B4-BE49-F238E27FC236}">
-                  <a16:creationId xmlns:a16="http://schemas.microsoft.com/office/drawing/2014/main" xmlns="" id="{7CA51D93-76B8-4672-9CD6-FA34364B4528}"/>
+                  <a16:creationId xmlns:a16="http://schemas.microsoft.com/office/drawing/2014/main" id="{7CA51D93-76B8-4672-9CD6-FA34364B4528}"/>
                 </a:ext>
               </a:extLst>
             </p:cNvPr>
@@ -6409,7 +8803,7 @@
             <p:cNvPr id="50" name="타원 49">
               <a:extLst>
                 <a:ext uri="{FF2B5EF4-FFF2-40B4-BE49-F238E27FC236}">
-                  <a16:creationId xmlns:a16="http://schemas.microsoft.com/office/drawing/2014/main" xmlns="" id="{9C064D83-926E-48EC-A464-D06BAA262E34}"/>
+                  <a16:creationId xmlns:a16="http://schemas.microsoft.com/office/drawing/2014/main" id="{9C064D83-926E-48EC-A464-D06BAA262E34}"/>
                 </a:ext>
               </a:extLst>
             </p:cNvPr>
@@ -6470,7 +8864,7 @@
             <p:cNvPr id="51" name="타원 50">
               <a:extLst>
                 <a:ext uri="{FF2B5EF4-FFF2-40B4-BE49-F238E27FC236}">
-                  <a16:creationId xmlns:a16="http://schemas.microsoft.com/office/drawing/2014/main" xmlns="" id="{1E1D5BBB-207E-4426-8639-4C4DCA485669}"/>
+                  <a16:creationId xmlns:a16="http://schemas.microsoft.com/office/drawing/2014/main" id="{1E1D5BBB-207E-4426-8639-4C4DCA485669}"/>
                 </a:ext>
               </a:extLst>
             </p:cNvPr>
@@ -6531,7 +8925,7 @@
             <p:cNvPr id="52" name="타원 51">
               <a:extLst>
                 <a:ext uri="{FF2B5EF4-FFF2-40B4-BE49-F238E27FC236}">
-                  <a16:creationId xmlns:a16="http://schemas.microsoft.com/office/drawing/2014/main" xmlns="" id="{A2945E18-D277-4C9C-AD44-8DC113115BB5}"/>
+                  <a16:creationId xmlns:a16="http://schemas.microsoft.com/office/drawing/2014/main" id="{A2945E18-D277-4C9C-AD44-8DC113115BB5}"/>
                 </a:ext>
               </a:extLst>
             </p:cNvPr>
@@ -6592,7 +8986,7 @@
             <p:cNvPr id="53" name="직선 화살표 연결선 52">
               <a:extLst>
                 <a:ext uri="{FF2B5EF4-FFF2-40B4-BE49-F238E27FC236}">
-                  <a16:creationId xmlns:a16="http://schemas.microsoft.com/office/drawing/2014/main" xmlns="" id="{4513CA63-E87D-435C-AB53-66F3EC906B5F}"/>
+                  <a16:creationId xmlns:a16="http://schemas.microsoft.com/office/drawing/2014/main" id="{4513CA63-E87D-435C-AB53-66F3EC906B5F}"/>
                 </a:ext>
               </a:extLst>
             </p:cNvPr>
@@ -6639,7 +9033,7 @@
             <p:cNvPr id="54" name="직선 화살표 연결선 53">
               <a:extLst>
                 <a:ext uri="{FF2B5EF4-FFF2-40B4-BE49-F238E27FC236}">
-                  <a16:creationId xmlns:a16="http://schemas.microsoft.com/office/drawing/2014/main" xmlns="" id="{9BF6BBB7-074D-421B-BFDF-3CC52BD115F3}"/>
+                  <a16:creationId xmlns:a16="http://schemas.microsoft.com/office/drawing/2014/main" id="{9BF6BBB7-074D-421B-BFDF-3CC52BD115F3}"/>
                 </a:ext>
               </a:extLst>
             </p:cNvPr>
@@ -6686,7 +9080,7 @@
             <p:cNvPr id="55" name="직선 화살표 연결선 54">
               <a:extLst>
                 <a:ext uri="{FF2B5EF4-FFF2-40B4-BE49-F238E27FC236}">
-                  <a16:creationId xmlns:a16="http://schemas.microsoft.com/office/drawing/2014/main" xmlns="" id="{3363F537-1898-4552-A65D-4B36CF140902}"/>
+                  <a16:creationId xmlns:a16="http://schemas.microsoft.com/office/drawing/2014/main" id="{3363F537-1898-4552-A65D-4B36CF140902}"/>
                 </a:ext>
               </a:extLst>
             </p:cNvPr>
@@ -6733,7 +9127,7 @@
             <p:cNvPr id="58" name="직선 화살표 연결선 57">
               <a:extLst>
                 <a:ext uri="{FF2B5EF4-FFF2-40B4-BE49-F238E27FC236}">
-                  <a16:creationId xmlns:a16="http://schemas.microsoft.com/office/drawing/2014/main" xmlns="" id="{E5DE8531-A6BE-48BC-A5F8-6DF361EAAC20}"/>
+                  <a16:creationId xmlns:a16="http://schemas.microsoft.com/office/drawing/2014/main" id="{E5DE8531-A6BE-48BC-A5F8-6DF361EAAC20}"/>
                 </a:ext>
               </a:extLst>
             </p:cNvPr>
@@ -6780,7 +9174,7 @@
             <p:cNvPr id="61" name="직선 화살표 연결선 60">
               <a:extLst>
                 <a:ext uri="{FF2B5EF4-FFF2-40B4-BE49-F238E27FC236}">
-                  <a16:creationId xmlns:a16="http://schemas.microsoft.com/office/drawing/2014/main" xmlns="" id="{9A0B5CAE-BD58-4F56-98E2-A8F1D5B293AD}"/>
+                  <a16:creationId xmlns:a16="http://schemas.microsoft.com/office/drawing/2014/main" id="{9A0B5CAE-BD58-4F56-98E2-A8F1D5B293AD}"/>
                 </a:ext>
               </a:extLst>
             </p:cNvPr>
@@ -6827,7 +9221,7 @@
             <p:cNvPr id="68" name="직선 화살표 연결선 67">
               <a:extLst>
                 <a:ext uri="{FF2B5EF4-FFF2-40B4-BE49-F238E27FC236}">
-                  <a16:creationId xmlns:a16="http://schemas.microsoft.com/office/drawing/2014/main" xmlns="" id="{C00BDD56-0349-45B6-8F96-900BC78C4667}"/>
+                  <a16:creationId xmlns:a16="http://schemas.microsoft.com/office/drawing/2014/main" id="{C00BDD56-0349-45B6-8F96-900BC78C4667}"/>
                 </a:ext>
               </a:extLst>
             </p:cNvPr>
@@ -6874,7 +9268,7 @@
             <p:cNvPr id="71" name="직선 화살표 연결선 70">
               <a:extLst>
                 <a:ext uri="{FF2B5EF4-FFF2-40B4-BE49-F238E27FC236}">
-                  <a16:creationId xmlns:a16="http://schemas.microsoft.com/office/drawing/2014/main" xmlns="" id="{2C1CF605-4CE4-4D8A-90F7-94DB0A56196E}"/>
+                  <a16:creationId xmlns:a16="http://schemas.microsoft.com/office/drawing/2014/main" id="{2C1CF605-4CE4-4D8A-90F7-94DB0A56196E}"/>
                 </a:ext>
               </a:extLst>
             </p:cNvPr>
@@ -6921,7 +9315,7 @@
             <p:cNvPr id="74" name="직선 화살표 연결선 73">
               <a:extLst>
                 <a:ext uri="{FF2B5EF4-FFF2-40B4-BE49-F238E27FC236}">
-                  <a16:creationId xmlns:a16="http://schemas.microsoft.com/office/drawing/2014/main" xmlns="" id="{BC775339-14D9-49D3-83F1-5984340C9FB0}"/>
+                  <a16:creationId xmlns:a16="http://schemas.microsoft.com/office/drawing/2014/main" id="{BC775339-14D9-49D3-83F1-5984340C9FB0}"/>
                 </a:ext>
               </a:extLst>
             </p:cNvPr>
@@ -6968,7 +9362,7 @@
             <p:cNvPr id="78" name="직선 화살표 연결선 77">
               <a:extLst>
                 <a:ext uri="{FF2B5EF4-FFF2-40B4-BE49-F238E27FC236}">
-                  <a16:creationId xmlns:a16="http://schemas.microsoft.com/office/drawing/2014/main" xmlns="" id="{82FA6B00-AF2D-4A7D-B65E-9A4F21F2D45E}"/>
+                  <a16:creationId xmlns:a16="http://schemas.microsoft.com/office/drawing/2014/main" id="{82FA6B00-AF2D-4A7D-B65E-9A4F21F2D45E}"/>
                 </a:ext>
               </a:extLst>
             </p:cNvPr>
@@ -7015,7 +9409,7 @@
             <p:cNvPr id="81" name="직선 화살표 연결선 80">
               <a:extLst>
                 <a:ext uri="{FF2B5EF4-FFF2-40B4-BE49-F238E27FC236}">
-                  <a16:creationId xmlns:a16="http://schemas.microsoft.com/office/drawing/2014/main" xmlns="" id="{56348C18-7CCA-48DB-8A79-A43FFB592C2B}"/>
+                  <a16:creationId xmlns:a16="http://schemas.microsoft.com/office/drawing/2014/main" id="{56348C18-7CCA-48DB-8A79-A43FFB592C2B}"/>
                 </a:ext>
               </a:extLst>
             </p:cNvPr>
@@ -7062,7 +9456,7 @@
             <p:cNvPr id="85" name="직선 화살표 연결선 84">
               <a:extLst>
                 <a:ext uri="{FF2B5EF4-FFF2-40B4-BE49-F238E27FC236}">
-                  <a16:creationId xmlns:a16="http://schemas.microsoft.com/office/drawing/2014/main" xmlns="" id="{2CE05B15-1350-43AB-B277-E522A265359F}"/>
+                  <a16:creationId xmlns:a16="http://schemas.microsoft.com/office/drawing/2014/main" id="{2CE05B15-1350-43AB-B277-E522A265359F}"/>
                 </a:ext>
               </a:extLst>
             </p:cNvPr>
@@ -7109,7 +9503,7 @@
             <p:cNvPr id="88" name="직선 화살표 연결선 87">
               <a:extLst>
                 <a:ext uri="{FF2B5EF4-FFF2-40B4-BE49-F238E27FC236}">
-                  <a16:creationId xmlns:a16="http://schemas.microsoft.com/office/drawing/2014/main" xmlns="" id="{7BA61633-C151-4B26-B735-A07FCB4BBDD2}"/>
+                  <a16:creationId xmlns:a16="http://schemas.microsoft.com/office/drawing/2014/main" id="{7BA61633-C151-4B26-B735-A07FCB4BBDD2}"/>
                 </a:ext>
               </a:extLst>
             </p:cNvPr>
@@ -7156,7 +9550,7 @@
             <p:cNvPr id="92" name="직선 화살표 연결선 91">
               <a:extLst>
                 <a:ext uri="{FF2B5EF4-FFF2-40B4-BE49-F238E27FC236}">
-                  <a16:creationId xmlns:a16="http://schemas.microsoft.com/office/drawing/2014/main" xmlns="" id="{224A3D39-70E4-49D0-8776-703663A9A375}"/>
+                  <a16:creationId xmlns:a16="http://schemas.microsoft.com/office/drawing/2014/main" id="{224A3D39-70E4-49D0-8776-703663A9A375}"/>
                 </a:ext>
               </a:extLst>
             </p:cNvPr>
@@ -7203,7 +9597,7 @@
             <p:cNvPr id="95" name="직선 화살표 연결선 94">
               <a:extLst>
                 <a:ext uri="{FF2B5EF4-FFF2-40B4-BE49-F238E27FC236}">
-                  <a16:creationId xmlns:a16="http://schemas.microsoft.com/office/drawing/2014/main" xmlns="" id="{270BED83-D7E8-488D-AA58-9510AA878464}"/>
+                  <a16:creationId xmlns:a16="http://schemas.microsoft.com/office/drawing/2014/main" id="{270BED83-D7E8-488D-AA58-9510AA878464}"/>
                 </a:ext>
               </a:extLst>
             </p:cNvPr>
@@ -7250,7 +9644,7 @@
             <p:cNvPr id="98" name="TextBox 97">
               <a:extLst>
                 <a:ext uri="{FF2B5EF4-FFF2-40B4-BE49-F238E27FC236}">
-                  <a16:creationId xmlns:a16="http://schemas.microsoft.com/office/drawing/2014/main" xmlns="" id="{20BFB9A8-8BB5-41CE-90BD-9460839C97C5}"/>
+                  <a16:creationId xmlns:a16="http://schemas.microsoft.com/office/drawing/2014/main" id="{20BFB9A8-8BB5-41CE-90BD-9460839C97C5}"/>
                 </a:ext>
               </a:extLst>
             </p:cNvPr>
@@ -7286,7 +9680,7 @@
             <p:cNvPr id="99" name="TextBox 98">
               <a:extLst>
                 <a:ext uri="{FF2B5EF4-FFF2-40B4-BE49-F238E27FC236}">
-                  <a16:creationId xmlns:a16="http://schemas.microsoft.com/office/drawing/2014/main" xmlns="" id="{96FE0B13-9327-4367-9D09-6853C1D34E6E}"/>
+                  <a16:creationId xmlns:a16="http://schemas.microsoft.com/office/drawing/2014/main" id="{96FE0B13-9327-4367-9D09-6853C1D34E6E}"/>
                 </a:ext>
               </a:extLst>
             </p:cNvPr>
@@ -7322,7 +9716,7 @@
             <p:cNvPr id="100" name="TextBox 99">
               <a:extLst>
                 <a:ext uri="{FF2B5EF4-FFF2-40B4-BE49-F238E27FC236}">
-                  <a16:creationId xmlns:a16="http://schemas.microsoft.com/office/drawing/2014/main" xmlns="" id="{36D0A4B3-26B9-4945-8F53-8C25B4D64404}"/>
+                  <a16:creationId xmlns:a16="http://schemas.microsoft.com/office/drawing/2014/main" id="{36D0A4B3-26B9-4945-8F53-8C25B4D64404}"/>
                 </a:ext>
               </a:extLst>
             </p:cNvPr>
@@ -7358,7 +9752,7 @@
             <p:cNvPr id="101" name="TextBox 100">
               <a:extLst>
                 <a:ext uri="{FF2B5EF4-FFF2-40B4-BE49-F238E27FC236}">
-                  <a16:creationId xmlns:a16="http://schemas.microsoft.com/office/drawing/2014/main" xmlns="" id="{B1F454B9-4113-4F46-9006-63043F22B9EA}"/>
+                  <a16:creationId xmlns:a16="http://schemas.microsoft.com/office/drawing/2014/main" id="{B1F454B9-4113-4F46-9006-63043F22B9EA}"/>
                 </a:ext>
               </a:extLst>
             </p:cNvPr>
@@ -7394,7 +9788,7 @@
             <p:cNvPr id="102" name="TextBox 101">
               <a:extLst>
                 <a:ext uri="{FF2B5EF4-FFF2-40B4-BE49-F238E27FC236}">
-                  <a16:creationId xmlns:a16="http://schemas.microsoft.com/office/drawing/2014/main" xmlns="" id="{A0AB2A6E-E783-4708-A0AD-F36EF35F4A0B}"/>
+                  <a16:creationId xmlns:a16="http://schemas.microsoft.com/office/drawing/2014/main" id="{A0AB2A6E-E783-4708-A0AD-F36EF35F4A0B}"/>
                 </a:ext>
               </a:extLst>
             </p:cNvPr>
@@ -7430,7 +9824,7 @@
             <p:cNvPr id="103" name="TextBox 102">
               <a:extLst>
                 <a:ext uri="{FF2B5EF4-FFF2-40B4-BE49-F238E27FC236}">
-                  <a16:creationId xmlns:a16="http://schemas.microsoft.com/office/drawing/2014/main" xmlns="" id="{B151B5F3-EB3D-48AE-8A5D-C527C4BA0DC8}"/>
+                  <a16:creationId xmlns:a16="http://schemas.microsoft.com/office/drawing/2014/main" id="{B151B5F3-EB3D-48AE-8A5D-C527C4BA0DC8}"/>
                 </a:ext>
               </a:extLst>
             </p:cNvPr>
@@ -7466,7 +9860,7 @@
             <p:cNvPr id="104" name="TextBox 103">
               <a:extLst>
                 <a:ext uri="{FF2B5EF4-FFF2-40B4-BE49-F238E27FC236}">
-                  <a16:creationId xmlns:a16="http://schemas.microsoft.com/office/drawing/2014/main" xmlns="" id="{6AA64CDF-8A37-416B-96B5-E0A9C100F259}"/>
+                  <a16:creationId xmlns:a16="http://schemas.microsoft.com/office/drawing/2014/main" id="{6AA64CDF-8A37-416B-96B5-E0A9C100F259}"/>
                 </a:ext>
               </a:extLst>
             </p:cNvPr>
@@ -7502,7 +9896,7 @@
             <p:cNvPr id="105" name="TextBox 104">
               <a:extLst>
                 <a:ext uri="{FF2B5EF4-FFF2-40B4-BE49-F238E27FC236}">
-                  <a16:creationId xmlns:a16="http://schemas.microsoft.com/office/drawing/2014/main" xmlns="" id="{50BDC998-6386-4FEB-A6F3-00F256693A59}"/>
+                  <a16:creationId xmlns:a16="http://schemas.microsoft.com/office/drawing/2014/main" id="{50BDC998-6386-4FEB-A6F3-00F256693A59}"/>
                 </a:ext>
               </a:extLst>
             </p:cNvPr>
@@ -7538,7 +9932,7 @@
             <p:cNvPr id="107" name="TextBox 106">
               <a:extLst>
                 <a:ext uri="{FF2B5EF4-FFF2-40B4-BE49-F238E27FC236}">
-                  <a16:creationId xmlns:a16="http://schemas.microsoft.com/office/drawing/2014/main" xmlns="" id="{88A7A659-7196-4C13-AB91-3EDB1AA42F7D}"/>
+                  <a16:creationId xmlns:a16="http://schemas.microsoft.com/office/drawing/2014/main" id="{88A7A659-7196-4C13-AB91-3EDB1AA42F7D}"/>
                 </a:ext>
               </a:extLst>
             </p:cNvPr>
@@ -7574,7 +9968,7 @@
             <p:cNvPr id="108" name="TextBox 107">
               <a:extLst>
                 <a:ext uri="{FF2B5EF4-FFF2-40B4-BE49-F238E27FC236}">
-                  <a16:creationId xmlns:a16="http://schemas.microsoft.com/office/drawing/2014/main" xmlns="" id="{71EF3D97-EBB4-4626-A205-A3263E2689FC}"/>
+                  <a16:creationId xmlns:a16="http://schemas.microsoft.com/office/drawing/2014/main" id="{71EF3D97-EBB4-4626-A205-A3263E2689FC}"/>
                 </a:ext>
               </a:extLst>
             </p:cNvPr>
@@ -7610,7 +10004,7 @@
             <p:cNvPr id="111" name="TextBox 110">
               <a:extLst>
                 <a:ext uri="{FF2B5EF4-FFF2-40B4-BE49-F238E27FC236}">
-                  <a16:creationId xmlns:a16="http://schemas.microsoft.com/office/drawing/2014/main" xmlns="" id="{D688A2A5-50D7-450E-BB6F-EEF8235B7AF5}"/>
+                  <a16:creationId xmlns:a16="http://schemas.microsoft.com/office/drawing/2014/main" id="{D688A2A5-50D7-450E-BB6F-EEF8235B7AF5}"/>
                 </a:ext>
               </a:extLst>
             </p:cNvPr>
@@ -7650,7 +10044,7 @@
             <p:cNvPr id="112" name="TextBox 111">
               <a:extLst>
                 <a:ext uri="{FF2B5EF4-FFF2-40B4-BE49-F238E27FC236}">
-                  <a16:creationId xmlns:a16="http://schemas.microsoft.com/office/drawing/2014/main" xmlns="" id="{1C7ABBCF-E8BA-45A6-8015-8C157FDBEEEB}"/>
+                  <a16:creationId xmlns:a16="http://schemas.microsoft.com/office/drawing/2014/main" id="{1C7ABBCF-E8BA-45A6-8015-8C157FDBEEEB}"/>
                 </a:ext>
               </a:extLst>
             </p:cNvPr>
@@ -7690,7 +10084,7 @@
             <p:cNvPr id="113" name="TextBox 112">
               <a:extLst>
                 <a:ext uri="{FF2B5EF4-FFF2-40B4-BE49-F238E27FC236}">
-                  <a16:creationId xmlns:a16="http://schemas.microsoft.com/office/drawing/2014/main" xmlns="" id="{8203B578-6171-4E4C-AE1D-13D494C93430}"/>
+                  <a16:creationId xmlns:a16="http://schemas.microsoft.com/office/drawing/2014/main" id="{8203B578-6171-4E4C-AE1D-13D494C93430}"/>
                 </a:ext>
               </a:extLst>
             </p:cNvPr>
@@ -7730,7 +10124,7 @@
             <p:cNvPr id="114" name="TextBox 113">
               <a:extLst>
                 <a:ext uri="{FF2B5EF4-FFF2-40B4-BE49-F238E27FC236}">
-                  <a16:creationId xmlns:a16="http://schemas.microsoft.com/office/drawing/2014/main" xmlns="" id="{61D32520-34B1-442A-BC1B-40BC274E44CD}"/>
+                  <a16:creationId xmlns:a16="http://schemas.microsoft.com/office/drawing/2014/main" id="{61D32520-34B1-442A-BC1B-40BC274E44CD}"/>
                 </a:ext>
               </a:extLst>
             </p:cNvPr>
@@ -7766,7 +10160,7 @@
             <p:cNvPr id="115" name="TextBox 114">
               <a:extLst>
                 <a:ext uri="{FF2B5EF4-FFF2-40B4-BE49-F238E27FC236}">
-                  <a16:creationId xmlns:a16="http://schemas.microsoft.com/office/drawing/2014/main" xmlns="" id="{4836F299-D0AF-4B50-87E3-4F3291D6A51F}"/>
+                  <a16:creationId xmlns:a16="http://schemas.microsoft.com/office/drawing/2014/main" id="{4836F299-D0AF-4B50-87E3-4F3291D6A51F}"/>
                 </a:ext>
               </a:extLst>
             </p:cNvPr>
@@ -7807,7 +10201,7 @@
           <p:cNvPr id="3" name="그룹 2">
             <a:extLst>
               <a:ext uri="{FF2B5EF4-FFF2-40B4-BE49-F238E27FC236}">
-                <a16:creationId xmlns:a16="http://schemas.microsoft.com/office/drawing/2014/main" xmlns="" id="{0B0FDA8E-63E6-4524-9D7B-3511C2888665}"/>
+                <a16:creationId xmlns:a16="http://schemas.microsoft.com/office/drawing/2014/main" id="{0B0FDA8E-63E6-4524-9D7B-3511C2888665}"/>
               </a:ext>
             </a:extLst>
           </p:cNvPr>
@@ -7827,7 +10221,7 @@
             <p:cNvPr id="56" name="원호 55">
               <a:extLst>
                 <a:ext uri="{FF2B5EF4-FFF2-40B4-BE49-F238E27FC236}">
-                  <a16:creationId xmlns:a16="http://schemas.microsoft.com/office/drawing/2014/main" xmlns="" id="{B59DF70E-0D4C-4D47-993D-0659D3195F29}"/>
+                  <a16:creationId xmlns:a16="http://schemas.microsoft.com/office/drawing/2014/main" id="{B59DF70E-0D4C-4D47-993D-0659D3195F29}"/>
                 </a:ext>
               </a:extLst>
             </p:cNvPr>
@@ -7884,7 +10278,7 @@
             <p:cNvPr id="57" name="TextBox 56">
               <a:extLst>
                 <a:ext uri="{FF2B5EF4-FFF2-40B4-BE49-F238E27FC236}">
-                  <a16:creationId xmlns:a16="http://schemas.microsoft.com/office/drawing/2014/main" xmlns="" id="{C89E126D-0B24-48B7-993A-A2E9ADE0C91E}"/>
+                  <a16:creationId xmlns:a16="http://schemas.microsoft.com/office/drawing/2014/main" id="{C89E126D-0B24-48B7-993A-A2E9ADE0C91E}"/>
                 </a:ext>
               </a:extLst>
             </p:cNvPr>
@@ -7924,7 +10318,7 @@
           <p:cNvPr id="59" name="그룹 58">
             <a:extLst>
               <a:ext uri="{FF2B5EF4-FFF2-40B4-BE49-F238E27FC236}">
-                <a16:creationId xmlns:a16="http://schemas.microsoft.com/office/drawing/2014/main" xmlns="" id="{3E3E2354-2A1C-48F1-A10A-F6A732E2F1AD}"/>
+                <a16:creationId xmlns:a16="http://schemas.microsoft.com/office/drawing/2014/main" id="{3E3E2354-2A1C-48F1-A10A-F6A732E2F1AD}"/>
               </a:ext>
             </a:extLst>
           </p:cNvPr>
@@ -7944,7 +10338,7 @@
             <p:cNvPr id="60" name="원호 59">
               <a:extLst>
                 <a:ext uri="{FF2B5EF4-FFF2-40B4-BE49-F238E27FC236}">
-                  <a16:creationId xmlns:a16="http://schemas.microsoft.com/office/drawing/2014/main" xmlns="" id="{B8836927-8851-4BD4-A8F9-A2FC176456F5}"/>
+                  <a16:creationId xmlns:a16="http://schemas.microsoft.com/office/drawing/2014/main" id="{B8836927-8851-4BD4-A8F9-A2FC176456F5}"/>
                 </a:ext>
               </a:extLst>
             </p:cNvPr>
@@ -8001,7 +10395,7 @@
             <p:cNvPr id="62" name="TextBox 61">
               <a:extLst>
                 <a:ext uri="{FF2B5EF4-FFF2-40B4-BE49-F238E27FC236}">
-                  <a16:creationId xmlns:a16="http://schemas.microsoft.com/office/drawing/2014/main" xmlns="" id="{93CC1778-174D-44A6-8DE5-3E1809AE1EDE}"/>
+                  <a16:creationId xmlns:a16="http://schemas.microsoft.com/office/drawing/2014/main" id="{93CC1778-174D-44A6-8DE5-3E1809AE1EDE}"/>
                 </a:ext>
               </a:extLst>
             </p:cNvPr>
@@ -8041,7 +10435,7 @@
           <p:cNvPr id="63" name="그룹 62">
             <a:extLst>
               <a:ext uri="{FF2B5EF4-FFF2-40B4-BE49-F238E27FC236}">
-                <a16:creationId xmlns:a16="http://schemas.microsoft.com/office/drawing/2014/main" xmlns="" id="{57F0132A-03BF-4211-A21D-4AF68DCA2147}"/>
+                <a16:creationId xmlns:a16="http://schemas.microsoft.com/office/drawing/2014/main" id="{57F0132A-03BF-4211-A21D-4AF68DCA2147}"/>
               </a:ext>
             </a:extLst>
           </p:cNvPr>
@@ -8061,7 +10455,7 @@
             <p:cNvPr id="64" name="원호 63">
               <a:extLst>
                 <a:ext uri="{FF2B5EF4-FFF2-40B4-BE49-F238E27FC236}">
-                  <a16:creationId xmlns:a16="http://schemas.microsoft.com/office/drawing/2014/main" xmlns="" id="{6B20DA6A-BDC7-478A-A8CB-9F14D5EAC4CE}"/>
+                  <a16:creationId xmlns:a16="http://schemas.microsoft.com/office/drawing/2014/main" id="{6B20DA6A-BDC7-478A-A8CB-9F14D5EAC4CE}"/>
                 </a:ext>
               </a:extLst>
             </p:cNvPr>
@@ -8118,7 +10512,7 @@
             <p:cNvPr id="65" name="TextBox 64">
               <a:extLst>
                 <a:ext uri="{FF2B5EF4-FFF2-40B4-BE49-F238E27FC236}">
-                  <a16:creationId xmlns:a16="http://schemas.microsoft.com/office/drawing/2014/main" xmlns="" id="{DD3027D4-038C-45ED-98E5-4C2B228F200C}"/>
+                  <a16:creationId xmlns:a16="http://schemas.microsoft.com/office/drawing/2014/main" id="{DD3027D4-038C-45ED-98E5-4C2B228F200C}"/>
                 </a:ext>
               </a:extLst>
             </p:cNvPr>
@@ -8166,7 +10560,2906 @@
 </p:sld>
 </file>
 
-<file path=ppt/slides/slide4.xml><?xml version="1.0" encoding="utf-8"?>
+<file path=ppt/slides/slide6.xml><?xml version="1.0" encoding="utf-8"?>
+<p:sld xmlns:a="http://schemas.openxmlformats.org/drawingml/2006/main" xmlns:r="http://schemas.openxmlformats.org/officeDocument/2006/relationships" xmlns:p="http://schemas.openxmlformats.org/presentationml/2006/main">
+  <p:cSld>
+    <p:spTree>
+      <p:nvGrpSpPr>
+        <p:cNvPr id="1" name=""/>
+        <p:cNvGrpSpPr/>
+        <p:nvPr/>
+      </p:nvGrpSpPr>
+      <p:grpSpPr>
+        <a:xfrm>
+          <a:off x="0" y="0"/>
+          <a:ext cx="0" cy="0"/>
+          <a:chOff x="0" y="0"/>
+          <a:chExt cx="0" cy="0"/>
+        </a:xfrm>
+      </p:grpSpPr>
+      <p:grpSp>
+        <p:nvGrpSpPr>
+          <p:cNvPr id="2" name="그룹 1">
+            <a:extLst>
+              <a:ext uri="{FF2B5EF4-FFF2-40B4-BE49-F238E27FC236}">
+                <a16:creationId xmlns:a16="http://schemas.microsoft.com/office/drawing/2014/main" id="{24E53B73-DF1A-42C3-8E9B-10BC4F4CDA32}"/>
+              </a:ext>
+            </a:extLst>
+          </p:cNvPr>
+          <p:cNvGrpSpPr/>
+          <p:nvPr/>
+        </p:nvGrpSpPr>
+        <p:grpSpPr>
+          <a:xfrm>
+            <a:off x="1308272" y="226153"/>
+            <a:ext cx="6527456" cy="5851695"/>
+            <a:chOff x="1002521" y="226153"/>
+            <a:chExt cx="7138958" cy="6399891"/>
+          </a:xfrm>
+        </p:grpSpPr>
+        <p:cxnSp>
+          <p:nvCxnSpPr>
+            <p:cNvPr id="5" name="직선 화살표 연결선 4">
+              <a:extLst>
+                <a:ext uri="{FF2B5EF4-FFF2-40B4-BE49-F238E27FC236}">
+                  <a16:creationId xmlns:a16="http://schemas.microsoft.com/office/drawing/2014/main" id="{3048DF74-5E5E-4CB8-86FF-80D42183DF68}"/>
+                </a:ext>
+              </a:extLst>
+            </p:cNvPr>
+            <p:cNvCxnSpPr/>
+            <p:nvPr/>
+          </p:nvCxnSpPr>
+          <p:spPr>
+            <a:xfrm>
+              <a:off x="1075885" y="5509305"/>
+              <a:ext cx="7065594" cy="0"/>
+            </a:xfrm>
+            <a:prstGeom prst="straightConnector1">
+              <a:avLst/>
+            </a:prstGeom>
+            <a:ln w="57150">
+              <a:solidFill>
+                <a:schemeClr val="tx1"/>
+              </a:solidFill>
+              <a:tailEnd type="triangle"/>
+            </a:ln>
+          </p:spPr>
+          <p:style>
+            <a:lnRef idx="1">
+              <a:schemeClr val="accent1"/>
+            </a:lnRef>
+            <a:fillRef idx="0">
+              <a:schemeClr val="accent1"/>
+            </a:fillRef>
+            <a:effectRef idx="0">
+              <a:schemeClr val="accent1"/>
+            </a:effectRef>
+            <a:fontRef idx="minor">
+              <a:schemeClr val="tx1"/>
+            </a:fontRef>
+          </p:style>
+        </p:cxnSp>
+        <p:cxnSp>
+          <p:nvCxnSpPr>
+            <p:cNvPr id="7" name="직선 연결선 6">
+              <a:extLst>
+                <a:ext uri="{FF2B5EF4-FFF2-40B4-BE49-F238E27FC236}">
+                  <a16:creationId xmlns:a16="http://schemas.microsoft.com/office/drawing/2014/main" id="{AF1934DE-E570-4214-9B15-4FA9BCADD148}"/>
+                </a:ext>
+              </a:extLst>
+            </p:cNvPr>
+            <p:cNvCxnSpPr/>
+            <p:nvPr/>
+          </p:nvCxnSpPr>
+          <p:spPr>
+            <a:xfrm>
+              <a:off x="1515331" y="5281240"/>
+              <a:ext cx="0" cy="489914"/>
+            </a:xfrm>
+            <a:prstGeom prst="line">
+              <a:avLst/>
+            </a:prstGeom>
+            <a:ln w="19050">
+              <a:solidFill>
+                <a:schemeClr val="tx1"/>
+              </a:solidFill>
+            </a:ln>
+          </p:spPr>
+          <p:style>
+            <a:lnRef idx="1">
+              <a:schemeClr val="accent1"/>
+            </a:lnRef>
+            <a:fillRef idx="0">
+              <a:schemeClr val="accent1"/>
+            </a:fillRef>
+            <a:effectRef idx="0">
+              <a:schemeClr val="accent1"/>
+            </a:effectRef>
+            <a:fontRef idx="minor">
+              <a:schemeClr val="tx1"/>
+            </a:fontRef>
+          </p:style>
+        </p:cxnSp>
+        <p:sp>
+          <p:nvSpPr>
+            <p:cNvPr id="9" name="TextBox 8">
+              <a:extLst>
+                <a:ext uri="{FF2B5EF4-FFF2-40B4-BE49-F238E27FC236}">
+                  <a16:creationId xmlns:a16="http://schemas.microsoft.com/office/drawing/2014/main" id="{26C6BEE3-45C9-48D2-8CBC-780F4116447E}"/>
+                </a:ext>
+              </a:extLst>
+            </p:cNvPr>
+            <p:cNvSpPr txBox="1"/>
+            <p:nvPr/>
+          </p:nvSpPr>
+          <p:spPr>
+            <a:xfrm>
+              <a:off x="1224621" y="5771155"/>
+              <a:ext cx="571115" cy="336610"/>
+            </a:xfrm>
+            <a:prstGeom prst="rect">
+              <a:avLst/>
+            </a:prstGeom>
+            <a:noFill/>
+          </p:spPr>
+          <p:txBody>
+            <a:bodyPr wrap="none" rtlCol="0">
+              <a:spAutoFit/>
+            </a:bodyPr>
+            <a:lstStyle/>
+            <a:p>
+              <a:pPr algn="ctr"/>
+              <a:r>
+                <a:rPr lang="en-US" altLang="ko-KR" sz="1400" dirty="0"/>
+                <a:t>Now</a:t>
+              </a:r>
+              <a:endParaRPr lang="ko-KR" altLang="en-US" sz="1400" dirty="0"/>
+            </a:p>
+          </p:txBody>
+        </p:sp>
+        <p:sp>
+          <p:nvSpPr>
+            <p:cNvPr id="11" name="타원 10">
+              <a:extLst>
+                <a:ext uri="{FF2B5EF4-FFF2-40B4-BE49-F238E27FC236}">
+                  <a16:creationId xmlns:a16="http://schemas.microsoft.com/office/drawing/2014/main" id="{2A127D0C-EC26-4CE3-9068-6F2B3AD119BB}"/>
+                </a:ext>
+              </a:extLst>
+            </p:cNvPr>
+            <p:cNvSpPr/>
+            <p:nvPr/>
+          </p:nvSpPr>
+          <p:spPr>
+            <a:xfrm>
+              <a:off x="1002521" y="4111762"/>
+              <a:ext cx="1048237" cy="1027583"/>
+            </a:xfrm>
+            <a:prstGeom prst="ellipse">
+              <a:avLst/>
+            </a:prstGeom>
+            <a:solidFill>
+              <a:schemeClr val="accent1">
+                <a:lumMod val="20000"/>
+                <a:lumOff val="80000"/>
+              </a:schemeClr>
+            </a:solidFill>
+            <a:ln w="28575">
+              <a:solidFill>
+                <a:schemeClr val="tx1"/>
+              </a:solidFill>
+            </a:ln>
+          </p:spPr>
+          <p:style>
+            <a:lnRef idx="2">
+              <a:schemeClr val="accent1">
+                <a:shade val="50000"/>
+              </a:schemeClr>
+            </a:lnRef>
+            <a:fillRef idx="1">
+              <a:schemeClr val="accent1"/>
+            </a:fillRef>
+            <a:effectRef idx="0">
+              <a:schemeClr val="accent1"/>
+            </a:effectRef>
+            <a:fontRef idx="minor">
+              <a:schemeClr val="lt1"/>
+            </a:fontRef>
+          </p:style>
+          <p:txBody>
+            <a:bodyPr rtlCol="0" anchor="ctr"/>
+            <a:lstStyle/>
+            <a:p>
+              <a:pPr algn="ctr"/>
+              <a:r>
+                <a:rPr lang="en-US" altLang="ko-KR" sz="2000" dirty="0">
+                  <a:solidFill>
+                    <a:schemeClr val="tx1"/>
+                  </a:solidFill>
+                </a:rPr>
+                <a:t>$1</a:t>
+              </a:r>
+              <a:endParaRPr lang="ko-KR" altLang="en-US" sz="2000" dirty="0">
+                <a:solidFill>
+                  <a:schemeClr val="tx1"/>
+                </a:solidFill>
+              </a:endParaRPr>
+            </a:p>
+          </p:txBody>
+        </p:sp>
+        <p:cxnSp>
+          <p:nvCxnSpPr>
+            <p:cNvPr id="8" name="직선 연결선 7">
+              <a:extLst>
+                <a:ext uri="{FF2B5EF4-FFF2-40B4-BE49-F238E27FC236}">
+                  <a16:creationId xmlns:a16="http://schemas.microsoft.com/office/drawing/2014/main" id="{A064F863-9824-4F7E-BC19-817AD5FCA1EC}"/>
+                </a:ext>
+              </a:extLst>
+            </p:cNvPr>
+            <p:cNvCxnSpPr/>
+            <p:nvPr/>
+          </p:nvCxnSpPr>
+          <p:spPr>
+            <a:xfrm>
+              <a:off x="7374604" y="5281240"/>
+              <a:ext cx="0" cy="489914"/>
+            </a:xfrm>
+            <a:prstGeom prst="line">
+              <a:avLst/>
+            </a:prstGeom>
+            <a:ln w="19050">
+              <a:solidFill>
+                <a:schemeClr val="tx1"/>
+              </a:solidFill>
+            </a:ln>
+          </p:spPr>
+          <p:style>
+            <a:lnRef idx="1">
+              <a:schemeClr val="accent1"/>
+            </a:lnRef>
+            <a:fillRef idx="0">
+              <a:schemeClr val="accent1"/>
+            </a:fillRef>
+            <a:effectRef idx="0">
+              <a:schemeClr val="accent1"/>
+            </a:effectRef>
+            <a:fontRef idx="minor">
+              <a:schemeClr val="tx1"/>
+            </a:fontRef>
+          </p:style>
+        </p:cxnSp>
+        <p:sp>
+          <p:nvSpPr>
+            <p:cNvPr id="10" name="TextBox 9">
+              <a:extLst>
+                <a:ext uri="{FF2B5EF4-FFF2-40B4-BE49-F238E27FC236}">
+                  <a16:creationId xmlns:a16="http://schemas.microsoft.com/office/drawing/2014/main" id="{4E9EF6EA-FFF8-40EF-93DB-618165D68796}"/>
+                </a:ext>
+              </a:extLst>
+            </p:cNvPr>
+            <p:cNvSpPr txBox="1"/>
+            <p:nvPr/>
+          </p:nvSpPr>
+          <p:spPr>
+            <a:xfrm>
+              <a:off x="6825860" y="5771155"/>
+              <a:ext cx="1107307" cy="336610"/>
+            </a:xfrm>
+            <a:prstGeom prst="rect">
+              <a:avLst/>
+            </a:prstGeom>
+            <a:noFill/>
+          </p:spPr>
+          <p:txBody>
+            <a:bodyPr wrap="none" rtlCol="0">
+              <a:spAutoFit/>
+            </a:bodyPr>
+            <a:lstStyle/>
+            <a:p>
+              <a:pPr algn="ctr"/>
+              <a:r>
+                <a:rPr lang="en-US" altLang="ko-KR" sz="1400" dirty="0"/>
+                <a:t>1 year later</a:t>
+              </a:r>
+              <a:endParaRPr lang="ko-KR" altLang="en-US" sz="1400" dirty="0"/>
+            </a:p>
+          </p:txBody>
+        </p:sp>
+        <p:sp>
+          <p:nvSpPr>
+            <p:cNvPr id="12" name="타원 11">
+              <a:extLst>
+                <a:ext uri="{FF2B5EF4-FFF2-40B4-BE49-F238E27FC236}">
+                  <a16:creationId xmlns:a16="http://schemas.microsoft.com/office/drawing/2014/main" id="{CE33B9DA-EB3B-4332-BE24-7BAF31F9546E}"/>
+                </a:ext>
+              </a:extLst>
+            </p:cNvPr>
+            <p:cNvSpPr/>
+            <p:nvPr/>
+          </p:nvSpPr>
+          <p:spPr>
+            <a:xfrm>
+              <a:off x="6866947" y="4111762"/>
+              <a:ext cx="1048237" cy="1027583"/>
+            </a:xfrm>
+            <a:prstGeom prst="ellipse">
+              <a:avLst/>
+            </a:prstGeom>
+            <a:solidFill>
+              <a:schemeClr val="accent1">
+                <a:lumMod val="20000"/>
+                <a:lumOff val="80000"/>
+              </a:schemeClr>
+            </a:solidFill>
+            <a:ln w="28575">
+              <a:solidFill>
+                <a:schemeClr val="tx1"/>
+              </a:solidFill>
+            </a:ln>
+          </p:spPr>
+          <p:style>
+            <a:lnRef idx="2">
+              <a:schemeClr val="accent1">
+                <a:shade val="50000"/>
+              </a:schemeClr>
+            </a:lnRef>
+            <a:fillRef idx="1">
+              <a:schemeClr val="accent1"/>
+            </a:fillRef>
+            <a:effectRef idx="0">
+              <a:schemeClr val="accent1"/>
+            </a:effectRef>
+            <a:fontRef idx="minor">
+              <a:schemeClr val="lt1"/>
+            </a:fontRef>
+          </p:style>
+          <p:txBody>
+            <a:bodyPr rtlCol="0" anchor="ctr"/>
+            <a:lstStyle/>
+            <a:p>
+              <a:pPr algn="ctr"/>
+              <a:r>
+                <a:rPr lang="en-US" altLang="ko-KR" sz="2000" dirty="0">
+                  <a:solidFill>
+                    <a:schemeClr val="tx1"/>
+                  </a:solidFill>
+                </a:rPr>
+                <a:t>$1</a:t>
+              </a:r>
+              <a:endParaRPr lang="ko-KR" altLang="en-US" sz="2000" dirty="0">
+                <a:solidFill>
+                  <a:schemeClr val="tx1"/>
+                </a:solidFill>
+              </a:endParaRPr>
+            </a:p>
+          </p:txBody>
+        </p:sp>
+        <p:sp>
+          <p:nvSpPr>
+            <p:cNvPr id="13" name="타원 12">
+              <a:extLst>
+                <a:ext uri="{FF2B5EF4-FFF2-40B4-BE49-F238E27FC236}">
+                  <a16:creationId xmlns:a16="http://schemas.microsoft.com/office/drawing/2014/main" id="{6EE1F3B5-CFEE-43DC-820C-44C5297DF226}"/>
+                </a:ext>
+              </a:extLst>
+            </p:cNvPr>
+            <p:cNvSpPr/>
+            <p:nvPr/>
+          </p:nvSpPr>
+          <p:spPr>
+            <a:xfrm>
+              <a:off x="5235344" y="2853716"/>
+              <a:ext cx="401824" cy="393907"/>
+            </a:xfrm>
+            <a:prstGeom prst="ellipse">
+              <a:avLst/>
+            </a:prstGeom>
+            <a:solidFill>
+              <a:schemeClr val="accent1">
+                <a:lumMod val="20000"/>
+                <a:lumOff val="80000"/>
+              </a:schemeClr>
+            </a:solidFill>
+            <a:ln w="28575">
+              <a:solidFill>
+                <a:schemeClr val="tx1"/>
+              </a:solidFill>
+            </a:ln>
+          </p:spPr>
+          <p:style>
+            <a:lnRef idx="2">
+              <a:schemeClr val="accent1">
+                <a:shade val="50000"/>
+              </a:schemeClr>
+            </a:lnRef>
+            <a:fillRef idx="1">
+              <a:schemeClr val="accent1"/>
+            </a:fillRef>
+            <a:effectRef idx="0">
+              <a:schemeClr val="accent1"/>
+            </a:effectRef>
+            <a:fontRef idx="minor">
+              <a:schemeClr val="lt1"/>
+            </a:fontRef>
+          </p:style>
+          <p:txBody>
+            <a:bodyPr rtlCol="0" anchor="ctr"/>
+            <a:lstStyle/>
+            <a:p>
+              <a:pPr algn="ctr"/>
+              <a:endParaRPr lang="ko-KR" altLang="en-US" sz="1600" dirty="0">
+                <a:solidFill>
+                  <a:schemeClr val="tx1"/>
+                </a:solidFill>
+              </a:endParaRPr>
+            </a:p>
+          </p:txBody>
+        </p:sp>
+        <p:sp>
+          <p:nvSpPr>
+            <p:cNvPr id="21" name="타원 20">
+              <a:extLst>
+                <a:ext uri="{FF2B5EF4-FFF2-40B4-BE49-F238E27FC236}">
+                  <a16:creationId xmlns:a16="http://schemas.microsoft.com/office/drawing/2014/main" id="{092D3612-DC5E-4C36-9D13-0353C9060E14}"/>
+                </a:ext>
+              </a:extLst>
+            </p:cNvPr>
+            <p:cNvSpPr/>
+            <p:nvPr/>
+          </p:nvSpPr>
+          <p:spPr>
+            <a:xfrm>
+              <a:off x="5235344" y="1739247"/>
+              <a:ext cx="401824" cy="393907"/>
+            </a:xfrm>
+            <a:prstGeom prst="ellipse">
+              <a:avLst/>
+            </a:prstGeom>
+            <a:solidFill>
+              <a:schemeClr val="accent1">
+                <a:lumMod val="20000"/>
+                <a:lumOff val="80000"/>
+              </a:schemeClr>
+            </a:solidFill>
+            <a:ln w="28575">
+              <a:solidFill>
+                <a:schemeClr val="tx1"/>
+              </a:solidFill>
+            </a:ln>
+          </p:spPr>
+          <p:style>
+            <a:lnRef idx="2">
+              <a:schemeClr val="accent1">
+                <a:shade val="50000"/>
+              </a:schemeClr>
+            </a:lnRef>
+            <a:fillRef idx="1">
+              <a:schemeClr val="accent1"/>
+            </a:fillRef>
+            <a:effectRef idx="0">
+              <a:schemeClr val="accent1"/>
+            </a:effectRef>
+            <a:fontRef idx="minor">
+              <a:schemeClr val="lt1"/>
+            </a:fontRef>
+          </p:style>
+          <p:txBody>
+            <a:bodyPr rtlCol="0" anchor="ctr"/>
+            <a:lstStyle/>
+            <a:p>
+              <a:pPr algn="ctr"/>
+              <a:endParaRPr lang="ko-KR" altLang="en-US" sz="1600" dirty="0">
+                <a:solidFill>
+                  <a:schemeClr val="tx1"/>
+                </a:solidFill>
+              </a:endParaRPr>
+            </a:p>
+          </p:txBody>
+        </p:sp>
+        <p:sp>
+          <p:nvSpPr>
+            <p:cNvPr id="22" name="타원 21">
+              <a:extLst>
+                <a:ext uri="{FF2B5EF4-FFF2-40B4-BE49-F238E27FC236}">
+                  <a16:creationId xmlns:a16="http://schemas.microsoft.com/office/drawing/2014/main" id="{614726C9-1BC5-43C7-B04D-3F847854E625}"/>
+                </a:ext>
+              </a:extLst>
+            </p:cNvPr>
+            <p:cNvSpPr/>
+            <p:nvPr/>
+          </p:nvSpPr>
+          <p:spPr>
+            <a:xfrm>
+              <a:off x="5313962" y="784196"/>
+              <a:ext cx="244589" cy="239769"/>
+            </a:xfrm>
+            <a:prstGeom prst="ellipse">
+              <a:avLst/>
+            </a:prstGeom>
+            <a:solidFill>
+              <a:schemeClr val="accent1">
+                <a:lumMod val="20000"/>
+                <a:lumOff val="80000"/>
+              </a:schemeClr>
+            </a:solidFill>
+            <a:ln w="28575">
+              <a:solidFill>
+                <a:schemeClr val="tx1"/>
+              </a:solidFill>
+            </a:ln>
+          </p:spPr>
+          <p:style>
+            <a:lnRef idx="2">
+              <a:schemeClr val="accent1">
+                <a:shade val="50000"/>
+              </a:schemeClr>
+            </a:lnRef>
+            <a:fillRef idx="1">
+              <a:schemeClr val="accent1"/>
+            </a:fillRef>
+            <a:effectRef idx="0">
+              <a:schemeClr val="accent1"/>
+            </a:effectRef>
+            <a:fontRef idx="minor">
+              <a:schemeClr val="lt1"/>
+            </a:fontRef>
+          </p:style>
+          <p:txBody>
+            <a:bodyPr rtlCol="0" anchor="ctr"/>
+            <a:lstStyle/>
+            <a:p>
+              <a:pPr algn="ctr"/>
+              <a:endParaRPr lang="ko-KR" altLang="en-US" sz="1050" dirty="0">
+                <a:solidFill>
+                  <a:schemeClr val="tx1"/>
+                </a:solidFill>
+              </a:endParaRPr>
+            </a:p>
+          </p:txBody>
+        </p:sp>
+        <p:sp>
+          <p:nvSpPr>
+            <p:cNvPr id="14" name="타원 13">
+              <a:extLst>
+                <a:ext uri="{FF2B5EF4-FFF2-40B4-BE49-F238E27FC236}">
+                  <a16:creationId xmlns:a16="http://schemas.microsoft.com/office/drawing/2014/main" id="{D5AE3287-1A33-4CA0-A988-68ABF63144AA}"/>
+                </a:ext>
+              </a:extLst>
+            </p:cNvPr>
+            <p:cNvSpPr/>
+            <p:nvPr/>
+          </p:nvSpPr>
+          <p:spPr>
+            <a:xfrm>
+              <a:off x="2957329" y="4111762"/>
+              <a:ext cx="1048237" cy="1027583"/>
+            </a:xfrm>
+            <a:prstGeom prst="ellipse">
+              <a:avLst/>
+            </a:prstGeom>
+            <a:solidFill>
+              <a:schemeClr val="accent1">
+                <a:lumMod val="20000"/>
+                <a:lumOff val="80000"/>
+              </a:schemeClr>
+            </a:solidFill>
+            <a:ln w="28575">
+              <a:solidFill>
+                <a:schemeClr val="tx1"/>
+              </a:solidFill>
+            </a:ln>
+          </p:spPr>
+          <p:style>
+            <a:lnRef idx="2">
+              <a:schemeClr val="accent1">
+                <a:shade val="50000"/>
+              </a:schemeClr>
+            </a:lnRef>
+            <a:fillRef idx="1">
+              <a:schemeClr val="accent1"/>
+            </a:fillRef>
+            <a:effectRef idx="0">
+              <a:schemeClr val="accent1"/>
+            </a:effectRef>
+            <a:fontRef idx="minor">
+              <a:schemeClr val="lt1"/>
+            </a:fontRef>
+          </p:style>
+          <p:txBody>
+            <a:bodyPr rtlCol="0" anchor="ctr"/>
+            <a:lstStyle/>
+            <a:p>
+              <a:pPr algn="ctr"/>
+              <a:r>
+                <a:rPr lang="en-US" altLang="ko-KR" sz="2000" dirty="0">
+                  <a:solidFill>
+                    <a:schemeClr val="tx1"/>
+                  </a:solidFill>
+                </a:rPr>
+                <a:t>$1</a:t>
+              </a:r>
+              <a:endParaRPr lang="ko-KR" altLang="en-US" sz="2000" dirty="0">
+                <a:solidFill>
+                  <a:schemeClr val="tx1"/>
+                </a:solidFill>
+              </a:endParaRPr>
+            </a:p>
+          </p:txBody>
+        </p:sp>
+        <p:sp>
+          <p:nvSpPr>
+            <p:cNvPr id="17" name="타원 16">
+              <a:extLst>
+                <a:ext uri="{FF2B5EF4-FFF2-40B4-BE49-F238E27FC236}">
+                  <a16:creationId xmlns:a16="http://schemas.microsoft.com/office/drawing/2014/main" id="{64D0CB17-0D43-409B-96FF-698980383B1E}"/>
+                </a:ext>
+              </a:extLst>
+            </p:cNvPr>
+            <p:cNvSpPr/>
+            <p:nvPr/>
+          </p:nvSpPr>
+          <p:spPr>
+            <a:xfrm>
+              <a:off x="3280536" y="1739247"/>
+              <a:ext cx="401824" cy="393907"/>
+            </a:xfrm>
+            <a:prstGeom prst="ellipse">
+              <a:avLst/>
+            </a:prstGeom>
+            <a:solidFill>
+              <a:schemeClr val="accent1">
+                <a:lumMod val="20000"/>
+                <a:lumOff val="80000"/>
+              </a:schemeClr>
+            </a:solidFill>
+            <a:ln w="28575">
+              <a:solidFill>
+                <a:schemeClr val="tx1"/>
+              </a:solidFill>
+            </a:ln>
+          </p:spPr>
+          <p:style>
+            <a:lnRef idx="2">
+              <a:schemeClr val="accent1">
+                <a:shade val="50000"/>
+              </a:schemeClr>
+            </a:lnRef>
+            <a:fillRef idx="1">
+              <a:schemeClr val="accent1"/>
+            </a:fillRef>
+            <a:effectRef idx="0">
+              <a:schemeClr val="accent1"/>
+            </a:effectRef>
+            <a:fontRef idx="minor">
+              <a:schemeClr val="lt1"/>
+            </a:fontRef>
+          </p:style>
+          <p:txBody>
+            <a:bodyPr rtlCol="0" anchor="ctr"/>
+            <a:lstStyle/>
+            <a:p>
+              <a:pPr algn="ctr"/>
+              <a:endParaRPr lang="ko-KR" altLang="en-US" sz="600" dirty="0">
+                <a:solidFill>
+                  <a:schemeClr val="tx1"/>
+                </a:solidFill>
+              </a:endParaRPr>
+            </a:p>
+          </p:txBody>
+        </p:sp>
+        <p:cxnSp>
+          <p:nvCxnSpPr>
+            <p:cNvPr id="24" name="직선 연결선 23">
+              <a:extLst>
+                <a:ext uri="{FF2B5EF4-FFF2-40B4-BE49-F238E27FC236}">
+                  <a16:creationId xmlns:a16="http://schemas.microsoft.com/office/drawing/2014/main" id="{88879257-1E9C-4CF9-909B-3C89954AB66E}"/>
+                </a:ext>
+              </a:extLst>
+            </p:cNvPr>
+            <p:cNvCxnSpPr/>
+            <p:nvPr/>
+          </p:nvCxnSpPr>
+          <p:spPr>
+            <a:xfrm>
+              <a:off x="3476540" y="5281240"/>
+              <a:ext cx="0" cy="489914"/>
+            </a:xfrm>
+            <a:prstGeom prst="line">
+              <a:avLst/>
+            </a:prstGeom>
+            <a:ln w="19050">
+              <a:solidFill>
+                <a:schemeClr val="tx1"/>
+              </a:solidFill>
+            </a:ln>
+          </p:spPr>
+          <p:style>
+            <a:lnRef idx="1">
+              <a:schemeClr val="accent1"/>
+            </a:lnRef>
+            <a:fillRef idx="0">
+              <a:schemeClr val="accent1"/>
+            </a:fillRef>
+            <a:effectRef idx="0">
+              <a:schemeClr val="accent1"/>
+            </a:effectRef>
+            <a:fontRef idx="minor">
+              <a:schemeClr val="tx1"/>
+            </a:fontRef>
+          </p:style>
+        </p:cxnSp>
+        <p:sp>
+          <p:nvSpPr>
+            <p:cNvPr id="25" name="TextBox 24">
+              <a:extLst>
+                <a:ext uri="{FF2B5EF4-FFF2-40B4-BE49-F238E27FC236}">
+                  <a16:creationId xmlns:a16="http://schemas.microsoft.com/office/drawing/2014/main" id="{06493C71-E8DA-408C-BFAD-FA488F3C0B55}"/>
+                </a:ext>
+              </a:extLst>
+            </p:cNvPr>
+            <p:cNvSpPr txBox="1"/>
+            <p:nvPr/>
+          </p:nvSpPr>
+          <p:spPr>
+            <a:xfrm>
+              <a:off x="2797785" y="5771155"/>
+              <a:ext cx="1367337" cy="336610"/>
+            </a:xfrm>
+            <a:prstGeom prst="rect">
+              <a:avLst/>
+            </a:prstGeom>
+            <a:noFill/>
+          </p:spPr>
+          <p:txBody>
+            <a:bodyPr wrap="none" rtlCol="0">
+              <a:spAutoFit/>
+            </a:bodyPr>
+            <a:lstStyle/>
+            <a:p>
+              <a:pPr algn="ctr"/>
+              <a:r>
+                <a:rPr lang="en-US" altLang="ko-KR" sz="1400" dirty="0"/>
+                <a:t>4 months later</a:t>
+              </a:r>
+              <a:endParaRPr lang="ko-KR" altLang="en-US" sz="1400" dirty="0"/>
+            </a:p>
+          </p:txBody>
+        </p:sp>
+        <p:sp>
+          <p:nvSpPr>
+            <p:cNvPr id="26" name="타원 25">
+              <a:extLst>
+                <a:ext uri="{FF2B5EF4-FFF2-40B4-BE49-F238E27FC236}">
+                  <a16:creationId xmlns:a16="http://schemas.microsoft.com/office/drawing/2014/main" id="{E7CE0826-8DFF-406A-B72E-5AB481ECA150}"/>
+                </a:ext>
+              </a:extLst>
+            </p:cNvPr>
+            <p:cNvSpPr/>
+            <p:nvPr/>
+          </p:nvSpPr>
+          <p:spPr>
+            <a:xfrm>
+              <a:off x="4912137" y="4111762"/>
+              <a:ext cx="1048237" cy="1027583"/>
+            </a:xfrm>
+            <a:prstGeom prst="ellipse">
+              <a:avLst/>
+            </a:prstGeom>
+            <a:solidFill>
+              <a:schemeClr val="accent1">
+                <a:lumMod val="20000"/>
+                <a:lumOff val="80000"/>
+              </a:schemeClr>
+            </a:solidFill>
+            <a:ln w="28575">
+              <a:solidFill>
+                <a:schemeClr val="tx1"/>
+              </a:solidFill>
+            </a:ln>
+          </p:spPr>
+          <p:style>
+            <a:lnRef idx="2">
+              <a:schemeClr val="accent1">
+                <a:shade val="50000"/>
+              </a:schemeClr>
+            </a:lnRef>
+            <a:fillRef idx="1">
+              <a:schemeClr val="accent1"/>
+            </a:fillRef>
+            <a:effectRef idx="0">
+              <a:schemeClr val="accent1"/>
+            </a:effectRef>
+            <a:fontRef idx="minor">
+              <a:schemeClr val="lt1"/>
+            </a:fontRef>
+          </p:style>
+          <p:txBody>
+            <a:bodyPr rtlCol="0" anchor="ctr"/>
+            <a:lstStyle/>
+            <a:p>
+              <a:pPr algn="ctr"/>
+              <a:r>
+                <a:rPr lang="en-US" altLang="ko-KR" sz="2000" dirty="0">
+                  <a:solidFill>
+                    <a:schemeClr val="tx1"/>
+                  </a:solidFill>
+                </a:rPr>
+                <a:t>$1</a:t>
+              </a:r>
+              <a:endParaRPr lang="ko-KR" altLang="en-US" sz="2000" dirty="0">
+                <a:solidFill>
+                  <a:schemeClr val="tx1"/>
+                </a:solidFill>
+              </a:endParaRPr>
+            </a:p>
+          </p:txBody>
+        </p:sp>
+        <p:cxnSp>
+          <p:nvCxnSpPr>
+            <p:cNvPr id="28" name="직선 연결선 27">
+              <a:extLst>
+                <a:ext uri="{FF2B5EF4-FFF2-40B4-BE49-F238E27FC236}">
+                  <a16:creationId xmlns:a16="http://schemas.microsoft.com/office/drawing/2014/main" id="{9A6E630A-B055-4F15-9D8E-71575DF75526}"/>
+                </a:ext>
+              </a:extLst>
+            </p:cNvPr>
+            <p:cNvCxnSpPr/>
+            <p:nvPr/>
+          </p:nvCxnSpPr>
+          <p:spPr>
+            <a:xfrm>
+              <a:off x="5431348" y="5281240"/>
+              <a:ext cx="0" cy="489914"/>
+            </a:xfrm>
+            <a:prstGeom prst="line">
+              <a:avLst/>
+            </a:prstGeom>
+            <a:ln w="19050">
+              <a:solidFill>
+                <a:schemeClr val="tx1"/>
+              </a:solidFill>
+            </a:ln>
+          </p:spPr>
+          <p:style>
+            <a:lnRef idx="1">
+              <a:schemeClr val="accent1"/>
+            </a:lnRef>
+            <a:fillRef idx="0">
+              <a:schemeClr val="accent1"/>
+            </a:fillRef>
+            <a:effectRef idx="0">
+              <a:schemeClr val="accent1"/>
+            </a:effectRef>
+            <a:fontRef idx="minor">
+              <a:schemeClr val="tx1"/>
+            </a:fontRef>
+          </p:style>
+        </p:cxnSp>
+        <p:sp>
+          <p:nvSpPr>
+            <p:cNvPr id="29" name="TextBox 28">
+              <a:extLst>
+                <a:ext uri="{FF2B5EF4-FFF2-40B4-BE49-F238E27FC236}">
+                  <a16:creationId xmlns:a16="http://schemas.microsoft.com/office/drawing/2014/main" id="{C8C5C25F-D412-40E1-AE7E-770066AD61F6}"/>
+                </a:ext>
+              </a:extLst>
+            </p:cNvPr>
+            <p:cNvSpPr txBox="1"/>
+            <p:nvPr/>
+          </p:nvSpPr>
+          <p:spPr>
+            <a:xfrm>
+              <a:off x="4752589" y="5771155"/>
+              <a:ext cx="1367336" cy="336610"/>
+            </a:xfrm>
+            <a:prstGeom prst="rect">
+              <a:avLst/>
+            </a:prstGeom>
+            <a:noFill/>
+          </p:spPr>
+          <p:txBody>
+            <a:bodyPr wrap="none" rtlCol="0">
+              <a:spAutoFit/>
+            </a:bodyPr>
+            <a:lstStyle/>
+            <a:p>
+              <a:pPr algn="ctr"/>
+              <a:r>
+                <a:rPr lang="en-US" altLang="ko-KR" sz="1400" dirty="0"/>
+                <a:t>8 months later</a:t>
+              </a:r>
+              <a:endParaRPr lang="ko-KR" altLang="en-US" sz="1400" dirty="0"/>
+            </a:p>
+          </p:txBody>
+        </p:sp>
+        <p:sp>
+          <p:nvSpPr>
+            <p:cNvPr id="40" name="타원 39">
+              <a:extLst>
+                <a:ext uri="{FF2B5EF4-FFF2-40B4-BE49-F238E27FC236}">
+                  <a16:creationId xmlns:a16="http://schemas.microsoft.com/office/drawing/2014/main" id="{5C31660C-627A-41E7-B52D-57D8B94DE146}"/>
+                </a:ext>
+              </a:extLst>
+            </p:cNvPr>
+            <p:cNvSpPr/>
+            <p:nvPr/>
+          </p:nvSpPr>
+          <p:spPr>
+            <a:xfrm>
+              <a:off x="7190153" y="3480098"/>
+              <a:ext cx="401824" cy="393907"/>
+            </a:xfrm>
+            <a:prstGeom prst="ellipse">
+              <a:avLst/>
+            </a:prstGeom>
+            <a:solidFill>
+              <a:schemeClr val="accent1">
+                <a:lumMod val="20000"/>
+                <a:lumOff val="80000"/>
+              </a:schemeClr>
+            </a:solidFill>
+            <a:ln w="28575">
+              <a:solidFill>
+                <a:schemeClr val="tx1"/>
+              </a:solidFill>
+            </a:ln>
+          </p:spPr>
+          <p:style>
+            <a:lnRef idx="2">
+              <a:schemeClr val="accent1">
+                <a:shade val="50000"/>
+              </a:schemeClr>
+            </a:lnRef>
+            <a:fillRef idx="1">
+              <a:schemeClr val="accent1"/>
+            </a:fillRef>
+            <a:effectRef idx="0">
+              <a:schemeClr val="accent1"/>
+            </a:effectRef>
+            <a:fontRef idx="minor">
+              <a:schemeClr val="lt1"/>
+            </a:fontRef>
+          </p:style>
+          <p:txBody>
+            <a:bodyPr rtlCol="0" anchor="ctr"/>
+            <a:lstStyle/>
+            <a:p>
+              <a:pPr algn="ctr"/>
+              <a:endParaRPr lang="ko-KR" altLang="en-US" sz="1600" dirty="0">
+                <a:solidFill>
+                  <a:schemeClr val="tx1"/>
+                </a:solidFill>
+              </a:endParaRPr>
+            </a:p>
+          </p:txBody>
+        </p:sp>
+        <p:sp>
+          <p:nvSpPr>
+            <p:cNvPr id="41" name="타원 40">
+              <a:extLst>
+                <a:ext uri="{FF2B5EF4-FFF2-40B4-BE49-F238E27FC236}">
+                  <a16:creationId xmlns:a16="http://schemas.microsoft.com/office/drawing/2014/main" id="{E12B89BB-4323-413C-B235-A5043E575B8F}"/>
+                </a:ext>
+              </a:extLst>
+            </p:cNvPr>
+            <p:cNvSpPr/>
+            <p:nvPr/>
+          </p:nvSpPr>
+          <p:spPr>
+            <a:xfrm>
+              <a:off x="7190153" y="2853716"/>
+              <a:ext cx="401824" cy="393907"/>
+            </a:xfrm>
+            <a:prstGeom prst="ellipse">
+              <a:avLst/>
+            </a:prstGeom>
+            <a:solidFill>
+              <a:schemeClr val="accent1">
+                <a:lumMod val="20000"/>
+                <a:lumOff val="80000"/>
+              </a:schemeClr>
+            </a:solidFill>
+            <a:ln w="28575">
+              <a:solidFill>
+                <a:schemeClr val="tx1"/>
+              </a:solidFill>
+            </a:ln>
+          </p:spPr>
+          <p:style>
+            <a:lnRef idx="2">
+              <a:schemeClr val="accent1">
+                <a:shade val="50000"/>
+              </a:schemeClr>
+            </a:lnRef>
+            <a:fillRef idx="1">
+              <a:schemeClr val="accent1"/>
+            </a:fillRef>
+            <a:effectRef idx="0">
+              <a:schemeClr val="accent1"/>
+            </a:effectRef>
+            <a:fontRef idx="minor">
+              <a:schemeClr val="lt1"/>
+            </a:fontRef>
+          </p:style>
+          <p:txBody>
+            <a:bodyPr rtlCol="0" anchor="ctr"/>
+            <a:lstStyle/>
+            <a:p>
+              <a:pPr algn="ctr"/>
+              <a:endParaRPr lang="ko-KR" altLang="en-US" sz="1600" dirty="0">
+                <a:solidFill>
+                  <a:schemeClr val="tx1"/>
+                </a:solidFill>
+              </a:endParaRPr>
+            </a:p>
+          </p:txBody>
+        </p:sp>
+        <p:sp>
+          <p:nvSpPr>
+            <p:cNvPr id="43" name="타원 42">
+              <a:extLst>
+                <a:ext uri="{FF2B5EF4-FFF2-40B4-BE49-F238E27FC236}">
+                  <a16:creationId xmlns:a16="http://schemas.microsoft.com/office/drawing/2014/main" id="{69ADC968-8E1B-447B-BA4B-0F0A8A636EB0}"/>
+                </a:ext>
+              </a:extLst>
+            </p:cNvPr>
+            <p:cNvSpPr/>
+            <p:nvPr/>
+          </p:nvSpPr>
+          <p:spPr>
+            <a:xfrm>
+              <a:off x="7268771" y="2370910"/>
+              <a:ext cx="244589" cy="239769"/>
+            </a:xfrm>
+            <a:prstGeom prst="ellipse">
+              <a:avLst/>
+            </a:prstGeom>
+            <a:solidFill>
+              <a:schemeClr val="accent1">
+                <a:lumMod val="20000"/>
+                <a:lumOff val="80000"/>
+              </a:schemeClr>
+            </a:solidFill>
+            <a:ln w="28575">
+              <a:solidFill>
+                <a:schemeClr val="tx1"/>
+              </a:solidFill>
+            </a:ln>
+          </p:spPr>
+          <p:style>
+            <a:lnRef idx="2">
+              <a:schemeClr val="accent1">
+                <a:shade val="50000"/>
+              </a:schemeClr>
+            </a:lnRef>
+            <a:fillRef idx="1">
+              <a:schemeClr val="accent1"/>
+            </a:fillRef>
+            <a:effectRef idx="0">
+              <a:schemeClr val="accent1"/>
+            </a:effectRef>
+            <a:fontRef idx="minor">
+              <a:schemeClr val="lt1"/>
+            </a:fontRef>
+          </p:style>
+          <p:txBody>
+            <a:bodyPr rtlCol="0" anchor="ctr"/>
+            <a:lstStyle/>
+            <a:p>
+              <a:pPr algn="ctr"/>
+              <a:endParaRPr lang="ko-KR" altLang="en-US" sz="1050" dirty="0">
+                <a:solidFill>
+                  <a:schemeClr val="tx1"/>
+                </a:solidFill>
+              </a:endParaRPr>
+            </a:p>
+          </p:txBody>
+        </p:sp>
+        <p:sp>
+          <p:nvSpPr>
+            <p:cNvPr id="49" name="타원 48">
+              <a:extLst>
+                <a:ext uri="{FF2B5EF4-FFF2-40B4-BE49-F238E27FC236}">
+                  <a16:creationId xmlns:a16="http://schemas.microsoft.com/office/drawing/2014/main" id="{7CA51D93-76B8-4672-9CD6-FA34364B4528}"/>
+                </a:ext>
+              </a:extLst>
+            </p:cNvPr>
+            <p:cNvSpPr/>
+            <p:nvPr/>
+          </p:nvSpPr>
+          <p:spPr>
+            <a:xfrm>
+              <a:off x="7190153" y="1739247"/>
+              <a:ext cx="401824" cy="393907"/>
+            </a:xfrm>
+            <a:prstGeom prst="ellipse">
+              <a:avLst/>
+            </a:prstGeom>
+            <a:solidFill>
+              <a:schemeClr val="accent1">
+                <a:lumMod val="20000"/>
+                <a:lumOff val="80000"/>
+              </a:schemeClr>
+            </a:solidFill>
+            <a:ln w="28575">
+              <a:solidFill>
+                <a:schemeClr val="tx1"/>
+              </a:solidFill>
+            </a:ln>
+          </p:spPr>
+          <p:style>
+            <a:lnRef idx="2">
+              <a:schemeClr val="accent1">
+                <a:shade val="50000"/>
+              </a:schemeClr>
+            </a:lnRef>
+            <a:fillRef idx="1">
+              <a:schemeClr val="accent1"/>
+            </a:fillRef>
+            <a:effectRef idx="0">
+              <a:schemeClr val="accent1"/>
+            </a:effectRef>
+            <a:fontRef idx="minor">
+              <a:schemeClr val="lt1"/>
+            </a:fontRef>
+          </p:style>
+          <p:txBody>
+            <a:bodyPr rtlCol="0" anchor="ctr"/>
+            <a:lstStyle/>
+            <a:p>
+              <a:pPr algn="ctr"/>
+              <a:endParaRPr lang="ko-KR" altLang="en-US" sz="1050" dirty="0">
+                <a:solidFill>
+                  <a:schemeClr val="tx1"/>
+                </a:solidFill>
+              </a:endParaRPr>
+            </a:p>
+          </p:txBody>
+        </p:sp>
+        <p:sp>
+          <p:nvSpPr>
+            <p:cNvPr id="50" name="타원 49">
+              <a:extLst>
+                <a:ext uri="{FF2B5EF4-FFF2-40B4-BE49-F238E27FC236}">
+                  <a16:creationId xmlns:a16="http://schemas.microsoft.com/office/drawing/2014/main" id="{9C064D83-926E-48EC-A464-D06BAA262E34}"/>
+                </a:ext>
+              </a:extLst>
+            </p:cNvPr>
+            <p:cNvSpPr/>
+            <p:nvPr/>
+          </p:nvSpPr>
+          <p:spPr>
+            <a:xfrm>
+              <a:off x="7268771" y="1261722"/>
+              <a:ext cx="244589" cy="239769"/>
+            </a:xfrm>
+            <a:prstGeom prst="ellipse">
+              <a:avLst/>
+            </a:prstGeom>
+            <a:solidFill>
+              <a:schemeClr val="accent1">
+                <a:lumMod val="20000"/>
+                <a:lumOff val="80000"/>
+              </a:schemeClr>
+            </a:solidFill>
+            <a:ln w="28575">
+              <a:solidFill>
+                <a:schemeClr val="tx1"/>
+              </a:solidFill>
+            </a:ln>
+          </p:spPr>
+          <p:style>
+            <a:lnRef idx="2">
+              <a:schemeClr val="accent1">
+                <a:shade val="50000"/>
+              </a:schemeClr>
+            </a:lnRef>
+            <a:fillRef idx="1">
+              <a:schemeClr val="accent1"/>
+            </a:fillRef>
+            <a:effectRef idx="0">
+              <a:schemeClr val="accent1"/>
+            </a:effectRef>
+            <a:fontRef idx="minor">
+              <a:schemeClr val="lt1"/>
+            </a:fontRef>
+          </p:style>
+          <p:txBody>
+            <a:bodyPr rtlCol="0" anchor="ctr"/>
+            <a:lstStyle/>
+            <a:p>
+              <a:pPr algn="ctr"/>
+              <a:endParaRPr lang="ko-KR" altLang="en-US" sz="1050" dirty="0">
+                <a:solidFill>
+                  <a:schemeClr val="tx1"/>
+                </a:solidFill>
+              </a:endParaRPr>
+            </a:p>
+          </p:txBody>
+        </p:sp>
+        <p:sp>
+          <p:nvSpPr>
+            <p:cNvPr id="51" name="타원 50">
+              <a:extLst>
+                <a:ext uri="{FF2B5EF4-FFF2-40B4-BE49-F238E27FC236}">
+                  <a16:creationId xmlns:a16="http://schemas.microsoft.com/office/drawing/2014/main" id="{1E1D5BBB-207E-4426-8639-4C4DCA485669}"/>
+                </a:ext>
+              </a:extLst>
+            </p:cNvPr>
+            <p:cNvSpPr/>
+            <p:nvPr/>
+          </p:nvSpPr>
+          <p:spPr>
+            <a:xfrm>
+              <a:off x="7268771" y="784196"/>
+              <a:ext cx="244589" cy="239769"/>
+            </a:xfrm>
+            <a:prstGeom prst="ellipse">
+              <a:avLst/>
+            </a:prstGeom>
+            <a:solidFill>
+              <a:schemeClr val="accent1">
+                <a:lumMod val="20000"/>
+                <a:lumOff val="80000"/>
+              </a:schemeClr>
+            </a:solidFill>
+            <a:ln w="28575">
+              <a:solidFill>
+                <a:schemeClr val="tx1"/>
+              </a:solidFill>
+            </a:ln>
+          </p:spPr>
+          <p:style>
+            <a:lnRef idx="2">
+              <a:schemeClr val="accent1">
+                <a:shade val="50000"/>
+              </a:schemeClr>
+            </a:lnRef>
+            <a:fillRef idx="1">
+              <a:schemeClr val="accent1"/>
+            </a:fillRef>
+            <a:effectRef idx="0">
+              <a:schemeClr val="accent1"/>
+            </a:effectRef>
+            <a:fontRef idx="minor">
+              <a:schemeClr val="lt1"/>
+            </a:fontRef>
+          </p:style>
+          <p:txBody>
+            <a:bodyPr rtlCol="0" anchor="ctr"/>
+            <a:lstStyle/>
+            <a:p>
+              <a:pPr algn="ctr"/>
+              <a:endParaRPr lang="ko-KR" altLang="en-US" sz="1050" dirty="0">
+                <a:solidFill>
+                  <a:schemeClr val="tx1"/>
+                </a:solidFill>
+              </a:endParaRPr>
+            </a:p>
+          </p:txBody>
+        </p:sp>
+        <p:sp>
+          <p:nvSpPr>
+            <p:cNvPr id="52" name="타원 51">
+              <a:extLst>
+                <a:ext uri="{FF2B5EF4-FFF2-40B4-BE49-F238E27FC236}">
+                  <a16:creationId xmlns:a16="http://schemas.microsoft.com/office/drawing/2014/main" id="{A2945E18-D277-4C9C-AD44-8DC113115BB5}"/>
+                </a:ext>
+              </a:extLst>
+            </p:cNvPr>
+            <p:cNvSpPr/>
+            <p:nvPr/>
+          </p:nvSpPr>
+          <p:spPr>
+            <a:xfrm>
+              <a:off x="7356124" y="477935"/>
+              <a:ext cx="69882" cy="68506"/>
+            </a:xfrm>
+            <a:prstGeom prst="ellipse">
+              <a:avLst/>
+            </a:prstGeom>
+            <a:solidFill>
+              <a:schemeClr val="accent1">
+                <a:lumMod val="20000"/>
+                <a:lumOff val="80000"/>
+              </a:schemeClr>
+            </a:solidFill>
+            <a:ln w="28575">
+              <a:solidFill>
+                <a:schemeClr val="tx1"/>
+              </a:solidFill>
+            </a:ln>
+          </p:spPr>
+          <p:style>
+            <a:lnRef idx="2">
+              <a:schemeClr val="accent1">
+                <a:shade val="50000"/>
+              </a:schemeClr>
+            </a:lnRef>
+            <a:fillRef idx="1">
+              <a:schemeClr val="accent1"/>
+            </a:fillRef>
+            <a:effectRef idx="0">
+              <a:schemeClr val="accent1"/>
+            </a:effectRef>
+            <a:fontRef idx="minor">
+              <a:schemeClr val="lt1"/>
+            </a:fontRef>
+          </p:style>
+          <p:txBody>
+            <a:bodyPr rtlCol="0" anchor="ctr"/>
+            <a:lstStyle/>
+            <a:p>
+              <a:pPr algn="ctr"/>
+              <a:endParaRPr lang="ko-KR" altLang="en-US" sz="1050" dirty="0">
+                <a:solidFill>
+                  <a:schemeClr val="tx1"/>
+                </a:solidFill>
+              </a:endParaRPr>
+            </a:p>
+          </p:txBody>
+        </p:sp>
+        <p:cxnSp>
+          <p:nvCxnSpPr>
+            <p:cNvPr id="53" name="직선 화살표 연결선 52">
+              <a:extLst>
+                <a:ext uri="{FF2B5EF4-FFF2-40B4-BE49-F238E27FC236}">
+                  <a16:creationId xmlns:a16="http://schemas.microsoft.com/office/drawing/2014/main" id="{4513CA63-E87D-435C-AB53-66F3EC906B5F}"/>
+                </a:ext>
+              </a:extLst>
+            </p:cNvPr>
+            <p:cNvCxnSpPr>
+              <a:cxnSpLocks/>
+              <a:stCxn id="11" idx="6"/>
+              <a:endCxn id="17" idx="2"/>
+            </p:cNvCxnSpPr>
+            <p:nvPr/>
+          </p:nvCxnSpPr>
+          <p:spPr>
+            <a:xfrm flipV="1">
+              <a:off x="2050758" y="1936201"/>
+              <a:ext cx="1229777" cy="2689353"/>
+            </a:xfrm>
+            <a:prstGeom prst="straightConnector1">
+              <a:avLst/>
+            </a:prstGeom>
+            <a:ln w="12700">
+              <a:solidFill>
+                <a:schemeClr val="tx1"/>
+              </a:solidFill>
+              <a:prstDash val="dash"/>
+              <a:tailEnd type="triangle"/>
+            </a:ln>
+          </p:spPr>
+          <p:style>
+            <a:lnRef idx="1">
+              <a:schemeClr val="accent1"/>
+            </a:lnRef>
+            <a:fillRef idx="0">
+              <a:schemeClr val="accent1"/>
+            </a:fillRef>
+            <a:effectRef idx="0">
+              <a:schemeClr val="accent1"/>
+            </a:effectRef>
+            <a:fontRef idx="minor">
+              <a:schemeClr val="tx1"/>
+            </a:fontRef>
+          </p:style>
+        </p:cxnSp>
+        <p:cxnSp>
+          <p:nvCxnSpPr>
+            <p:cNvPr id="54" name="직선 화살표 연결선 53">
+              <a:extLst>
+                <a:ext uri="{FF2B5EF4-FFF2-40B4-BE49-F238E27FC236}">
+                  <a16:creationId xmlns:a16="http://schemas.microsoft.com/office/drawing/2014/main" id="{9BF6BBB7-074D-421B-BFDF-3CC52BD115F3}"/>
+                </a:ext>
+              </a:extLst>
+            </p:cNvPr>
+            <p:cNvCxnSpPr>
+              <a:cxnSpLocks/>
+              <a:stCxn id="11" idx="6"/>
+              <a:endCxn id="14" idx="2"/>
+            </p:cNvCxnSpPr>
+            <p:nvPr/>
+          </p:nvCxnSpPr>
+          <p:spPr>
+            <a:xfrm>
+              <a:off x="2050758" y="4625554"/>
+              <a:ext cx="906571" cy="0"/>
+            </a:xfrm>
+            <a:prstGeom prst="straightConnector1">
+              <a:avLst/>
+            </a:prstGeom>
+            <a:ln w="12700">
+              <a:solidFill>
+                <a:schemeClr val="tx1"/>
+              </a:solidFill>
+              <a:prstDash val="dash"/>
+              <a:tailEnd type="triangle"/>
+            </a:ln>
+          </p:spPr>
+          <p:style>
+            <a:lnRef idx="1">
+              <a:schemeClr val="accent1"/>
+            </a:lnRef>
+            <a:fillRef idx="0">
+              <a:schemeClr val="accent1"/>
+            </a:fillRef>
+            <a:effectRef idx="0">
+              <a:schemeClr val="accent1"/>
+            </a:effectRef>
+            <a:fontRef idx="minor">
+              <a:schemeClr val="tx1"/>
+            </a:fontRef>
+          </p:style>
+        </p:cxnSp>
+        <p:cxnSp>
+          <p:nvCxnSpPr>
+            <p:cNvPr id="55" name="직선 화살표 연결선 54">
+              <a:extLst>
+                <a:ext uri="{FF2B5EF4-FFF2-40B4-BE49-F238E27FC236}">
+                  <a16:creationId xmlns:a16="http://schemas.microsoft.com/office/drawing/2014/main" id="{3363F537-1898-4552-A65D-4B36CF140902}"/>
+                </a:ext>
+              </a:extLst>
+            </p:cNvPr>
+            <p:cNvCxnSpPr>
+              <a:cxnSpLocks/>
+              <a:stCxn id="14" idx="6"/>
+              <a:endCxn id="26" idx="2"/>
+            </p:cNvCxnSpPr>
+            <p:nvPr/>
+          </p:nvCxnSpPr>
+          <p:spPr>
+            <a:xfrm>
+              <a:off x="4005567" y="4625554"/>
+              <a:ext cx="906571" cy="0"/>
+            </a:xfrm>
+            <a:prstGeom prst="straightConnector1">
+              <a:avLst/>
+            </a:prstGeom>
+            <a:ln w="12700">
+              <a:solidFill>
+                <a:schemeClr val="tx1"/>
+              </a:solidFill>
+              <a:prstDash val="dash"/>
+              <a:tailEnd type="triangle"/>
+            </a:ln>
+          </p:spPr>
+          <p:style>
+            <a:lnRef idx="1">
+              <a:schemeClr val="accent1"/>
+            </a:lnRef>
+            <a:fillRef idx="0">
+              <a:schemeClr val="accent1"/>
+            </a:fillRef>
+            <a:effectRef idx="0">
+              <a:schemeClr val="accent1"/>
+            </a:effectRef>
+            <a:fontRef idx="minor">
+              <a:schemeClr val="tx1"/>
+            </a:fontRef>
+          </p:style>
+        </p:cxnSp>
+        <p:cxnSp>
+          <p:nvCxnSpPr>
+            <p:cNvPr id="58" name="직선 화살표 연결선 57">
+              <a:extLst>
+                <a:ext uri="{FF2B5EF4-FFF2-40B4-BE49-F238E27FC236}">
+                  <a16:creationId xmlns:a16="http://schemas.microsoft.com/office/drawing/2014/main" id="{E5DE8531-A6BE-48BC-A5F8-6DF361EAAC20}"/>
+                </a:ext>
+              </a:extLst>
+            </p:cNvPr>
+            <p:cNvCxnSpPr>
+              <a:cxnSpLocks/>
+              <a:stCxn id="14" idx="6"/>
+              <a:endCxn id="13" idx="2"/>
+            </p:cNvCxnSpPr>
+            <p:nvPr/>
+          </p:nvCxnSpPr>
+          <p:spPr>
+            <a:xfrm flipV="1">
+              <a:off x="4005567" y="3050670"/>
+              <a:ext cx="1229777" cy="1574884"/>
+            </a:xfrm>
+            <a:prstGeom prst="straightConnector1">
+              <a:avLst/>
+            </a:prstGeom>
+            <a:ln w="12700">
+              <a:solidFill>
+                <a:schemeClr val="tx1"/>
+              </a:solidFill>
+              <a:prstDash val="dash"/>
+              <a:tailEnd type="triangle"/>
+            </a:ln>
+          </p:spPr>
+          <p:style>
+            <a:lnRef idx="1">
+              <a:schemeClr val="accent1"/>
+            </a:lnRef>
+            <a:fillRef idx="0">
+              <a:schemeClr val="accent1"/>
+            </a:fillRef>
+            <a:effectRef idx="0">
+              <a:schemeClr val="accent1"/>
+            </a:effectRef>
+            <a:fontRef idx="minor">
+              <a:schemeClr val="tx1"/>
+            </a:fontRef>
+          </p:style>
+        </p:cxnSp>
+        <p:cxnSp>
+          <p:nvCxnSpPr>
+            <p:cNvPr id="61" name="직선 화살표 연결선 60">
+              <a:extLst>
+                <a:ext uri="{FF2B5EF4-FFF2-40B4-BE49-F238E27FC236}">
+                  <a16:creationId xmlns:a16="http://schemas.microsoft.com/office/drawing/2014/main" id="{9A0B5CAE-BD58-4F56-98E2-A8F1D5B293AD}"/>
+                </a:ext>
+              </a:extLst>
+            </p:cNvPr>
+            <p:cNvCxnSpPr>
+              <a:cxnSpLocks/>
+              <a:stCxn id="17" idx="6"/>
+              <a:endCxn id="21" idx="2"/>
+            </p:cNvCxnSpPr>
+            <p:nvPr/>
+          </p:nvCxnSpPr>
+          <p:spPr>
+            <a:xfrm>
+              <a:off x="3682360" y="1936201"/>
+              <a:ext cx="1552984" cy="0"/>
+            </a:xfrm>
+            <a:prstGeom prst="straightConnector1">
+              <a:avLst/>
+            </a:prstGeom>
+            <a:ln w="12700">
+              <a:solidFill>
+                <a:schemeClr val="tx1"/>
+              </a:solidFill>
+              <a:prstDash val="dash"/>
+              <a:tailEnd type="triangle"/>
+            </a:ln>
+          </p:spPr>
+          <p:style>
+            <a:lnRef idx="1">
+              <a:schemeClr val="accent1"/>
+            </a:lnRef>
+            <a:fillRef idx="0">
+              <a:schemeClr val="accent1"/>
+            </a:fillRef>
+            <a:effectRef idx="0">
+              <a:schemeClr val="accent1"/>
+            </a:effectRef>
+            <a:fontRef idx="minor">
+              <a:schemeClr val="tx1"/>
+            </a:fontRef>
+          </p:style>
+        </p:cxnSp>
+        <p:cxnSp>
+          <p:nvCxnSpPr>
+            <p:cNvPr id="68" name="직선 화살표 연결선 67">
+              <a:extLst>
+                <a:ext uri="{FF2B5EF4-FFF2-40B4-BE49-F238E27FC236}">
+                  <a16:creationId xmlns:a16="http://schemas.microsoft.com/office/drawing/2014/main" id="{C00BDD56-0349-45B6-8F96-900BC78C4667}"/>
+                </a:ext>
+              </a:extLst>
+            </p:cNvPr>
+            <p:cNvCxnSpPr>
+              <a:cxnSpLocks/>
+              <a:stCxn id="17" idx="6"/>
+              <a:endCxn id="22" idx="2"/>
+            </p:cNvCxnSpPr>
+            <p:nvPr/>
+          </p:nvCxnSpPr>
+          <p:spPr>
+            <a:xfrm flipV="1">
+              <a:off x="3682360" y="904081"/>
+              <a:ext cx="1631602" cy="1032120"/>
+            </a:xfrm>
+            <a:prstGeom prst="straightConnector1">
+              <a:avLst/>
+            </a:prstGeom>
+            <a:ln w="12700">
+              <a:solidFill>
+                <a:schemeClr val="tx1"/>
+              </a:solidFill>
+              <a:prstDash val="dash"/>
+              <a:tailEnd type="triangle"/>
+            </a:ln>
+          </p:spPr>
+          <p:style>
+            <a:lnRef idx="1">
+              <a:schemeClr val="accent1"/>
+            </a:lnRef>
+            <a:fillRef idx="0">
+              <a:schemeClr val="accent1"/>
+            </a:fillRef>
+            <a:effectRef idx="0">
+              <a:schemeClr val="accent1"/>
+            </a:effectRef>
+            <a:fontRef idx="minor">
+              <a:schemeClr val="tx1"/>
+            </a:fontRef>
+          </p:style>
+        </p:cxnSp>
+        <p:cxnSp>
+          <p:nvCxnSpPr>
+            <p:cNvPr id="71" name="직선 화살표 연결선 70">
+              <a:extLst>
+                <a:ext uri="{FF2B5EF4-FFF2-40B4-BE49-F238E27FC236}">
+                  <a16:creationId xmlns:a16="http://schemas.microsoft.com/office/drawing/2014/main" id="{2C1CF605-4CE4-4D8A-90F7-94DB0A56196E}"/>
+                </a:ext>
+              </a:extLst>
+            </p:cNvPr>
+            <p:cNvCxnSpPr>
+              <a:cxnSpLocks/>
+              <a:stCxn id="26" idx="6"/>
+              <a:endCxn id="12" idx="2"/>
+            </p:cNvCxnSpPr>
+            <p:nvPr/>
+          </p:nvCxnSpPr>
+          <p:spPr>
+            <a:xfrm>
+              <a:off x="5960375" y="4625554"/>
+              <a:ext cx="906572" cy="0"/>
+            </a:xfrm>
+            <a:prstGeom prst="straightConnector1">
+              <a:avLst/>
+            </a:prstGeom>
+            <a:ln w="12700">
+              <a:solidFill>
+                <a:schemeClr val="tx1"/>
+              </a:solidFill>
+              <a:prstDash val="dash"/>
+              <a:tailEnd type="triangle"/>
+            </a:ln>
+          </p:spPr>
+          <p:style>
+            <a:lnRef idx="1">
+              <a:schemeClr val="accent1"/>
+            </a:lnRef>
+            <a:fillRef idx="0">
+              <a:schemeClr val="accent1"/>
+            </a:fillRef>
+            <a:effectRef idx="0">
+              <a:schemeClr val="accent1"/>
+            </a:effectRef>
+            <a:fontRef idx="minor">
+              <a:schemeClr val="tx1"/>
+            </a:fontRef>
+          </p:style>
+        </p:cxnSp>
+        <p:cxnSp>
+          <p:nvCxnSpPr>
+            <p:cNvPr id="74" name="직선 화살표 연결선 73">
+              <a:extLst>
+                <a:ext uri="{FF2B5EF4-FFF2-40B4-BE49-F238E27FC236}">
+                  <a16:creationId xmlns:a16="http://schemas.microsoft.com/office/drawing/2014/main" id="{BC775339-14D9-49D3-83F1-5984340C9FB0}"/>
+                </a:ext>
+              </a:extLst>
+            </p:cNvPr>
+            <p:cNvCxnSpPr>
+              <a:cxnSpLocks/>
+              <a:stCxn id="26" idx="6"/>
+              <a:endCxn id="40" idx="2"/>
+            </p:cNvCxnSpPr>
+            <p:nvPr/>
+          </p:nvCxnSpPr>
+          <p:spPr>
+            <a:xfrm flipV="1">
+              <a:off x="5960375" y="3677052"/>
+              <a:ext cx="1229778" cy="948502"/>
+            </a:xfrm>
+            <a:prstGeom prst="straightConnector1">
+              <a:avLst/>
+            </a:prstGeom>
+            <a:ln w="12700">
+              <a:solidFill>
+                <a:schemeClr val="tx1"/>
+              </a:solidFill>
+              <a:prstDash val="dash"/>
+              <a:tailEnd type="triangle"/>
+            </a:ln>
+          </p:spPr>
+          <p:style>
+            <a:lnRef idx="1">
+              <a:schemeClr val="accent1"/>
+            </a:lnRef>
+            <a:fillRef idx="0">
+              <a:schemeClr val="accent1"/>
+            </a:fillRef>
+            <a:effectRef idx="0">
+              <a:schemeClr val="accent1"/>
+            </a:effectRef>
+            <a:fontRef idx="minor">
+              <a:schemeClr val="tx1"/>
+            </a:fontRef>
+          </p:style>
+        </p:cxnSp>
+        <p:cxnSp>
+          <p:nvCxnSpPr>
+            <p:cNvPr id="78" name="직선 화살표 연결선 77">
+              <a:extLst>
+                <a:ext uri="{FF2B5EF4-FFF2-40B4-BE49-F238E27FC236}">
+                  <a16:creationId xmlns:a16="http://schemas.microsoft.com/office/drawing/2014/main" id="{82FA6B00-AF2D-4A7D-B65E-9A4F21F2D45E}"/>
+                </a:ext>
+              </a:extLst>
+            </p:cNvPr>
+            <p:cNvCxnSpPr>
+              <a:cxnSpLocks/>
+              <a:stCxn id="13" idx="6"/>
+              <a:endCxn id="41" idx="2"/>
+            </p:cNvCxnSpPr>
+            <p:nvPr/>
+          </p:nvCxnSpPr>
+          <p:spPr>
+            <a:xfrm>
+              <a:off x="5637168" y="3050670"/>
+              <a:ext cx="1552985" cy="0"/>
+            </a:xfrm>
+            <a:prstGeom prst="straightConnector1">
+              <a:avLst/>
+            </a:prstGeom>
+            <a:ln w="12700">
+              <a:solidFill>
+                <a:schemeClr val="tx1"/>
+              </a:solidFill>
+              <a:prstDash val="dash"/>
+              <a:tailEnd type="triangle"/>
+            </a:ln>
+          </p:spPr>
+          <p:style>
+            <a:lnRef idx="1">
+              <a:schemeClr val="accent1"/>
+            </a:lnRef>
+            <a:fillRef idx="0">
+              <a:schemeClr val="accent1"/>
+            </a:fillRef>
+            <a:effectRef idx="0">
+              <a:schemeClr val="accent1"/>
+            </a:effectRef>
+            <a:fontRef idx="minor">
+              <a:schemeClr val="tx1"/>
+            </a:fontRef>
+          </p:style>
+        </p:cxnSp>
+        <p:cxnSp>
+          <p:nvCxnSpPr>
+            <p:cNvPr id="81" name="직선 화살표 연결선 80">
+              <a:extLst>
+                <a:ext uri="{FF2B5EF4-FFF2-40B4-BE49-F238E27FC236}">
+                  <a16:creationId xmlns:a16="http://schemas.microsoft.com/office/drawing/2014/main" id="{56348C18-7CCA-48DB-8A79-A43FFB592C2B}"/>
+                </a:ext>
+              </a:extLst>
+            </p:cNvPr>
+            <p:cNvCxnSpPr>
+              <a:cxnSpLocks/>
+              <a:stCxn id="13" idx="6"/>
+              <a:endCxn id="43" idx="2"/>
+            </p:cNvCxnSpPr>
+            <p:nvPr/>
+          </p:nvCxnSpPr>
+          <p:spPr>
+            <a:xfrm flipV="1">
+              <a:off x="5637168" y="2490795"/>
+              <a:ext cx="1631603" cy="559875"/>
+            </a:xfrm>
+            <a:prstGeom prst="straightConnector1">
+              <a:avLst/>
+            </a:prstGeom>
+            <a:ln w="12700">
+              <a:solidFill>
+                <a:schemeClr val="tx1"/>
+              </a:solidFill>
+              <a:prstDash val="dash"/>
+              <a:tailEnd type="triangle"/>
+            </a:ln>
+          </p:spPr>
+          <p:style>
+            <a:lnRef idx="1">
+              <a:schemeClr val="accent1"/>
+            </a:lnRef>
+            <a:fillRef idx="0">
+              <a:schemeClr val="accent1"/>
+            </a:fillRef>
+            <a:effectRef idx="0">
+              <a:schemeClr val="accent1"/>
+            </a:effectRef>
+            <a:fontRef idx="minor">
+              <a:schemeClr val="tx1"/>
+            </a:fontRef>
+          </p:style>
+        </p:cxnSp>
+        <p:cxnSp>
+          <p:nvCxnSpPr>
+            <p:cNvPr id="85" name="직선 화살표 연결선 84">
+              <a:extLst>
+                <a:ext uri="{FF2B5EF4-FFF2-40B4-BE49-F238E27FC236}">
+                  <a16:creationId xmlns:a16="http://schemas.microsoft.com/office/drawing/2014/main" id="{2CE05B15-1350-43AB-B277-E522A265359F}"/>
+                </a:ext>
+              </a:extLst>
+            </p:cNvPr>
+            <p:cNvCxnSpPr>
+              <a:cxnSpLocks/>
+              <a:stCxn id="21" idx="6"/>
+              <a:endCxn id="49" idx="2"/>
+            </p:cNvCxnSpPr>
+            <p:nvPr/>
+          </p:nvCxnSpPr>
+          <p:spPr>
+            <a:xfrm>
+              <a:off x="5637168" y="1936201"/>
+              <a:ext cx="1552985" cy="0"/>
+            </a:xfrm>
+            <a:prstGeom prst="straightConnector1">
+              <a:avLst/>
+            </a:prstGeom>
+            <a:ln w="12700">
+              <a:solidFill>
+                <a:schemeClr val="tx1"/>
+              </a:solidFill>
+              <a:prstDash val="dash"/>
+              <a:tailEnd type="triangle"/>
+            </a:ln>
+          </p:spPr>
+          <p:style>
+            <a:lnRef idx="1">
+              <a:schemeClr val="accent1"/>
+            </a:lnRef>
+            <a:fillRef idx="0">
+              <a:schemeClr val="accent1"/>
+            </a:fillRef>
+            <a:effectRef idx="0">
+              <a:schemeClr val="accent1"/>
+            </a:effectRef>
+            <a:fontRef idx="minor">
+              <a:schemeClr val="tx1"/>
+            </a:fontRef>
+          </p:style>
+        </p:cxnSp>
+        <p:cxnSp>
+          <p:nvCxnSpPr>
+            <p:cNvPr id="88" name="직선 화살표 연결선 87">
+              <a:extLst>
+                <a:ext uri="{FF2B5EF4-FFF2-40B4-BE49-F238E27FC236}">
+                  <a16:creationId xmlns:a16="http://schemas.microsoft.com/office/drawing/2014/main" id="{7BA61633-C151-4B26-B735-A07FCB4BBDD2}"/>
+                </a:ext>
+              </a:extLst>
+            </p:cNvPr>
+            <p:cNvCxnSpPr>
+              <a:cxnSpLocks/>
+              <a:stCxn id="21" idx="6"/>
+              <a:endCxn id="50" idx="2"/>
+            </p:cNvCxnSpPr>
+            <p:nvPr/>
+          </p:nvCxnSpPr>
+          <p:spPr>
+            <a:xfrm flipV="1">
+              <a:off x="5637168" y="1381606"/>
+              <a:ext cx="1631603" cy="554594"/>
+            </a:xfrm>
+            <a:prstGeom prst="straightConnector1">
+              <a:avLst/>
+            </a:prstGeom>
+            <a:ln w="12700">
+              <a:solidFill>
+                <a:schemeClr val="tx1"/>
+              </a:solidFill>
+              <a:prstDash val="dash"/>
+              <a:tailEnd type="triangle"/>
+            </a:ln>
+          </p:spPr>
+          <p:style>
+            <a:lnRef idx="1">
+              <a:schemeClr val="accent1"/>
+            </a:lnRef>
+            <a:fillRef idx="0">
+              <a:schemeClr val="accent1"/>
+            </a:fillRef>
+            <a:effectRef idx="0">
+              <a:schemeClr val="accent1"/>
+            </a:effectRef>
+            <a:fontRef idx="minor">
+              <a:schemeClr val="tx1"/>
+            </a:fontRef>
+          </p:style>
+        </p:cxnSp>
+        <p:cxnSp>
+          <p:nvCxnSpPr>
+            <p:cNvPr id="92" name="직선 화살표 연결선 91">
+              <a:extLst>
+                <a:ext uri="{FF2B5EF4-FFF2-40B4-BE49-F238E27FC236}">
+                  <a16:creationId xmlns:a16="http://schemas.microsoft.com/office/drawing/2014/main" id="{224A3D39-70E4-49D0-8776-703663A9A375}"/>
+                </a:ext>
+              </a:extLst>
+            </p:cNvPr>
+            <p:cNvCxnSpPr>
+              <a:cxnSpLocks/>
+              <a:stCxn id="22" idx="6"/>
+              <a:endCxn id="51" idx="2"/>
+            </p:cNvCxnSpPr>
+            <p:nvPr/>
+          </p:nvCxnSpPr>
+          <p:spPr>
+            <a:xfrm>
+              <a:off x="5558550" y="904081"/>
+              <a:ext cx="1710221" cy="0"/>
+            </a:xfrm>
+            <a:prstGeom prst="straightConnector1">
+              <a:avLst/>
+            </a:prstGeom>
+            <a:ln w="12700">
+              <a:solidFill>
+                <a:schemeClr val="tx1"/>
+              </a:solidFill>
+              <a:prstDash val="dash"/>
+              <a:tailEnd type="triangle"/>
+            </a:ln>
+          </p:spPr>
+          <p:style>
+            <a:lnRef idx="1">
+              <a:schemeClr val="accent1"/>
+            </a:lnRef>
+            <a:fillRef idx="0">
+              <a:schemeClr val="accent1"/>
+            </a:fillRef>
+            <a:effectRef idx="0">
+              <a:schemeClr val="accent1"/>
+            </a:effectRef>
+            <a:fontRef idx="minor">
+              <a:schemeClr val="tx1"/>
+            </a:fontRef>
+          </p:style>
+        </p:cxnSp>
+        <p:cxnSp>
+          <p:nvCxnSpPr>
+            <p:cNvPr id="95" name="직선 화살표 연결선 94">
+              <a:extLst>
+                <a:ext uri="{FF2B5EF4-FFF2-40B4-BE49-F238E27FC236}">
+                  <a16:creationId xmlns:a16="http://schemas.microsoft.com/office/drawing/2014/main" id="{270BED83-D7E8-488D-AA58-9510AA878464}"/>
+                </a:ext>
+              </a:extLst>
+            </p:cNvPr>
+            <p:cNvCxnSpPr>
+              <a:cxnSpLocks/>
+              <a:stCxn id="22" idx="6"/>
+              <a:endCxn id="52" idx="2"/>
+            </p:cNvCxnSpPr>
+            <p:nvPr/>
+          </p:nvCxnSpPr>
+          <p:spPr>
+            <a:xfrm flipV="1">
+              <a:off x="5558550" y="512187"/>
+              <a:ext cx="1797574" cy="391894"/>
+            </a:xfrm>
+            <a:prstGeom prst="straightConnector1">
+              <a:avLst/>
+            </a:prstGeom>
+            <a:ln w="12700">
+              <a:solidFill>
+                <a:schemeClr val="tx1"/>
+              </a:solidFill>
+              <a:prstDash val="dash"/>
+              <a:tailEnd type="triangle"/>
+            </a:ln>
+          </p:spPr>
+          <p:style>
+            <a:lnRef idx="1">
+              <a:schemeClr val="accent1"/>
+            </a:lnRef>
+            <a:fillRef idx="0">
+              <a:schemeClr val="accent1"/>
+            </a:fillRef>
+            <a:effectRef idx="0">
+              <a:schemeClr val="accent1"/>
+            </a:effectRef>
+            <a:fontRef idx="minor">
+              <a:schemeClr val="tx1"/>
+            </a:fontRef>
+          </p:style>
+        </p:cxnSp>
+        <p:sp>
+          <p:nvSpPr>
+            <p:cNvPr id="98" name="TextBox 97">
+              <a:extLst>
+                <a:ext uri="{FF2B5EF4-FFF2-40B4-BE49-F238E27FC236}">
+                  <a16:creationId xmlns:a16="http://schemas.microsoft.com/office/drawing/2014/main" id="{20BFB9A8-8BB5-41CE-90BD-9460839C97C5}"/>
+                </a:ext>
+              </a:extLst>
+            </p:cNvPr>
+            <p:cNvSpPr txBox="1"/>
+            <p:nvPr/>
+          </p:nvSpPr>
+          <p:spPr>
+            <a:xfrm>
+              <a:off x="2914669" y="1549900"/>
+              <a:ext cx="477215" cy="336610"/>
+            </a:xfrm>
+            <a:prstGeom prst="rect">
+              <a:avLst/>
+            </a:prstGeom>
+            <a:noFill/>
+          </p:spPr>
+          <p:txBody>
+            <a:bodyPr wrap="none" rtlCol="0">
+              <a:spAutoFit/>
+            </a:bodyPr>
+            <a:lstStyle/>
+            <a:p>
+              <a:r>
+                <a:rPr lang="en-US" altLang="ko-KR" sz="1400" dirty="0"/>
+                <a:t>1/3</a:t>
+              </a:r>
+              <a:endParaRPr lang="ko-KR" altLang="en-US" sz="1400" dirty="0"/>
+            </a:p>
+          </p:txBody>
+        </p:sp>
+        <p:sp>
+          <p:nvSpPr>
+            <p:cNvPr id="99" name="TextBox 98">
+              <a:extLst>
+                <a:ext uri="{FF2B5EF4-FFF2-40B4-BE49-F238E27FC236}">
+                  <a16:creationId xmlns:a16="http://schemas.microsoft.com/office/drawing/2014/main" id="{96FE0B13-9327-4367-9D09-6853C1D34E6E}"/>
+                </a:ext>
+              </a:extLst>
+            </p:cNvPr>
+            <p:cNvSpPr txBox="1"/>
+            <p:nvPr/>
+          </p:nvSpPr>
+          <p:spPr>
+            <a:xfrm>
+              <a:off x="4833521" y="2665497"/>
+              <a:ext cx="477215" cy="336610"/>
+            </a:xfrm>
+            <a:prstGeom prst="rect">
+              <a:avLst/>
+            </a:prstGeom>
+            <a:noFill/>
+          </p:spPr>
+          <p:txBody>
+            <a:bodyPr wrap="none" rtlCol="0">
+              <a:spAutoFit/>
+            </a:bodyPr>
+            <a:lstStyle/>
+            <a:p>
+              <a:r>
+                <a:rPr lang="en-US" altLang="ko-KR" sz="1400" dirty="0"/>
+                <a:t>1/3</a:t>
+              </a:r>
+              <a:endParaRPr lang="ko-KR" altLang="en-US" sz="1400" dirty="0"/>
+            </a:p>
+          </p:txBody>
+        </p:sp>
+        <p:sp>
+          <p:nvSpPr>
+            <p:cNvPr id="100" name="TextBox 99">
+              <a:extLst>
+                <a:ext uri="{FF2B5EF4-FFF2-40B4-BE49-F238E27FC236}">
+                  <a16:creationId xmlns:a16="http://schemas.microsoft.com/office/drawing/2014/main" id="{36D0A4B3-26B9-4945-8F53-8C25B4D64404}"/>
+                </a:ext>
+              </a:extLst>
+            </p:cNvPr>
+            <p:cNvSpPr txBox="1"/>
+            <p:nvPr/>
+          </p:nvSpPr>
+          <p:spPr>
+            <a:xfrm>
+              <a:off x="4833521" y="1536699"/>
+              <a:ext cx="477215" cy="336610"/>
+            </a:xfrm>
+            <a:prstGeom prst="rect">
+              <a:avLst/>
+            </a:prstGeom>
+            <a:noFill/>
+          </p:spPr>
+          <p:txBody>
+            <a:bodyPr wrap="none" rtlCol="0">
+              <a:spAutoFit/>
+            </a:bodyPr>
+            <a:lstStyle/>
+            <a:p>
+              <a:r>
+                <a:rPr lang="en-US" altLang="ko-KR" sz="1400" dirty="0"/>
+                <a:t>1/3</a:t>
+              </a:r>
+              <a:endParaRPr lang="ko-KR" altLang="en-US" sz="1400" dirty="0"/>
+            </a:p>
+          </p:txBody>
+        </p:sp>
+        <p:sp>
+          <p:nvSpPr>
+            <p:cNvPr id="101" name="TextBox 100">
+              <a:extLst>
+                <a:ext uri="{FF2B5EF4-FFF2-40B4-BE49-F238E27FC236}">
+                  <a16:creationId xmlns:a16="http://schemas.microsoft.com/office/drawing/2014/main" id="{B1F454B9-4113-4F46-9006-63043F22B9EA}"/>
+                </a:ext>
+              </a:extLst>
+            </p:cNvPr>
+            <p:cNvSpPr txBox="1"/>
+            <p:nvPr/>
+          </p:nvSpPr>
+          <p:spPr>
+            <a:xfrm>
+              <a:off x="6775252" y="1536699"/>
+              <a:ext cx="477215" cy="336610"/>
+            </a:xfrm>
+            <a:prstGeom prst="rect">
+              <a:avLst/>
+            </a:prstGeom>
+            <a:noFill/>
+          </p:spPr>
+          <p:txBody>
+            <a:bodyPr wrap="none" rtlCol="0">
+              <a:spAutoFit/>
+            </a:bodyPr>
+            <a:lstStyle/>
+            <a:p>
+              <a:r>
+                <a:rPr lang="en-US" altLang="ko-KR" sz="1400" dirty="0"/>
+                <a:t>1/3</a:t>
+              </a:r>
+              <a:endParaRPr lang="ko-KR" altLang="en-US" sz="1400" dirty="0"/>
+            </a:p>
+          </p:txBody>
+        </p:sp>
+        <p:sp>
+          <p:nvSpPr>
+            <p:cNvPr id="102" name="TextBox 101">
+              <a:extLst>
+                <a:ext uri="{FF2B5EF4-FFF2-40B4-BE49-F238E27FC236}">
+                  <a16:creationId xmlns:a16="http://schemas.microsoft.com/office/drawing/2014/main" id="{A0AB2A6E-E783-4708-A0AD-F36EF35F4A0B}"/>
+                </a:ext>
+              </a:extLst>
+            </p:cNvPr>
+            <p:cNvSpPr txBox="1"/>
+            <p:nvPr/>
+          </p:nvSpPr>
+          <p:spPr>
+            <a:xfrm>
+              <a:off x="6775252" y="2639320"/>
+              <a:ext cx="477215" cy="336610"/>
+            </a:xfrm>
+            <a:prstGeom prst="rect">
+              <a:avLst/>
+            </a:prstGeom>
+            <a:noFill/>
+          </p:spPr>
+          <p:txBody>
+            <a:bodyPr wrap="none" rtlCol="0">
+              <a:spAutoFit/>
+            </a:bodyPr>
+            <a:lstStyle/>
+            <a:p>
+              <a:r>
+                <a:rPr lang="en-US" altLang="ko-KR" sz="1400" dirty="0"/>
+                <a:t>1/3</a:t>
+              </a:r>
+              <a:endParaRPr lang="ko-KR" altLang="en-US" sz="1400" dirty="0"/>
+            </a:p>
+          </p:txBody>
+        </p:sp>
+        <p:sp>
+          <p:nvSpPr>
+            <p:cNvPr id="103" name="TextBox 102">
+              <a:extLst>
+                <a:ext uri="{FF2B5EF4-FFF2-40B4-BE49-F238E27FC236}">
+                  <a16:creationId xmlns:a16="http://schemas.microsoft.com/office/drawing/2014/main" id="{B151B5F3-EB3D-48AE-8A5D-C527C4BA0DC8}"/>
+                </a:ext>
+              </a:extLst>
+            </p:cNvPr>
+            <p:cNvSpPr txBox="1"/>
+            <p:nvPr/>
+          </p:nvSpPr>
+          <p:spPr>
+            <a:xfrm>
+              <a:off x="6775252" y="3278734"/>
+              <a:ext cx="477215" cy="336610"/>
+            </a:xfrm>
+            <a:prstGeom prst="rect">
+              <a:avLst/>
+            </a:prstGeom>
+            <a:noFill/>
+          </p:spPr>
+          <p:txBody>
+            <a:bodyPr wrap="none" rtlCol="0">
+              <a:spAutoFit/>
+            </a:bodyPr>
+            <a:lstStyle/>
+            <a:p>
+              <a:r>
+                <a:rPr lang="en-US" altLang="ko-KR" sz="1400" dirty="0"/>
+                <a:t>1/3</a:t>
+              </a:r>
+              <a:endParaRPr lang="ko-KR" altLang="en-US" sz="1400" dirty="0"/>
+            </a:p>
+          </p:txBody>
+        </p:sp>
+        <p:sp>
+          <p:nvSpPr>
+            <p:cNvPr id="104" name="TextBox 103">
+              <a:extLst>
+                <a:ext uri="{FF2B5EF4-FFF2-40B4-BE49-F238E27FC236}">
+                  <a16:creationId xmlns:a16="http://schemas.microsoft.com/office/drawing/2014/main" id="{6AA64CDF-8A37-416B-96B5-E0A9C100F259}"/>
+                </a:ext>
+              </a:extLst>
+            </p:cNvPr>
+            <p:cNvSpPr txBox="1"/>
+            <p:nvPr/>
+          </p:nvSpPr>
+          <p:spPr>
+            <a:xfrm>
+              <a:off x="7431443" y="2204427"/>
+              <a:ext cx="477215" cy="336610"/>
+            </a:xfrm>
+            <a:prstGeom prst="rect">
+              <a:avLst/>
+            </a:prstGeom>
+            <a:noFill/>
+          </p:spPr>
+          <p:txBody>
+            <a:bodyPr wrap="none" rtlCol="0">
+              <a:spAutoFit/>
+            </a:bodyPr>
+            <a:lstStyle/>
+            <a:p>
+              <a:r>
+                <a:rPr lang="en-US" altLang="ko-KR" sz="1400" dirty="0"/>
+                <a:t>1/9</a:t>
+              </a:r>
+              <a:endParaRPr lang="ko-KR" altLang="en-US" sz="1400" dirty="0"/>
+            </a:p>
+          </p:txBody>
+        </p:sp>
+        <p:sp>
+          <p:nvSpPr>
+            <p:cNvPr id="105" name="TextBox 104">
+              <a:extLst>
+                <a:ext uri="{FF2B5EF4-FFF2-40B4-BE49-F238E27FC236}">
+                  <a16:creationId xmlns:a16="http://schemas.microsoft.com/office/drawing/2014/main" id="{50BDC998-6386-4FEB-A6F3-00F256693A59}"/>
+                </a:ext>
+              </a:extLst>
+            </p:cNvPr>
+            <p:cNvSpPr txBox="1"/>
+            <p:nvPr/>
+          </p:nvSpPr>
+          <p:spPr>
+            <a:xfrm>
+              <a:off x="7431444" y="1081317"/>
+              <a:ext cx="493519" cy="338554"/>
+            </a:xfrm>
+            <a:prstGeom prst="rect">
+              <a:avLst/>
+            </a:prstGeom>
+            <a:noFill/>
+          </p:spPr>
+          <p:txBody>
+            <a:bodyPr wrap="square" rtlCol="0">
+              <a:spAutoFit/>
+            </a:bodyPr>
+            <a:lstStyle/>
+            <a:p>
+              <a:r>
+                <a:rPr lang="en-US" altLang="ko-KR" sz="1400" dirty="0"/>
+                <a:t>1/9</a:t>
+              </a:r>
+              <a:endParaRPr lang="ko-KR" altLang="en-US" sz="1400" dirty="0"/>
+            </a:p>
+          </p:txBody>
+        </p:sp>
+        <p:sp>
+          <p:nvSpPr>
+            <p:cNvPr id="107" name="TextBox 106">
+              <a:extLst>
+                <a:ext uri="{FF2B5EF4-FFF2-40B4-BE49-F238E27FC236}">
+                  <a16:creationId xmlns:a16="http://schemas.microsoft.com/office/drawing/2014/main" id="{88A7A659-7196-4C13-AB91-3EDB1AA42F7D}"/>
+                </a:ext>
+              </a:extLst>
+            </p:cNvPr>
+            <p:cNvSpPr txBox="1"/>
+            <p:nvPr/>
+          </p:nvSpPr>
+          <p:spPr>
+            <a:xfrm>
+              <a:off x="7431444" y="615782"/>
+              <a:ext cx="493519" cy="338554"/>
+            </a:xfrm>
+            <a:prstGeom prst="rect">
+              <a:avLst/>
+            </a:prstGeom>
+            <a:noFill/>
+          </p:spPr>
+          <p:txBody>
+            <a:bodyPr wrap="square" rtlCol="0">
+              <a:spAutoFit/>
+            </a:bodyPr>
+            <a:lstStyle/>
+            <a:p>
+              <a:r>
+                <a:rPr lang="en-US" altLang="ko-KR" sz="1400" dirty="0"/>
+                <a:t>1/9</a:t>
+              </a:r>
+              <a:endParaRPr lang="ko-KR" altLang="en-US" sz="1400" dirty="0"/>
+            </a:p>
+          </p:txBody>
+        </p:sp>
+        <p:sp>
+          <p:nvSpPr>
+            <p:cNvPr id="108" name="TextBox 107">
+              <a:extLst>
+                <a:ext uri="{FF2B5EF4-FFF2-40B4-BE49-F238E27FC236}">
+                  <a16:creationId xmlns:a16="http://schemas.microsoft.com/office/drawing/2014/main" id="{71EF3D97-EBB4-4626-A205-A3263E2689FC}"/>
+                </a:ext>
+              </a:extLst>
+            </p:cNvPr>
+            <p:cNvSpPr txBox="1"/>
+            <p:nvPr/>
+          </p:nvSpPr>
+          <p:spPr>
+            <a:xfrm>
+              <a:off x="7431444" y="226153"/>
+              <a:ext cx="710035" cy="338554"/>
+            </a:xfrm>
+            <a:prstGeom prst="rect">
+              <a:avLst/>
+            </a:prstGeom>
+            <a:noFill/>
+          </p:spPr>
+          <p:txBody>
+            <a:bodyPr wrap="square" rtlCol="0">
+              <a:spAutoFit/>
+            </a:bodyPr>
+            <a:lstStyle/>
+            <a:p>
+              <a:r>
+                <a:rPr lang="en-US" altLang="ko-KR" sz="1400" dirty="0"/>
+                <a:t>1/27</a:t>
+              </a:r>
+              <a:endParaRPr lang="ko-KR" altLang="en-US" sz="1400" dirty="0"/>
+            </a:p>
+          </p:txBody>
+        </p:sp>
+        <p:sp>
+          <p:nvSpPr>
+            <p:cNvPr id="111" name="TextBox 110">
+              <a:extLst>
+                <a:ext uri="{FF2B5EF4-FFF2-40B4-BE49-F238E27FC236}">
+                  <a16:creationId xmlns:a16="http://schemas.microsoft.com/office/drawing/2014/main" id="{D688A2A5-50D7-450E-BB6F-EEF8235B7AF5}"/>
+                </a:ext>
+              </a:extLst>
+            </p:cNvPr>
+            <p:cNvSpPr txBox="1"/>
+            <p:nvPr/>
+          </p:nvSpPr>
+          <p:spPr>
+            <a:xfrm>
+              <a:off x="1224594" y="6188451"/>
+              <a:ext cx="485980" cy="437593"/>
+            </a:xfrm>
+            <a:prstGeom prst="rect">
+              <a:avLst/>
+            </a:prstGeom>
+            <a:noFill/>
+          </p:spPr>
+          <p:txBody>
+            <a:bodyPr wrap="none" rtlCol="0">
+              <a:spAutoFit/>
+            </a:bodyPr>
+            <a:lstStyle/>
+            <a:p>
+              <a:pPr algn="ctr"/>
+              <a:r>
+                <a:rPr lang="en-US" altLang="ko-KR" sz="2000" b="1" dirty="0"/>
+                <a:t>$1</a:t>
+              </a:r>
+              <a:endParaRPr lang="ko-KR" altLang="en-US" sz="2000" b="1" dirty="0"/>
+            </a:p>
+          </p:txBody>
+        </p:sp>
+        <p:sp>
+          <p:nvSpPr>
+            <p:cNvPr id="112" name="TextBox 111">
+              <a:extLst>
+                <a:ext uri="{FF2B5EF4-FFF2-40B4-BE49-F238E27FC236}">
+                  <a16:creationId xmlns:a16="http://schemas.microsoft.com/office/drawing/2014/main" id="{1C7ABBCF-E8BA-45A6-8015-8C157FDBEEEB}"/>
+                </a:ext>
+              </a:extLst>
+            </p:cNvPr>
+            <p:cNvSpPr txBox="1"/>
+            <p:nvPr/>
+          </p:nvSpPr>
+          <p:spPr>
+            <a:xfrm>
+              <a:off x="3047380" y="6188451"/>
+              <a:ext cx="845382" cy="437593"/>
+            </a:xfrm>
+            <a:prstGeom prst="rect">
+              <a:avLst/>
+            </a:prstGeom>
+            <a:noFill/>
+          </p:spPr>
+          <p:txBody>
+            <a:bodyPr wrap="none" rtlCol="0">
+              <a:spAutoFit/>
+            </a:bodyPr>
+            <a:lstStyle/>
+            <a:p>
+              <a:pPr algn="ctr"/>
+              <a:r>
+                <a:rPr lang="en-US" altLang="ko-KR" sz="2000" b="1" dirty="0"/>
+                <a:t>$1.33</a:t>
+              </a:r>
+              <a:endParaRPr lang="ko-KR" altLang="en-US" sz="2000" b="1" dirty="0"/>
+            </a:p>
+          </p:txBody>
+        </p:sp>
+        <p:sp>
+          <p:nvSpPr>
+            <p:cNvPr id="113" name="TextBox 112">
+              <a:extLst>
+                <a:ext uri="{FF2B5EF4-FFF2-40B4-BE49-F238E27FC236}">
+                  <a16:creationId xmlns:a16="http://schemas.microsoft.com/office/drawing/2014/main" id="{8203B578-6171-4E4C-AE1D-13D494C93430}"/>
+                </a:ext>
+              </a:extLst>
+            </p:cNvPr>
+            <p:cNvSpPr txBox="1"/>
+            <p:nvPr/>
+          </p:nvSpPr>
+          <p:spPr>
+            <a:xfrm>
+              <a:off x="5015961" y="6188451"/>
+              <a:ext cx="845381" cy="437593"/>
+            </a:xfrm>
+            <a:prstGeom prst="rect">
+              <a:avLst/>
+            </a:prstGeom>
+            <a:noFill/>
+          </p:spPr>
+          <p:txBody>
+            <a:bodyPr wrap="none" rtlCol="0">
+              <a:spAutoFit/>
+            </a:bodyPr>
+            <a:lstStyle/>
+            <a:p>
+              <a:pPr algn="ctr"/>
+              <a:r>
+                <a:rPr lang="en-US" altLang="ko-KR" sz="2000" b="1" dirty="0"/>
+                <a:t>$1.78</a:t>
+              </a:r>
+              <a:endParaRPr lang="ko-KR" altLang="en-US" sz="2000" b="1" dirty="0"/>
+            </a:p>
+          </p:txBody>
+        </p:sp>
+        <p:sp>
+          <p:nvSpPr>
+            <p:cNvPr id="114" name="TextBox 113">
+              <a:extLst>
+                <a:ext uri="{FF2B5EF4-FFF2-40B4-BE49-F238E27FC236}">
+                  <a16:creationId xmlns:a16="http://schemas.microsoft.com/office/drawing/2014/main" id="{61D32520-34B1-442A-BC1B-40BC274E44CD}"/>
+                </a:ext>
+              </a:extLst>
+            </p:cNvPr>
+            <p:cNvSpPr txBox="1"/>
+            <p:nvPr/>
+          </p:nvSpPr>
+          <p:spPr>
+            <a:xfrm>
+              <a:off x="4833521" y="615782"/>
+              <a:ext cx="493519" cy="338554"/>
+            </a:xfrm>
+            <a:prstGeom prst="rect">
+              <a:avLst/>
+            </a:prstGeom>
+            <a:noFill/>
+          </p:spPr>
+          <p:txBody>
+            <a:bodyPr wrap="square" rtlCol="0">
+              <a:spAutoFit/>
+            </a:bodyPr>
+            <a:lstStyle/>
+            <a:p>
+              <a:r>
+                <a:rPr lang="en-US" altLang="ko-KR" sz="1400" dirty="0"/>
+                <a:t>1/9</a:t>
+              </a:r>
+              <a:endParaRPr lang="ko-KR" altLang="en-US" sz="1400" dirty="0"/>
+            </a:p>
+          </p:txBody>
+        </p:sp>
+        <p:sp>
+          <p:nvSpPr>
+            <p:cNvPr id="115" name="TextBox 114">
+              <a:extLst>
+                <a:ext uri="{FF2B5EF4-FFF2-40B4-BE49-F238E27FC236}">
+                  <a16:creationId xmlns:a16="http://schemas.microsoft.com/office/drawing/2014/main" id="{4836F299-D0AF-4B50-87E3-4F3291D6A51F}"/>
+                </a:ext>
+              </a:extLst>
+            </p:cNvPr>
+            <p:cNvSpPr txBox="1"/>
+            <p:nvPr/>
+          </p:nvSpPr>
+          <p:spPr>
+            <a:xfrm>
+              <a:off x="6951913" y="6188451"/>
+              <a:ext cx="845381" cy="437593"/>
+            </a:xfrm>
+            <a:prstGeom prst="rect">
+              <a:avLst/>
+            </a:prstGeom>
+            <a:noFill/>
+          </p:spPr>
+          <p:txBody>
+            <a:bodyPr wrap="none" rtlCol="0">
+              <a:spAutoFit/>
+            </a:bodyPr>
+            <a:lstStyle/>
+            <a:p>
+              <a:pPr algn="ctr"/>
+              <a:r>
+                <a:rPr lang="en-US" altLang="ko-KR" sz="2000" b="1" dirty="0"/>
+                <a:t>$2.37</a:t>
+              </a:r>
+              <a:endParaRPr lang="ko-KR" altLang="en-US" sz="2000" b="1" dirty="0"/>
+            </a:p>
+          </p:txBody>
+        </p:sp>
+      </p:grpSp>
+      <p:grpSp>
+        <p:nvGrpSpPr>
+          <p:cNvPr id="3" name="그룹 2">
+            <a:extLst>
+              <a:ext uri="{FF2B5EF4-FFF2-40B4-BE49-F238E27FC236}">
+                <a16:creationId xmlns:a16="http://schemas.microsoft.com/office/drawing/2014/main" id="{0B0FDA8E-63E6-4524-9D7B-3511C2888665}"/>
+              </a:ext>
+            </a:extLst>
+          </p:cNvPr>
+          <p:cNvGrpSpPr/>
+          <p:nvPr/>
+        </p:nvGrpSpPr>
+        <p:grpSpPr>
+          <a:xfrm>
+            <a:off x="1753420" y="5662566"/>
+            <a:ext cx="1739547" cy="1128982"/>
+            <a:chOff x="1753420" y="5662566"/>
+            <a:chExt cx="1739547" cy="1128982"/>
+          </a:xfrm>
+        </p:grpSpPr>
+        <p:sp>
+          <p:nvSpPr>
+            <p:cNvPr id="56" name="원호 55">
+              <a:extLst>
+                <a:ext uri="{FF2B5EF4-FFF2-40B4-BE49-F238E27FC236}">
+                  <a16:creationId xmlns:a16="http://schemas.microsoft.com/office/drawing/2014/main" id="{B59DF70E-0D4C-4D47-993D-0659D3195F29}"/>
+                </a:ext>
+              </a:extLst>
+            </p:cNvPr>
+            <p:cNvSpPr/>
+            <p:nvPr/>
+          </p:nvSpPr>
+          <p:spPr>
+            <a:xfrm rot="10800000">
+              <a:off x="1753420" y="5662566"/>
+              <a:ext cx="1739547" cy="736537"/>
+            </a:xfrm>
+            <a:prstGeom prst="arc">
+              <a:avLst>
+                <a:gd name="adj1" fmla="val 10990092"/>
+                <a:gd name="adj2" fmla="val 21456843"/>
+              </a:avLst>
+            </a:prstGeom>
+            <a:ln w="28575">
+              <a:solidFill>
+                <a:schemeClr val="bg1">
+                  <a:lumMod val="65000"/>
+                </a:schemeClr>
+              </a:solidFill>
+              <a:prstDash val="sysDash"/>
+              <a:headEnd type="triangle" w="med" len="med"/>
+              <a:tailEnd type="none" w="med" len="med"/>
+            </a:ln>
+          </p:spPr>
+          <p:style>
+            <a:lnRef idx="1">
+              <a:schemeClr val="accent1"/>
+            </a:lnRef>
+            <a:fillRef idx="0">
+              <a:schemeClr val="accent1"/>
+            </a:fillRef>
+            <a:effectRef idx="0">
+              <a:schemeClr val="accent1"/>
+            </a:effectRef>
+            <a:fontRef idx="minor">
+              <a:schemeClr val="tx1"/>
+            </a:fontRef>
+          </p:style>
+          <p:txBody>
+            <a:bodyPr rtlCol="0" anchor="ctr"/>
+            <a:lstStyle/>
+            <a:p>
+              <a:pPr algn="ctr"/>
+              <a:endParaRPr lang="ko-KR" altLang="en-US"/>
+            </a:p>
+          </p:txBody>
+        </p:sp>
+        <p:sp>
+          <p:nvSpPr>
+            <p:cNvPr id="57" name="TextBox 56">
+              <a:extLst>
+                <a:ext uri="{FF2B5EF4-FFF2-40B4-BE49-F238E27FC236}">
+                  <a16:creationId xmlns:a16="http://schemas.microsoft.com/office/drawing/2014/main" id="{C89E126D-0B24-48B7-993A-A2E9ADE0C91E}"/>
+                </a:ext>
+              </a:extLst>
+            </p:cNvPr>
+            <p:cNvSpPr txBox="1"/>
+            <p:nvPr/>
+          </p:nvSpPr>
+          <p:spPr>
+            <a:xfrm>
+              <a:off x="1923230" y="6422216"/>
+              <a:ext cx="1453241" cy="369332"/>
+            </a:xfrm>
+            <a:prstGeom prst="rect">
+              <a:avLst/>
+            </a:prstGeom>
+            <a:noFill/>
+          </p:spPr>
+          <p:txBody>
+            <a:bodyPr wrap="square" rtlCol="0">
+              <a:spAutoFit/>
+            </a:bodyPr>
+            <a:lstStyle/>
+            <a:p>
+              <a:pPr algn="ctr"/>
+              <a:r>
+                <a:rPr lang="en-US" altLang="ko-KR" dirty="0"/>
+                <a:t>33% Growth</a:t>
+              </a:r>
+              <a:endParaRPr lang="ko-KR" altLang="en-US" dirty="0"/>
+            </a:p>
+          </p:txBody>
+        </p:sp>
+      </p:grpSp>
+      <p:grpSp>
+        <p:nvGrpSpPr>
+          <p:cNvPr id="59" name="그룹 58">
+            <a:extLst>
+              <a:ext uri="{FF2B5EF4-FFF2-40B4-BE49-F238E27FC236}">
+                <a16:creationId xmlns:a16="http://schemas.microsoft.com/office/drawing/2014/main" id="{3E3E2354-2A1C-48F1-A10A-F6A732E2F1AD}"/>
+              </a:ext>
+            </a:extLst>
+          </p:cNvPr>
+          <p:cNvGrpSpPr/>
+          <p:nvPr/>
+        </p:nvGrpSpPr>
+        <p:grpSpPr>
+          <a:xfrm>
+            <a:off x="3553947" y="5662566"/>
+            <a:ext cx="1739547" cy="1092770"/>
+            <a:chOff x="1753420" y="5662566"/>
+            <a:chExt cx="1739547" cy="1092770"/>
+          </a:xfrm>
+        </p:grpSpPr>
+        <p:sp>
+          <p:nvSpPr>
+            <p:cNvPr id="60" name="원호 59">
+              <a:extLst>
+                <a:ext uri="{FF2B5EF4-FFF2-40B4-BE49-F238E27FC236}">
+                  <a16:creationId xmlns:a16="http://schemas.microsoft.com/office/drawing/2014/main" id="{B8836927-8851-4BD4-A8F9-A2FC176456F5}"/>
+                </a:ext>
+              </a:extLst>
+            </p:cNvPr>
+            <p:cNvSpPr/>
+            <p:nvPr/>
+          </p:nvSpPr>
+          <p:spPr>
+            <a:xfrm rot="10800000">
+              <a:off x="1753420" y="5662566"/>
+              <a:ext cx="1739547" cy="736537"/>
+            </a:xfrm>
+            <a:prstGeom prst="arc">
+              <a:avLst>
+                <a:gd name="adj1" fmla="val 10990092"/>
+                <a:gd name="adj2" fmla="val 21456843"/>
+              </a:avLst>
+            </a:prstGeom>
+            <a:ln w="28575">
+              <a:solidFill>
+                <a:schemeClr val="bg1">
+                  <a:lumMod val="65000"/>
+                </a:schemeClr>
+              </a:solidFill>
+              <a:prstDash val="sysDash"/>
+              <a:headEnd type="triangle" w="med" len="med"/>
+              <a:tailEnd type="none" w="med" len="med"/>
+            </a:ln>
+          </p:spPr>
+          <p:style>
+            <a:lnRef idx="1">
+              <a:schemeClr val="accent1"/>
+            </a:lnRef>
+            <a:fillRef idx="0">
+              <a:schemeClr val="accent1"/>
+            </a:fillRef>
+            <a:effectRef idx="0">
+              <a:schemeClr val="accent1"/>
+            </a:effectRef>
+            <a:fontRef idx="minor">
+              <a:schemeClr val="tx1"/>
+            </a:fontRef>
+          </p:style>
+          <p:txBody>
+            <a:bodyPr rtlCol="0" anchor="ctr"/>
+            <a:lstStyle/>
+            <a:p>
+              <a:pPr algn="ctr"/>
+              <a:endParaRPr lang="ko-KR" altLang="en-US"/>
+            </a:p>
+          </p:txBody>
+        </p:sp>
+        <p:sp>
+          <p:nvSpPr>
+            <p:cNvPr id="62" name="TextBox 61">
+              <a:extLst>
+                <a:ext uri="{FF2B5EF4-FFF2-40B4-BE49-F238E27FC236}">
+                  <a16:creationId xmlns:a16="http://schemas.microsoft.com/office/drawing/2014/main" id="{93CC1778-174D-44A6-8DE5-3E1809AE1EDE}"/>
+                </a:ext>
+              </a:extLst>
+            </p:cNvPr>
+            <p:cNvSpPr txBox="1"/>
+            <p:nvPr/>
+          </p:nvSpPr>
+          <p:spPr>
+            <a:xfrm>
+              <a:off x="1959442" y="6386004"/>
+              <a:ext cx="1453241" cy="369332"/>
+            </a:xfrm>
+            <a:prstGeom prst="rect">
+              <a:avLst/>
+            </a:prstGeom>
+            <a:noFill/>
+          </p:spPr>
+          <p:txBody>
+            <a:bodyPr wrap="square" rtlCol="0">
+              <a:spAutoFit/>
+            </a:bodyPr>
+            <a:lstStyle/>
+            <a:p>
+              <a:pPr algn="ctr"/>
+              <a:r>
+                <a:rPr lang="en-US" altLang="ko-KR" dirty="0"/>
+                <a:t>33% Growth</a:t>
+              </a:r>
+              <a:endParaRPr lang="ko-KR" altLang="en-US" dirty="0"/>
+            </a:p>
+          </p:txBody>
+        </p:sp>
+      </p:grpSp>
+      <p:grpSp>
+        <p:nvGrpSpPr>
+          <p:cNvPr id="63" name="그룹 62">
+            <a:extLst>
+              <a:ext uri="{FF2B5EF4-FFF2-40B4-BE49-F238E27FC236}">
+                <a16:creationId xmlns:a16="http://schemas.microsoft.com/office/drawing/2014/main" id="{57F0132A-03BF-4211-A21D-4AF68DCA2147}"/>
+              </a:ext>
+            </a:extLst>
+          </p:cNvPr>
+          <p:cNvGrpSpPr/>
+          <p:nvPr/>
+        </p:nvGrpSpPr>
+        <p:grpSpPr>
+          <a:xfrm>
+            <a:off x="5441993" y="5662566"/>
+            <a:ext cx="1739547" cy="1092770"/>
+            <a:chOff x="1753420" y="5662566"/>
+            <a:chExt cx="1739547" cy="1092770"/>
+          </a:xfrm>
+        </p:grpSpPr>
+        <p:sp>
+          <p:nvSpPr>
+            <p:cNvPr id="64" name="원호 63">
+              <a:extLst>
+                <a:ext uri="{FF2B5EF4-FFF2-40B4-BE49-F238E27FC236}">
+                  <a16:creationId xmlns:a16="http://schemas.microsoft.com/office/drawing/2014/main" id="{6B20DA6A-BDC7-478A-A8CB-9F14D5EAC4CE}"/>
+                </a:ext>
+              </a:extLst>
+            </p:cNvPr>
+            <p:cNvSpPr/>
+            <p:nvPr/>
+          </p:nvSpPr>
+          <p:spPr>
+            <a:xfrm rot="10800000">
+              <a:off x="1753420" y="5662566"/>
+              <a:ext cx="1739547" cy="736537"/>
+            </a:xfrm>
+            <a:prstGeom prst="arc">
+              <a:avLst>
+                <a:gd name="adj1" fmla="val 10990092"/>
+                <a:gd name="adj2" fmla="val 21456843"/>
+              </a:avLst>
+            </a:prstGeom>
+            <a:ln w="28575">
+              <a:solidFill>
+                <a:schemeClr val="bg1">
+                  <a:lumMod val="65000"/>
+                </a:schemeClr>
+              </a:solidFill>
+              <a:prstDash val="sysDash"/>
+              <a:headEnd type="triangle" w="med" len="med"/>
+              <a:tailEnd type="none" w="med" len="med"/>
+            </a:ln>
+          </p:spPr>
+          <p:style>
+            <a:lnRef idx="1">
+              <a:schemeClr val="accent1"/>
+            </a:lnRef>
+            <a:fillRef idx="0">
+              <a:schemeClr val="accent1"/>
+            </a:fillRef>
+            <a:effectRef idx="0">
+              <a:schemeClr val="accent1"/>
+            </a:effectRef>
+            <a:fontRef idx="minor">
+              <a:schemeClr val="tx1"/>
+            </a:fontRef>
+          </p:style>
+          <p:txBody>
+            <a:bodyPr rtlCol="0" anchor="ctr"/>
+            <a:lstStyle/>
+            <a:p>
+              <a:pPr algn="ctr"/>
+              <a:endParaRPr lang="ko-KR" altLang="en-US"/>
+            </a:p>
+          </p:txBody>
+        </p:sp>
+        <p:sp>
+          <p:nvSpPr>
+            <p:cNvPr id="65" name="TextBox 64">
+              <a:extLst>
+                <a:ext uri="{FF2B5EF4-FFF2-40B4-BE49-F238E27FC236}">
+                  <a16:creationId xmlns:a16="http://schemas.microsoft.com/office/drawing/2014/main" id="{DD3027D4-038C-45ED-98E5-4C2B228F200C}"/>
+                </a:ext>
+              </a:extLst>
+            </p:cNvPr>
+            <p:cNvSpPr txBox="1"/>
+            <p:nvPr/>
+          </p:nvSpPr>
+          <p:spPr>
+            <a:xfrm>
+              <a:off x="1914177" y="6386004"/>
+              <a:ext cx="1453241" cy="369332"/>
+            </a:xfrm>
+            <a:prstGeom prst="rect">
+              <a:avLst/>
+            </a:prstGeom>
+            <a:noFill/>
+          </p:spPr>
+          <p:txBody>
+            <a:bodyPr wrap="square" rtlCol="0">
+              <a:spAutoFit/>
+            </a:bodyPr>
+            <a:lstStyle/>
+            <a:p>
+              <a:pPr algn="ctr"/>
+              <a:r>
+                <a:rPr lang="en-US" altLang="ko-KR" dirty="0"/>
+                <a:t>33% Growth</a:t>
+              </a:r>
+              <a:endParaRPr lang="ko-KR" altLang="en-US" dirty="0"/>
+            </a:p>
+          </p:txBody>
+        </p:sp>
+      </p:grpSp>
+    </p:spTree>
+    <p:extLst>
+      <p:ext uri="{BB962C8B-B14F-4D97-AF65-F5344CB8AC3E}">
+        <p14:creationId xmlns:p14="http://schemas.microsoft.com/office/powerpoint/2010/main" val="2852508257"/>
+      </p:ext>
+    </p:extLst>
+  </p:cSld>
+  <p:clrMapOvr>
+    <a:masterClrMapping/>
+  </p:clrMapOvr>
+</p:sld>
+</file>
+
+<file path=ppt/slides/slide7.xml><?xml version="1.0" encoding="utf-8"?>
 <p:sld xmlns:a="http://schemas.openxmlformats.org/drawingml/2006/main" xmlns:r="http://schemas.openxmlformats.org/officeDocument/2006/relationships" xmlns:p="http://schemas.openxmlformats.org/presentationml/2006/main">
   <p:cSld>
     <p:spTree>
@@ -8819,8 +14112,8 @@
           </a:p>
         </p:txBody>
       </p:sp>
-      <mc:AlternateContent xmlns:mc="http://schemas.openxmlformats.org/markup-compatibility/2006">
-        <mc:Choice xmlns:a14="http://schemas.microsoft.com/office/drawing/2010/main" Requires="a14">
+      <mc:AlternateContent xmlns:mc="http://schemas.openxmlformats.org/markup-compatibility/2006" xmlns:a14="http://schemas.microsoft.com/office/drawing/2010/main">
+        <mc:Choice Requires="a14">
           <p:sp>
             <p:nvSpPr>
               <p:cNvPr id="20" name="TextBox 19"/>
@@ -8843,6 +14136,7 @@
               </a:bodyPr>
               <a:lstStyle/>
               <a:p>
+                <a:pPr/>
                 <a14:m>
                   <m:oMathPara xmlns:m="http://schemas.openxmlformats.org/officeDocument/2006/math">
                     <m:oMathParaPr>
@@ -8863,7 +14157,7 @@
             </p:txBody>
           </p:sp>
         </mc:Choice>
-        <mc:Fallback>
+        <mc:Fallback xmlns="">
           <p:sp>
             <p:nvSpPr>
               <p:cNvPr id="20" name="TextBox 19"/>
@@ -8926,7 +14220,7 @@
           <a:p>
             <a:pPr algn="ctr"/>
             <a:r>
-              <a:rPr lang="en-US" altLang="ko-KR" dirty="0" smtClean="0"/>
+              <a:rPr lang="en-US" altLang="ko-KR" dirty="0"/>
               <a:t>0</a:t>
             </a:r>
             <a:endParaRPr lang="ko-KR" altLang="en-US" dirty="0"/>
@@ -8957,7 +14251,7 @@
           <a:p>
             <a:pPr algn="ctr"/>
             <a:r>
-              <a:rPr lang="en-US" altLang="ko-KR" dirty="0" smtClean="0"/>
+              <a:rPr lang="en-US" altLang="ko-KR" dirty="0"/>
               <a:t>1</a:t>
             </a:r>
             <a:endParaRPr lang="ko-KR" altLang="en-US" dirty="0"/>
@@ -8988,7 +14282,7 @@
           <a:p>
             <a:pPr algn="ctr"/>
             <a:r>
-              <a:rPr lang="en-US" altLang="ko-KR" dirty="0" smtClean="0"/>
+              <a:rPr lang="en-US" altLang="ko-KR" dirty="0"/>
               <a:t>2</a:t>
             </a:r>
             <a:endParaRPr lang="ko-KR" altLang="en-US" dirty="0"/>
@@ -9019,7 +14313,7 @@
           <a:p>
             <a:pPr algn="ctr"/>
             <a:r>
-              <a:rPr lang="en-US" altLang="ko-KR" dirty="0" smtClean="0"/>
+              <a:rPr lang="en-US" altLang="ko-KR" dirty="0"/>
               <a:t>3</a:t>
             </a:r>
             <a:endParaRPr lang="ko-KR" altLang="en-US" dirty="0"/>
@@ -9199,27 +14493,27 @@
           <a:p>
             <a:pPr algn="ctr"/>
             <a:r>
-              <a:rPr lang="ko-KR" altLang="en-US" dirty="0" smtClean="0"/>
+              <a:rPr lang="ko-KR" altLang="en-US" dirty="0"/>
               <a:t>다음 스텝의 성장은</a:t>
             </a:r>
-            <a:endParaRPr lang="en-US" altLang="ko-KR" dirty="0" smtClean="0"/>
+            <a:endParaRPr lang="en-US" altLang="ko-KR" dirty="0"/>
           </a:p>
           <a:p>
             <a:pPr algn="ctr"/>
             <a:r>
-              <a:rPr lang="ko-KR" altLang="en-US" dirty="0" smtClean="0"/>
+              <a:rPr lang="ko-KR" altLang="en-US" dirty="0"/>
               <a:t>자기 자신만큼</a:t>
             </a:r>
             <a:r>
-              <a:rPr lang="en-US" altLang="ko-KR" dirty="0" smtClean="0"/>
+              <a:rPr lang="en-US" altLang="ko-KR" dirty="0"/>
               <a:t>!</a:t>
             </a:r>
             <a:endParaRPr lang="ko-KR" altLang="en-US" dirty="0"/>
           </a:p>
         </p:txBody>
       </p:sp>
-      <mc:AlternateContent xmlns:mc="http://schemas.openxmlformats.org/markup-compatibility/2006">
-        <mc:Choice xmlns:a14="http://schemas.microsoft.com/office/drawing/2010/main" Requires="a14">
+      <mc:AlternateContent xmlns:mc="http://schemas.openxmlformats.org/markup-compatibility/2006" xmlns:a14="http://schemas.microsoft.com/office/drawing/2010/main">
+        <mc:Choice Requires="a14">
           <p:sp>
             <p:nvSpPr>
               <p:cNvPr id="29" name="TextBox 28"/>
@@ -9242,6 +14536,7 @@
               </a:bodyPr>
               <a:lstStyle/>
               <a:p>
+                <a:pPr/>
                 <a14:m>
                   <m:oMathPara xmlns:m="http://schemas.openxmlformats.org/officeDocument/2006/math">
                     <m:oMathParaPr>
@@ -9275,7 +14570,7 @@
             </p:txBody>
           </p:sp>
         </mc:Choice>
-        <mc:Fallback>
+        <mc:Fallback xmlns="">
           <p:sp>
             <p:nvSpPr>
               <p:cNvPr id="29" name="TextBox 28"/>
@@ -9314,8 +14609,8 @@
           </p:sp>
         </mc:Fallback>
       </mc:AlternateContent>
-      <mc:AlternateContent xmlns:mc="http://schemas.openxmlformats.org/markup-compatibility/2006">
-        <mc:Choice xmlns:a14="http://schemas.microsoft.com/office/drawing/2010/main" Requires="a14">
+      <mc:AlternateContent xmlns:mc="http://schemas.openxmlformats.org/markup-compatibility/2006" xmlns:a14="http://schemas.microsoft.com/office/drawing/2010/main">
+        <mc:Choice Requires="a14">
           <p:sp>
             <p:nvSpPr>
               <p:cNvPr id="30" name="TextBox 29"/>
@@ -9338,6 +14633,7 @@
               </a:bodyPr>
               <a:lstStyle/>
               <a:p>
+                <a:pPr/>
                 <a14:m>
                   <m:oMathPara xmlns:m="http://schemas.openxmlformats.org/officeDocument/2006/math">
                     <m:oMathParaPr>
@@ -9360,7 +14656,7 @@
                         <m:sSupPr>
                           <m:ctrlPr>
                             <a:rPr lang="en-US" altLang="ko-KR" sz="2800" b="0" i="1" smtClean="0">
-                              <a:latin typeface="Cambria Math"/>
+                              <a:latin typeface="Cambria Math" panose="02040503050406030204" pitchFamily="18" charset="0"/>
                             </a:rPr>
                           </m:ctrlPr>
                         </m:sSupPr>
@@ -9389,7 +14685,7 @@
             </p:txBody>
           </p:sp>
         </mc:Choice>
-        <mc:Fallback>
+        <mc:Fallback xmlns="">
           <p:sp>
             <p:nvSpPr>
               <p:cNvPr id="30" name="TextBox 29"/>
@@ -9432,6 +14728,1279 @@
     <p:extLst>
       <p:ext uri="{BB962C8B-B14F-4D97-AF65-F5344CB8AC3E}">
         <p14:creationId xmlns:p14="http://schemas.microsoft.com/office/powerpoint/2010/main" val="1369903335"/>
+      </p:ext>
+    </p:extLst>
+  </p:cSld>
+  <p:clrMapOvr>
+    <a:masterClrMapping/>
+  </p:clrMapOvr>
+</p:sld>
+</file>
+
+<file path=ppt/slides/slide8.xml><?xml version="1.0" encoding="utf-8"?>
+<p:sld xmlns:a="http://schemas.openxmlformats.org/drawingml/2006/main" xmlns:r="http://schemas.openxmlformats.org/officeDocument/2006/relationships" xmlns:p="http://schemas.openxmlformats.org/presentationml/2006/main">
+  <p:cSld>
+    <p:spTree>
+      <p:nvGrpSpPr>
+        <p:cNvPr id="1" name=""/>
+        <p:cNvGrpSpPr/>
+        <p:nvPr/>
+      </p:nvGrpSpPr>
+      <p:grpSpPr>
+        <a:xfrm>
+          <a:off x="0" y="0"/>
+          <a:ext cx="0" cy="0"/>
+          <a:chOff x="0" y="0"/>
+          <a:chExt cx="0" cy="0"/>
+        </a:xfrm>
+      </p:grpSpPr>
+      <p:cxnSp>
+        <p:nvCxnSpPr>
+          <p:cNvPr id="4" name="직선 화살표 연결선 3"/>
+          <p:cNvCxnSpPr/>
+          <p:nvPr/>
+        </p:nvCxnSpPr>
+        <p:spPr>
+          <a:xfrm>
+            <a:off x="2619158" y="5589240"/>
+            <a:ext cx="4032448" cy="0"/>
+          </a:xfrm>
+          <a:prstGeom prst="straightConnector1">
+            <a:avLst/>
+          </a:prstGeom>
+          <a:ln w="19050">
+            <a:solidFill>
+              <a:schemeClr val="tx1"/>
+            </a:solidFill>
+            <a:tailEnd type="arrow"/>
+          </a:ln>
+        </p:spPr>
+        <p:style>
+          <a:lnRef idx="1">
+            <a:schemeClr val="accent1"/>
+          </a:lnRef>
+          <a:fillRef idx="0">
+            <a:schemeClr val="accent1"/>
+          </a:fillRef>
+          <a:effectRef idx="0">
+            <a:schemeClr val="accent1"/>
+          </a:effectRef>
+          <a:fontRef idx="minor">
+            <a:schemeClr val="tx1"/>
+          </a:fontRef>
+        </p:style>
+      </p:cxnSp>
+      <p:sp>
+        <p:nvSpPr>
+          <p:cNvPr id="5" name="직사각형 4"/>
+          <p:cNvSpPr/>
+          <p:nvPr/>
+        </p:nvSpPr>
+        <p:spPr>
+          <a:xfrm>
+            <a:off x="3195222" y="5013176"/>
+            <a:ext cx="576064" cy="576064"/>
+          </a:xfrm>
+          <a:prstGeom prst="rect">
+            <a:avLst/>
+          </a:prstGeom>
+        </p:spPr>
+        <p:style>
+          <a:lnRef idx="2">
+            <a:schemeClr val="accent1">
+              <a:shade val="50000"/>
+            </a:schemeClr>
+          </a:lnRef>
+          <a:fillRef idx="1">
+            <a:schemeClr val="accent1"/>
+          </a:fillRef>
+          <a:effectRef idx="0">
+            <a:schemeClr val="accent1"/>
+          </a:effectRef>
+          <a:fontRef idx="minor">
+            <a:schemeClr val="lt1"/>
+          </a:fontRef>
+        </p:style>
+        <p:txBody>
+          <a:bodyPr rtlCol="0" anchor="ctr"/>
+          <a:lstStyle/>
+          <a:p>
+            <a:pPr algn="ctr"/>
+            <a:endParaRPr lang="ko-KR" altLang="en-US"/>
+          </a:p>
+        </p:txBody>
+      </p:sp>
+      <p:sp>
+        <p:nvSpPr>
+          <p:cNvPr id="6" name="직사각형 5"/>
+          <p:cNvSpPr/>
+          <p:nvPr/>
+        </p:nvSpPr>
+        <p:spPr>
+          <a:xfrm>
+            <a:off x="3771286" y="5013176"/>
+            <a:ext cx="576064" cy="576064"/>
+          </a:xfrm>
+          <a:prstGeom prst="rect">
+            <a:avLst/>
+          </a:prstGeom>
+        </p:spPr>
+        <p:style>
+          <a:lnRef idx="2">
+            <a:schemeClr val="accent1">
+              <a:shade val="50000"/>
+            </a:schemeClr>
+          </a:lnRef>
+          <a:fillRef idx="1">
+            <a:schemeClr val="accent1"/>
+          </a:fillRef>
+          <a:effectRef idx="0">
+            <a:schemeClr val="accent1"/>
+          </a:effectRef>
+          <a:fontRef idx="minor">
+            <a:schemeClr val="lt1"/>
+          </a:fontRef>
+        </p:style>
+        <p:txBody>
+          <a:bodyPr rtlCol="0" anchor="ctr"/>
+          <a:lstStyle/>
+          <a:p>
+            <a:pPr algn="ctr"/>
+            <a:endParaRPr lang="ko-KR" altLang="en-US"/>
+          </a:p>
+        </p:txBody>
+      </p:sp>
+      <p:sp>
+        <p:nvSpPr>
+          <p:cNvPr id="7" name="직사각형 6"/>
+          <p:cNvSpPr/>
+          <p:nvPr/>
+        </p:nvSpPr>
+        <p:spPr>
+          <a:xfrm>
+            <a:off x="3771286" y="4437112"/>
+            <a:ext cx="576064" cy="576064"/>
+          </a:xfrm>
+          <a:prstGeom prst="rect">
+            <a:avLst/>
+          </a:prstGeom>
+        </p:spPr>
+        <p:style>
+          <a:lnRef idx="2">
+            <a:schemeClr val="accent1">
+              <a:shade val="50000"/>
+            </a:schemeClr>
+          </a:lnRef>
+          <a:fillRef idx="1">
+            <a:schemeClr val="accent1"/>
+          </a:fillRef>
+          <a:effectRef idx="0">
+            <a:schemeClr val="accent1"/>
+          </a:effectRef>
+          <a:fontRef idx="minor">
+            <a:schemeClr val="lt1"/>
+          </a:fontRef>
+        </p:style>
+        <p:txBody>
+          <a:bodyPr rtlCol="0" anchor="ctr"/>
+          <a:lstStyle/>
+          <a:p>
+            <a:pPr algn="ctr"/>
+            <a:endParaRPr lang="ko-KR" altLang="en-US"/>
+          </a:p>
+        </p:txBody>
+      </p:sp>
+      <p:sp>
+        <p:nvSpPr>
+          <p:cNvPr id="8" name="직사각형 7"/>
+          <p:cNvSpPr/>
+          <p:nvPr/>
+        </p:nvSpPr>
+        <p:spPr>
+          <a:xfrm>
+            <a:off x="4353795" y="5013176"/>
+            <a:ext cx="576064" cy="576064"/>
+          </a:xfrm>
+          <a:prstGeom prst="rect">
+            <a:avLst/>
+          </a:prstGeom>
+        </p:spPr>
+        <p:style>
+          <a:lnRef idx="2">
+            <a:schemeClr val="accent1">
+              <a:shade val="50000"/>
+            </a:schemeClr>
+          </a:lnRef>
+          <a:fillRef idx="1">
+            <a:schemeClr val="accent1"/>
+          </a:fillRef>
+          <a:effectRef idx="0">
+            <a:schemeClr val="accent1"/>
+          </a:effectRef>
+          <a:fontRef idx="minor">
+            <a:schemeClr val="lt1"/>
+          </a:fontRef>
+        </p:style>
+        <p:txBody>
+          <a:bodyPr rtlCol="0" anchor="ctr"/>
+          <a:lstStyle/>
+          <a:p>
+            <a:pPr algn="ctr"/>
+            <a:endParaRPr lang="ko-KR" altLang="en-US"/>
+          </a:p>
+        </p:txBody>
+      </p:sp>
+      <p:sp>
+        <p:nvSpPr>
+          <p:cNvPr id="9" name="직사각형 8"/>
+          <p:cNvSpPr/>
+          <p:nvPr/>
+        </p:nvSpPr>
+        <p:spPr>
+          <a:xfrm>
+            <a:off x="4353795" y="4437112"/>
+            <a:ext cx="576064" cy="576064"/>
+          </a:xfrm>
+          <a:prstGeom prst="rect">
+            <a:avLst/>
+          </a:prstGeom>
+        </p:spPr>
+        <p:style>
+          <a:lnRef idx="2">
+            <a:schemeClr val="accent1">
+              <a:shade val="50000"/>
+            </a:schemeClr>
+          </a:lnRef>
+          <a:fillRef idx="1">
+            <a:schemeClr val="accent1"/>
+          </a:fillRef>
+          <a:effectRef idx="0">
+            <a:schemeClr val="accent1"/>
+          </a:effectRef>
+          <a:fontRef idx="minor">
+            <a:schemeClr val="lt1"/>
+          </a:fontRef>
+        </p:style>
+        <p:txBody>
+          <a:bodyPr rtlCol="0" anchor="ctr"/>
+          <a:lstStyle/>
+          <a:p>
+            <a:pPr algn="ctr"/>
+            <a:endParaRPr lang="ko-KR" altLang="en-US"/>
+          </a:p>
+        </p:txBody>
+      </p:sp>
+      <p:sp>
+        <p:nvSpPr>
+          <p:cNvPr id="10" name="직사각형 9"/>
+          <p:cNvSpPr/>
+          <p:nvPr/>
+        </p:nvSpPr>
+        <p:spPr>
+          <a:xfrm>
+            <a:off x="4353795" y="3861048"/>
+            <a:ext cx="576064" cy="576064"/>
+          </a:xfrm>
+          <a:prstGeom prst="rect">
+            <a:avLst/>
+          </a:prstGeom>
+        </p:spPr>
+        <p:style>
+          <a:lnRef idx="2">
+            <a:schemeClr val="accent1">
+              <a:shade val="50000"/>
+            </a:schemeClr>
+          </a:lnRef>
+          <a:fillRef idx="1">
+            <a:schemeClr val="accent1"/>
+          </a:fillRef>
+          <a:effectRef idx="0">
+            <a:schemeClr val="accent1"/>
+          </a:effectRef>
+          <a:fontRef idx="minor">
+            <a:schemeClr val="lt1"/>
+          </a:fontRef>
+        </p:style>
+        <p:txBody>
+          <a:bodyPr rtlCol="0" anchor="ctr"/>
+          <a:lstStyle/>
+          <a:p>
+            <a:pPr algn="ctr"/>
+            <a:endParaRPr lang="ko-KR" altLang="en-US"/>
+          </a:p>
+        </p:txBody>
+      </p:sp>
+      <p:sp>
+        <p:nvSpPr>
+          <p:cNvPr id="11" name="직사각형 10"/>
+          <p:cNvSpPr/>
+          <p:nvPr/>
+        </p:nvSpPr>
+        <p:spPr>
+          <a:xfrm>
+            <a:off x="4350525" y="3296381"/>
+            <a:ext cx="576064" cy="576064"/>
+          </a:xfrm>
+          <a:prstGeom prst="rect">
+            <a:avLst/>
+          </a:prstGeom>
+        </p:spPr>
+        <p:style>
+          <a:lnRef idx="2">
+            <a:schemeClr val="accent1">
+              <a:shade val="50000"/>
+            </a:schemeClr>
+          </a:lnRef>
+          <a:fillRef idx="1">
+            <a:schemeClr val="accent1"/>
+          </a:fillRef>
+          <a:effectRef idx="0">
+            <a:schemeClr val="accent1"/>
+          </a:effectRef>
+          <a:fontRef idx="minor">
+            <a:schemeClr val="lt1"/>
+          </a:fontRef>
+        </p:style>
+        <p:txBody>
+          <a:bodyPr rtlCol="0" anchor="ctr"/>
+          <a:lstStyle/>
+          <a:p>
+            <a:pPr algn="ctr"/>
+            <a:endParaRPr lang="ko-KR" altLang="en-US"/>
+          </a:p>
+        </p:txBody>
+      </p:sp>
+      <p:sp>
+        <p:nvSpPr>
+          <p:cNvPr id="12" name="직사각형 11"/>
+          <p:cNvSpPr/>
+          <p:nvPr/>
+        </p:nvSpPr>
+        <p:spPr>
+          <a:xfrm>
+            <a:off x="4928769" y="5013176"/>
+            <a:ext cx="576064" cy="576064"/>
+          </a:xfrm>
+          <a:prstGeom prst="rect">
+            <a:avLst/>
+          </a:prstGeom>
+        </p:spPr>
+        <p:style>
+          <a:lnRef idx="2">
+            <a:schemeClr val="accent1">
+              <a:shade val="50000"/>
+            </a:schemeClr>
+          </a:lnRef>
+          <a:fillRef idx="1">
+            <a:schemeClr val="accent1"/>
+          </a:fillRef>
+          <a:effectRef idx="0">
+            <a:schemeClr val="accent1"/>
+          </a:effectRef>
+          <a:fontRef idx="minor">
+            <a:schemeClr val="lt1"/>
+          </a:fontRef>
+        </p:style>
+        <p:txBody>
+          <a:bodyPr rtlCol="0" anchor="ctr"/>
+          <a:lstStyle/>
+          <a:p>
+            <a:pPr algn="ctr"/>
+            <a:endParaRPr lang="ko-KR" altLang="en-US"/>
+          </a:p>
+        </p:txBody>
+      </p:sp>
+      <p:sp>
+        <p:nvSpPr>
+          <p:cNvPr id="13" name="직사각형 12"/>
+          <p:cNvSpPr/>
+          <p:nvPr/>
+        </p:nvSpPr>
+        <p:spPr>
+          <a:xfrm>
+            <a:off x="4928769" y="4437112"/>
+            <a:ext cx="576064" cy="576064"/>
+          </a:xfrm>
+          <a:prstGeom prst="rect">
+            <a:avLst/>
+          </a:prstGeom>
+        </p:spPr>
+        <p:style>
+          <a:lnRef idx="2">
+            <a:schemeClr val="accent1">
+              <a:shade val="50000"/>
+            </a:schemeClr>
+          </a:lnRef>
+          <a:fillRef idx="1">
+            <a:schemeClr val="accent1"/>
+          </a:fillRef>
+          <a:effectRef idx="0">
+            <a:schemeClr val="accent1"/>
+          </a:effectRef>
+          <a:fontRef idx="minor">
+            <a:schemeClr val="lt1"/>
+          </a:fontRef>
+        </p:style>
+        <p:txBody>
+          <a:bodyPr rtlCol="0" anchor="ctr"/>
+          <a:lstStyle/>
+          <a:p>
+            <a:pPr algn="ctr"/>
+            <a:endParaRPr lang="ko-KR" altLang="en-US"/>
+          </a:p>
+        </p:txBody>
+      </p:sp>
+      <p:sp>
+        <p:nvSpPr>
+          <p:cNvPr id="14" name="직사각형 13"/>
+          <p:cNvSpPr/>
+          <p:nvPr/>
+        </p:nvSpPr>
+        <p:spPr>
+          <a:xfrm>
+            <a:off x="4928769" y="3872445"/>
+            <a:ext cx="576064" cy="576064"/>
+          </a:xfrm>
+          <a:prstGeom prst="rect">
+            <a:avLst/>
+          </a:prstGeom>
+        </p:spPr>
+        <p:style>
+          <a:lnRef idx="2">
+            <a:schemeClr val="accent1">
+              <a:shade val="50000"/>
+            </a:schemeClr>
+          </a:lnRef>
+          <a:fillRef idx="1">
+            <a:schemeClr val="accent1"/>
+          </a:fillRef>
+          <a:effectRef idx="0">
+            <a:schemeClr val="accent1"/>
+          </a:effectRef>
+          <a:fontRef idx="minor">
+            <a:schemeClr val="lt1"/>
+          </a:fontRef>
+        </p:style>
+        <p:txBody>
+          <a:bodyPr rtlCol="0" anchor="ctr"/>
+          <a:lstStyle/>
+          <a:p>
+            <a:pPr algn="ctr"/>
+            <a:endParaRPr lang="ko-KR" altLang="en-US"/>
+          </a:p>
+        </p:txBody>
+      </p:sp>
+      <p:sp>
+        <p:nvSpPr>
+          <p:cNvPr id="15" name="직사각형 14"/>
+          <p:cNvSpPr/>
+          <p:nvPr/>
+        </p:nvSpPr>
+        <p:spPr>
+          <a:xfrm>
+            <a:off x="4928769" y="3296381"/>
+            <a:ext cx="576064" cy="576064"/>
+          </a:xfrm>
+          <a:prstGeom prst="rect">
+            <a:avLst/>
+          </a:prstGeom>
+        </p:spPr>
+        <p:style>
+          <a:lnRef idx="2">
+            <a:schemeClr val="accent1">
+              <a:shade val="50000"/>
+            </a:schemeClr>
+          </a:lnRef>
+          <a:fillRef idx="1">
+            <a:schemeClr val="accent1"/>
+          </a:fillRef>
+          <a:effectRef idx="0">
+            <a:schemeClr val="accent1"/>
+          </a:effectRef>
+          <a:fontRef idx="minor">
+            <a:schemeClr val="lt1"/>
+          </a:fontRef>
+        </p:style>
+        <p:txBody>
+          <a:bodyPr rtlCol="0" anchor="ctr"/>
+          <a:lstStyle/>
+          <a:p>
+            <a:pPr algn="ctr"/>
+            <a:endParaRPr lang="ko-KR" altLang="en-US"/>
+          </a:p>
+        </p:txBody>
+      </p:sp>
+      <p:sp>
+        <p:nvSpPr>
+          <p:cNvPr id="16" name="직사각형 15"/>
+          <p:cNvSpPr/>
+          <p:nvPr/>
+        </p:nvSpPr>
+        <p:spPr>
+          <a:xfrm>
+            <a:off x="4928769" y="2721888"/>
+            <a:ext cx="576064" cy="576064"/>
+          </a:xfrm>
+          <a:prstGeom prst="rect">
+            <a:avLst/>
+          </a:prstGeom>
+        </p:spPr>
+        <p:style>
+          <a:lnRef idx="2">
+            <a:schemeClr val="accent1">
+              <a:shade val="50000"/>
+            </a:schemeClr>
+          </a:lnRef>
+          <a:fillRef idx="1">
+            <a:schemeClr val="accent1"/>
+          </a:fillRef>
+          <a:effectRef idx="0">
+            <a:schemeClr val="accent1"/>
+          </a:effectRef>
+          <a:fontRef idx="minor">
+            <a:schemeClr val="lt1"/>
+          </a:fontRef>
+        </p:style>
+        <p:txBody>
+          <a:bodyPr rtlCol="0" anchor="ctr"/>
+          <a:lstStyle/>
+          <a:p>
+            <a:pPr algn="ctr"/>
+            <a:endParaRPr lang="ko-KR" altLang="en-US"/>
+          </a:p>
+        </p:txBody>
+      </p:sp>
+      <p:sp>
+        <p:nvSpPr>
+          <p:cNvPr id="17" name="직사각형 16"/>
+          <p:cNvSpPr/>
+          <p:nvPr/>
+        </p:nvSpPr>
+        <p:spPr>
+          <a:xfrm>
+            <a:off x="4928769" y="2145824"/>
+            <a:ext cx="576064" cy="576064"/>
+          </a:xfrm>
+          <a:prstGeom prst="rect">
+            <a:avLst/>
+          </a:prstGeom>
+        </p:spPr>
+        <p:style>
+          <a:lnRef idx="2">
+            <a:schemeClr val="accent1">
+              <a:shade val="50000"/>
+            </a:schemeClr>
+          </a:lnRef>
+          <a:fillRef idx="1">
+            <a:schemeClr val="accent1"/>
+          </a:fillRef>
+          <a:effectRef idx="0">
+            <a:schemeClr val="accent1"/>
+          </a:effectRef>
+          <a:fontRef idx="minor">
+            <a:schemeClr val="lt1"/>
+          </a:fontRef>
+        </p:style>
+        <p:txBody>
+          <a:bodyPr rtlCol="0" anchor="ctr"/>
+          <a:lstStyle/>
+          <a:p>
+            <a:pPr algn="ctr"/>
+            <a:endParaRPr lang="ko-KR" altLang="en-US"/>
+          </a:p>
+        </p:txBody>
+      </p:sp>
+      <p:sp>
+        <p:nvSpPr>
+          <p:cNvPr id="18" name="직사각형 17"/>
+          <p:cNvSpPr/>
+          <p:nvPr/>
+        </p:nvSpPr>
+        <p:spPr>
+          <a:xfrm>
+            <a:off x="4928769" y="1581157"/>
+            <a:ext cx="576064" cy="576064"/>
+          </a:xfrm>
+          <a:prstGeom prst="rect">
+            <a:avLst/>
+          </a:prstGeom>
+        </p:spPr>
+        <p:style>
+          <a:lnRef idx="2">
+            <a:schemeClr val="accent1">
+              <a:shade val="50000"/>
+            </a:schemeClr>
+          </a:lnRef>
+          <a:fillRef idx="1">
+            <a:schemeClr val="accent1"/>
+          </a:fillRef>
+          <a:effectRef idx="0">
+            <a:schemeClr val="accent1"/>
+          </a:effectRef>
+          <a:fontRef idx="minor">
+            <a:schemeClr val="lt1"/>
+          </a:fontRef>
+        </p:style>
+        <p:txBody>
+          <a:bodyPr rtlCol="0" anchor="ctr"/>
+          <a:lstStyle/>
+          <a:p>
+            <a:pPr algn="ctr"/>
+            <a:endParaRPr lang="ko-KR" altLang="en-US"/>
+          </a:p>
+        </p:txBody>
+      </p:sp>
+      <p:sp>
+        <p:nvSpPr>
+          <p:cNvPr id="19" name="직사각형 18"/>
+          <p:cNvSpPr/>
+          <p:nvPr/>
+        </p:nvSpPr>
+        <p:spPr>
+          <a:xfrm>
+            <a:off x="4928769" y="1016490"/>
+            <a:ext cx="576064" cy="576064"/>
+          </a:xfrm>
+          <a:prstGeom prst="rect">
+            <a:avLst/>
+          </a:prstGeom>
+        </p:spPr>
+        <p:style>
+          <a:lnRef idx="2">
+            <a:schemeClr val="accent1">
+              <a:shade val="50000"/>
+            </a:schemeClr>
+          </a:lnRef>
+          <a:fillRef idx="1">
+            <a:schemeClr val="accent1"/>
+          </a:fillRef>
+          <a:effectRef idx="0">
+            <a:schemeClr val="accent1"/>
+          </a:effectRef>
+          <a:fontRef idx="minor">
+            <a:schemeClr val="lt1"/>
+          </a:fontRef>
+        </p:style>
+        <p:txBody>
+          <a:bodyPr rtlCol="0" anchor="ctr"/>
+          <a:lstStyle/>
+          <a:p>
+            <a:pPr algn="ctr"/>
+            <a:endParaRPr lang="ko-KR" altLang="en-US"/>
+          </a:p>
+        </p:txBody>
+      </p:sp>
+      <mc:AlternateContent xmlns:mc="http://schemas.openxmlformats.org/markup-compatibility/2006" xmlns:a14="http://schemas.microsoft.com/office/drawing/2010/main">
+        <mc:Choice Requires="a14">
+          <p:sp>
+            <p:nvSpPr>
+              <p:cNvPr id="20" name="TextBox 19"/>
+              <p:cNvSpPr txBox="1"/>
+              <p:nvPr/>
+            </p:nvSpPr>
+            <p:spPr>
+              <a:xfrm>
+                <a:off x="5777645" y="4005064"/>
+                <a:ext cx="463588" cy="369332"/>
+              </a:xfrm>
+              <a:prstGeom prst="rect">
+                <a:avLst/>
+              </a:prstGeom>
+              <a:noFill/>
+            </p:spPr>
+            <p:txBody>
+              <a:bodyPr wrap="none" rtlCol="0">
+                <a:spAutoFit/>
+              </a:bodyPr>
+              <a:lstStyle/>
+              <a:p>
+                <a:pPr/>
+                <a14:m>
+                  <m:oMathPara xmlns:m="http://schemas.openxmlformats.org/officeDocument/2006/math">
+                    <m:oMathParaPr>
+                      <m:jc m:val="centerGroup"/>
+                    </m:oMathParaPr>
+                    <m:oMath xmlns:m="http://schemas.openxmlformats.org/officeDocument/2006/math">
+                      <m:r>
+                        <a:rPr lang="en-US" altLang="ko-KR" b="0" i="1" smtClean="0">
+                          <a:latin typeface="Cambria Math"/>
+                        </a:rPr>
+                        <m:t>⋯</m:t>
+                      </m:r>
+                    </m:oMath>
+                  </m:oMathPara>
+                </a14:m>
+                <a:endParaRPr lang="ko-KR" altLang="en-US" dirty="0"/>
+              </a:p>
+            </p:txBody>
+          </p:sp>
+        </mc:Choice>
+        <mc:Fallback xmlns="">
+          <p:sp>
+            <p:nvSpPr>
+              <p:cNvPr id="20" name="TextBox 19"/>
+              <p:cNvSpPr txBox="1">
+                <a:spLocks noRot="1" noChangeAspect="1" noMove="1" noResize="1" noEditPoints="1" noAdjustHandles="1" noChangeArrowheads="1" noChangeShapeType="1" noTextEdit="1"/>
+              </p:cNvSpPr>
+              <p:nvPr/>
+            </p:nvSpPr>
+            <p:spPr>
+              <a:xfrm>
+                <a:off x="5777645" y="4005064"/>
+                <a:ext cx="463588" cy="369332"/>
+              </a:xfrm>
+              <a:prstGeom prst="rect">
+                <a:avLst/>
+              </a:prstGeom>
+              <a:blipFill rotWithShape="1">
+                <a:blip r:embed="rId2"/>
+                <a:stretch>
+                  <a:fillRect/>
+                </a:stretch>
+              </a:blipFill>
+            </p:spPr>
+            <p:txBody>
+              <a:bodyPr/>
+              <a:lstStyle/>
+              <a:p>
+                <a:r>
+                  <a:rPr lang="ko-KR" altLang="en-US">
+                    <a:noFill/>
+                  </a:rPr>
+                  <a:t> </a:t>
+                </a:r>
+              </a:p>
+            </p:txBody>
+          </p:sp>
+        </mc:Fallback>
+      </mc:AlternateContent>
+      <p:sp>
+        <p:nvSpPr>
+          <p:cNvPr id="21" name="TextBox 20"/>
+          <p:cNvSpPr txBox="1"/>
+          <p:nvPr/>
+        </p:nvSpPr>
+        <p:spPr>
+          <a:xfrm>
+            <a:off x="3373742" y="5661248"/>
+            <a:ext cx="216443" cy="369332"/>
+          </a:xfrm>
+          <a:prstGeom prst="rect">
+            <a:avLst/>
+          </a:prstGeom>
+          <a:noFill/>
+        </p:spPr>
+        <p:txBody>
+          <a:bodyPr wrap="square" rtlCol="0">
+            <a:spAutoFit/>
+          </a:bodyPr>
+          <a:lstStyle/>
+          <a:p>
+            <a:pPr algn="ctr"/>
+            <a:r>
+              <a:rPr lang="en-US" altLang="ko-KR" dirty="0"/>
+              <a:t>0</a:t>
+            </a:r>
+            <a:endParaRPr lang="ko-KR" altLang="en-US" dirty="0"/>
+          </a:p>
+        </p:txBody>
+      </p:sp>
+      <p:sp>
+        <p:nvSpPr>
+          <p:cNvPr id="22" name="TextBox 21"/>
+          <p:cNvSpPr txBox="1"/>
+          <p:nvPr/>
+        </p:nvSpPr>
+        <p:spPr>
+          <a:xfrm>
+            <a:off x="3951096" y="5661248"/>
+            <a:ext cx="216443" cy="369332"/>
+          </a:xfrm>
+          <a:prstGeom prst="rect">
+            <a:avLst/>
+          </a:prstGeom>
+          <a:noFill/>
+        </p:spPr>
+        <p:txBody>
+          <a:bodyPr wrap="square" rtlCol="0">
+            <a:spAutoFit/>
+          </a:bodyPr>
+          <a:lstStyle/>
+          <a:p>
+            <a:pPr algn="ctr"/>
+            <a:r>
+              <a:rPr lang="en-US" altLang="ko-KR" dirty="0"/>
+              <a:t>1</a:t>
+            </a:r>
+            <a:endParaRPr lang="ko-KR" altLang="en-US" dirty="0"/>
+          </a:p>
+        </p:txBody>
+      </p:sp>
+      <p:sp>
+        <p:nvSpPr>
+          <p:cNvPr id="23" name="TextBox 22"/>
+          <p:cNvSpPr txBox="1"/>
+          <p:nvPr/>
+        </p:nvSpPr>
+        <p:spPr>
+          <a:xfrm>
+            <a:off x="4533605" y="5661248"/>
+            <a:ext cx="216443" cy="369332"/>
+          </a:xfrm>
+          <a:prstGeom prst="rect">
+            <a:avLst/>
+          </a:prstGeom>
+          <a:noFill/>
+        </p:spPr>
+        <p:txBody>
+          <a:bodyPr wrap="square" rtlCol="0">
+            <a:spAutoFit/>
+          </a:bodyPr>
+          <a:lstStyle/>
+          <a:p>
+            <a:pPr algn="ctr"/>
+            <a:r>
+              <a:rPr lang="en-US" altLang="ko-KR" dirty="0"/>
+              <a:t>2</a:t>
+            </a:r>
+            <a:endParaRPr lang="ko-KR" altLang="en-US" dirty="0"/>
+          </a:p>
+        </p:txBody>
+      </p:sp>
+      <p:sp>
+        <p:nvSpPr>
+          <p:cNvPr id="24" name="TextBox 23"/>
+          <p:cNvSpPr txBox="1"/>
+          <p:nvPr/>
+        </p:nvSpPr>
+        <p:spPr>
+          <a:xfrm>
+            <a:off x="5108579" y="5661248"/>
+            <a:ext cx="216443" cy="369332"/>
+          </a:xfrm>
+          <a:prstGeom prst="rect">
+            <a:avLst/>
+          </a:prstGeom>
+          <a:noFill/>
+        </p:spPr>
+        <p:txBody>
+          <a:bodyPr wrap="square" rtlCol="0">
+            <a:spAutoFit/>
+          </a:bodyPr>
+          <a:lstStyle/>
+          <a:p>
+            <a:pPr algn="ctr"/>
+            <a:r>
+              <a:rPr lang="en-US" altLang="ko-KR" dirty="0"/>
+              <a:t>3</a:t>
+            </a:r>
+            <a:endParaRPr lang="ko-KR" altLang="en-US" dirty="0"/>
+          </a:p>
+        </p:txBody>
+      </p:sp>
+      <p:sp>
+        <p:nvSpPr>
+          <p:cNvPr id="25" name="원호 24"/>
+          <p:cNvSpPr/>
+          <p:nvPr/>
+        </p:nvSpPr>
+        <p:spPr>
+          <a:xfrm>
+            <a:off x="3348964" y="4615780"/>
+            <a:ext cx="648072" cy="648072"/>
+          </a:xfrm>
+          <a:prstGeom prst="arc">
+            <a:avLst>
+              <a:gd name="adj1" fmla="val 10876109"/>
+              <a:gd name="adj2" fmla="val 16412745"/>
+            </a:avLst>
+          </a:prstGeom>
+          <a:ln>
+            <a:solidFill>
+              <a:schemeClr val="tx1"/>
+            </a:solidFill>
+            <a:headEnd type="none" w="med" len="med"/>
+            <a:tailEnd type="arrow" w="med" len="med"/>
+          </a:ln>
+        </p:spPr>
+        <p:style>
+          <a:lnRef idx="1">
+            <a:schemeClr val="accent1"/>
+          </a:lnRef>
+          <a:fillRef idx="0">
+            <a:schemeClr val="accent1"/>
+          </a:fillRef>
+          <a:effectRef idx="0">
+            <a:schemeClr val="accent1"/>
+          </a:effectRef>
+          <a:fontRef idx="minor">
+            <a:schemeClr val="tx1"/>
+          </a:fontRef>
+        </p:style>
+        <p:txBody>
+          <a:bodyPr rtlCol="0" anchor="ctr"/>
+          <a:lstStyle/>
+          <a:p>
+            <a:pPr algn="ctr"/>
+            <a:endParaRPr lang="ko-KR" altLang="en-US"/>
+          </a:p>
+        </p:txBody>
+      </p:sp>
+      <p:sp>
+        <p:nvSpPr>
+          <p:cNvPr id="26" name="원호 25"/>
+          <p:cNvSpPr/>
+          <p:nvPr/>
+        </p:nvSpPr>
+        <p:spPr>
+          <a:xfrm>
+            <a:off x="3885533" y="4005064"/>
+            <a:ext cx="648072" cy="648072"/>
+          </a:xfrm>
+          <a:prstGeom prst="arc">
+            <a:avLst>
+              <a:gd name="adj1" fmla="val 10876109"/>
+              <a:gd name="adj2" fmla="val 16412745"/>
+            </a:avLst>
+          </a:prstGeom>
+          <a:ln>
+            <a:solidFill>
+              <a:schemeClr val="tx1"/>
+            </a:solidFill>
+            <a:headEnd type="none" w="med" len="med"/>
+            <a:tailEnd type="arrow" w="med" len="med"/>
+          </a:ln>
+        </p:spPr>
+        <p:style>
+          <a:lnRef idx="1">
+            <a:schemeClr val="accent1"/>
+          </a:lnRef>
+          <a:fillRef idx="0">
+            <a:schemeClr val="accent1"/>
+          </a:fillRef>
+          <a:effectRef idx="0">
+            <a:schemeClr val="accent1"/>
+          </a:effectRef>
+          <a:fontRef idx="minor">
+            <a:schemeClr val="tx1"/>
+          </a:fontRef>
+        </p:style>
+        <p:txBody>
+          <a:bodyPr rtlCol="0" anchor="ctr"/>
+          <a:lstStyle/>
+          <a:p>
+            <a:pPr algn="ctr"/>
+            <a:endParaRPr lang="ko-KR" altLang="en-US"/>
+          </a:p>
+        </p:txBody>
+      </p:sp>
+      <p:sp>
+        <p:nvSpPr>
+          <p:cNvPr id="27" name="원호 26"/>
+          <p:cNvSpPr/>
+          <p:nvPr/>
+        </p:nvSpPr>
+        <p:spPr>
+          <a:xfrm>
+            <a:off x="4460507" y="2921473"/>
+            <a:ext cx="648072" cy="648072"/>
+          </a:xfrm>
+          <a:prstGeom prst="arc">
+            <a:avLst>
+              <a:gd name="adj1" fmla="val 10876109"/>
+              <a:gd name="adj2" fmla="val 16412745"/>
+            </a:avLst>
+          </a:prstGeom>
+          <a:ln>
+            <a:solidFill>
+              <a:schemeClr val="tx1"/>
+            </a:solidFill>
+            <a:headEnd type="none" w="med" len="med"/>
+            <a:tailEnd type="arrow" w="med" len="med"/>
+          </a:ln>
+        </p:spPr>
+        <p:style>
+          <a:lnRef idx="1">
+            <a:schemeClr val="accent1"/>
+          </a:lnRef>
+          <a:fillRef idx="0">
+            <a:schemeClr val="accent1"/>
+          </a:fillRef>
+          <a:effectRef idx="0">
+            <a:schemeClr val="accent1"/>
+          </a:effectRef>
+          <a:fontRef idx="minor">
+            <a:schemeClr val="tx1"/>
+          </a:fontRef>
+        </p:style>
+        <p:txBody>
+          <a:bodyPr rtlCol="0" anchor="ctr"/>
+          <a:lstStyle/>
+          <a:p>
+            <a:pPr algn="ctr"/>
+            <a:endParaRPr lang="ko-KR" altLang="en-US"/>
+          </a:p>
+        </p:txBody>
+      </p:sp>
+      <p:sp>
+        <p:nvSpPr>
+          <p:cNvPr id="28" name="TextBox 27"/>
+          <p:cNvSpPr txBox="1"/>
+          <p:nvPr/>
+        </p:nvSpPr>
+        <p:spPr>
+          <a:xfrm>
+            <a:off x="1478817" y="3039829"/>
+            <a:ext cx="2839450" cy="715089"/>
+          </a:xfrm>
+          <a:prstGeom prst="roundRect">
+            <a:avLst/>
+          </a:prstGeom>
+          <a:noFill/>
+          <a:ln>
+            <a:solidFill>
+              <a:schemeClr val="tx1"/>
+            </a:solidFill>
+          </a:ln>
+        </p:spPr>
+        <p:txBody>
+          <a:bodyPr wrap="none" rtlCol="0">
+            <a:spAutoFit/>
+          </a:bodyPr>
+          <a:lstStyle/>
+          <a:p>
+            <a:pPr algn="ctr"/>
+            <a:r>
+              <a:rPr lang="en-US" altLang="ko-KR" dirty="0"/>
+              <a:t>The growth of the next step</a:t>
+            </a:r>
+          </a:p>
+          <a:p>
+            <a:pPr algn="ctr"/>
+            <a:r>
+              <a:rPr lang="en-US" altLang="ko-KR" dirty="0"/>
+              <a:t>is as much as itself!</a:t>
+            </a:r>
+            <a:endParaRPr lang="ko-KR" altLang="en-US" dirty="0"/>
+          </a:p>
+        </p:txBody>
+      </p:sp>
+      <mc:AlternateContent xmlns:mc="http://schemas.openxmlformats.org/markup-compatibility/2006" xmlns:a14="http://schemas.microsoft.com/office/drawing/2010/main">
+        <mc:Choice Requires="a14">
+          <p:sp>
+            <p:nvSpPr>
+              <p:cNvPr id="29" name="TextBox 28"/>
+              <p:cNvSpPr txBox="1"/>
+              <p:nvPr/>
+            </p:nvSpPr>
+            <p:spPr>
+              <a:xfrm>
+                <a:off x="6588224" y="5589240"/>
+                <a:ext cx="808811" cy="369332"/>
+              </a:xfrm>
+              <a:prstGeom prst="rect">
+                <a:avLst/>
+              </a:prstGeom>
+              <a:noFill/>
+            </p:spPr>
+            <p:txBody>
+              <a:bodyPr wrap="none" rtlCol="0">
+                <a:spAutoFit/>
+              </a:bodyPr>
+              <a:lstStyle/>
+              <a:p>
+                <a:pPr/>
+                <a14:m>
+                  <m:oMathPara xmlns:m="http://schemas.openxmlformats.org/officeDocument/2006/math">
+                    <m:oMathParaPr>
+                      <m:jc m:val="centerGroup"/>
+                    </m:oMathParaPr>
+                    <m:oMath xmlns:m="http://schemas.openxmlformats.org/officeDocument/2006/math">
+                      <m:r>
+                        <a:rPr lang="en-US" altLang="ko-KR" b="0" i="1" smtClean="0">
+                          <a:latin typeface="Cambria Math"/>
+                        </a:rPr>
+                        <m:t>𝑥</m:t>
+                      </m:r>
+                      <m:r>
+                        <a:rPr lang="en-US" altLang="ko-KR" b="0" i="1" smtClean="0">
+                          <a:latin typeface="Cambria Math"/>
+                        </a:rPr>
+                        <m:t>∈</m:t>
+                      </m:r>
+                      <m:r>
+                        <a:rPr lang="en-US" altLang="ko-KR" b="0" i="1" smtClean="0">
+                          <a:latin typeface="Cambria Math"/>
+                          <a:ea typeface="Cambria Math"/>
+                        </a:rPr>
+                        <m:t>ℤ</m:t>
+                      </m:r>
+                    </m:oMath>
+                  </m:oMathPara>
+                </a14:m>
+                <a:endParaRPr lang="ko-KR" altLang="en-US" dirty="0"/>
+              </a:p>
+            </p:txBody>
+          </p:sp>
+        </mc:Choice>
+        <mc:Fallback xmlns="">
+          <p:sp>
+            <p:nvSpPr>
+              <p:cNvPr id="29" name="TextBox 28"/>
+              <p:cNvSpPr txBox="1">
+                <a:spLocks noRot="1" noChangeAspect="1" noMove="1" noResize="1" noEditPoints="1" noAdjustHandles="1" noChangeArrowheads="1" noChangeShapeType="1" noTextEdit="1"/>
+              </p:cNvSpPr>
+              <p:nvPr/>
+            </p:nvSpPr>
+            <p:spPr>
+              <a:xfrm>
+                <a:off x="6588224" y="5589240"/>
+                <a:ext cx="808811" cy="369332"/>
+              </a:xfrm>
+              <a:prstGeom prst="rect">
+                <a:avLst/>
+              </a:prstGeom>
+              <a:blipFill rotWithShape="1">
+                <a:blip r:embed="rId3"/>
+                <a:stretch>
+                  <a:fillRect/>
+                </a:stretch>
+              </a:blipFill>
+            </p:spPr>
+            <p:txBody>
+              <a:bodyPr/>
+              <a:lstStyle/>
+              <a:p>
+                <a:r>
+                  <a:rPr lang="ko-KR" altLang="en-US">
+                    <a:noFill/>
+                  </a:rPr>
+                  <a:t> </a:t>
+                </a:r>
+              </a:p>
+            </p:txBody>
+          </p:sp>
+        </mc:Fallback>
+      </mc:AlternateContent>
+      <mc:AlternateContent xmlns:mc="http://schemas.openxmlformats.org/markup-compatibility/2006" xmlns:a14="http://schemas.microsoft.com/office/drawing/2010/main">
+        <mc:Choice Requires="a14">
+          <p:sp>
+            <p:nvSpPr>
+              <p:cNvPr id="30" name="TextBox 29"/>
+              <p:cNvSpPr txBox="1"/>
+              <p:nvPr/>
+            </p:nvSpPr>
+            <p:spPr>
+              <a:xfrm>
+                <a:off x="2983825" y="1884932"/>
+                <a:ext cx="1369542" cy="523220"/>
+              </a:xfrm>
+              <a:prstGeom prst="rect">
+                <a:avLst/>
+              </a:prstGeom>
+              <a:noFill/>
+            </p:spPr>
+            <p:txBody>
+              <a:bodyPr wrap="none" rtlCol="0">
+                <a:spAutoFit/>
+              </a:bodyPr>
+              <a:lstStyle/>
+              <a:p>
+                <a:pPr/>
+                <a14:m>
+                  <m:oMathPara xmlns:m="http://schemas.openxmlformats.org/officeDocument/2006/math">
+                    <m:oMathParaPr>
+                      <m:jc m:val="centerGroup"/>
+                    </m:oMathParaPr>
+                    <m:oMath xmlns:m="http://schemas.openxmlformats.org/officeDocument/2006/math">
+                      <m:r>
+                        <a:rPr lang="en-US" altLang="ko-KR" sz="2800" b="0" i="1" smtClean="0">
+                          <a:latin typeface="Cambria Math"/>
+                        </a:rPr>
+                        <m:t>𝑦</m:t>
+                      </m:r>
+                      <m:r>
+                        <a:rPr lang="en-US" altLang="ko-KR" sz="2800" b="0" i="1" smtClean="0">
+                          <a:latin typeface="Cambria Math"/>
+                        </a:rPr>
+                        <m:t>=</m:t>
+                      </m:r>
+                      <m:sSup>
+                        <m:sSupPr>
+                          <m:ctrlPr>
+                            <a:rPr lang="en-US" altLang="ko-KR" sz="2800" b="0" i="1" smtClean="0">
+                              <a:latin typeface="Cambria Math" panose="02040503050406030204" pitchFamily="18" charset="0"/>
+                            </a:rPr>
+                          </m:ctrlPr>
+                        </m:sSupPr>
+                        <m:e>
+                          <m:r>
+                            <a:rPr lang="en-US" altLang="ko-KR" sz="2800" b="0" i="1" smtClean="0">
+                              <a:latin typeface="Cambria Math"/>
+                            </a:rPr>
+                            <m:t>2</m:t>
+                          </m:r>
+                        </m:e>
+                        <m:sup>
+                          <m:r>
+                            <a:rPr lang="en-US" altLang="ko-KR" sz="2800" b="0" i="1" smtClean="0">
+                              <a:latin typeface="Cambria Math"/>
+                            </a:rPr>
+                            <m:t>𝑥</m:t>
+                          </m:r>
+                        </m:sup>
+                      </m:sSup>
+                    </m:oMath>
+                  </m:oMathPara>
+                </a14:m>
+                <a:endParaRPr lang="ko-KR" altLang="en-US" sz="2800" dirty="0"/>
+              </a:p>
+            </p:txBody>
+          </p:sp>
+        </mc:Choice>
+        <mc:Fallback xmlns="">
+          <p:sp>
+            <p:nvSpPr>
+              <p:cNvPr id="30" name="TextBox 29"/>
+              <p:cNvSpPr txBox="1">
+                <a:spLocks noRot="1" noChangeAspect="1" noMove="1" noResize="1" noEditPoints="1" noAdjustHandles="1" noChangeArrowheads="1" noChangeShapeType="1" noTextEdit="1"/>
+              </p:cNvSpPr>
+              <p:nvPr/>
+            </p:nvSpPr>
+            <p:spPr>
+              <a:xfrm>
+                <a:off x="2983825" y="1884932"/>
+                <a:ext cx="1369542" cy="523220"/>
+              </a:xfrm>
+              <a:prstGeom prst="rect">
+                <a:avLst/>
+              </a:prstGeom>
+              <a:blipFill rotWithShape="1">
+                <a:blip r:embed="rId4"/>
+                <a:stretch>
+                  <a:fillRect/>
+                </a:stretch>
+              </a:blipFill>
+            </p:spPr>
+            <p:txBody>
+              <a:bodyPr/>
+              <a:lstStyle/>
+              <a:p>
+                <a:r>
+                  <a:rPr lang="ko-KR" altLang="en-US">
+                    <a:noFill/>
+                  </a:rPr>
+                  <a:t> </a:t>
+                </a:r>
+              </a:p>
+            </p:txBody>
+          </p:sp>
+        </mc:Fallback>
+      </mc:AlternateContent>
+    </p:spTree>
+    <p:extLst>
+      <p:ext uri="{BB962C8B-B14F-4D97-AF65-F5344CB8AC3E}">
+        <p14:creationId xmlns:p14="http://schemas.microsoft.com/office/powerpoint/2010/main" val="2455821457"/>
       </p:ext>
     </p:extLst>
   </p:cSld>
@@ -9696,7 +16265,7 @@
   <a:extraClrSchemeLst/>
   <a:extLst>
     <a:ext uri="{05A4C25C-085E-4340-85A3-A5531E510DB2}">
-      <thm15:themeFamily xmlns:thm15="http://schemas.microsoft.com/office/thememl/2012/main" xmlns="" name="Office Theme" id="{62F939B6-93AF-4DB8-9C6B-D6C7DFDC589F}" vid="{4A3C46E8-61CC-4603-A589-7422A47A8E4A}"/>
+      <thm15:themeFamily xmlns:thm15="http://schemas.microsoft.com/office/thememl/2012/main" name="Office Theme" id="{62F939B6-93AF-4DB8-9C6B-D6C7DFDC589F}" vid="{4A3C46E8-61CC-4603-A589-7422A47A8E4A}"/>
     </a:ext>
   </a:extLst>
 </a:theme>
